--- a/Interactive_jobs/Baskerville-Interactive-jobs.pptx
+++ b/Interactive_jobs/Baskerville-Interactive-jobs.pptx
@@ -8,16 +8,35 @@
     <p:sldId id="256" r:id="rId5"/>
     <p:sldId id="268" r:id="rId6"/>
     <p:sldId id="274" r:id="rId7"/>
-    <p:sldId id="269" r:id="rId8"/>
-    <p:sldId id="273" r:id="rId9"/>
-    <p:sldId id="270" r:id="rId10"/>
-    <p:sldId id="275" r:id="rId11"/>
-    <p:sldId id="279" r:id="rId12"/>
-    <p:sldId id="259" r:id="rId13"/>
-    <p:sldId id="277" r:id="rId14"/>
-    <p:sldId id="276" r:id="rId15"/>
-    <p:sldId id="278" r:id="rId16"/>
-    <p:sldId id="267" r:id="rId17"/>
+    <p:sldId id="270" r:id="rId8"/>
+    <p:sldId id="269" r:id="rId9"/>
+    <p:sldId id="273" r:id="rId10"/>
+    <p:sldId id="280" r:id="rId11"/>
+    <p:sldId id="281" r:id="rId12"/>
+    <p:sldId id="283" r:id="rId13"/>
+    <p:sldId id="282" r:id="rId14"/>
+    <p:sldId id="275" r:id="rId15"/>
+    <p:sldId id="279" r:id="rId16"/>
+    <p:sldId id="284" r:id="rId17"/>
+    <p:sldId id="288" r:id="rId18"/>
+    <p:sldId id="277" r:id="rId19"/>
+    <p:sldId id="291" r:id="rId20"/>
+    <p:sldId id="293" r:id="rId21"/>
+    <p:sldId id="292" r:id="rId22"/>
+    <p:sldId id="294" r:id="rId23"/>
+    <p:sldId id="296" r:id="rId24"/>
+    <p:sldId id="297" r:id="rId25"/>
+    <p:sldId id="295" r:id="rId26"/>
+    <p:sldId id="298" r:id="rId27"/>
+    <p:sldId id="289" r:id="rId28"/>
+    <p:sldId id="259" r:id="rId29"/>
+    <p:sldId id="286" r:id="rId30"/>
+    <p:sldId id="285" r:id="rId31"/>
+    <p:sldId id="287" r:id="rId32"/>
+    <p:sldId id="278" r:id="rId33"/>
+    <p:sldId id="276" r:id="rId34"/>
+    <p:sldId id="290" r:id="rId35"/>
+    <p:sldId id="267" r:id="rId36"/>
   </p:sldIdLst>
   <p:sldSz cx="12192000" cy="6858000"/>
   <p:notesSz cx="6858000" cy="9144000"/>
@@ -319,7 +338,7 @@
           <a:p>
             <a:fld id="{073F35EF-A6EE-47AC-A495-9B6E931EEBD2}" type="datetimeFigureOut">
               <a:rPr lang="en-GB" smtClean="0"/>
-              <a:t>12/02/2024</a:t>
+              <a:t>15/01/2025</a:t>
             </a:fld>
             <a:endParaRPr lang="en-GB"/>
           </a:p>
@@ -596,7 +615,7 @@
           <a:p>
             <a:fld id="{073F35EF-A6EE-47AC-A495-9B6E931EEBD2}" type="datetimeFigureOut">
               <a:rPr lang="en-GB" smtClean="0"/>
-              <a:t>12/02/2024</a:t>
+              <a:t>15/01/2025</a:t>
             </a:fld>
             <a:endParaRPr lang="en-GB"/>
           </a:p>
@@ -853,7 +872,7 @@
           <a:p>
             <a:fld id="{073F35EF-A6EE-47AC-A495-9B6E931EEBD2}" type="datetimeFigureOut">
               <a:rPr lang="en-GB" smtClean="0"/>
-              <a:t>12/02/2024</a:t>
+              <a:t>15/01/2025</a:t>
             </a:fld>
             <a:endParaRPr lang="en-GB"/>
           </a:p>
@@ -1023,7 +1042,7 @@
           <a:p>
             <a:fld id="{073F35EF-A6EE-47AC-A495-9B6E931EEBD2}" type="datetimeFigureOut">
               <a:rPr lang="en-GB" smtClean="0"/>
-              <a:t>12/02/2024</a:t>
+              <a:t>15/01/2025</a:t>
             </a:fld>
             <a:endParaRPr lang="en-GB"/>
           </a:p>
@@ -1203,7 +1222,7 @@
           <a:p>
             <a:fld id="{073F35EF-A6EE-47AC-A495-9B6E931EEBD2}" type="datetimeFigureOut">
               <a:rPr lang="en-GB" smtClean="0"/>
-              <a:t>12/02/2024</a:t>
+              <a:t>15/01/2025</a:t>
             </a:fld>
             <a:endParaRPr lang="en-GB"/>
           </a:p>
@@ -1721,7 +1740,7 @@
           <a:p>
             <a:fld id="{073F35EF-A6EE-47AC-A495-9B6E931EEBD2}" type="datetimeFigureOut">
               <a:rPr lang="en-GB" smtClean="0"/>
-              <a:t>12/02/2024</a:t>
+              <a:t>15/01/2025</a:t>
             </a:fld>
             <a:endParaRPr lang="en-GB"/>
           </a:p>
@@ -1891,7 +1910,7 @@
           <a:p>
             <a:fld id="{073F35EF-A6EE-47AC-A495-9B6E931EEBD2}" type="datetimeFigureOut">
               <a:rPr lang="en-GB" smtClean="0"/>
-              <a:t>12/02/2024</a:t>
+              <a:t>15/01/2025</a:t>
             </a:fld>
             <a:endParaRPr lang="en-GB"/>
           </a:p>
@@ -2137,7 +2156,7 @@
           <a:p>
             <a:fld id="{073F35EF-A6EE-47AC-A495-9B6E931EEBD2}" type="datetimeFigureOut">
               <a:rPr lang="en-GB" smtClean="0"/>
-              <a:t>12/02/2024</a:t>
+              <a:t>15/01/2025</a:t>
             </a:fld>
             <a:endParaRPr lang="en-GB"/>
           </a:p>
@@ -2369,7 +2388,7 @@
           <a:p>
             <a:fld id="{073F35EF-A6EE-47AC-A495-9B6E931EEBD2}" type="datetimeFigureOut">
               <a:rPr lang="en-GB" smtClean="0"/>
-              <a:t>12/02/2024</a:t>
+              <a:t>15/01/2025</a:t>
             </a:fld>
             <a:endParaRPr lang="en-GB"/>
           </a:p>
@@ -2736,7 +2755,7 @@
           <a:p>
             <a:fld id="{073F35EF-A6EE-47AC-A495-9B6E931EEBD2}" type="datetimeFigureOut">
               <a:rPr lang="en-GB" smtClean="0"/>
-              <a:t>12/02/2024</a:t>
+              <a:t>15/01/2025</a:t>
             </a:fld>
             <a:endParaRPr lang="en-GB"/>
           </a:p>
@@ -2854,7 +2873,7 @@
           <a:p>
             <a:fld id="{073F35EF-A6EE-47AC-A495-9B6E931EEBD2}" type="datetimeFigureOut">
               <a:rPr lang="en-GB" smtClean="0"/>
-              <a:t>12/02/2024</a:t>
+              <a:t>15/01/2025</a:t>
             </a:fld>
             <a:endParaRPr lang="en-GB"/>
           </a:p>
@@ -3067,7 +3086,7 @@
           <a:p>
             <a:fld id="{073F35EF-A6EE-47AC-A495-9B6E931EEBD2}" type="datetimeFigureOut">
               <a:rPr lang="en-GB" smtClean="0"/>
-              <a:t>12/02/2024</a:t>
+              <a:t>15/01/2025</a:t>
             </a:fld>
             <a:endParaRPr lang="en-GB"/>
           </a:p>
@@ -3685,7 +3704,7 @@
         <p:cNvPr id="1" name="">
           <a:extLst>
             <a:ext uri="{FF2B5EF4-FFF2-40B4-BE49-F238E27FC236}">
-              <a16:creationId xmlns:a16="http://schemas.microsoft.com/office/drawing/2014/main" id="{E0C7F172-10E2-3E50-CFCD-B6D3380CD7E1}"/>
+              <a16:creationId xmlns:a16="http://schemas.microsoft.com/office/drawing/2014/main" id="{D724C309-8564-252D-CBB9-6643688C0D59}"/>
             </a:ext>
           </a:extLst>
         </p:cNvPr>
@@ -3705,7 +3724,7 @@
           <p:cNvPr id="2" name="Title 1">
             <a:extLst>
               <a:ext uri="{FF2B5EF4-FFF2-40B4-BE49-F238E27FC236}">
-                <a16:creationId xmlns:a16="http://schemas.microsoft.com/office/drawing/2014/main" id="{B437717A-87BF-A203-8771-5CC906B29741}"/>
+                <a16:creationId xmlns:a16="http://schemas.microsoft.com/office/drawing/2014/main" id="{6791C725-9F72-04F7-D95D-9E3F9BFBD6BC}"/>
               </a:ext>
             </a:extLst>
           </p:cNvPr>
@@ -3718,7 +3737,7 @@
         </p:nvSpPr>
         <p:spPr>
           <a:xfrm>
-            <a:off x="638224" y="2857500"/>
+            <a:off x="914400" y="2520892"/>
             <a:ext cx="10363200" cy="1143000"/>
           </a:xfrm>
         </p:spPr>
@@ -3728,12 +3747,8 @@
           <a:p>
             <a:pPr algn="ctr"/>
             <a:r>
-              <a:rPr lang="en-GB" dirty="0" err="1"/>
-              <a:t>Srun</a:t>
-            </a:r>
-            <a:r>
               <a:rPr lang="en-GB" dirty="0"/>
-              <a:t> – CUDA task</a:t>
+              <a:t>Starting an interactive job</a:t>
             </a:r>
           </a:p>
         </p:txBody>
@@ -3743,7 +3758,7 @@
           <p:cNvPr id="4" name="Group 3">
             <a:extLst>
               <a:ext uri="{FF2B5EF4-FFF2-40B4-BE49-F238E27FC236}">
-                <a16:creationId xmlns:a16="http://schemas.microsoft.com/office/drawing/2014/main" id="{D2EA1242-F098-608F-0C40-245DE792BDB1}"/>
+                <a16:creationId xmlns:a16="http://schemas.microsoft.com/office/drawing/2014/main" id="{00489502-3AD5-CFB6-7B72-60F9C89C85D4}"/>
               </a:ext>
             </a:extLst>
           </p:cNvPr>
@@ -3763,7 +3778,7 @@
             <p:cNvPr id="5" name="Picture 4" descr="A picture containing schematic&#10;&#10;Description automatically generated">
               <a:extLst>
                 <a:ext uri="{FF2B5EF4-FFF2-40B4-BE49-F238E27FC236}">
-                  <a16:creationId xmlns:a16="http://schemas.microsoft.com/office/drawing/2014/main" id="{9CF86FDC-DE9D-C8C2-BC1E-183085534533}"/>
+                  <a16:creationId xmlns:a16="http://schemas.microsoft.com/office/drawing/2014/main" id="{E22FAC14-0217-00C8-CB1E-CBCD51C869F3}"/>
                 </a:ext>
               </a:extLst>
             </p:cNvPr>
@@ -3799,7 +3814,7 @@
             <p:cNvPr id="6" name="Straight Connector 5">
               <a:extLst>
                 <a:ext uri="{FF2B5EF4-FFF2-40B4-BE49-F238E27FC236}">
-                  <a16:creationId xmlns:a16="http://schemas.microsoft.com/office/drawing/2014/main" id="{BD0053B1-F8CA-E1D1-04E5-AE4B10368FD0}"/>
+                  <a16:creationId xmlns:a16="http://schemas.microsoft.com/office/drawing/2014/main" id="{F8D5E7A8-3D71-028A-831D-971C4CDA0DEA}"/>
                 </a:ext>
               </a:extLst>
             </p:cNvPr>
@@ -3842,7 +3857,7 @@
     </p:spTree>
     <p:extLst>
       <p:ext uri="{BB962C8B-B14F-4D97-AF65-F5344CB8AC3E}">
-        <p14:creationId xmlns:p14="http://schemas.microsoft.com/office/powerpoint/2010/main" val="2199385061"/>
+        <p14:creationId xmlns:p14="http://schemas.microsoft.com/office/powerpoint/2010/main" val="2611192804"/>
       </p:ext>
     </p:extLst>
   </p:cSld>
@@ -3853,1940 +3868,6 @@
 </file>
 
 <file path=ppt/slides/slide11.xml><?xml version="1.0" encoding="utf-8"?>
-<p:sld xmlns:a="http://schemas.openxmlformats.org/drawingml/2006/main" xmlns:r="http://schemas.openxmlformats.org/officeDocument/2006/relationships" xmlns:p="http://schemas.openxmlformats.org/presentationml/2006/main">
-  <p:cSld>
-    <p:spTree>
-      <p:nvGrpSpPr>
-        <p:cNvPr id="1" name="">
-          <a:extLst>
-            <a:ext uri="{FF2B5EF4-FFF2-40B4-BE49-F238E27FC236}">
-              <a16:creationId xmlns:a16="http://schemas.microsoft.com/office/drawing/2014/main" id="{40D3BC5C-BF2B-D262-2218-60EAF7F8B2DD}"/>
-            </a:ext>
-          </a:extLst>
-        </p:cNvPr>
-        <p:cNvGrpSpPr/>
-        <p:nvPr/>
-      </p:nvGrpSpPr>
-      <p:grpSpPr>
-        <a:xfrm>
-          <a:off x="0" y="0"/>
-          <a:ext cx="0" cy="0"/>
-          <a:chOff x="0" y="0"/>
-          <a:chExt cx="0" cy="0"/>
-        </a:xfrm>
-      </p:grpSpPr>
-      <p:sp>
-        <p:nvSpPr>
-          <p:cNvPr id="2" name="Title 1">
-            <a:extLst>
-              <a:ext uri="{FF2B5EF4-FFF2-40B4-BE49-F238E27FC236}">
-                <a16:creationId xmlns:a16="http://schemas.microsoft.com/office/drawing/2014/main" id="{86E784E6-D66A-273F-C3B6-930D65A54C10}"/>
-              </a:ext>
-            </a:extLst>
-          </p:cNvPr>
-          <p:cNvSpPr>
-            <a:spLocks noGrp="1"/>
-          </p:cNvSpPr>
-          <p:nvPr>
-            <p:ph type="title"/>
-          </p:nvPr>
-        </p:nvSpPr>
-        <p:spPr/>
-        <p:txBody>
-          <a:bodyPr/>
-          <a:lstStyle/>
-          <a:p>
-            <a:r>
-              <a:rPr lang="en-GB" dirty="0" err="1"/>
-              <a:t>Srun</a:t>
-            </a:r>
-            <a:r>
-              <a:rPr lang="en-GB" dirty="0"/>
-              <a:t> </a:t>
-            </a:r>
-            <a:r>
-              <a:rPr lang="en-GB" dirty="0" err="1"/>
-              <a:t>PyTorch</a:t>
-            </a:r>
-            <a:r>
-              <a:rPr lang="en-GB" dirty="0"/>
-              <a:t> Task</a:t>
-            </a:r>
-          </a:p>
-        </p:txBody>
-      </p:sp>
-      <p:sp>
-        <p:nvSpPr>
-          <p:cNvPr id="3" name="Content Placeholder 2">
-            <a:extLst>
-              <a:ext uri="{FF2B5EF4-FFF2-40B4-BE49-F238E27FC236}">
-                <a16:creationId xmlns:a16="http://schemas.microsoft.com/office/drawing/2014/main" id="{AC61E237-5AE4-1BD5-7524-01FE83AD3B9E}"/>
-              </a:ext>
-            </a:extLst>
-          </p:cNvPr>
-          <p:cNvSpPr>
-            <a:spLocks noGrp="1"/>
-          </p:cNvSpPr>
-          <p:nvPr>
-            <p:ph idx="1"/>
-          </p:nvPr>
-        </p:nvSpPr>
-        <p:spPr>
-          <a:xfrm>
-            <a:off x="529167" y="1484784"/>
-            <a:ext cx="10363200" cy="4325466"/>
-          </a:xfrm>
-        </p:spPr>
-        <p:txBody>
-          <a:bodyPr>
-            <a:noAutofit/>
-          </a:bodyPr>
-          <a:lstStyle/>
-          <a:p>
-            <a:r>
-              <a:rPr lang="en-GB" sz="2400" dirty="0"/>
-              <a:t>Examine and run script to install via pip test-</a:t>
-            </a:r>
-            <a:r>
-              <a:rPr lang="en-GB" sz="2400" dirty="0" err="1"/>
-              <a:t>pytorch</a:t>
-            </a:r>
-            <a:r>
-              <a:rPr lang="en-GB" sz="2400" dirty="0"/>
-              <a:t>-</a:t>
-            </a:r>
-            <a:r>
-              <a:rPr lang="en-GB" sz="2400" dirty="0" err="1"/>
-              <a:t>gpu</a:t>
-            </a:r>
-            <a:r>
-              <a:rPr lang="en-GB" sz="2400" dirty="0"/>
-              <a:t> </a:t>
-            </a:r>
-            <a:r>
-              <a:rPr lang="en-GB" sz="2400" dirty="0">
-                <a:hlinkClick r:id="rId2"/>
-              </a:rPr>
-              <a:t>https://pypi.org/project/test-pytorch-gpu/</a:t>
-            </a:r>
-            <a:r>
-              <a:rPr lang="en-GB" sz="2400" dirty="0"/>
-              <a:t> via a python virtual environment</a:t>
-            </a:r>
-          </a:p>
-          <a:p>
-            <a:r>
-              <a:rPr lang="en-GB" sz="2400" dirty="0"/>
-              <a:t>This can be used to test user installed versions of </a:t>
-            </a:r>
-            <a:r>
-              <a:rPr lang="en-GB" sz="2400" dirty="0" err="1"/>
-              <a:t>PyTorch</a:t>
-            </a:r>
-            <a:r>
-              <a:rPr lang="en-GB" sz="2400" dirty="0"/>
-              <a:t>, we will be checking our modules</a:t>
-            </a:r>
-          </a:p>
-          <a:p>
-            <a:r>
-              <a:rPr lang="en-GB" sz="2400" dirty="0"/>
-              <a:t>Runs against the </a:t>
-            </a:r>
-            <a:r>
-              <a:rPr lang="en-GB" sz="2400" dirty="0" err="1"/>
-              <a:t>cifar</a:t>
-            </a:r>
-            <a:r>
-              <a:rPr lang="en-GB" sz="2400" dirty="0"/>
-              <a:t> dataset for 10 epochs, we will modify this code to run longer so we can examine the effects with </a:t>
-            </a:r>
-            <a:r>
-              <a:rPr lang="en-GB" sz="1800" dirty="0" err="1">
-                <a:latin typeface="Courier New" panose="02070309020205020404" pitchFamily="49" charset="0"/>
-                <a:cs typeface="Courier New" panose="02070309020205020404" pitchFamily="49" charset="0"/>
-              </a:rPr>
-              <a:t>nvidia-smi</a:t>
-            </a:r>
-            <a:endParaRPr lang="en-GB" sz="2400" dirty="0">
-              <a:latin typeface="Courier New" panose="02070309020205020404" pitchFamily="49" charset="0"/>
-              <a:cs typeface="Courier New" panose="02070309020205020404" pitchFamily="49" charset="0"/>
-            </a:endParaRPr>
-          </a:p>
-        </p:txBody>
-      </p:sp>
-      <p:grpSp>
-        <p:nvGrpSpPr>
-          <p:cNvPr id="4" name="Group 3">
-            <a:extLst>
-              <a:ext uri="{FF2B5EF4-FFF2-40B4-BE49-F238E27FC236}">
-                <a16:creationId xmlns:a16="http://schemas.microsoft.com/office/drawing/2014/main" id="{586919D8-ED76-1AAA-E9DE-6D340321BDB3}"/>
-              </a:ext>
-            </a:extLst>
-          </p:cNvPr>
-          <p:cNvGrpSpPr/>
-          <p:nvPr/>
-        </p:nvGrpSpPr>
-        <p:grpSpPr>
-          <a:xfrm>
-            <a:off x="4215988" y="5793696"/>
-            <a:ext cx="960359" cy="877088"/>
-            <a:chOff x="4215988" y="5793696"/>
-            <a:chExt cx="960359" cy="877088"/>
-          </a:xfrm>
-        </p:grpSpPr>
-        <p:pic>
-          <p:nvPicPr>
-            <p:cNvPr id="5" name="Picture 4" descr="A picture containing schematic&#10;&#10;Description automatically generated">
-              <a:extLst>
-                <a:ext uri="{FF2B5EF4-FFF2-40B4-BE49-F238E27FC236}">
-                  <a16:creationId xmlns:a16="http://schemas.microsoft.com/office/drawing/2014/main" id="{637CBBCA-7146-9E6D-991B-C5EB7C4C2E0C}"/>
-                </a:ext>
-              </a:extLst>
-            </p:cNvPr>
-            <p:cNvPicPr>
-              <a:picLocks noChangeAspect="1"/>
-            </p:cNvPicPr>
-            <p:nvPr/>
-          </p:nvPicPr>
-          <p:blipFill>
-            <a:blip r:embed="rId3" cstate="print">
-              <a:extLst>
-                <a:ext uri="{28A0092B-C50C-407E-A947-70E740481C1C}">
-                  <a14:useLocalDpi xmlns:a14="http://schemas.microsoft.com/office/drawing/2010/main" val="0"/>
-                </a:ext>
-              </a:extLst>
-            </a:blip>
-            <a:stretch>
-              <a:fillRect/>
-            </a:stretch>
-          </p:blipFill>
-          <p:spPr>
-            <a:xfrm>
-              <a:off x="4299259" y="5793696"/>
-              <a:ext cx="877088" cy="877088"/>
-            </a:xfrm>
-            <a:prstGeom prst="rect">
-              <a:avLst/>
-            </a:prstGeom>
-          </p:spPr>
-        </p:pic>
-        <p:cxnSp>
-          <p:nvCxnSpPr>
-            <p:cNvPr id="6" name="Straight Connector 5">
-              <a:extLst>
-                <a:ext uri="{FF2B5EF4-FFF2-40B4-BE49-F238E27FC236}">
-                  <a16:creationId xmlns:a16="http://schemas.microsoft.com/office/drawing/2014/main" id="{AADB14E2-6776-CFE5-9102-EEBCF2FC941C}"/>
-                </a:ext>
-              </a:extLst>
-            </p:cNvPr>
-            <p:cNvCxnSpPr/>
-            <p:nvPr/>
-          </p:nvCxnSpPr>
-          <p:spPr>
-            <a:xfrm>
-              <a:off x="4215988" y="6033542"/>
-              <a:ext cx="0" cy="359764"/>
-            </a:xfrm>
-            <a:prstGeom prst="line">
-              <a:avLst/>
-            </a:prstGeom>
-            <a:ln>
-              <a:solidFill>
-                <a:schemeClr val="tx1">
-                  <a:lumMod val="75000"/>
-                  <a:lumOff val="25000"/>
-                </a:schemeClr>
-              </a:solidFill>
-            </a:ln>
-          </p:spPr>
-          <p:style>
-            <a:lnRef idx="2">
-              <a:schemeClr val="dk1"/>
-            </a:lnRef>
-            <a:fillRef idx="0">
-              <a:schemeClr val="dk1"/>
-            </a:fillRef>
-            <a:effectRef idx="1">
-              <a:schemeClr val="dk1"/>
-            </a:effectRef>
-            <a:fontRef idx="minor">
-              <a:schemeClr val="tx1"/>
-            </a:fontRef>
-          </p:style>
-        </p:cxnSp>
-      </p:grpSp>
-    </p:spTree>
-    <p:extLst>
-      <p:ext uri="{BB962C8B-B14F-4D97-AF65-F5344CB8AC3E}">
-        <p14:creationId xmlns:p14="http://schemas.microsoft.com/office/powerpoint/2010/main" val="2159222013"/>
-      </p:ext>
-    </p:extLst>
-  </p:cSld>
-  <p:clrMapOvr>
-    <a:masterClrMapping/>
-  </p:clrMapOvr>
-</p:sld>
-</file>
-
-<file path=ppt/slides/slide12.xml><?xml version="1.0" encoding="utf-8"?>
-<p:sld xmlns:a="http://schemas.openxmlformats.org/drawingml/2006/main" xmlns:r="http://schemas.openxmlformats.org/officeDocument/2006/relationships" xmlns:p="http://schemas.openxmlformats.org/presentationml/2006/main">
-  <p:cSld>
-    <p:spTree>
-      <p:nvGrpSpPr>
-        <p:cNvPr id="1" name="">
-          <a:extLst>
-            <a:ext uri="{FF2B5EF4-FFF2-40B4-BE49-F238E27FC236}">
-              <a16:creationId xmlns:a16="http://schemas.microsoft.com/office/drawing/2014/main" id="{6995AAB0-8FF3-8D96-DB7C-D3F69A07D66B}"/>
-            </a:ext>
-          </a:extLst>
-        </p:cNvPr>
-        <p:cNvGrpSpPr/>
-        <p:nvPr/>
-      </p:nvGrpSpPr>
-      <p:grpSpPr>
-        <a:xfrm>
-          <a:off x="0" y="0"/>
-          <a:ext cx="0" cy="0"/>
-          <a:chOff x="0" y="0"/>
-          <a:chExt cx="0" cy="0"/>
-        </a:xfrm>
-      </p:grpSpPr>
-      <p:sp>
-        <p:nvSpPr>
-          <p:cNvPr id="2" name="Title 1">
-            <a:extLst>
-              <a:ext uri="{FF2B5EF4-FFF2-40B4-BE49-F238E27FC236}">
-                <a16:creationId xmlns:a16="http://schemas.microsoft.com/office/drawing/2014/main" id="{66A02C31-BE8D-A9F2-7BA0-D69F6908728B}"/>
-              </a:ext>
-            </a:extLst>
-          </p:cNvPr>
-          <p:cNvSpPr>
-            <a:spLocks noGrp="1"/>
-          </p:cNvSpPr>
-          <p:nvPr>
-            <p:ph type="title"/>
-          </p:nvPr>
-        </p:nvSpPr>
-        <p:spPr>
-          <a:xfrm>
-            <a:off x="914400" y="2857500"/>
-            <a:ext cx="10363200" cy="1143000"/>
-          </a:xfrm>
-        </p:spPr>
-        <p:txBody>
-          <a:bodyPr/>
-          <a:lstStyle/>
-          <a:p>
-            <a:pPr algn="ctr"/>
-            <a:r>
-              <a:rPr lang="en-GB" dirty="0" err="1"/>
-              <a:t>Srun</a:t>
-            </a:r>
-            <a:r>
-              <a:rPr lang="en-GB" dirty="0"/>
-              <a:t> </a:t>
-            </a:r>
-            <a:r>
-              <a:rPr lang="en-GB" dirty="0" err="1"/>
-              <a:t>PyTorch</a:t>
-            </a:r>
-            <a:r>
-              <a:rPr lang="en-GB" dirty="0"/>
-              <a:t> Task</a:t>
-            </a:r>
-          </a:p>
-        </p:txBody>
-      </p:sp>
-      <p:grpSp>
-        <p:nvGrpSpPr>
-          <p:cNvPr id="4" name="Group 3">
-            <a:extLst>
-              <a:ext uri="{FF2B5EF4-FFF2-40B4-BE49-F238E27FC236}">
-                <a16:creationId xmlns:a16="http://schemas.microsoft.com/office/drawing/2014/main" id="{7B714711-3BF9-C61B-BD8D-D8D79B559E26}"/>
-              </a:ext>
-            </a:extLst>
-          </p:cNvPr>
-          <p:cNvGrpSpPr/>
-          <p:nvPr/>
-        </p:nvGrpSpPr>
-        <p:grpSpPr>
-          <a:xfrm>
-            <a:off x="4215988" y="5793696"/>
-            <a:ext cx="960359" cy="877088"/>
-            <a:chOff x="4215988" y="5793696"/>
-            <a:chExt cx="960359" cy="877088"/>
-          </a:xfrm>
-        </p:grpSpPr>
-        <p:pic>
-          <p:nvPicPr>
-            <p:cNvPr id="5" name="Picture 4" descr="A picture containing schematic&#10;&#10;Description automatically generated">
-              <a:extLst>
-                <a:ext uri="{FF2B5EF4-FFF2-40B4-BE49-F238E27FC236}">
-                  <a16:creationId xmlns:a16="http://schemas.microsoft.com/office/drawing/2014/main" id="{6BB3C2C4-A0AA-AF78-56B7-CDCD618B3211}"/>
-                </a:ext>
-              </a:extLst>
-            </p:cNvPr>
-            <p:cNvPicPr>
-              <a:picLocks noChangeAspect="1"/>
-            </p:cNvPicPr>
-            <p:nvPr/>
-          </p:nvPicPr>
-          <p:blipFill>
-            <a:blip r:embed="rId2" cstate="print">
-              <a:extLst>
-                <a:ext uri="{28A0092B-C50C-407E-A947-70E740481C1C}">
-                  <a14:useLocalDpi xmlns:a14="http://schemas.microsoft.com/office/drawing/2010/main" val="0"/>
-                </a:ext>
-              </a:extLst>
-            </a:blip>
-            <a:stretch>
-              <a:fillRect/>
-            </a:stretch>
-          </p:blipFill>
-          <p:spPr>
-            <a:xfrm>
-              <a:off x="4299259" y="5793696"/>
-              <a:ext cx="877088" cy="877088"/>
-            </a:xfrm>
-            <a:prstGeom prst="rect">
-              <a:avLst/>
-            </a:prstGeom>
-          </p:spPr>
-        </p:pic>
-        <p:cxnSp>
-          <p:nvCxnSpPr>
-            <p:cNvPr id="6" name="Straight Connector 5">
-              <a:extLst>
-                <a:ext uri="{FF2B5EF4-FFF2-40B4-BE49-F238E27FC236}">
-                  <a16:creationId xmlns:a16="http://schemas.microsoft.com/office/drawing/2014/main" id="{4F25A5D3-874F-3D69-60D5-CAF9AA9587F5}"/>
-                </a:ext>
-              </a:extLst>
-            </p:cNvPr>
-            <p:cNvCxnSpPr/>
-            <p:nvPr/>
-          </p:nvCxnSpPr>
-          <p:spPr>
-            <a:xfrm>
-              <a:off x="4215988" y="6033542"/>
-              <a:ext cx="0" cy="359764"/>
-            </a:xfrm>
-            <a:prstGeom prst="line">
-              <a:avLst/>
-            </a:prstGeom>
-            <a:ln>
-              <a:solidFill>
-                <a:schemeClr val="tx1">
-                  <a:lumMod val="75000"/>
-                  <a:lumOff val="25000"/>
-                </a:schemeClr>
-              </a:solidFill>
-            </a:ln>
-          </p:spPr>
-          <p:style>
-            <a:lnRef idx="2">
-              <a:schemeClr val="dk1"/>
-            </a:lnRef>
-            <a:fillRef idx="0">
-              <a:schemeClr val="dk1"/>
-            </a:fillRef>
-            <a:effectRef idx="1">
-              <a:schemeClr val="dk1"/>
-            </a:effectRef>
-            <a:fontRef idx="minor">
-              <a:schemeClr val="tx1"/>
-            </a:fontRef>
-          </p:style>
-        </p:cxnSp>
-      </p:grpSp>
-    </p:spTree>
-    <p:extLst>
-      <p:ext uri="{BB962C8B-B14F-4D97-AF65-F5344CB8AC3E}">
-        <p14:creationId xmlns:p14="http://schemas.microsoft.com/office/powerpoint/2010/main" val="4209593350"/>
-      </p:ext>
-    </p:extLst>
-  </p:cSld>
-  <p:clrMapOvr>
-    <a:masterClrMapping/>
-  </p:clrMapOvr>
-</p:sld>
-</file>
-
-<file path=ppt/slides/slide13.xml><?xml version="1.0" encoding="utf-8"?>
-<p:sld xmlns:a="http://schemas.openxmlformats.org/drawingml/2006/main" xmlns:r="http://schemas.openxmlformats.org/officeDocument/2006/relationships" xmlns:p="http://schemas.openxmlformats.org/presentationml/2006/main">
-  <p:cSld>
-    <p:bg>
-      <p:bgPr>
-        <a:blipFill dpi="0" rotWithShape="1">
-          <a:blip r:embed="rId2">
-            <a:lum/>
-            <a:extLst>
-              <a:ext uri="{BEBA8EAE-BF5A-486C-A8C5-ECC9F3942E4B}">
-                <a14:imgProps xmlns:a14="http://schemas.microsoft.com/office/drawing/2010/main">
-                  <a14:imgLayer r:embed="rId3">
-                    <a14:imgEffect>
-                      <a14:saturation sat="0"/>
-                    </a14:imgEffect>
-                  </a14:imgLayer>
-                </a14:imgProps>
-              </a:ext>
-            </a:extLst>
-          </a:blip>
-          <a:srcRect/>
-          <a:stretch>
-            <a:fillRect/>
-          </a:stretch>
-        </a:blipFill>
-        <a:effectLst/>
-      </p:bgPr>
-    </p:bg>
-    <p:spTree>
-      <p:nvGrpSpPr>
-        <p:cNvPr id="1" name=""/>
-        <p:cNvGrpSpPr/>
-        <p:nvPr/>
-      </p:nvGrpSpPr>
-      <p:grpSpPr>
-        <a:xfrm>
-          <a:off x="0" y="0"/>
-          <a:ext cx="0" cy="0"/>
-          <a:chOff x="0" y="0"/>
-          <a:chExt cx="0" cy="0"/>
-        </a:xfrm>
-      </p:grpSpPr>
-      <p:sp>
-        <p:nvSpPr>
-          <p:cNvPr id="4" name="Title 3"/>
-          <p:cNvSpPr>
-            <a:spLocks noGrp="1"/>
-          </p:cNvSpPr>
-          <p:nvPr>
-            <p:ph type="title"/>
-          </p:nvPr>
-        </p:nvSpPr>
-        <p:spPr/>
-        <p:txBody>
-          <a:bodyPr>
-            <a:normAutofit/>
-          </a:bodyPr>
-          <a:lstStyle/>
-          <a:p>
-            <a:r>
-              <a:rPr lang="en-GB" sz="9600" dirty="0">
-                <a:solidFill>
-                  <a:schemeClr val="tx1">
-                    <a:lumMod val="75000"/>
-                    <a:lumOff val="25000"/>
-                  </a:schemeClr>
-                </a:solidFill>
-              </a:rPr>
-              <a:t>Thank You</a:t>
-            </a:r>
-            <a:endParaRPr lang="en-GB" sz="7200" dirty="0">
-              <a:solidFill>
-                <a:schemeClr val="tx1">
-                  <a:lumMod val="75000"/>
-                  <a:lumOff val="25000"/>
-                </a:schemeClr>
-              </a:solidFill>
-            </a:endParaRPr>
-          </a:p>
-        </p:txBody>
-      </p:sp>
-      <p:grpSp>
-        <p:nvGrpSpPr>
-          <p:cNvPr id="9" name="Group 8">
-            <a:extLst>
-              <a:ext uri="{FF2B5EF4-FFF2-40B4-BE49-F238E27FC236}">
-                <a16:creationId xmlns:a16="http://schemas.microsoft.com/office/drawing/2014/main" id="{709BB63F-6C97-4891-B576-20CDD464FFEE}"/>
-              </a:ext>
-            </a:extLst>
-          </p:cNvPr>
-          <p:cNvGrpSpPr/>
-          <p:nvPr/>
-        </p:nvGrpSpPr>
-        <p:grpSpPr>
-          <a:xfrm>
-            <a:off x="4367555" y="261114"/>
-            <a:ext cx="960359" cy="877088"/>
-            <a:chOff x="4215988" y="5793696"/>
-            <a:chExt cx="960359" cy="877088"/>
-          </a:xfrm>
-        </p:grpSpPr>
-        <p:pic>
-          <p:nvPicPr>
-            <p:cNvPr id="10" name="Picture 9" descr="A picture containing schematic&#10;&#10;Description automatically generated">
-              <a:extLst>
-                <a:ext uri="{FF2B5EF4-FFF2-40B4-BE49-F238E27FC236}">
-                  <a16:creationId xmlns:a16="http://schemas.microsoft.com/office/drawing/2014/main" id="{C15B4298-3C10-4812-8865-6EC37F1A7F47}"/>
-                </a:ext>
-              </a:extLst>
-            </p:cNvPr>
-            <p:cNvPicPr>
-              <a:picLocks noChangeAspect="1"/>
-            </p:cNvPicPr>
-            <p:nvPr/>
-          </p:nvPicPr>
-          <p:blipFill>
-            <a:blip r:embed="rId4" cstate="print">
-              <a:extLst>
-                <a:ext uri="{28A0092B-C50C-407E-A947-70E740481C1C}">
-                  <a14:useLocalDpi xmlns:a14="http://schemas.microsoft.com/office/drawing/2010/main" val="0"/>
-                </a:ext>
-              </a:extLst>
-            </a:blip>
-            <a:stretch>
-              <a:fillRect/>
-            </a:stretch>
-          </p:blipFill>
-          <p:spPr>
-            <a:xfrm>
-              <a:off x="4299259" y="5793696"/>
-              <a:ext cx="877088" cy="877088"/>
-            </a:xfrm>
-            <a:prstGeom prst="rect">
-              <a:avLst/>
-            </a:prstGeom>
-          </p:spPr>
-        </p:pic>
-        <p:cxnSp>
-          <p:nvCxnSpPr>
-            <p:cNvPr id="11" name="Straight Connector 10">
-              <a:extLst>
-                <a:ext uri="{FF2B5EF4-FFF2-40B4-BE49-F238E27FC236}">
-                  <a16:creationId xmlns:a16="http://schemas.microsoft.com/office/drawing/2014/main" id="{0D91748F-BD58-42C1-80A6-566F2E3DE477}"/>
-                </a:ext>
-              </a:extLst>
-            </p:cNvPr>
-            <p:cNvCxnSpPr/>
-            <p:nvPr/>
-          </p:nvCxnSpPr>
-          <p:spPr>
-            <a:xfrm>
-              <a:off x="4215988" y="6033542"/>
-              <a:ext cx="0" cy="359764"/>
-            </a:xfrm>
-            <a:prstGeom prst="line">
-              <a:avLst/>
-            </a:prstGeom>
-            <a:ln>
-              <a:solidFill>
-                <a:schemeClr val="tx1">
-                  <a:lumMod val="75000"/>
-                  <a:lumOff val="25000"/>
-                </a:schemeClr>
-              </a:solidFill>
-            </a:ln>
-          </p:spPr>
-          <p:style>
-            <a:lnRef idx="2">
-              <a:schemeClr val="dk1"/>
-            </a:lnRef>
-            <a:fillRef idx="0">
-              <a:schemeClr val="dk1"/>
-            </a:fillRef>
-            <a:effectRef idx="1">
-              <a:schemeClr val="dk1"/>
-            </a:effectRef>
-            <a:fontRef idx="minor">
-              <a:schemeClr val="tx1"/>
-            </a:fontRef>
-          </p:style>
-        </p:cxnSp>
-      </p:grpSp>
-      <p:sp>
-        <p:nvSpPr>
-          <p:cNvPr id="2" name="TextBox 1">
-            <a:extLst>
-              <a:ext uri="{FF2B5EF4-FFF2-40B4-BE49-F238E27FC236}">
-                <a16:creationId xmlns:a16="http://schemas.microsoft.com/office/drawing/2014/main" id="{C3572A95-B672-4810-3B7E-D4AE72927C4F}"/>
-              </a:ext>
-            </a:extLst>
-          </p:cNvPr>
-          <p:cNvSpPr txBox="1"/>
-          <p:nvPr/>
-        </p:nvSpPr>
-        <p:spPr>
-          <a:xfrm>
-            <a:off x="527381" y="3532367"/>
-            <a:ext cx="9128347" cy="646331"/>
-          </a:xfrm>
-          <a:prstGeom prst="rect">
-            <a:avLst/>
-          </a:prstGeom>
-          <a:noFill/>
-        </p:spPr>
-        <p:txBody>
-          <a:bodyPr wrap="square" rtlCol="0">
-            <a:spAutoFit/>
-          </a:bodyPr>
-          <a:lstStyle/>
-          <a:p>
-            <a:r>
-              <a:rPr lang="en-GB" sz="3600" dirty="0">
-                <a:latin typeface="Georgia" panose="02040502050405020303" pitchFamily="18" charset="0"/>
-              </a:rPr>
-              <a:t>Any Questions</a:t>
-            </a:r>
-          </a:p>
-        </p:txBody>
-      </p:sp>
-    </p:spTree>
-    <p:extLst>
-      <p:ext uri="{BB962C8B-B14F-4D97-AF65-F5344CB8AC3E}">
-        <p14:creationId xmlns:p14="http://schemas.microsoft.com/office/powerpoint/2010/main" val="1538466059"/>
-      </p:ext>
-    </p:extLst>
-  </p:cSld>
-  <p:clrMapOvr>
-    <a:masterClrMapping/>
-  </p:clrMapOvr>
-</p:sld>
-</file>
-
-<file path=ppt/slides/slide2.xml><?xml version="1.0" encoding="utf-8"?>
-<p:sld xmlns:a="http://schemas.openxmlformats.org/drawingml/2006/main" xmlns:r="http://schemas.openxmlformats.org/officeDocument/2006/relationships" xmlns:p="http://schemas.openxmlformats.org/presentationml/2006/main">
-  <p:cSld>
-    <p:spTree>
-      <p:nvGrpSpPr>
-        <p:cNvPr id="1" name=""/>
-        <p:cNvGrpSpPr/>
-        <p:nvPr/>
-      </p:nvGrpSpPr>
-      <p:grpSpPr>
-        <a:xfrm>
-          <a:off x="0" y="0"/>
-          <a:ext cx="0" cy="0"/>
-          <a:chOff x="0" y="0"/>
-          <a:chExt cx="0" cy="0"/>
-        </a:xfrm>
-      </p:grpSpPr>
-      <p:sp>
-        <p:nvSpPr>
-          <p:cNvPr id="4" name="Title 3">
-            <a:extLst>
-              <a:ext uri="{FF2B5EF4-FFF2-40B4-BE49-F238E27FC236}">
-                <a16:creationId xmlns:a16="http://schemas.microsoft.com/office/drawing/2014/main" id="{0FF584FD-23D2-4ADF-8806-EEFA9167CCAE}"/>
-              </a:ext>
-            </a:extLst>
-          </p:cNvPr>
-          <p:cNvSpPr>
-            <a:spLocks noGrp="1"/>
-          </p:cNvSpPr>
-          <p:nvPr>
-            <p:ph type="title"/>
-          </p:nvPr>
-        </p:nvSpPr>
-        <p:spPr/>
-        <p:txBody>
-          <a:bodyPr/>
-          <a:lstStyle/>
-          <a:p>
-            <a:r>
-              <a:rPr lang="en-GB" dirty="0"/>
-              <a:t>Session Objectives</a:t>
-            </a:r>
-          </a:p>
-        </p:txBody>
-      </p:sp>
-      <p:sp>
-        <p:nvSpPr>
-          <p:cNvPr id="5" name="Content Placeholder 4">
-            <a:extLst>
-              <a:ext uri="{FF2B5EF4-FFF2-40B4-BE49-F238E27FC236}">
-                <a16:creationId xmlns:a16="http://schemas.microsoft.com/office/drawing/2014/main" id="{AFCE5681-3872-4A5A-A202-8D0F22BCF5F9}"/>
-              </a:ext>
-            </a:extLst>
-          </p:cNvPr>
-          <p:cNvSpPr>
-            <a:spLocks noGrp="1"/>
-          </p:cNvSpPr>
-          <p:nvPr>
-            <p:ph idx="1"/>
-          </p:nvPr>
-        </p:nvSpPr>
-        <p:spPr/>
-        <p:txBody>
-          <a:bodyPr/>
-          <a:lstStyle/>
-          <a:p>
-            <a:r>
-              <a:rPr lang="en-GB" dirty="0"/>
-              <a:t>Following information and examples found here: </a:t>
-            </a:r>
-            <a:r>
-              <a:rPr lang="en-GB" dirty="0">
-                <a:hlinkClick r:id="rId2"/>
-              </a:rPr>
-              <a:t>https://github.com/baskerville-hpc/2024-02-14-Turing-Training/tree/main/Interactive_jobs</a:t>
-            </a:r>
-            <a:endParaRPr lang="en-GB" dirty="0"/>
-          </a:p>
-          <a:p>
-            <a:r>
-              <a:rPr lang="en-GB" dirty="0"/>
-              <a:t>Gain an understanding of Interactive jobs through:</a:t>
-            </a:r>
-          </a:p>
-          <a:p>
-            <a:pPr lvl="1"/>
-            <a:r>
-              <a:rPr lang="en-GB" dirty="0" err="1"/>
-              <a:t>Tmux</a:t>
-            </a:r>
-            <a:endParaRPr lang="en-GB" dirty="0"/>
-          </a:p>
-          <a:p>
-            <a:pPr lvl="1"/>
-            <a:r>
-              <a:rPr lang="en-GB" dirty="0" err="1"/>
-              <a:t>srun</a:t>
-            </a:r>
-            <a:endParaRPr lang="en-GB" dirty="0"/>
-          </a:p>
-          <a:p>
-            <a:pPr lvl="1"/>
-            <a:r>
-              <a:rPr lang="en-GB" dirty="0" err="1"/>
-              <a:t>nvidia-smi</a:t>
-            </a:r>
-            <a:br>
-              <a:rPr lang="en-GB" dirty="0"/>
-            </a:br>
-            <a:endParaRPr lang="en-GB" dirty="0"/>
-          </a:p>
-        </p:txBody>
-      </p:sp>
-      <p:grpSp>
-        <p:nvGrpSpPr>
-          <p:cNvPr id="6" name="Group 5">
-            <a:extLst>
-              <a:ext uri="{FF2B5EF4-FFF2-40B4-BE49-F238E27FC236}">
-                <a16:creationId xmlns:a16="http://schemas.microsoft.com/office/drawing/2014/main" id="{3C7EABAA-845F-4BE5-B806-9A2656393F25}"/>
-              </a:ext>
-            </a:extLst>
-          </p:cNvPr>
-          <p:cNvGrpSpPr/>
-          <p:nvPr/>
-        </p:nvGrpSpPr>
-        <p:grpSpPr>
-          <a:xfrm>
-            <a:off x="4215988" y="5793696"/>
-            <a:ext cx="960359" cy="877088"/>
-            <a:chOff x="4215988" y="5793696"/>
-            <a:chExt cx="960359" cy="877088"/>
-          </a:xfrm>
-        </p:grpSpPr>
-        <p:pic>
-          <p:nvPicPr>
-            <p:cNvPr id="7" name="Picture 6" descr="A picture containing schematic&#10;&#10;Description automatically generated">
-              <a:extLst>
-                <a:ext uri="{FF2B5EF4-FFF2-40B4-BE49-F238E27FC236}">
-                  <a16:creationId xmlns:a16="http://schemas.microsoft.com/office/drawing/2014/main" id="{5E14EC56-F99D-4625-87B3-D3B7B8ECD201}"/>
-                </a:ext>
-              </a:extLst>
-            </p:cNvPr>
-            <p:cNvPicPr>
-              <a:picLocks noChangeAspect="1"/>
-            </p:cNvPicPr>
-            <p:nvPr/>
-          </p:nvPicPr>
-          <p:blipFill>
-            <a:blip r:embed="rId3" cstate="print">
-              <a:extLst>
-                <a:ext uri="{28A0092B-C50C-407E-A947-70E740481C1C}">
-                  <a14:useLocalDpi xmlns:a14="http://schemas.microsoft.com/office/drawing/2010/main" val="0"/>
-                </a:ext>
-              </a:extLst>
-            </a:blip>
-            <a:stretch>
-              <a:fillRect/>
-            </a:stretch>
-          </p:blipFill>
-          <p:spPr>
-            <a:xfrm>
-              <a:off x="4299259" y="5793696"/>
-              <a:ext cx="877088" cy="877088"/>
-            </a:xfrm>
-            <a:prstGeom prst="rect">
-              <a:avLst/>
-            </a:prstGeom>
-          </p:spPr>
-        </p:pic>
-        <p:cxnSp>
-          <p:nvCxnSpPr>
-            <p:cNvPr id="8" name="Straight Connector 7">
-              <a:extLst>
-                <a:ext uri="{FF2B5EF4-FFF2-40B4-BE49-F238E27FC236}">
-                  <a16:creationId xmlns:a16="http://schemas.microsoft.com/office/drawing/2014/main" id="{CC42A818-C08B-490F-8E58-CE18127D5B39}"/>
-                </a:ext>
-              </a:extLst>
-            </p:cNvPr>
-            <p:cNvCxnSpPr/>
-            <p:nvPr/>
-          </p:nvCxnSpPr>
-          <p:spPr>
-            <a:xfrm>
-              <a:off x="4215988" y="6033542"/>
-              <a:ext cx="0" cy="359764"/>
-            </a:xfrm>
-            <a:prstGeom prst="line">
-              <a:avLst/>
-            </a:prstGeom>
-            <a:ln>
-              <a:solidFill>
-                <a:schemeClr val="tx1">
-                  <a:lumMod val="75000"/>
-                  <a:lumOff val="25000"/>
-                </a:schemeClr>
-              </a:solidFill>
-            </a:ln>
-          </p:spPr>
-          <p:style>
-            <a:lnRef idx="2">
-              <a:schemeClr val="dk1"/>
-            </a:lnRef>
-            <a:fillRef idx="0">
-              <a:schemeClr val="dk1"/>
-            </a:fillRef>
-            <a:effectRef idx="1">
-              <a:schemeClr val="dk1"/>
-            </a:effectRef>
-            <a:fontRef idx="minor">
-              <a:schemeClr val="tx1"/>
-            </a:fontRef>
-          </p:style>
-        </p:cxnSp>
-      </p:grpSp>
-    </p:spTree>
-    <p:extLst>
-      <p:ext uri="{BB962C8B-B14F-4D97-AF65-F5344CB8AC3E}">
-        <p14:creationId xmlns:p14="http://schemas.microsoft.com/office/powerpoint/2010/main" val="1178979472"/>
-      </p:ext>
-    </p:extLst>
-  </p:cSld>
-  <p:clrMapOvr>
-    <a:masterClrMapping/>
-  </p:clrMapOvr>
-</p:sld>
-</file>
-
-<file path=ppt/slides/slide3.xml><?xml version="1.0" encoding="utf-8"?>
-<p:sld xmlns:a="http://schemas.openxmlformats.org/drawingml/2006/main" xmlns:r="http://schemas.openxmlformats.org/officeDocument/2006/relationships" xmlns:p="http://schemas.openxmlformats.org/presentationml/2006/main">
-  <p:cSld>
-    <p:spTree>
-      <p:nvGrpSpPr>
-        <p:cNvPr id="1" name="">
-          <a:extLst>
-            <a:ext uri="{FF2B5EF4-FFF2-40B4-BE49-F238E27FC236}">
-              <a16:creationId xmlns:a16="http://schemas.microsoft.com/office/drawing/2014/main" id="{3723E40E-1226-FDD5-85DE-C3C0A30A65D6}"/>
-            </a:ext>
-          </a:extLst>
-        </p:cNvPr>
-        <p:cNvGrpSpPr/>
-        <p:nvPr/>
-      </p:nvGrpSpPr>
-      <p:grpSpPr>
-        <a:xfrm>
-          <a:off x="0" y="0"/>
-          <a:ext cx="0" cy="0"/>
-          <a:chOff x="0" y="0"/>
-          <a:chExt cx="0" cy="0"/>
-        </a:xfrm>
-      </p:grpSpPr>
-      <p:sp>
-        <p:nvSpPr>
-          <p:cNvPr id="2" name="Title 1">
-            <a:extLst>
-              <a:ext uri="{FF2B5EF4-FFF2-40B4-BE49-F238E27FC236}">
-                <a16:creationId xmlns:a16="http://schemas.microsoft.com/office/drawing/2014/main" id="{C5FD7492-E833-02A4-EBB6-777DE14E4F92}"/>
-              </a:ext>
-            </a:extLst>
-          </p:cNvPr>
-          <p:cNvSpPr>
-            <a:spLocks noGrp="1"/>
-          </p:cNvSpPr>
-          <p:nvPr>
-            <p:ph type="title"/>
-          </p:nvPr>
-        </p:nvSpPr>
-        <p:spPr>
-          <a:xfrm>
-            <a:off x="529167" y="457622"/>
-            <a:ext cx="10363200" cy="1143000"/>
-          </a:xfrm>
-        </p:spPr>
-        <p:txBody>
-          <a:bodyPr/>
-          <a:lstStyle/>
-          <a:p>
-            <a:r>
-              <a:rPr lang="en-GB" dirty="0"/>
-              <a:t>Why Interactive jobs</a:t>
-            </a:r>
-          </a:p>
-        </p:txBody>
-      </p:sp>
-      <p:sp>
-        <p:nvSpPr>
-          <p:cNvPr id="3" name="Content Placeholder 2">
-            <a:extLst>
-              <a:ext uri="{FF2B5EF4-FFF2-40B4-BE49-F238E27FC236}">
-                <a16:creationId xmlns:a16="http://schemas.microsoft.com/office/drawing/2014/main" id="{4AF82E55-508E-CFCC-A0C9-77818B8E2B45}"/>
-              </a:ext>
-            </a:extLst>
-          </p:cNvPr>
-          <p:cNvSpPr>
-            <a:spLocks noGrp="1"/>
-          </p:cNvSpPr>
-          <p:nvPr>
-            <p:ph idx="1"/>
-          </p:nvPr>
-        </p:nvSpPr>
-        <p:spPr>
-          <a:xfrm>
-            <a:off x="529167" y="1484784"/>
-            <a:ext cx="10363200" cy="4325466"/>
-          </a:xfrm>
-        </p:spPr>
-        <p:txBody>
-          <a:bodyPr>
-            <a:noAutofit/>
-          </a:bodyPr>
-          <a:lstStyle/>
-          <a:p>
-            <a:r>
-              <a:rPr lang="en-GB" dirty="0"/>
-              <a:t>Batch jobs submit and leave interactive are attend and act</a:t>
-            </a:r>
-          </a:p>
-          <a:p>
-            <a:r>
-              <a:rPr lang="en-GB" dirty="0"/>
-              <a:t>Interactive jobs allow you to work on a compute node great for:</a:t>
-            </a:r>
-          </a:p>
-          <a:p>
-            <a:pPr lvl="1"/>
-            <a:r>
-              <a:rPr lang="en-GB" dirty="0"/>
-              <a:t>Monitoring running jobs</a:t>
-            </a:r>
-          </a:p>
-          <a:p>
-            <a:pPr lvl="1"/>
-            <a:r>
-              <a:rPr lang="en-GB" dirty="0"/>
-              <a:t>GUI applications</a:t>
-            </a:r>
-          </a:p>
-          <a:p>
-            <a:pPr lvl="1"/>
-            <a:r>
-              <a:rPr lang="en-GB" dirty="0"/>
-              <a:t>Building software</a:t>
-            </a:r>
-          </a:p>
-          <a:p>
-            <a:pPr lvl="1"/>
-            <a:r>
-              <a:rPr lang="en-GB" dirty="0"/>
-              <a:t>Debugging:</a:t>
-            </a:r>
-          </a:p>
-          <a:p>
-            <a:pPr lvl="2"/>
-            <a:r>
-              <a:rPr lang="en-GB" dirty="0"/>
-              <a:t>Power usage</a:t>
-            </a:r>
-          </a:p>
-          <a:p>
-            <a:pPr lvl="2"/>
-            <a:r>
-              <a:rPr lang="en-GB" dirty="0"/>
-              <a:t>Memory usage</a:t>
-            </a:r>
-          </a:p>
-          <a:p>
-            <a:pPr lvl="2"/>
-            <a:r>
-              <a:rPr lang="en-GB" dirty="0"/>
-              <a:t>General code testing and analysis</a:t>
-            </a:r>
-          </a:p>
-        </p:txBody>
-      </p:sp>
-      <p:grpSp>
-        <p:nvGrpSpPr>
-          <p:cNvPr id="4" name="Group 3">
-            <a:extLst>
-              <a:ext uri="{FF2B5EF4-FFF2-40B4-BE49-F238E27FC236}">
-                <a16:creationId xmlns:a16="http://schemas.microsoft.com/office/drawing/2014/main" id="{487B0D9E-3E95-BC09-160B-F4722D5D759D}"/>
-              </a:ext>
-            </a:extLst>
-          </p:cNvPr>
-          <p:cNvGrpSpPr/>
-          <p:nvPr/>
-        </p:nvGrpSpPr>
-        <p:grpSpPr>
-          <a:xfrm>
-            <a:off x="4215988" y="5793696"/>
-            <a:ext cx="960359" cy="877088"/>
-            <a:chOff x="4215988" y="5793696"/>
-            <a:chExt cx="960359" cy="877088"/>
-          </a:xfrm>
-        </p:grpSpPr>
-        <p:pic>
-          <p:nvPicPr>
-            <p:cNvPr id="5" name="Picture 4" descr="A picture containing schematic&#10;&#10;Description automatically generated">
-              <a:extLst>
-                <a:ext uri="{FF2B5EF4-FFF2-40B4-BE49-F238E27FC236}">
-                  <a16:creationId xmlns:a16="http://schemas.microsoft.com/office/drawing/2014/main" id="{BF7FE65B-6CA1-CEE6-5AF5-78389F976C6B}"/>
-                </a:ext>
-              </a:extLst>
-            </p:cNvPr>
-            <p:cNvPicPr>
-              <a:picLocks noChangeAspect="1"/>
-            </p:cNvPicPr>
-            <p:nvPr/>
-          </p:nvPicPr>
-          <p:blipFill>
-            <a:blip r:embed="rId2" cstate="print">
-              <a:extLst>
-                <a:ext uri="{28A0092B-C50C-407E-A947-70E740481C1C}">
-                  <a14:useLocalDpi xmlns:a14="http://schemas.microsoft.com/office/drawing/2010/main" val="0"/>
-                </a:ext>
-              </a:extLst>
-            </a:blip>
-            <a:stretch>
-              <a:fillRect/>
-            </a:stretch>
-          </p:blipFill>
-          <p:spPr>
-            <a:xfrm>
-              <a:off x="4299259" y="5793696"/>
-              <a:ext cx="877088" cy="877088"/>
-            </a:xfrm>
-            <a:prstGeom prst="rect">
-              <a:avLst/>
-            </a:prstGeom>
-          </p:spPr>
-        </p:pic>
-        <p:cxnSp>
-          <p:nvCxnSpPr>
-            <p:cNvPr id="6" name="Straight Connector 5">
-              <a:extLst>
-                <a:ext uri="{FF2B5EF4-FFF2-40B4-BE49-F238E27FC236}">
-                  <a16:creationId xmlns:a16="http://schemas.microsoft.com/office/drawing/2014/main" id="{587C17DA-D90E-CC7F-D5A9-5F0EC032EC15}"/>
-                </a:ext>
-              </a:extLst>
-            </p:cNvPr>
-            <p:cNvCxnSpPr/>
-            <p:nvPr/>
-          </p:nvCxnSpPr>
-          <p:spPr>
-            <a:xfrm>
-              <a:off x="4215988" y="6033542"/>
-              <a:ext cx="0" cy="359764"/>
-            </a:xfrm>
-            <a:prstGeom prst="line">
-              <a:avLst/>
-            </a:prstGeom>
-            <a:ln>
-              <a:solidFill>
-                <a:schemeClr val="tx1">
-                  <a:lumMod val="75000"/>
-                  <a:lumOff val="25000"/>
-                </a:schemeClr>
-              </a:solidFill>
-            </a:ln>
-          </p:spPr>
-          <p:style>
-            <a:lnRef idx="2">
-              <a:schemeClr val="dk1"/>
-            </a:lnRef>
-            <a:fillRef idx="0">
-              <a:schemeClr val="dk1"/>
-            </a:fillRef>
-            <a:effectRef idx="1">
-              <a:schemeClr val="dk1"/>
-            </a:effectRef>
-            <a:fontRef idx="minor">
-              <a:schemeClr val="tx1"/>
-            </a:fontRef>
-          </p:style>
-        </p:cxnSp>
-      </p:grpSp>
-    </p:spTree>
-    <p:extLst>
-      <p:ext uri="{BB962C8B-B14F-4D97-AF65-F5344CB8AC3E}">
-        <p14:creationId xmlns:p14="http://schemas.microsoft.com/office/powerpoint/2010/main" val="2275715592"/>
-      </p:ext>
-    </p:extLst>
-  </p:cSld>
-  <p:clrMapOvr>
-    <a:masterClrMapping/>
-  </p:clrMapOvr>
-</p:sld>
-</file>
-
-<file path=ppt/slides/slide4.xml><?xml version="1.0" encoding="utf-8"?>
-<p:sld xmlns:a="http://schemas.openxmlformats.org/drawingml/2006/main" xmlns:r="http://schemas.openxmlformats.org/officeDocument/2006/relationships" xmlns:p="http://schemas.openxmlformats.org/presentationml/2006/main">
-  <p:cSld>
-    <p:spTree>
-      <p:nvGrpSpPr>
-        <p:cNvPr id="1" name=""/>
-        <p:cNvGrpSpPr/>
-        <p:nvPr/>
-      </p:nvGrpSpPr>
-      <p:grpSpPr>
-        <a:xfrm>
-          <a:off x="0" y="0"/>
-          <a:ext cx="0" cy="0"/>
-          <a:chOff x="0" y="0"/>
-          <a:chExt cx="0" cy="0"/>
-        </a:xfrm>
-      </p:grpSpPr>
-      <p:sp>
-        <p:nvSpPr>
-          <p:cNvPr id="2" name="Title 1">
-            <a:extLst>
-              <a:ext uri="{FF2B5EF4-FFF2-40B4-BE49-F238E27FC236}">
-                <a16:creationId xmlns:a16="http://schemas.microsoft.com/office/drawing/2014/main" id="{FB808456-2A42-436C-8EB1-BBF67A67BD6C}"/>
-              </a:ext>
-            </a:extLst>
-          </p:cNvPr>
-          <p:cNvSpPr>
-            <a:spLocks noGrp="1"/>
-          </p:cNvSpPr>
-          <p:nvPr>
-            <p:ph type="title"/>
-          </p:nvPr>
-        </p:nvSpPr>
-        <p:spPr>
-          <a:xfrm>
-            <a:off x="529167" y="457622"/>
-            <a:ext cx="10363200" cy="1143000"/>
-          </a:xfrm>
-        </p:spPr>
-        <p:txBody>
-          <a:bodyPr/>
-          <a:lstStyle/>
-          <a:p>
-            <a:r>
-              <a:rPr lang="en-GB" dirty="0" err="1"/>
-              <a:t>Tmux</a:t>
-            </a:r>
-            <a:endParaRPr lang="en-GB" dirty="0"/>
-          </a:p>
-        </p:txBody>
-      </p:sp>
-      <p:sp>
-        <p:nvSpPr>
-          <p:cNvPr id="3" name="Content Placeholder 2">
-            <a:extLst>
-              <a:ext uri="{FF2B5EF4-FFF2-40B4-BE49-F238E27FC236}">
-                <a16:creationId xmlns:a16="http://schemas.microsoft.com/office/drawing/2014/main" id="{02335E25-E500-40AC-8D30-798D84817589}"/>
-              </a:ext>
-            </a:extLst>
-          </p:cNvPr>
-          <p:cNvSpPr>
-            <a:spLocks noGrp="1"/>
-          </p:cNvSpPr>
-          <p:nvPr>
-            <p:ph idx="1"/>
-          </p:nvPr>
-        </p:nvSpPr>
-        <p:spPr>
-          <a:xfrm>
-            <a:off x="529167" y="1484784"/>
-            <a:ext cx="5653519" cy="4325466"/>
-          </a:xfrm>
-        </p:spPr>
-        <p:txBody>
-          <a:bodyPr>
-            <a:noAutofit/>
-          </a:bodyPr>
-          <a:lstStyle/>
-          <a:p>
-            <a:r>
-              <a:rPr lang="en-GB" sz="2400" dirty="0" err="1"/>
-              <a:t>Tmux</a:t>
-            </a:r>
-            <a:r>
-              <a:rPr lang="en-GB" sz="2400" dirty="0"/>
-              <a:t> = terminal multiplexer</a:t>
-            </a:r>
-          </a:p>
-          <a:p>
-            <a:r>
-              <a:rPr lang="en-GB" sz="2400" dirty="0"/>
-              <a:t>Can create and resume </a:t>
-            </a:r>
-            <a:r>
-              <a:rPr lang="en-GB" sz="2400" dirty="0" err="1"/>
-              <a:t>tmux</a:t>
-            </a:r>
-            <a:r>
-              <a:rPr lang="en-GB" sz="2400" dirty="0"/>
-              <a:t> sessions</a:t>
-            </a:r>
-          </a:p>
-          <a:p>
-            <a:r>
-              <a:rPr lang="en-GB" sz="2400" dirty="0"/>
-              <a:t>Ideal to be used with an interactive session</a:t>
-            </a:r>
-          </a:p>
-          <a:p>
-            <a:r>
-              <a:rPr lang="en-GB" sz="2400" dirty="0"/>
-              <a:t>List of useful commands found </a:t>
-            </a:r>
-            <a:r>
-              <a:rPr lang="en-GB" sz="2400" dirty="0">
-                <a:hlinkClick r:id="rId2"/>
-              </a:rPr>
-              <a:t>https://tmuxcheatsheet.com/</a:t>
-            </a:r>
-            <a:endParaRPr lang="en-GB" sz="2400" dirty="0"/>
-          </a:p>
-          <a:p>
-            <a:r>
-              <a:rPr lang="en-GB" sz="2400" dirty="0"/>
-              <a:t>There are other options like GNU screen</a:t>
-            </a:r>
-          </a:p>
-          <a:p>
-            <a:endParaRPr lang="en-GB" dirty="0"/>
-          </a:p>
-        </p:txBody>
-      </p:sp>
-      <p:grpSp>
-        <p:nvGrpSpPr>
-          <p:cNvPr id="4" name="Group 3">
-            <a:extLst>
-              <a:ext uri="{FF2B5EF4-FFF2-40B4-BE49-F238E27FC236}">
-                <a16:creationId xmlns:a16="http://schemas.microsoft.com/office/drawing/2014/main" id="{AE13BE7C-7EA9-4AC2-99C9-8B8D12FE9044}"/>
-              </a:ext>
-            </a:extLst>
-          </p:cNvPr>
-          <p:cNvGrpSpPr/>
-          <p:nvPr/>
-        </p:nvGrpSpPr>
-        <p:grpSpPr>
-          <a:xfrm>
-            <a:off x="4215988" y="5793696"/>
-            <a:ext cx="960359" cy="877088"/>
-            <a:chOff x="4215988" y="5793696"/>
-            <a:chExt cx="960359" cy="877088"/>
-          </a:xfrm>
-        </p:grpSpPr>
-        <p:pic>
-          <p:nvPicPr>
-            <p:cNvPr id="5" name="Picture 4" descr="A picture containing schematic&#10;&#10;Description automatically generated">
-              <a:extLst>
-                <a:ext uri="{FF2B5EF4-FFF2-40B4-BE49-F238E27FC236}">
-                  <a16:creationId xmlns:a16="http://schemas.microsoft.com/office/drawing/2014/main" id="{57455160-C041-447F-AB31-D2EB76715588}"/>
-                </a:ext>
-              </a:extLst>
-            </p:cNvPr>
-            <p:cNvPicPr>
-              <a:picLocks noChangeAspect="1"/>
-            </p:cNvPicPr>
-            <p:nvPr/>
-          </p:nvPicPr>
-          <p:blipFill>
-            <a:blip r:embed="rId3" cstate="print">
-              <a:extLst>
-                <a:ext uri="{28A0092B-C50C-407E-A947-70E740481C1C}">
-                  <a14:useLocalDpi xmlns:a14="http://schemas.microsoft.com/office/drawing/2010/main" val="0"/>
-                </a:ext>
-              </a:extLst>
-            </a:blip>
-            <a:stretch>
-              <a:fillRect/>
-            </a:stretch>
-          </p:blipFill>
-          <p:spPr>
-            <a:xfrm>
-              <a:off x="4299259" y="5793696"/>
-              <a:ext cx="877088" cy="877088"/>
-            </a:xfrm>
-            <a:prstGeom prst="rect">
-              <a:avLst/>
-            </a:prstGeom>
-          </p:spPr>
-        </p:pic>
-        <p:cxnSp>
-          <p:nvCxnSpPr>
-            <p:cNvPr id="6" name="Straight Connector 5">
-              <a:extLst>
-                <a:ext uri="{FF2B5EF4-FFF2-40B4-BE49-F238E27FC236}">
-                  <a16:creationId xmlns:a16="http://schemas.microsoft.com/office/drawing/2014/main" id="{653F5121-C929-4834-A9D0-BCD96B0B65F2}"/>
-                </a:ext>
-              </a:extLst>
-            </p:cNvPr>
-            <p:cNvCxnSpPr/>
-            <p:nvPr/>
-          </p:nvCxnSpPr>
-          <p:spPr>
-            <a:xfrm>
-              <a:off x="4215988" y="6033542"/>
-              <a:ext cx="0" cy="359764"/>
-            </a:xfrm>
-            <a:prstGeom prst="line">
-              <a:avLst/>
-            </a:prstGeom>
-            <a:ln>
-              <a:solidFill>
-                <a:schemeClr val="tx1">
-                  <a:lumMod val="75000"/>
-                  <a:lumOff val="25000"/>
-                </a:schemeClr>
-              </a:solidFill>
-            </a:ln>
-          </p:spPr>
-          <p:style>
-            <a:lnRef idx="2">
-              <a:schemeClr val="dk1"/>
-            </a:lnRef>
-            <a:fillRef idx="0">
-              <a:schemeClr val="dk1"/>
-            </a:fillRef>
-            <a:effectRef idx="1">
-              <a:schemeClr val="dk1"/>
-            </a:effectRef>
-            <a:fontRef idx="minor">
-              <a:schemeClr val="tx1"/>
-            </a:fontRef>
-          </p:style>
-        </p:cxnSp>
-      </p:grpSp>
-      <p:pic>
-        <p:nvPicPr>
-          <p:cNvPr id="8" name="Picture 7">
-            <a:extLst>
-              <a:ext uri="{FF2B5EF4-FFF2-40B4-BE49-F238E27FC236}">
-                <a16:creationId xmlns:a16="http://schemas.microsoft.com/office/drawing/2014/main" id="{818212AC-1E73-2A64-0BCA-83DC53A8CC37}"/>
-              </a:ext>
-            </a:extLst>
-          </p:cNvPr>
-          <p:cNvPicPr>
-            <a:picLocks noChangeAspect="1"/>
-          </p:cNvPicPr>
-          <p:nvPr/>
-        </p:nvPicPr>
-        <p:blipFill rotWithShape="1">
-          <a:blip r:embed="rId4"/>
-          <a:srcRect l="11973" t="16972" r="61261" b="8822"/>
-          <a:stretch/>
-        </p:blipFill>
-        <p:spPr>
-          <a:xfrm>
-            <a:off x="6350465" y="1600621"/>
-            <a:ext cx="5116448" cy="4011613"/>
-          </a:xfrm>
-          <a:prstGeom prst="rect">
-            <a:avLst/>
-          </a:prstGeom>
-        </p:spPr>
-      </p:pic>
-    </p:spTree>
-    <p:extLst>
-      <p:ext uri="{BB962C8B-B14F-4D97-AF65-F5344CB8AC3E}">
-        <p14:creationId xmlns:p14="http://schemas.microsoft.com/office/powerpoint/2010/main" val="1566735778"/>
-      </p:ext>
-    </p:extLst>
-  </p:cSld>
-  <p:clrMapOvr>
-    <a:masterClrMapping/>
-  </p:clrMapOvr>
-</p:sld>
-</file>
-
-<file path=ppt/slides/slide5.xml><?xml version="1.0" encoding="utf-8"?>
-<p:sld xmlns:a="http://schemas.openxmlformats.org/drawingml/2006/main" xmlns:r="http://schemas.openxmlformats.org/officeDocument/2006/relationships" xmlns:p="http://schemas.openxmlformats.org/presentationml/2006/main">
-  <p:cSld>
-    <p:spTree>
-      <p:nvGrpSpPr>
-        <p:cNvPr id="1" name="">
-          <a:extLst>
-            <a:ext uri="{FF2B5EF4-FFF2-40B4-BE49-F238E27FC236}">
-              <a16:creationId xmlns:a16="http://schemas.microsoft.com/office/drawing/2014/main" id="{98142CD9-D1F4-868E-5E15-665E7520CA55}"/>
-            </a:ext>
-          </a:extLst>
-        </p:cNvPr>
-        <p:cNvGrpSpPr/>
-        <p:nvPr/>
-      </p:nvGrpSpPr>
-      <p:grpSpPr>
-        <a:xfrm>
-          <a:off x="0" y="0"/>
-          <a:ext cx="0" cy="0"/>
-          <a:chOff x="0" y="0"/>
-          <a:chExt cx="0" cy="0"/>
-        </a:xfrm>
-      </p:grpSpPr>
-      <p:sp>
-        <p:nvSpPr>
-          <p:cNvPr id="2" name="Title 1">
-            <a:extLst>
-              <a:ext uri="{FF2B5EF4-FFF2-40B4-BE49-F238E27FC236}">
-                <a16:creationId xmlns:a16="http://schemas.microsoft.com/office/drawing/2014/main" id="{408078DF-3766-4842-121B-BDEE0F947622}"/>
-              </a:ext>
-            </a:extLst>
-          </p:cNvPr>
-          <p:cNvSpPr>
-            <a:spLocks noGrp="1"/>
-          </p:cNvSpPr>
-          <p:nvPr>
-            <p:ph type="title"/>
-          </p:nvPr>
-        </p:nvSpPr>
-        <p:spPr>
-          <a:xfrm>
-            <a:off x="529167" y="457622"/>
-            <a:ext cx="10363200" cy="1143000"/>
-          </a:xfrm>
-        </p:spPr>
-        <p:txBody>
-          <a:bodyPr/>
-          <a:lstStyle/>
-          <a:p>
-            <a:r>
-              <a:rPr lang="en-GB" dirty="0" err="1"/>
-              <a:t>Tmux</a:t>
-            </a:r>
-            <a:r>
-              <a:rPr lang="en-GB" dirty="0"/>
-              <a:t> and login nodes</a:t>
-            </a:r>
-          </a:p>
-        </p:txBody>
-      </p:sp>
-      <p:sp>
-        <p:nvSpPr>
-          <p:cNvPr id="3" name="Content Placeholder 2">
-            <a:extLst>
-              <a:ext uri="{FF2B5EF4-FFF2-40B4-BE49-F238E27FC236}">
-                <a16:creationId xmlns:a16="http://schemas.microsoft.com/office/drawing/2014/main" id="{DABCA904-7F1C-A2B6-2A71-55BECB6BEB7D}"/>
-              </a:ext>
-            </a:extLst>
-          </p:cNvPr>
-          <p:cNvSpPr>
-            <a:spLocks noGrp="1"/>
-          </p:cNvSpPr>
-          <p:nvPr>
-            <p:ph idx="1"/>
-          </p:nvPr>
-        </p:nvSpPr>
-        <p:spPr>
-          <a:xfrm>
-            <a:off x="529167" y="1484784"/>
-            <a:ext cx="10363200" cy="4325466"/>
-          </a:xfrm>
-        </p:spPr>
-        <p:txBody>
-          <a:bodyPr>
-            <a:noAutofit/>
-          </a:bodyPr>
-          <a:lstStyle/>
-          <a:p>
-            <a:r>
-              <a:rPr lang="en-GB" sz="2400" dirty="0" err="1"/>
-              <a:t>Tmux</a:t>
-            </a:r>
-            <a:r>
-              <a:rPr lang="en-GB" sz="2400" dirty="0"/>
-              <a:t> session will be recorded on a particular login node: </a:t>
-            </a:r>
-            <a:r>
-              <a:rPr lang="en-GB" sz="2000" dirty="0">
-                <a:latin typeface="Courier New" panose="02070309020205020404" pitchFamily="49" charset="0"/>
-                <a:cs typeface="Courier New" panose="02070309020205020404" pitchFamily="49" charset="0"/>
-              </a:rPr>
-              <a:t>bask-pg-login01</a:t>
-            </a:r>
-            <a:r>
-              <a:rPr lang="en-GB" sz="2400" dirty="0"/>
-              <a:t>, </a:t>
-            </a:r>
-            <a:r>
-              <a:rPr lang="en-GB" sz="2000" dirty="0">
-                <a:latin typeface="Courier New" panose="02070309020205020404" pitchFamily="49" charset="0"/>
-                <a:cs typeface="Courier New" panose="02070309020205020404" pitchFamily="49" charset="0"/>
-              </a:rPr>
-              <a:t>bask-pg-login02</a:t>
-            </a:r>
-            <a:r>
-              <a:rPr lang="en-GB" sz="2400" dirty="0"/>
-              <a:t> and </a:t>
-            </a:r>
-            <a:r>
-              <a:rPr lang="en-GB" sz="2000" dirty="0">
-                <a:latin typeface="Courier New" panose="02070309020205020404" pitchFamily="49" charset="0"/>
-                <a:cs typeface="Courier New" panose="02070309020205020404" pitchFamily="49" charset="0"/>
-              </a:rPr>
-              <a:t>bask-pg-login03</a:t>
-            </a:r>
-            <a:r>
-              <a:rPr kumimoji="0" lang="en-GB" sz="2400" b="0" i="0" u="none" strike="noStrike" kern="1200" cap="none" spc="0" normalizeH="0" baseline="0" noProof="0" dirty="0">
-                <a:ln>
-                  <a:noFill/>
-                </a:ln>
-                <a:solidFill>
-                  <a:prstClr val="black"/>
-                </a:solidFill>
-                <a:effectLst/>
-                <a:uLnTx/>
-                <a:uFillTx/>
-                <a:latin typeface="Calibri" panose="020F0502020204030204"/>
-                <a:ea typeface="+mn-ea"/>
-                <a:cs typeface="+mn-cs"/>
-              </a:rPr>
-              <a:t> </a:t>
-            </a:r>
-          </a:p>
-          <a:p>
-            <a:r>
-              <a:rPr lang="en-GB" sz="2400" dirty="0"/>
-              <a:t>Must therefore keep a record of which login node the </a:t>
-            </a:r>
-            <a:r>
-              <a:rPr lang="en-GB" sz="2400" dirty="0" err="1"/>
-              <a:t>tmux</a:t>
-            </a:r>
-            <a:r>
-              <a:rPr lang="en-GB" sz="2400" dirty="0"/>
-              <a:t> session is on</a:t>
-            </a:r>
-          </a:p>
-          <a:p>
-            <a:r>
-              <a:rPr lang="en-GB" sz="2400" dirty="0"/>
-              <a:t>Methods:</a:t>
-            </a:r>
-          </a:p>
-          <a:p>
-            <a:pPr lvl="1"/>
-            <a:r>
-              <a:rPr lang="en-GB" sz="2000" dirty="0"/>
-              <a:t>Do not recommend editing your </a:t>
-            </a:r>
-            <a:r>
-              <a:rPr lang="en-GB" sz="1600" dirty="0">
-                <a:latin typeface="Courier New" panose="02070309020205020404" pitchFamily="49" charset="0"/>
-                <a:cs typeface="Courier New" panose="02070309020205020404" pitchFamily="49" charset="0"/>
-              </a:rPr>
-              <a:t>.</a:t>
-            </a:r>
-            <a:r>
-              <a:rPr lang="en-GB" sz="1600" dirty="0" err="1">
-                <a:latin typeface="Courier New" panose="02070309020205020404" pitchFamily="49" charset="0"/>
-                <a:cs typeface="Courier New" panose="02070309020205020404" pitchFamily="49" charset="0"/>
-              </a:rPr>
-              <a:t>bashrc</a:t>
-            </a:r>
-            <a:endParaRPr lang="en-GB" sz="1600" dirty="0">
-              <a:latin typeface="Courier New" panose="02070309020205020404" pitchFamily="49" charset="0"/>
-              <a:cs typeface="Courier New" panose="02070309020205020404" pitchFamily="49" charset="0"/>
-            </a:endParaRPr>
-          </a:p>
-          <a:p>
-            <a:pPr lvl="1"/>
-            <a:r>
-              <a:rPr lang="en-GB" sz="2000" dirty="0"/>
-              <a:t>Can use a script</a:t>
-            </a:r>
-          </a:p>
-        </p:txBody>
-      </p:sp>
-      <p:grpSp>
-        <p:nvGrpSpPr>
-          <p:cNvPr id="4" name="Group 3">
-            <a:extLst>
-              <a:ext uri="{FF2B5EF4-FFF2-40B4-BE49-F238E27FC236}">
-                <a16:creationId xmlns:a16="http://schemas.microsoft.com/office/drawing/2014/main" id="{F6ABFEAE-7C59-80E4-DDE9-2EB4E99BCAAE}"/>
-              </a:ext>
-            </a:extLst>
-          </p:cNvPr>
-          <p:cNvGrpSpPr/>
-          <p:nvPr/>
-        </p:nvGrpSpPr>
-        <p:grpSpPr>
-          <a:xfrm>
-            <a:off x="4215988" y="5793696"/>
-            <a:ext cx="960359" cy="877088"/>
-            <a:chOff x="4215988" y="5793696"/>
-            <a:chExt cx="960359" cy="877088"/>
-          </a:xfrm>
-        </p:grpSpPr>
-        <p:pic>
-          <p:nvPicPr>
-            <p:cNvPr id="5" name="Picture 4" descr="A picture containing schematic&#10;&#10;Description automatically generated">
-              <a:extLst>
-                <a:ext uri="{FF2B5EF4-FFF2-40B4-BE49-F238E27FC236}">
-                  <a16:creationId xmlns:a16="http://schemas.microsoft.com/office/drawing/2014/main" id="{7E427B7F-2553-AE1D-10A8-CAAE6D46484E}"/>
-                </a:ext>
-              </a:extLst>
-            </p:cNvPr>
-            <p:cNvPicPr>
-              <a:picLocks noChangeAspect="1"/>
-            </p:cNvPicPr>
-            <p:nvPr/>
-          </p:nvPicPr>
-          <p:blipFill>
-            <a:blip r:embed="rId2" cstate="print">
-              <a:extLst>
-                <a:ext uri="{28A0092B-C50C-407E-A947-70E740481C1C}">
-                  <a14:useLocalDpi xmlns:a14="http://schemas.microsoft.com/office/drawing/2010/main" val="0"/>
-                </a:ext>
-              </a:extLst>
-            </a:blip>
-            <a:stretch>
-              <a:fillRect/>
-            </a:stretch>
-          </p:blipFill>
-          <p:spPr>
-            <a:xfrm>
-              <a:off x="4299259" y="5793696"/>
-              <a:ext cx="877088" cy="877088"/>
-            </a:xfrm>
-            <a:prstGeom prst="rect">
-              <a:avLst/>
-            </a:prstGeom>
-          </p:spPr>
-        </p:pic>
-        <p:cxnSp>
-          <p:nvCxnSpPr>
-            <p:cNvPr id="6" name="Straight Connector 5">
-              <a:extLst>
-                <a:ext uri="{FF2B5EF4-FFF2-40B4-BE49-F238E27FC236}">
-                  <a16:creationId xmlns:a16="http://schemas.microsoft.com/office/drawing/2014/main" id="{4A60E3F9-ED2F-02FF-2A3F-A7B87DE7EF57}"/>
-                </a:ext>
-              </a:extLst>
-            </p:cNvPr>
-            <p:cNvCxnSpPr/>
-            <p:nvPr/>
-          </p:nvCxnSpPr>
-          <p:spPr>
-            <a:xfrm>
-              <a:off x="4215988" y="6033542"/>
-              <a:ext cx="0" cy="359764"/>
-            </a:xfrm>
-            <a:prstGeom prst="line">
-              <a:avLst/>
-            </a:prstGeom>
-            <a:ln>
-              <a:solidFill>
-                <a:schemeClr val="tx1">
-                  <a:lumMod val="75000"/>
-                  <a:lumOff val="25000"/>
-                </a:schemeClr>
-              </a:solidFill>
-            </a:ln>
-          </p:spPr>
-          <p:style>
-            <a:lnRef idx="2">
-              <a:schemeClr val="dk1"/>
-            </a:lnRef>
-            <a:fillRef idx="0">
-              <a:schemeClr val="dk1"/>
-            </a:fillRef>
-            <a:effectRef idx="1">
-              <a:schemeClr val="dk1"/>
-            </a:effectRef>
-            <a:fontRef idx="minor">
-              <a:schemeClr val="tx1"/>
-            </a:fontRef>
-          </p:style>
-        </p:cxnSp>
-      </p:grpSp>
-    </p:spTree>
-    <p:extLst>
-      <p:ext uri="{BB962C8B-B14F-4D97-AF65-F5344CB8AC3E}">
-        <p14:creationId xmlns:p14="http://schemas.microsoft.com/office/powerpoint/2010/main" val="1224481996"/>
-      </p:ext>
-    </p:extLst>
-  </p:cSld>
-  <p:clrMapOvr>
-    <a:masterClrMapping/>
-  </p:clrMapOvr>
-</p:sld>
-</file>
-
-<file path=ppt/slides/slide6.xml><?xml version="1.0" encoding="utf-8"?>
-<p:sld xmlns:a="http://schemas.openxmlformats.org/drawingml/2006/main" xmlns:r="http://schemas.openxmlformats.org/officeDocument/2006/relationships" xmlns:p="http://schemas.openxmlformats.org/presentationml/2006/main">
-  <p:cSld>
-    <p:spTree>
-      <p:nvGrpSpPr>
-        <p:cNvPr id="1" name=""/>
-        <p:cNvGrpSpPr/>
-        <p:nvPr/>
-      </p:nvGrpSpPr>
-      <p:grpSpPr>
-        <a:xfrm>
-          <a:off x="0" y="0"/>
-          <a:ext cx="0" cy="0"/>
-          <a:chOff x="0" y="0"/>
-          <a:chExt cx="0" cy="0"/>
-        </a:xfrm>
-      </p:grpSpPr>
-      <p:sp>
-        <p:nvSpPr>
-          <p:cNvPr id="2" name="Title 1">
-            <a:extLst>
-              <a:ext uri="{FF2B5EF4-FFF2-40B4-BE49-F238E27FC236}">
-                <a16:creationId xmlns:a16="http://schemas.microsoft.com/office/drawing/2014/main" id="{FB808456-2A42-436C-8EB1-BBF67A67BD6C}"/>
-              </a:ext>
-            </a:extLst>
-          </p:cNvPr>
-          <p:cNvSpPr>
-            <a:spLocks noGrp="1"/>
-          </p:cNvSpPr>
-          <p:nvPr>
-            <p:ph type="title"/>
-          </p:nvPr>
-        </p:nvSpPr>
-        <p:spPr>
-          <a:xfrm>
-            <a:off x="914400" y="2520892"/>
-            <a:ext cx="10363200" cy="1143000"/>
-          </a:xfrm>
-        </p:spPr>
-        <p:txBody>
-          <a:bodyPr/>
-          <a:lstStyle/>
-          <a:p>
-            <a:pPr algn="ctr"/>
-            <a:r>
-              <a:rPr lang="en-GB" dirty="0" err="1"/>
-              <a:t>Tmux</a:t>
-            </a:r>
-            <a:r>
-              <a:rPr lang="en-GB" dirty="0"/>
-              <a:t> navigation</a:t>
-            </a:r>
-          </a:p>
-        </p:txBody>
-      </p:sp>
-      <p:grpSp>
-        <p:nvGrpSpPr>
-          <p:cNvPr id="4" name="Group 3">
-            <a:extLst>
-              <a:ext uri="{FF2B5EF4-FFF2-40B4-BE49-F238E27FC236}">
-                <a16:creationId xmlns:a16="http://schemas.microsoft.com/office/drawing/2014/main" id="{AE13BE7C-7EA9-4AC2-99C9-8B8D12FE9044}"/>
-              </a:ext>
-            </a:extLst>
-          </p:cNvPr>
-          <p:cNvGrpSpPr/>
-          <p:nvPr/>
-        </p:nvGrpSpPr>
-        <p:grpSpPr>
-          <a:xfrm>
-            <a:off x="4215988" y="5793696"/>
-            <a:ext cx="960359" cy="877088"/>
-            <a:chOff x="4215988" y="5793696"/>
-            <a:chExt cx="960359" cy="877088"/>
-          </a:xfrm>
-        </p:grpSpPr>
-        <p:pic>
-          <p:nvPicPr>
-            <p:cNvPr id="5" name="Picture 4" descr="A picture containing schematic&#10;&#10;Description automatically generated">
-              <a:extLst>
-                <a:ext uri="{FF2B5EF4-FFF2-40B4-BE49-F238E27FC236}">
-                  <a16:creationId xmlns:a16="http://schemas.microsoft.com/office/drawing/2014/main" id="{57455160-C041-447F-AB31-D2EB76715588}"/>
-                </a:ext>
-              </a:extLst>
-            </p:cNvPr>
-            <p:cNvPicPr>
-              <a:picLocks noChangeAspect="1"/>
-            </p:cNvPicPr>
-            <p:nvPr/>
-          </p:nvPicPr>
-          <p:blipFill>
-            <a:blip r:embed="rId2" cstate="print">
-              <a:extLst>
-                <a:ext uri="{28A0092B-C50C-407E-A947-70E740481C1C}">
-                  <a14:useLocalDpi xmlns:a14="http://schemas.microsoft.com/office/drawing/2010/main" val="0"/>
-                </a:ext>
-              </a:extLst>
-            </a:blip>
-            <a:stretch>
-              <a:fillRect/>
-            </a:stretch>
-          </p:blipFill>
-          <p:spPr>
-            <a:xfrm>
-              <a:off x="4299259" y="5793696"/>
-              <a:ext cx="877088" cy="877088"/>
-            </a:xfrm>
-            <a:prstGeom prst="rect">
-              <a:avLst/>
-            </a:prstGeom>
-          </p:spPr>
-        </p:pic>
-        <p:cxnSp>
-          <p:nvCxnSpPr>
-            <p:cNvPr id="6" name="Straight Connector 5">
-              <a:extLst>
-                <a:ext uri="{FF2B5EF4-FFF2-40B4-BE49-F238E27FC236}">
-                  <a16:creationId xmlns:a16="http://schemas.microsoft.com/office/drawing/2014/main" id="{653F5121-C929-4834-A9D0-BCD96B0B65F2}"/>
-                </a:ext>
-              </a:extLst>
-            </p:cNvPr>
-            <p:cNvCxnSpPr/>
-            <p:nvPr/>
-          </p:nvCxnSpPr>
-          <p:spPr>
-            <a:xfrm>
-              <a:off x="4215988" y="6033542"/>
-              <a:ext cx="0" cy="359764"/>
-            </a:xfrm>
-            <a:prstGeom prst="line">
-              <a:avLst/>
-            </a:prstGeom>
-            <a:ln>
-              <a:solidFill>
-                <a:schemeClr val="tx1">
-                  <a:lumMod val="75000"/>
-                  <a:lumOff val="25000"/>
-                </a:schemeClr>
-              </a:solidFill>
-            </a:ln>
-          </p:spPr>
-          <p:style>
-            <a:lnRef idx="2">
-              <a:schemeClr val="dk1"/>
-            </a:lnRef>
-            <a:fillRef idx="0">
-              <a:schemeClr val="dk1"/>
-            </a:fillRef>
-            <a:effectRef idx="1">
-              <a:schemeClr val="dk1"/>
-            </a:effectRef>
-            <a:fontRef idx="minor">
-              <a:schemeClr val="tx1"/>
-            </a:fontRef>
-          </p:style>
-        </p:cxnSp>
-      </p:grpSp>
-    </p:spTree>
-    <p:extLst>
-      <p:ext uri="{BB962C8B-B14F-4D97-AF65-F5344CB8AC3E}">
-        <p14:creationId xmlns:p14="http://schemas.microsoft.com/office/powerpoint/2010/main" val="4039202894"/>
-      </p:ext>
-    </p:extLst>
-  </p:cSld>
-  <p:clrMapOvr>
-    <a:masterClrMapping/>
-  </p:clrMapOvr>
-</p:sld>
-</file>
-
-<file path=ppt/slides/slide7.xml><?xml version="1.0" encoding="utf-8"?>
 <p:sld xmlns:a="http://schemas.openxmlformats.org/drawingml/2006/main" xmlns:r="http://schemas.openxmlformats.org/officeDocument/2006/relationships" xmlns:p="http://schemas.openxmlformats.org/presentationml/2006/main">
   <p:cSld>
     <p:spTree>
@@ -6425,7 +4506,7 @@
 </p:sld>
 </file>
 
-<file path=ppt/slides/slide8.xml><?xml version="1.0" encoding="utf-8"?>
+<file path=ppt/slides/slide12.xml><?xml version="1.0" encoding="utf-8"?>
 <p:sld xmlns:a="http://schemas.openxmlformats.org/drawingml/2006/main" xmlns:r="http://schemas.openxmlformats.org/officeDocument/2006/relationships" xmlns:p="http://schemas.openxmlformats.org/presentationml/2006/main">
   <p:cSld>
     <p:spTree>
@@ -6550,7 +4631,7 @@
             </a:r>
             <a:r>
               <a:rPr lang="en-GB" sz="2000" dirty="0"/>
-              <a:t> is not infallible and sessions can end unexpectedly especially if there is a problem with a login node</a:t>
+              <a:t> is not infallible, and sessions can end unexpectedly especially if there is a problem with a login node</a:t>
             </a:r>
           </a:p>
         </p:txBody>
@@ -6669,8 +4750,3602 @@
 </p:sld>
 </file>
 
-<file path=ppt/slides/slide9.xml><?xml version="1.0" encoding="utf-8"?>
+<file path=ppt/slides/slide13.xml><?xml version="1.0" encoding="utf-8"?>
 <p:sld xmlns:a="http://schemas.openxmlformats.org/drawingml/2006/main" xmlns:r="http://schemas.openxmlformats.org/officeDocument/2006/relationships" xmlns:p="http://schemas.openxmlformats.org/presentationml/2006/main">
+  <p:cSld>
+    <p:spTree>
+      <p:nvGrpSpPr>
+        <p:cNvPr id="1" name="">
+          <a:extLst>
+            <a:ext uri="{FF2B5EF4-FFF2-40B4-BE49-F238E27FC236}">
+              <a16:creationId xmlns:a16="http://schemas.microsoft.com/office/drawing/2014/main" id="{0B53F3B1-361C-8A9E-6ED4-70DEA274A39A}"/>
+            </a:ext>
+          </a:extLst>
+        </p:cNvPr>
+        <p:cNvGrpSpPr/>
+        <p:nvPr/>
+      </p:nvGrpSpPr>
+      <p:grpSpPr>
+        <a:xfrm>
+          <a:off x="0" y="0"/>
+          <a:ext cx="0" cy="0"/>
+          <a:chOff x="0" y="0"/>
+          <a:chExt cx="0" cy="0"/>
+        </a:xfrm>
+      </p:grpSpPr>
+      <p:sp>
+        <p:nvSpPr>
+          <p:cNvPr id="2" name="Title 1">
+            <a:extLst>
+              <a:ext uri="{FF2B5EF4-FFF2-40B4-BE49-F238E27FC236}">
+                <a16:creationId xmlns:a16="http://schemas.microsoft.com/office/drawing/2014/main" id="{7FB9A39A-C3DB-5FBA-A74A-DD3CD99F249A}"/>
+              </a:ext>
+            </a:extLst>
+          </p:cNvPr>
+          <p:cNvSpPr>
+            <a:spLocks noGrp="1"/>
+          </p:cNvSpPr>
+          <p:nvPr>
+            <p:ph type="title"/>
+          </p:nvPr>
+        </p:nvSpPr>
+        <p:spPr>
+          <a:xfrm>
+            <a:off x="529167" y="457622"/>
+            <a:ext cx="10363200" cy="1143000"/>
+          </a:xfrm>
+        </p:spPr>
+        <p:txBody>
+          <a:bodyPr/>
+          <a:lstStyle/>
+          <a:p>
+            <a:r>
+              <a:rPr lang="en-GB" dirty="0"/>
+              <a:t>Starting an interactive session</a:t>
+            </a:r>
+          </a:p>
+        </p:txBody>
+      </p:sp>
+      <p:sp>
+        <p:nvSpPr>
+          <p:cNvPr id="3" name="Content Placeholder 2">
+            <a:extLst>
+              <a:ext uri="{FF2B5EF4-FFF2-40B4-BE49-F238E27FC236}">
+                <a16:creationId xmlns:a16="http://schemas.microsoft.com/office/drawing/2014/main" id="{EEFC2939-6818-8A7E-D9CC-F69EFE6D8D5A}"/>
+              </a:ext>
+            </a:extLst>
+          </p:cNvPr>
+          <p:cNvSpPr>
+            <a:spLocks noGrp="1"/>
+          </p:cNvSpPr>
+          <p:nvPr>
+            <p:ph idx="1"/>
+          </p:nvPr>
+        </p:nvSpPr>
+        <p:spPr>
+          <a:xfrm>
+            <a:off x="529167" y="1484784"/>
+            <a:ext cx="10363200" cy="4325466"/>
+          </a:xfrm>
+        </p:spPr>
+        <p:txBody>
+          <a:bodyPr>
+            <a:noAutofit/>
+          </a:bodyPr>
+          <a:lstStyle/>
+          <a:p>
+            <a:r>
+              <a:rPr lang="en-GB" sz="2000" dirty="0"/>
+              <a:t>Start a </a:t>
+            </a:r>
+            <a:r>
+              <a:rPr lang="en-GB" sz="2000" dirty="0" err="1"/>
+              <a:t>tmux</a:t>
+            </a:r>
+            <a:r>
+              <a:rPr lang="en-GB" sz="2000" dirty="0"/>
+              <a:t> session</a:t>
+            </a:r>
+          </a:p>
+          <a:p>
+            <a:r>
+              <a:rPr lang="en-GB" sz="2000" dirty="0"/>
+              <a:t>Split to 2 panes</a:t>
+            </a:r>
+          </a:p>
+          <a:p>
+            <a:r>
+              <a:rPr lang="en-GB" sz="2000" dirty="0"/>
+              <a:t>Start an interactive session in one of the panes:</a:t>
+            </a:r>
+          </a:p>
+          <a:p>
+            <a:pPr lvl="1"/>
+            <a:r>
+              <a:rPr lang="en-GB" sz="1600" dirty="0"/>
+              <a:t>Interactive execution files:</a:t>
+            </a:r>
+          </a:p>
+          <a:p>
+            <a:pPr lvl="2"/>
+            <a:r>
+              <a:rPr lang="en-GB" sz="1200" dirty="0"/>
+              <a:t>srun_rfi.sh and srun_diamond.sh</a:t>
+            </a:r>
+          </a:p>
+          <a:p>
+            <a:pPr lvl="2"/>
+            <a:r>
+              <a:rPr lang="en-GB" sz="1200" dirty="0"/>
+              <a:t>Job is requesting 1 GPU and </a:t>
+            </a:r>
+            <a:r>
+              <a:rPr lang="en-GB" sz="1200" dirty="0" err="1"/>
+              <a:t>ntasks</a:t>
+            </a:r>
+            <a:r>
+              <a:rPr lang="en-GB" sz="1200" dirty="0"/>
+              <a:t>=36 over 1 node for 2 hours</a:t>
+            </a:r>
+          </a:p>
+          <a:p>
+            <a:pPr lvl="1"/>
+            <a:r>
+              <a:rPr lang="en-GB" sz="1600" dirty="0"/>
+              <a:t>Can use commands found </a:t>
+            </a:r>
+            <a:r>
+              <a:rPr lang="en-GB" sz="1800" dirty="0">
+                <a:hlinkClick r:id="rId2"/>
+              </a:rPr>
+              <a:t>https://docs.baskerville.ac.uk/interactive-jobs/</a:t>
+            </a:r>
+            <a:r>
+              <a:rPr lang="en-GB" sz="1800" dirty="0"/>
+              <a:t> - with reservation flag</a:t>
+            </a:r>
+          </a:p>
+          <a:p>
+            <a:pPr lvl="1"/>
+            <a:r>
+              <a:rPr lang="en-GB" sz="1800" dirty="0"/>
+              <a:t>In the other pane ssh to the compute node and run:</a:t>
+            </a:r>
+          </a:p>
+          <a:p>
+            <a:pPr lvl="2"/>
+            <a:r>
+              <a:rPr lang="en-GB" sz="1400" dirty="0"/>
+              <a:t>`</a:t>
+            </a:r>
+            <a:r>
+              <a:rPr lang="en-GB" sz="1400" dirty="0">
+                <a:latin typeface="Courier New" panose="02070309020205020404" pitchFamily="49" charset="0"/>
+                <a:cs typeface="Courier New" panose="02070309020205020404" pitchFamily="49" charset="0"/>
+              </a:rPr>
+              <a:t>watch -n 1 </a:t>
+            </a:r>
+            <a:r>
+              <a:rPr lang="en-GB" sz="1400" dirty="0" err="1">
+                <a:latin typeface="Courier New" panose="02070309020205020404" pitchFamily="49" charset="0"/>
+                <a:cs typeface="Courier New" panose="02070309020205020404" pitchFamily="49" charset="0"/>
+              </a:rPr>
+              <a:t>nvidia-smi</a:t>
+            </a:r>
+            <a:r>
+              <a:rPr lang="en-GB" sz="1400" dirty="0">
+                <a:latin typeface="Courier New" panose="02070309020205020404" pitchFamily="49" charset="0"/>
+                <a:cs typeface="Courier New" panose="02070309020205020404" pitchFamily="49" charset="0"/>
+              </a:rPr>
+              <a:t>`</a:t>
+            </a:r>
+          </a:p>
+          <a:p>
+            <a:r>
+              <a:rPr lang="en-GB" sz="2200" dirty="0"/>
+              <a:t>Now on a compute node you can do the following tasks</a:t>
+            </a:r>
+          </a:p>
+          <a:p>
+            <a:endParaRPr lang="en-GB" sz="2200" dirty="0"/>
+          </a:p>
+          <a:p>
+            <a:pPr lvl="1"/>
+            <a:endParaRPr lang="en-GB" sz="1600" dirty="0"/>
+          </a:p>
+        </p:txBody>
+      </p:sp>
+      <p:grpSp>
+        <p:nvGrpSpPr>
+          <p:cNvPr id="4" name="Group 3">
+            <a:extLst>
+              <a:ext uri="{FF2B5EF4-FFF2-40B4-BE49-F238E27FC236}">
+                <a16:creationId xmlns:a16="http://schemas.microsoft.com/office/drawing/2014/main" id="{C4824335-3526-CD74-55E8-D2280F258754}"/>
+              </a:ext>
+            </a:extLst>
+          </p:cNvPr>
+          <p:cNvGrpSpPr/>
+          <p:nvPr/>
+        </p:nvGrpSpPr>
+        <p:grpSpPr>
+          <a:xfrm>
+            <a:off x="4215988" y="5793696"/>
+            <a:ext cx="960359" cy="877088"/>
+            <a:chOff x="4215988" y="5793696"/>
+            <a:chExt cx="960359" cy="877088"/>
+          </a:xfrm>
+        </p:grpSpPr>
+        <p:pic>
+          <p:nvPicPr>
+            <p:cNvPr id="5" name="Picture 4" descr="A picture containing schematic&#10;&#10;Description automatically generated">
+              <a:extLst>
+                <a:ext uri="{FF2B5EF4-FFF2-40B4-BE49-F238E27FC236}">
+                  <a16:creationId xmlns:a16="http://schemas.microsoft.com/office/drawing/2014/main" id="{435816E0-8C6D-0333-E1B3-F4E34AEA6A81}"/>
+                </a:ext>
+              </a:extLst>
+            </p:cNvPr>
+            <p:cNvPicPr>
+              <a:picLocks noChangeAspect="1"/>
+            </p:cNvPicPr>
+            <p:nvPr/>
+          </p:nvPicPr>
+          <p:blipFill>
+            <a:blip r:embed="rId3" cstate="print">
+              <a:extLst>
+                <a:ext uri="{28A0092B-C50C-407E-A947-70E740481C1C}">
+                  <a14:useLocalDpi xmlns:a14="http://schemas.microsoft.com/office/drawing/2010/main" val="0"/>
+                </a:ext>
+              </a:extLst>
+            </a:blip>
+            <a:stretch>
+              <a:fillRect/>
+            </a:stretch>
+          </p:blipFill>
+          <p:spPr>
+            <a:xfrm>
+              <a:off x="4299259" y="5793696"/>
+              <a:ext cx="877088" cy="877088"/>
+            </a:xfrm>
+            <a:prstGeom prst="rect">
+              <a:avLst/>
+            </a:prstGeom>
+          </p:spPr>
+        </p:pic>
+        <p:cxnSp>
+          <p:nvCxnSpPr>
+            <p:cNvPr id="6" name="Straight Connector 5">
+              <a:extLst>
+                <a:ext uri="{FF2B5EF4-FFF2-40B4-BE49-F238E27FC236}">
+                  <a16:creationId xmlns:a16="http://schemas.microsoft.com/office/drawing/2014/main" id="{7377D92E-3322-E93F-7D66-8C2675C1FF66}"/>
+                </a:ext>
+              </a:extLst>
+            </p:cNvPr>
+            <p:cNvCxnSpPr/>
+            <p:nvPr/>
+          </p:nvCxnSpPr>
+          <p:spPr>
+            <a:xfrm>
+              <a:off x="4215988" y="6033542"/>
+              <a:ext cx="0" cy="359764"/>
+            </a:xfrm>
+            <a:prstGeom prst="line">
+              <a:avLst/>
+            </a:prstGeom>
+            <a:ln>
+              <a:solidFill>
+                <a:schemeClr val="tx1">
+                  <a:lumMod val="75000"/>
+                  <a:lumOff val="25000"/>
+                </a:schemeClr>
+              </a:solidFill>
+            </a:ln>
+          </p:spPr>
+          <p:style>
+            <a:lnRef idx="2">
+              <a:schemeClr val="dk1"/>
+            </a:lnRef>
+            <a:fillRef idx="0">
+              <a:schemeClr val="dk1"/>
+            </a:fillRef>
+            <a:effectRef idx="1">
+              <a:schemeClr val="dk1"/>
+            </a:effectRef>
+            <a:fontRef idx="minor">
+              <a:schemeClr val="tx1"/>
+            </a:fontRef>
+          </p:style>
+        </p:cxnSp>
+      </p:grpSp>
+    </p:spTree>
+    <p:extLst>
+      <p:ext uri="{BB962C8B-B14F-4D97-AF65-F5344CB8AC3E}">
+        <p14:creationId xmlns:p14="http://schemas.microsoft.com/office/powerpoint/2010/main" val="1531600797"/>
+      </p:ext>
+    </p:extLst>
+  </p:cSld>
+  <p:clrMapOvr>
+    <a:masterClrMapping/>
+  </p:clrMapOvr>
+</p:sld>
+</file>
+
+<file path=ppt/slides/slide14.xml><?xml version="1.0" encoding="utf-8"?>
+<p:sld xmlns:a="http://schemas.openxmlformats.org/drawingml/2006/main" xmlns:r="http://schemas.openxmlformats.org/officeDocument/2006/relationships" xmlns:p="http://schemas.openxmlformats.org/presentationml/2006/main">
+  <p:cSld>
+    <p:spTree>
+      <p:nvGrpSpPr>
+        <p:cNvPr id="1" name="">
+          <a:extLst>
+            <a:ext uri="{FF2B5EF4-FFF2-40B4-BE49-F238E27FC236}">
+              <a16:creationId xmlns:a16="http://schemas.microsoft.com/office/drawing/2014/main" id="{FEB2B51B-CD70-1F3B-5195-DDDCDA955DA6}"/>
+            </a:ext>
+          </a:extLst>
+        </p:cNvPr>
+        <p:cNvGrpSpPr/>
+        <p:nvPr/>
+      </p:nvGrpSpPr>
+      <p:grpSpPr>
+        <a:xfrm>
+          <a:off x="0" y="0"/>
+          <a:ext cx="0" cy="0"/>
+          <a:chOff x="0" y="0"/>
+          <a:chExt cx="0" cy="0"/>
+        </a:xfrm>
+      </p:grpSpPr>
+      <p:sp>
+        <p:nvSpPr>
+          <p:cNvPr id="2" name="Title 1">
+            <a:extLst>
+              <a:ext uri="{FF2B5EF4-FFF2-40B4-BE49-F238E27FC236}">
+                <a16:creationId xmlns:a16="http://schemas.microsoft.com/office/drawing/2014/main" id="{D6AD7F66-36B2-54CE-B3B8-A629A95E7CB2}"/>
+              </a:ext>
+            </a:extLst>
+          </p:cNvPr>
+          <p:cNvSpPr>
+            <a:spLocks noGrp="1"/>
+          </p:cNvSpPr>
+          <p:nvPr>
+            <p:ph type="title"/>
+          </p:nvPr>
+        </p:nvSpPr>
+        <p:spPr/>
+        <p:txBody>
+          <a:bodyPr/>
+          <a:lstStyle/>
+          <a:p>
+            <a:r>
+              <a:rPr lang="en-GB" dirty="0"/>
+              <a:t>What is </a:t>
+            </a:r>
+            <a:r>
+              <a:rPr lang="en-GB" dirty="0" err="1"/>
+              <a:t>nvidia-smi</a:t>
+            </a:r>
+            <a:endParaRPr lang="en-GB" dirty="0"/>
+          </a:p>
+        </p:txBody>
+      </p:sp>
+      <p:sp>
+        <p:nvSpPr>
+          <p:cNvPr id="3" name="Content Placeholder 2">
+            <a:extLst>
+              <a:ext uri="{FF2B5EF4-FFF2-40B4-BE49-F238E27FC236}">
+                <a16:creationId xmlns:a16="http://schemas.microsoft.com/office/drawing/2014/main" id="{6A8AE8F5-03D2-2176-6F76-1B23A0A997CE}"/>
+              </a:ext>
+            </a:extLst>
+          </p:cNvPr>
+          <p:cNvSpPr>
+            <a:spLocks noGrp="1"/>
+          </p:cNvSpPr>
+          <p:nvPr>
+            <p:ph idx="1"/>
+          </p:nvPr>
+        </p:nvSpPr>
+        <p:spPr>
+          <a:xfrm>
+            <a:off x="529167" y="1484784"/>
+            <a:ext cx="3686821" cy="4325466"/>
+          </a:xfrm>
+        </p:spPr>
+        <p:txBody>
+          <a:bodyPr>
+            <a:noAutofit/>
+          </a:bodyPr>
+          <a:lstStyle/>
+          <a:p>
+            <a:r>
+              <a:rPr lang="en-GB" sz="2400" dirty="0"/>
+              <a:t>Use it to monitor GPU</a:t>
+            </a:r>
+          </a:p>
+          <a:p>
+            <a:pPr lvl="1"/>
+            <a:r>
+              <a:rPr lang="en-GB" sz="2000" dirty="0"/>
+              <a:t>Memory (GPU memory)</a:t>
+            </a:r>
+          </a:p>
+          <a:p>
+            <a:pPr lvl="1"/>
+            <a:r>
+              <a:rPr lang="en-GB" sz="2000" dirty="0"/>
+              <a:t>Power consumption</a:t>
+            </a:r>
+          </a:p>
+          <a:p>
+            <a:pPr lvl="1"/>
+            <a:r>
+              <a:rPr lang="en-GB" sz="2000" dirty="0"/>
+              <a:t>Temperature</a:t>
+            </a:r>
+          </a:p>
+          <a:p>
+            <a:pPr lvl="1"/>
+            <a:r>
+              <a:rPr lang="en-GB" sz="2000" dirty="0"/>
+              <a:t>GPU utilisation</a:t>
+            </a:r>
+          </a:p>
+          <a:p>
+            <a:pPr lvl="1"/>
+            <a:r>
+              <a:rPr lang="en-GB" sz="2000" dirty="0"/>
+              <a:t>Processes on GPU</a:t>
+            </a:r>
+          </a:p>
+        </p:txBody>
+      </p:sp>
+      <p:grpSp>
+        <p:nvGrpSpPr>
+          <p:cNvPr id="4" name="Group 3">
+            <a:extLst>
+              <a:ext uri="{FF2B5EF4-FFF2-40B4-BE49-F238E27FC236}">
+                <a16:creationId xmlns:a16="http://schemas.microsoft.com/office/drawing/2014/main" id="{A3190C55-521A-2596-F48C-E0BC884214C3}"/>
+              </a:ext>
+            </a:extLst>
+          </p:cNvPr>
+          <p:cNvGrpSpPr/>
+          <p:nvPr/>
+        </p:nvGrpSpPr>
+        <p:grpSpPr>
+          <a:xfrm>
+            <a:off x="4215988" y="5793696"/>
+            <a:ext cx="960359" cy="877088"/>
+            <a:chOff x="4215988" y="5793696"/>
+            <a:chExt cx="960359" cy="877088"/>
+          </a:xfrm>
+        </p:grpSpPr>
+        <p:pic>
+          <p:nvPicPr>
+            <p:cNvPr id="5" name="Picture 4" descr="A picture containing schematic&#10;&#10;Description automatically generated">
+              <a:extLst>
+                <a:ext uri="{FF2B5EF4-FFF2-40B4-BE49-F238E27FC236}">
+                  <a16:creationId xmlns:a16="http://schemas.microsoft.com/office/drawing/2014/main" id="{9BEF3B3A-28F6-4E7C-0452-A594056F2B6B}"/>
+                </a:ext>
+              </a:extLst>
+            </p:cNvPr>
+            <p:cNvPicPr>
+              <a:picLocks noChangeAspect="1"/>
+            </p:cNvPicPr>
+            <p:nvPr/>
+          </p:nvPicPr>
+          <p:blipFill>
+            <a:blip r:embed="rId2" cstate="print">
+              <a:extLst>
+                <a:ext uri="{28A0092B-C50C-407E-A947-70E740481C1C}">
+                  <a14:useLocalDpi xmlns:a14="http://schemas.microsoft.com/office/drawing/2010/main" val="0"/>
+                </a:ext>
+              </a:extLst>
+            </a:blip>
+            <a:stretch>
+              <a:fillRect/>
+            </a:stretch>
+          </p:blipFill>
+          <p:spPr>
+            <a:xfrm>
+              <a:off x="4299259" y="5793696"/>
+              <a:ext cx="877088" cy="877088"/>
+            </a:xfrm>
+            <a:prstGeom prst="rect">
+              <a:avLst/>
+            </a:prstGeom>
+          </p:spPr>
+        </p:pic>
+        <p:cxnSp>
+          <p:nvCxnSpPr>
+            <p:cNvPr id="6" name="Straight Connector 5">
+              <a:extLst>
+                <a:ext uri="{FF2B5EF4-FFF2-40B4-BE49-F238E27FC236}">
+                  <a16:creationId xmlns:a16="http://schemas.microsoft.com/office/drawing/2014/main" id="{00497669-EB3A-C3F8-3E7B-52F924BBF25A}"/>
+                </a:ext>
+              </a:extLst>
+            </p:cNvPr>
+            <p:cNvCxnSpPr/>
+            <p:nvPr/>
+          </p:nvCxnSpPr>
+          <p:spPr>
+            <a:xfrm>
+              <a:off x="4215988" y="6033542"/>
+              <a:ext cx="0" cy="359764"/>
+            </a:xfrm>
+            <a:prstGeom prst="line">
+              <a:avLst/>
+            </a:prstGeom>
+            <a:ln>
+              <a:solidFill>
+                <a:schemeClr val="tx1">
+                  <a:lumMod val="75000"/>
+                  <a:lumOff val="25000"/>
+                </a:schemeClr>
+              </a:solidFill>
+            </a:ln>
+          </p:spPr>
+          <p:style>
+            <a:lnRef idx="2">
+              <a:schemeClr val="dk1"/>
+            </a:lnRef>
+            <a:fillRef idx="0">
+              <a:schemeClr val="dk1"/>
+            </a:fillRef>
+            <a:effectRef idx="1">
+              <a:schemeClr val="dk1"/>
+            </a:effectRef>
+            <a:fontRef idx="minor">
+              <a:schemeClr val="tx1"/>
+            </a:fontRef>
+          </p:style>
+        </p:cxnSp>
+      </p:grpSp>
+      <p:pic>
+        <p:nvPicPr>
+          <p:cNvPr id="8" name="Picture 7">
+            <a:extLst>
+              <a:ext uri="{FF2B5EF4-FFF2-40B4-BE49-F238E27FC236}">
+                <a16:creationId xmlns:a16="http://schemas.microsoft.com/office/drawing/2014/main" id="{9C71BB81-5E9E-1B55-6528-6CE667C4A975}"/>
+              </a:ext>
+            </a:extLst>
+          </p:cNvPr>
+          <p:cNvPicPr>
+            <a:picLocks noChangeAspect="1"/>
+          </p:cNvPicPr>
+          <p:nvPr/>
+        </p:nvPicPr>
+        <p:blipFill>
+          <a:blip r:embed="rId3"/>
+          <a:srcRect l="7989" t="39335" r="66739" b="17426"/>
+          <a:stretch/>
+        </p:blipFill>
+        <p:spPr>
+          <a:xfrm>
+            <a:off x="4299258" y="1363584"/>
+            <a:ext cx="7518367" cy="3637921"/>
+          </a:xfrm>
+          <a:prstGeom prst="rect">
+            <a:avLst/>
+          </a:prstGeom>
+        </p:spPr>
+      </p:pic>
+    </p:spTree>
+    <p:extLst>
+      <p:ext uri="{BB962C8B-B14F-4D97-AF65-F5344CB8AC3E}">
+        <p14:creationId xmlns:p14="http://schemas.microsoft.com/office/powerpoint/2010/main" val="2847608810"/>
+      </p:ext>
+    </p:extLst>
+  </p:cSld>
+  <p:clrMapOvr>
+    <a:masterClrMapping/>
+  </p:clrMapOvr>
+</p:sld>
+</file>
+
+<file path=ppt/slides/slide15.xml><?xml version="1.0" encoding="utf-8"?>
+<p:sld xmlns:a="http://schemas.openxmlformats.org/drawingml/2006/main" xmlns:r="http://schemas.openxmlformats.org/officeDocument/2006/relationships" xmlns:p="http://schemas.openxmlformats.org/presentationml/2006/main">
+  <p:cSld>
+    <p:spTree>
+      <p:nvGrpSpPr>
+        <p:cNvPr id="1" name="">
+          <a:extLst>
+            <a:ext uri="{FF2B5EF4-FFF2-40B4-BE49-F238E27FC236}">
+              <a16:creationId xmlns:a16="http://schemas.microsoft.com/office/drawing/2014/main" id="{E0C7F172-10E2-3E50-CFCD-B6D3380CD7E1}"/>
+            </a:ext>
+          </a:extLst>
+        </p:cNvPr>
+        <p:cNvGrpSpPr/>
+        <p:nvPr/>
+      </p:nvGrpSpPr>
+      <p:grpSpPr>
+        <a:xfrm>
+          <a:off x="0" y="0"/>
+          <a:ext cx="0" cy="0"/>
+          <a:chOff x="0" y="0"/>
+          <a:chExt cx="0" cy="0"/>
+        </a:xfrm>
+      </p:grpSpPr>
+      <p:sp>
+        <p:nvSpPr>
+          <p:cNvPr id="2" name="Title 1">
+            <a:extLst>
+              <a:ext uri="{FF2B5EF4-FFF2-40B4-BE49-F238E27FC236}">
+                <a16:creationId xmlns:a16="http://schemas.microsoft.com/office/drawing/2014/main" id="{B437717A-87BF-A203-8771-5CC906B29741}"/>
+              </a:ext>
+            </a:extLst>
+          </p:cNvPr>
+          <p:cNvSpPr>
+            <a:spLocks noGrp="1"/>
+          </p:cNvSpPr>
+          <p:nvPr>
+            <p:ph type="title"/>
+          </p:nvPr>
+        </p:nvSpPr>
+        <p:spPr>
+          <a:xfrm>
+            <a:off x="638224" y="2857500"/>
+            <a:ext cx="10363200" cy="1143000"/>
+          </a:xfrm>
+        </p:spPr>
+        <p:txBody>
+          <a:bodyPr/>
+          <a:lstStyle/>
+          <a:p>
+            <a:pPr algn="ctr"/>
+            <a:r>
+              <a:rPr lang="en-GB" dirty="0" err="1"/>
+              <a:t>Srun</a:t>
+            </a:r>
+            <a:r>
+              <a:rPr lang="en-GB" dirty="0"/>
+              <a:t> – CUDA task</a:t>
+            </a:r>
+          </a:p>
+        </p:txBody>
+      </p:sp>
+      <p:grpSp>
+        <p:nvGrpSpPr>
+          <p:cNvPr id="4" name="Group 3">
+            <a:extLst>
+              <a:ext uri="{FF2B5EF4-FFF2-40B4-BE49-F238E27FC236}">
+                <a16:creationId xmlns:a16="http://schemas.microsoft.com/office/drawing/2014/main" id="{D2EA1242-F098-608F-0C40-245DE792BDB1}"/>
+              </a:ext>
+            </a:extLst>
+          </p:cNvPr>
+          <p:cNvGrpSpPr/>
+          <p:nvPr/>
+        </p:nvGrpSpPr>
+        <p:grpSpPr>
+          <a:xfrm>
+            <a:off x="4215988" y="5793696"/>
+            <a:ext cx="960359" cy="877088"/>
+            <a:chOff x="4215988" y="5793696"/>
+            <a:chExt cx="960359" cy="877088"/>
+          </a:xfrm>
+        </p:grpSpPr>
+        <p:pic>
+          <p:nvPicPr>
+            <p:cNvPr id="5" name="Picture 4" descr="A picture containing schematic&#10;&#10;Description automatically generated">
+              <a:extLst>
+                <a:ext uri="{FF2B5EF4-FFF2-40B4-BE49-F238E27FC236}">
+                  <a16:creationId xmlns:a16="http://schemas.microsoft.com/office/drawing/2014/main" id="{9CF86FDC-DE9D-C8C2-BC1E-183085534533}"/>
+                </a:ext>
+              </a:extLst>
+            </p:cNvPr>
+            <p:cNvPicPr>
+              <a:picLocks noChangeAspect="1"/>
+            </p:cNvPicPr>
+            <p:nvPr/>
+          </p:nvPicPr>
+          <p:blipFill>
+            <a:blip r:embed="rId2" cstate="print">
+              <a:extLst>
+                <a:ext uri="{28A0092B-C50C-407E-A947-70E740481C1C}">
+                  <a14:useLocalDpi xmlns:a14="http://schemas.microsoft.com/office/drawing/2010/main" val="0"/>
+                </a:ext>
+              </a:extLst>
+            </a:blip>
+            <a:stretch>
+              <a:fillRect/>
+            </a:stretch>
+          </p:blipFill>
+          <p:spPr>
+            <a:xfrm>
+              <a:off x="4299259" y="5793696"/>
+              <a:ext cx="877088" cy="877088"/>
+            </a:xfrm>
+            <a:prstGeom prst="rect">
+              <a:avLst/>
+            </a:prstGeom>
+          </p:spPr>
+        </p:pic>
+        <p:cxnSp>
+          <p:nvCxnSpPr>
+            <p:cNvPr id="6" name="Straight Connector 5">
+              <a:extLst>
+                <a:ext uri="{FF2B5EF4-FFF2-40B4-BE49-F238E27FC236}">
+                  <a16:creationId xmlns:a16="http://schemas.microsoft.com/office/drawing/2014/main" id="{BD0053B1-F8CA-E1D1-04E5-AE4B10368FD0}"/>
+                </a:ext>
+              </a:extLst>
+            </p:cNvPr>
+            <p:cNvCxnSpPr/>
+            <p:nvPr/>
+          </p:nvCxnSpPr>
+          <p:spPr>
+            <a:xfrm>
+              <a:off x="4215988" y="6033542"/>
+              <a:ext cx="0" cy="359764"/>
+            </a:xfrm>
+            <a:prstGeom prst="line">
+              <a:avLst/>
+            </a:prstGeom>
+            <a:ln>
+              <a:solidFill>
+                <a:schemeClr val="tx1">
+                  <a:lumMod val="75000"/>
+                  <a:lumOff val="25000"/>
+                </a:schemeClr>
+              </a:solidFill>
+            </a:ln>
+          </p:spPr>
+          <p:style>
+            <a:lnRef idx="2">
+              <a:schemeClr val="dk1"/>
+            </a:lnRef>
+            <a:fillRef idx="0">
+              <a:schemeClr val="dk1"/>
+            </a:fillRef>
+            <a:effectRef idx="1">
+              <a:schemeClr val="dk1"/>
+            </a:effectRef>
+            <a:fontRef idx="minor">
+              <a:schemeClr val="tx1"/>
+            </a:fontRef>
+          </p:style>
+        </p:cxnSp>
+      </p:grpSp>
+    </p:spTree>
+    <p:extLst>
+      <p:ext uri="{BB962C8B-B14F-4D97-AF65-F5344CB8AC3E}">
+        <p14:creationId xmlns:p14="http://schemas.microsoft.com/office/powerpoint/2010/main" val="2199385061"/>
+      </p:ext>
+    </p:extLst>
+  </p:cSld>
+  <p:clrMapOvr>
+    <a:masterClrMapping/>
+  </p:clrMapOvr>
+</p:sld>
+</file>
+
+<file path=ppt/slides/slide16.xml><?xml version="1.0" encoding="utf-8"?>
+<p:sld xmlns:a="http://schemas.openxmlformats.org/drawingml/2006/main" xmlns:r="http://schemas.openxmlformats.org/officeDocument/2006/relationships" xmlns:p="http://schemas.openxmlformats.org/presentationml/2006/main">
+  <p:cSld>
+    <p:spTree>
+      <p:nvGrpSpPr>
+        <p:cNvPr id="1" name="">
+          <a:extLst>
+            <a:ext uri="{FF2B5EF4-FFF2-40B4-BE49-F238E27FC236}">
+              <a16:creationId xmlns:a16="http://schemas.microsoft.com/office/drawing/2014/main" id="{7757E205-716C-4F2E-58F6-255F33F340B1}"/>
+            </a:ext>
+          </a:extLst>
+        </p:cNvPr>
+        <p:cNvGrpSpPr/>
+        <p:nvPr/>
+      </p:nvGrpSpPr>
+      <p:grpSpPr>
+        <a:xfrm>
+          <a:off x="0" y="0"/>
+          <a:ext cx="0" cy="0"/>
+          <a:chOff x="0" y="0"/>
+          <a:chExt cx="0" cy="0"/>
+        </a:xfrm>
+      </p:grpSpPr>
+      <p:sp>
+        <p:nvSpPr>
+          <p:cNvPr id="2" name="Title 1">
+            <a:extLst>
+              <a:ext uri="{FF2B5EF4-FFF2-40B4-BE49-F238E27FC236}">
+                <a16:creationId xmlns:a16="http://schemas.microsoft.com/office/drawing/2014/main" id="{A36391F7-2270-4428-2C51-9B391E3CF610}"/>
+              </a:ext>
+            </a:extLst>
+          </p:cNvPr>
+          <p:cNvSpPr>
+            <a:spLocks noGrp="1"/>
+          </p:cNvSpPr>
+          <p:nvPr>
+            <p:ph type="title"/>
+          </p:nvPr>
+        </p:nvSpPr>
+        <p:spPr/>
+        <p:txBody>
+          <a:bodyPr/>
+          <a:lstStyle/>
+          <a:p>
+            <a:r>
+              <a:rPr lang="en-GB" dirty="0" err="1"/>
+              <a:t>Srun</a:t>
+            </a:r>
+            <a:r>
+              <a:rPr lang="en-GB" dirty="0"/>
+              <a:t> – CUDA Benchmark</a:t>
+            </a:r>
+          </a:p>
+        </p:txBody>
+      </p:sp>
+      <p:sp>
+        <p:nvSpPr>
+          <p:cNvPr id="3" name="Content Placeholder 2">
+            <a:extLst>
+              <a:ext uri="{FF2B5EF4-FFF2-40B4-BE49-F238E27FC236}">
+                <a16:creationId xmlns:a16="http://schemas.microsoft.com/office/drawing/2014/main" id="{794D3DEC-C776-5255-7064-4B96020844B0}"/>
+              </a:ext>
+            </a:extLst>
+          </p:cNvPr>
+          <p:cNvSpPr>
+            <a:spLocks noGrp="1"/>
+          </p:cNvSpPr>
+          <p:nvPr>
+            <p:ph idx="1"/>
+          </p:nvPr>
+        </p:nvSpPr>
+        <p:spPr>
+          <a:xfrm>
+            <a:off x="529167" y="1484784"/>
+            <a:ext cx="10363200" cy="4325466"/>
+          </a:xfrm>
+        </p:spPr>
+        <p:txBody>
+          <a:bodyPr>
+            <a:noAutofit/>
+          </a:bodyPr>
+          <a:lstStyle/>
+          <a:p>
+            <a:r>
+              <a:rPr lang="en-GB" sz="2400" dirty="0"/>
+              <a:t>We will cover the examination and running of a CUDA example as an interactive job</a:t>
+            </a:r>
+          </a:p>
+          <a:p>
+            <a:r>
+              <a:rPr lang="en-GB" sz="2400" dirty="0"/>
+              <a:t>Obtaining the CUDA samples with the </a:t>
+            </a:r>
+            <a:r>
+              <a:rPr lang="en-GB" sz="1800" dirty="0" err="1">
+                <a:latin typeface="Courier New" panose="02070309020205020404" pitchFamily="49" charset="0"/>
+                <a:cs typeface="Courier New" panose="02070309020205020404" pitchFamily="49" charset="0"/>
+              </a:rPr>
+              <a:t>wget</a:t>
+            </a:r>
+            <a:r>
+              <a:rPr lang="en-GB" sz="2400" dirty="0"/>
+              <a:t> command</a:t>
+            </a:r>
+          </a:p>
+          <a:p>
+            <a:r>
+              <a:rPr lang="en-GB" sz="2400" dirty="0"/>
+              <a:t>Loading the correct modules</a:t>
+            </a:r>
+          </a:p>
+          <a:p>
+            <a:r>
+              <a:rPr lang="en-GB" sz="2400" dirty="0"/>
+              <a:t>Compiling our example using </a:t>
+            </a:r>
+            <a:r>
+              <a:rPr lang="en-GB" sz="1800" dirty="0">
+                <a:latin typeface="Courier New" panose="02070309020205020404" pitchFamily="49" charset="0"/>
+                <a:cs typeface="Courier New" panose="02070309020205020404" pitchFamily="49" charset="0"/>
+              </a:rPr>
+              <a:t>make</a:t>
+            </a:r>
+            <a:endParaRPr lang="en-GB" sz="2400" dirty="0">
+              <a:latin typeface="Courier New" panose="02070309020205020404" pitchFamily="49" charset="0"/>
+              <a:cs typeface="Courier New" panose="02070309020205020404" pitchFamily="49" charset="0"/>
+            </a:endParaRPr>
+          </a:p>
+          <a:p>
+            <a:r>
+              <a:rPr lang="en-GB" sz="2400" dirty="0"/>
+              <a:t>Running the example and examining the GPU with </a:t>
+            </a:r>
+            <a:r>
+              <a:rPr lang="en-GB" sz="1800" dirty="0" err="1">
+                <a:latin typeface="Courier New" panose="02070309020205020404" pitchFamily="49" charset="0"/>
+                <a:cs typeface="Courier New" panose="02070309020205020404" pitchFamily="49" charset="0"/>
+              </a:rPr>
+              <a:t>nvidia-smi</a:t>
+            </a:r>
+            <a:r>
+              <a:rPr lang="en-GB" sz="2400" dirty="0"/>
+              <a:t> (</a:t>
+            </a:r>
+            <a:r>
+              <a:rPr lang="en-GB" sz="2400" dirty="0" err="1"/>
+              <a:t>tmux</a:t>
+            </a:r>
+            <a:r>
+              <a:rPr lang="en-GB" sz="2400" dirty="0"/>
+              <a:t> needed)</a:t>
+            </a:r>
+          </a:p>
+          <a:p>
+            <a:r>
+              <a:rPr lang="en-GB" sz="2400" dirty="0"/>
+              <a:t>Example scripts found </a:t>
+            </a:r>
+            <a:r>
+              <a:rPr lang="en-GB" sz="2400" dirty="0">
+                <a:hlinkClick r:id="rId2"/>
+              </a:rPr>
+              <a:t>https://github.com/baskerville-hpc/2024-02-14-Turing-Training/tree/main/Interactive_jobs</a:t>
+            </a:r>
+            <a:endParaRPr lang="en-GB" sz="2400" dirty="0"/>
+          </a:p>
+          <a:p>
+            <a:endParaRPr lang="en-GB" sz="2400" dirty="0"/>
+          </a:p>
+        </p:txBody>
+      </p:sp>
+      <p:grpSp>
+        <p:nvGrpSpPr>
+          <p:cNvPr id="4" name="Group 3">
+            <a:extLst>
+              <a:ext uri="{FF2B5EF4-FFF2-40B4-BE49-F238E27FC236}">
+                <a16:creationId xmlns:a16="http://schemas.microsoft.com/office/drawing/2014/main" id="{10907BB2-7D4A-53C5-ECBD-B6F77BBD07D6}"/>
+              </a:ext>
+            </a:extLst>
+          </p:cNvPr>
+          <p:cNvGrpSpPr/>
+          <p:nvPr/>
+        </p:nvGrpSpPr>
+        <p:grpSpPr>
+          <a:xfrm>
+            <a:off x="4215988" y="5793696"/>
+            <a:ext cx="960359" cy="877088"/>
+            <a:chOff x="4215988" y="5793696"/>
+            <a:chExt cx="960359" cy="877088"/>
+          </a:xfrm>
+        </p:grpSpPr>
+        <p:pic>
+          <p:nvPicPr>
+            <p:cNvPr id="5" name="Picture 4" descr="A picture containing schematic&#10;&#10;Description automatically generated">
+              <a:extLst>
+                <a:ext uri="{FF2B5EF4-FFF2-40B4-BE49-F238E27FC236}">
+                  <a16:creationId xmlns:a16="http://schemas.microsoft.com/office/drawing/2014/main" id="{6153DD07-5AB3-D0A7-2F10-CF8BFCA02A8D}"/>
+                </a:ext>
+              </a:extLst>
+            </p:cNvPr>
+            <p:cNvPicPr>
+              <a:picLocks noChangeAspect="1"/>
+            </p:cNvPicPr>
+            <p:nvPr/>
+          </p:nvPicPr>
+          <p:blipFill>
+            <a:blip r:embed="rId3" cstate="print">
+              <a:extLst>
+                <a:ext uri="{28A0092B-C50C-407E-A947-70E740481C1C}">
+                  <a14:useLocalDpi xmlns:a14="http://schemas.microsoft.com/office/drawing/2010/main" val="0"/>
+                </a:ext>
+              </a:extLst>
+            </a:blip>
+            <a:stretch>
+              <a:fillRect/>
+            </a:stretch>
+          </p:blipFill>
+          <p:spPr>
+            <a:xfrm>
+              <a:off x="4299259" y="5793696"/>
+              <a:ext cx="877088" cy="877088"/>
+            </a:xfrm>
+            <a:prstGeom prst="rect">
+              <a:avLst/>
+            </a:prstGeom>
+          </p:spPr>
+        </p:pic>
+        <p:cxnSp>
+          <p:nvCxnSpPr>
+            <p:cNvPr id="6" name="Straight Connector 5">
+              <a:extLst>
+                <a:ext uri="{FF2B5EF4-FFF2-40B4-BE49-F238E27FC236}">
+                  <a16:creationId xmlns:a16="http://schemas.microsoft.com/office/drawing/2014/main" id="{3EAE9548-30DE-CB79-65E7-17E92BF67CC1}"/>
+                </a:ext>
+              </a:extLst>
+            </p:cNvPr>
+            <p:cNvCxnSpPr/>
+            <p:nvPr/>
+          </p:nvCxnSpPr>
+          <p:spPr>
+            <a:xfrm>
+              <a:off x="4215988" y="6033542"/>
+              <a:ext cx="0" cy="359764"/>
+            </a:xfrm>
+            <a:prstGeom prst="line">
+              <a:avLst/>
+            </a:prstGeom>
+            <a:ln>
+              <a:solidFill>
+                <a:schemeClr val="tx1">
+                  <a:lumMod val="75000"/>
+                  <a:lumOff val="25000"/>
+                </a:schemeClr>
+              </a:solidFill>
+            </a:ln>
+          </p:spPr>
+          <p:style>
+            <a:lnRef idx="2">
+              <a:schemeClr val="dk1"/>
+            </a:lnRef>
+            <a:fillRef idx="0">
+              <a:schemeClr val="dk1"/>
+            </a:fillRef>
+            <a:effectRef idx="1">
+              <a:schemeClr val="dk1"/>
+            </a:effectRef>
+            <a:fontRef idx="minor">
+              <a:schemeClr val="tx1"/>
+            </a:fontRef>
+          </p:style>
+        </p:cxnSp>
+      </p:grpSp>
+    </p:spTree>
+    <p:extLst>
+      <p:ext uri="{BB962C8B-B14F-4D97-AF65-F5344CB8AC3E}">
+        <p14:creationId xmlns:p14="http://schemas.microsoft.com/office/powerpoint/2010/main" val="2343938066"/>
+      </p:ext>
+    </p:extLst>
+  </p:cSld>
+  <p:clrMapOvr>
+    <a:masterClrMapping/>
+  </p:clrMapOvr>
+</p:sld>
+</file>
+
+<file path=ppt/slides/slide17.xml><?xml version="1.0" encoding="utf-8"?>
+<p:sld xmlns:a="http://schemas.openxmlformats.org/drawingml/2006/main" xmlns:r="http://schemas.openxmlformats.org/officeDocument/2006/relationships" xmlns:p="http://schemas.openxmlformats.org/presentationml/2006/main">
+  <p:cSld>
+    <p:spTree>
+      <p:nvGrpSpPr>
+        <p:cNvPr id="1" name="">
+          <a:extLst>
+            <a:ext uri="{FF2B5EF4-FFF2-40B4-BE49-F238E27FC236}">
+              <a16:creationId xmlns:a16="http://schemas.microsoft.com/office/drawing/2014/main" id="{4C769C9F-890C-FDD8-DC17-413DBDF735A0}"/>
+            </a:ext>
+          </a:extLst>
+        </p:cNvPr>
+        <p:cNvGrpSpPr/>
+        <p:nvPr/>
+      </p:nvGrpSpPr>
+      <p:grpSpPr>
+        <a:xfrm>
+          <a:off x="0" y="0"/>
+          <a:ext cx="0" cy="0"/>
+          <a:chOff x="0" y="0"/>
+          <a:chExt cx="0" cy="0"/>
+        </a:xfrm>
+      </p:grpSpPr>
+      <p:sp>
+        <p:nvSpPr>
+          <p:cNvPr id="2" name="Title 1">
+            <a:extLst>
+              <a:ext uri="{FF2B5EF4-FFF2-40B4-BE49-F238E27FC236}">
+                <a16:creationId xmlns:a16="http://schemas.microsoft.com/office/drawing/2014/main" id="{F04C1407-5444-EB39-0322-1616A62EDB45}"/>
+              </a:ext>
+            </a:extLst>
+          </p:cNvPr>
+          <p:cNvSpPr>
+            <a:spLocks noGrp="1"/>
+          </p:cNvSpPr>
+          <p:nvPr>
+            <p:ph type="title"/>
+          </p:nvPr>
+        </p:nvSpPr>
+        <p:spPr/>
+        <p:txBody>
+          <a:bodyPr>
+            <a:normAutofit/>
+          </a:bodyPr>
+          <a:lstStyle/>
+          <a:p>
+            <a:r>
+              <a:rPr lang="en-GB" dirty="0"/>
+              <a:t>CUDA task – Compiling CUDA Bench</a:t>
+            </a:r>
+          </a:p>
+        </p:txBody>
+      </p:sp>
+      <p:sp>
+        <p:nvSpPr>
+          <p:cNvPr id="3" name="Content Placeholder 2">
+            <a:extLst>
+              <a:ext uri="{FF2B5EF4-FFF2-40B4-BE49-F238E27FC236}">
+                <a16:creationId xmlns:a16="http://schemas.microsoft.com/office/drawing/2014/main" id="{CA1F009A-51A4-8A17-0A37-4405B2F174D9}"/>
+              </a:ext>
+            </a:extLst>
+          </p:cNvPr>
+          <p:cNvSpPr>
+            <a:spLocks noGrp="1"/>
+          </p:cNvSpPr>
+          <p:nvPr>
+            <p:ph idx="1"/>
+          </p:nvPr>
+        </p:nvSpPr>
+        <p:spPr>
+          <a:xfrm>
+            <a:off x="529167" y="1484784"/>
+            <a:ext cx="10363200" cy="4325466"/>
+          </a:xfrm>
+        </p:spPr>
+        <p:txBody>
+          <a:bodyPr>
+            <a:noAutofit/>
+          </a:bodyPr>
+          <a:lstStyle/>
+          <a:p>
+            <a:r>
+              <a:rPr lang="en-GB" sz="2400" dirty="0"/>
+              <a:t>Module to load:</a:t>
+            </a:r>
+          </a:p>
+          <a:p>
+            <a:pPr lvl="1"/>
+            <a:r>
+              <a:rPr lang="en-GB" sz="2000" dirty="0"/>
+              <a:t>CUDA 12.1.1</a:t>
+            </a:r>
+          </a:p>
+          <a:p>
+            <a:pPr lvl="1"/>
+            <a:r>
+              <a:rPr lang="en-GB" sz="2000" dirty="0"/>
+              <a:t>NVHPC 23.7</a:t>
+            </a:r>
+          </a:p>
+          <a:p>
+            <a:pPr lvl="1"/>
+            <a:r>
+              <a:rPr lang="en-GB" sz="2000" dirty="0" err="1"/>
+              <a:t>CMake</a:t>
+            </a:r>
+            <a:r>
+              <a:rPr lang="en-GB" sz="2000" dirty="0"/>
+              <a:t> 3.26.3</a:t>
+            </a:r>
+          </a:p>
+          <a:p>
+            <a:r>
+              <a:rPr lang="en-GB" sz="2400" dirty="0"/>
+              <a:t>Build command - </a:t>
+            </a:r>
+            <a:r>
+              <a:rPr lang="en-GB" sz="2400" dirty="0" err="1"/>
+              <a:t>cmake</a:t>
+            </a:r>
+            <a:r>
+              <a:rPr lang="en-GB" sz="2400" dirty="0"/>
+              <a:t> -DBUILD_MODE=Release -DCMAKE_CUDA_ARCHITECTURES=80  ..</a:t>
+            </a:r>
+          </a:p>
+          <a:p>
+            <a:endParaRPr lang="en-GB" sz="2400" dirty="0"/>
+          </a:p>
+        </p:txBody>
+      </p:sp>
+      <p:grpSp>
+        <p:nvGrpSpPr>
+          <p:cNvPr id="4" name="Group 3">
+            <a:extLst>
+              <a:ext uri="{FF2B5EF4-FFF2-40B4-BE49-F238E27FC236}">
+                <a16:creationId xmlns:a16="http://schemas.microsoft.com/office/drawing/2014/main" id="{AC3D2D36-FDD1-9A47-42E9-623D3700C909}"/>
+              </a:ext>
+            </a:extLst>
+          </p:cNvPr>
+          <p:cNvGrpSpPr/>
+          <p:nvPr/>
+        </p:nvGrpSpPr>
+        <p:grpSpPr>
+          <a:xfrm>
+            <a:off x="4215988" y="5793696"/>
+            <a:ext cx="960359" cy="877088"/>
+            <a:chOff x="4215988" y="5793696"/>
+            <a:chExt cx="960359" cy="877088"/>
+          </a:xfrm>
+        </p:grpSpPr>
+        <p:pic>
+          <p:nvPicPr>
+            <p:cNvPr id="5" name="Picture 4" descr="A picture containing schematic&#10;&#10;Description automatically generated">
+              <a:extLst>
+                <a:ext uri="{FF2B5EF4-FFF2-40B4-BE49-F238E27FC236}">
+                  <a16:creationId xmlns:a16="http://schemas.microsoft.com/office/drawing/2014/main" id="{831EF874-55C3-2FA6-DDAD-6E61FB0AD971}"/>
+                </a:ext>
+              </a:extLst>
+            </p:cNvPr>
+            <p:cNvPicPr>
+              <a:picLocks noChangeAspect="1"/>
+            </p:cNvPicPr>
+            <p:nvPr/>
+          </p:nvPicPr>
+          <p:blipFill>
+            <a:blip r:embed="rId2" cstate="print">
+              <a:extLst>
+                <a:ext uri="{28A0092B-C50C-407E-A947-70E740481C1C}">
+                  <a14:useLocalDpi xmlns:a14="http://schemas.microsoft.com/office/drawing/2010/main" val="0"/>
+                </a:ext>
+              </a:extLst>
+            </a:blip>
+            <a:stretch>
+              <a:fillRect/>
+            </a:stretch>
+          </p:blipFill>
+          <p:spPr>
+            <a:xfrm>
+              <a:off x="4299259" y="5793696"/>
+              <a:ext cx="877088" cy="877088"/>
+            </a:xfrm>
+            <a:prstGeom prst="rect">
+              <a:avLst/>
+            </a:prstGeom>
+          </p:spPr>
+        </p:pic>
+        <p:cxnSp>
+          <p:nvCxnSpPr>
+            <p:cNvPr id="6" name="Straight Connector 5">
+              <a:extLst>
+                <a:ext uri="{FF2B5EF4-FFF2-40B4-BE49-F238E27FC236}">
+                  <a16:creationId xmlns:a16="http://schemas.microsoft.com/office/drawing/2014/main" id="{40A509E1-3BC4-6966-2CC6-FED5A378BE23}"/>
+                </a:ext>
+              </a:extLst>
+            </p:cNvPr>
+            <p:cNvCxnSpPr/>
+            <p:nvPr/>
+          </p:nvCxnSpPr>
+          <p:spPr>
+            <a:xfrm>
+              <a:off x="4215988" y="6033542"/>
+              <a:ext cx="0" cy="359764"/>
+            </a:xfrm>
+            <a:prstGeom prst="line">
+              <a:avLst/>
+            </a:prstGeom>
+            <a:ln>
+              <a:solidFill>
+                <a:schemeClr val="tx1">
+                  <a:lumMod val="75000"/>
+                  <a:lumOff val="25000"/>
+                </a:schemeClr>
+              </a:solidFill>
+            </a:ln>
+          </p:spPr>
+          <p:style>
+            <a:lnRef idx="2">
+              <a:schemeClr val="dk1"/>
+            </a:lnRef>
+            <a:fillRef idx="0">
+              <a:schemeClr val="dk1"/>
+            </a:fillRef>
+            <a:effectRef idx="1">
+              <a:schemeClr val="dk1"/>
+            </a:effectRef>
+            <a:fontRef idx="minor">
+              <a:schemeClr val="tx1"/>
+            </a:fontRef>
+          </p:style>
+        </p:cxnSp>
+      </p:grpSp>
+    </p:spTree>
+    <p:extLst>
+      <p:ext uri="{BB962C8B-B14F-4D97-AF65-F5344CB8AC3E}">
+        <p14:creationId xmlns:p14="http://schemas.microsoft.com/office/powerpoint/2010/main" val="50004006"/>
+      </p:ext>
+    </p:extLst>
+  </p:cSld>
+  <p:clrMapOvr>
+    <a:masterClrMapping/>
+  </p:clrMapOvr>
+</p:sld>
+</file>
+
+<file path=ppt/slides/slide18.xml><?xml version="1.0" encoding="utf-8"?>
+<p:sld xmlns:a="http://schemas.openxmlformats.org/drawingml/2006/main" xmlns:r="http://schemas.openxmlformats.org/officeDocument/2006/relationships" xmlns:p="http://schemas.openxmlformats.org/presentationml/2006/main">
+  <p:cSld>
+    <p:spTree>
+      <p:nvGrpSpPr>
+        <p:cNvPr id="1" name="">
+          <a:extLst>
+            <a:ext uri="{FF2B5EF4-FFF2-40B4-BE49-F238E27FC236}">
+              <a16:creationId xmlns:a16="http://schemas.microsoft.com/office/drawing/2014/main" id="{D9CBDE76-AB6E-0BC0-FDC8-743CA6D17ED3}"/>
+            </a:ext>
+          </a:extLst>
+        </p:cNvPr>
+        <p:cNvGrpSpPr/>
+        <p:nvPr/>
+      </p:nvGrpSpPr>
+      <p:grpSpPr>
+        <a:xfrm>
+          <a:off x="0" y="0"/>
+          <a:ext cx="0" cy="0"/>
+          <a:chOff x="0" y="0"/>
+          <a:chExt cx="0" cy="0"/>
+        </a:xfrm>
+      </p:grpSpPr>
+      <p:sp>
+        <p:nvSpPr>
+          <p:cNvPr id="2" name="Title 1">
+            <a:extLst>
+              <a:ext uri="{FF2B5EF4-FFF2-40B4-BE49-F238E27FC236}">
+                <a16:creationId xmlns:a16="http://schemas.microsoft.com/office/drawing/2014/main" id="{2B7B77EE-36FD-9248-0B58-782EC592318C}"/>
+              </a:ext>
+            </a:extLst>
+          </p:cNvPr>
+          <p:cNvSpPr>
+            <a:spLocks noGrp="1"/>
+          </p:cNvSpPr>
+          <p:nvPr>
+            <p:ph type="title"/>
+          </p:nvPr>
+        </p:nvSpPr>
+        <p:spPr/>
+        <p:txBody>
+          <a:bodyPr>
+            <a:normAutofit fontScale="90000"/>
+          </a:bodyPr>
+          <a:lstStyle/>
+          <a:p>
+            <a:r>
+              <a:rPr lang="en-GB" dirty="0"/>
+              <a:t>CUDA task – Obtaining CUDA Benchmark example</a:t>
+            </a:r>
+          </a:p>
+        </p:txBody>
+      </p:sp>
+      <p:sp>
+        <p:nvSpPr>
+          <p:cNvPr id="3" name="Content Placeholder 2">
+            <a:extLst>
+              <a:ext uri="{FF2B5EF4-FFF2-40B4-BE49-F238E27FC236}">
+                <a16:creationId xmlns:a16="http://schemas.microsoft.com/office/drawing/2014/main" id="{91D523FF-819A-D467-3D6F-0D799CCD5627}"/>
+              </a:ext>
+            </a:extLst>
+          </p:cNvPr>
+          <p:cNvSpPr>
+            <a:spLocks noGrp="1"/>
+          </p:cNvSpPr>
+          <p:nvPr>
+            <p:ph idx="1"/>
+          </p:nvPr>
+        </p:nvSpPr>
+        <p:spPr>
+          <a:xfrm>
+            <a:off x="529167" y="1484784"/>
+            <a:ext cx="10363200" cy="4325466"/>
+          </a:xfrm>
+        </p:spPr>
+        <p:txBody>
+          <a:bodyPr>
+            <a:noAutofit/>
+          </a:bodyPr>
+          <a:lstStyle/>
+          <a:p>
+            <a:r>
+              <a:rPr lang="en-GB" sz="2400" dirty="0"/>
+              <a:t>Clone the </a:t>
+            </a:r>
+            <a:r>
+              <a:rPr lang="en-GB" sz="2400" dirty="0" err="1"/>
+              <a:t>CUDA_Bench</a:t>
+            </a:r>
+            <a:r>
+              <a:rPr lang="en-GB" sz="2400" dirty="0"/>
+              <a:t> </a:t>
+            </a:r>
+            <a:r>
+              <a:rPr lang="en-GB" sz="2400" dirty="0" err="1"/>
+              <a:t>Github</a:t>
+            </a:r>
+            <a:r>
+              <a:rPr lang="en-GB" sz="2400" dirty="0"/>
+              <a:t> repository </a:t>
+            </a:r>
+          </a:p>
+          <a:p>
+            <a:r>
+              <a:rPr lang="en-GB" sz="2400" dirty="0"/>
+              <a:t>Change directory to </a:t>
+            </a:r>
+            <a:r>
+              <a:rPr lang="en-GB" sz="2400" dirty="0" err="1"/>
+              <a:t>CUDA_Bench</a:t>
+            </a:r>
+            <a:r>
+              <a:rPr lang="en-GB" sz="2400" dirty="0"/>
+              <a:t> </a:t>
+            </a:r>
+          </a:p>
+          <a:p>
+            <a:r>
+              <a:rPr lang="en-GB" sz="2400" dirty="0"/>
+              <a:t>Clone the submodule</a:t>
+            </a:r>
+          </a:p>
+          <a:p>
+            <a:r>
+              <a:rPr lang="en-GB" sz="2400" dirty="0"/>
+              <a:t>set(GPU_ARCHITECTURE_SUPPORT "XX“ where XX is the CUDA Compute Capability (SM)</a:t>
+            </a:r>
+          </a:p>
+          <a:p>
+            <a:r>
+              <a:rPr lang="en-GB" sz="2400" dirty="0"/>
+              <a:t>Make build directory and go inside it </a:t>
+            </a:r>
+          </a:p>
+          <a:p>
+            <a:r>
+              <a:rPr lang="en-GB" sz="2400" dirty="0"/>
+              <a:t>Run </a:t>
+            </a:r>
+            <a:r>
+              <a:rPr lang="en-GB" sz="2400" dirty="0" err="1"/>
+              <a:t>cmake</a:t>
+            </a:r>
+            <a:r>
+              <a:rPr lang="en-GB" sz="2400" dirty="0"/>
+              <a:t> </a:t>
+            </a:r>
+          </a:p>
+          <a:p>
+            <a:r>
+              <a:rPr lang="en-GB" sz="2400" dirty="0"/>
+              <a:t>Run make</a:t>
+            </a:r>
+          </a:p>
+        </p:txBody>
+      </p:sp>
+      <p:grpSp>
+        <p:nvGrpSpPr>
+          <p:cNvPr id="4" name="Group 3">
+            <a:extLst>
+              <a:ext uri="{FF2B5EF4-FFF2-40B4-BE49-F238E27FC236}">
+                <a16:creationId xmlns:a16="http://schemas.microsoft.com/office/drawing/2014/main" id="{5046B8F1-FF08-685C-C4CD-5F53D1371F62}"/>
+              </a:ext>
+            </a:extLst>
+          </p:cNvPr>
+          <p:cNvGrpSpPr/>
+          <p:nvPr/>
+        </p:nvGrpSpPr>
+        <p:grpSpPr>
+          <a:xfrm>
+            <a:off x="4215988" y="5793696"/>
+            <a:ext cx="960359" cy="877088"/>
+            <a:chOff x="4215988" y="5793696"/>
+            <a:chExt cx="960359" cy="877088"/>
+          </a:xfrm>
+        </p:grpSpPr>
+        <p:pic>
+          <p:nvPicPr>
+            <p:cNvPr id="5" name="Picture 4" descr="A picture containing schematic&#10;&#10;Description automatically generated">
+              <a:extLst>
+                <a:ext uri="{FF2B5EF4-FFF2-40B4-BE49-F238E27FC236}">
+                  <a16:creationId xmlns:a16="http://schemas.microsoft.com/office/drawing/2014/main" id="{C7BC28CB-21E3-C72A-75A8-41F30E611360}"/>
+                </a:ext>
+              </a:extLst>
+            </p:cNvPr>
+            <p:cNvPicPr>
+              <a:picLocks noChangeAspect="1"/>
+            </p:cNvPicPr>
+            <p:nvPr/>
+          </p:nvPicPr>
+          <p:blipFill>
+            <a:blip r:embed="rId2" cstate="print">
+              <a:extLst>
+                <a:ext uri="{28A0092B-C50C-407E-A947-70E740481C1C}">
+                  <a14:useLocalDpi xmlns:a14="http://schemas.microsoft.com/office/drawing/2010/main" val="0"/>
+                </a:ext>
+              </a:extLst>
+            </a:blip>
+            <a:stretch>
+              <a:fillRect/>
+            </a:stretch>
+          </p:blipFill>
+          <p:spPr>
+            <a:xfrm>
+              <a:off x="4299259" y="5793696"/>
+              <a:ext cx="877088" cy="877088"/>
+            </a:xfrm>
+            <a:prstGeom prst="rect">
+              <a:avLst/>
+            </a:prstGeom>
+          </p:spPr>
+        </p:pic>
+        <p:cxnSp>
+          <p:nvCxnSpPr>
+            <p:cNvPr id="6" name="Straight Connector 5">
+              <a:extLst>
+                <a:ext uri="{FF2B5EF4-FFF2-40B4-BE49-F238E27FC236}">
+                  <a16:creationId xmlns:a16="http://schemas.microsoft.com/office/drawing/2014/main" id="{A1BF6BE5-F62E-DF7E-66DB-9A68323F4282}"/>
+                </a:ext>
+              </a:extLst>
+            </p:cNvPr>
+            <p:cNvCxnSpPr/>
+            <p:nvPr/>
+          </p:nvCxnSpPr>
+          <p:spPr>
+            <a:xfrm>
+              <a:off x="4215988" y="6033542"/>
+              <a:ext cx="0" cy="359764"/>
+            </a:xfrm>
+            <a:prstGeom prst="line">
+              <a:avLst/>
+            </a:prstGeom>
+            <a:ln>
+              <a:solidFill>
+                <a:schemeClr val="tx1">
+                  <a:lumMod val="75000"/>
+                  <a:lumOff val="25000"/>
+                </a:schemeClr>
+              </a:solidFill>
+            </a:ln>
+          </p:spPr>
+          <p:style>
+            <a:lnRef idx="2">
+              <a:schemeClr val="dk1"/>
+            </a:lnRef>
+            <a:fillRef idx="0">
+              <a:schemeClr val="dk1"/>
+            </a:fillRef>
+            <a:effectRef idx="1">
+              <a:schemeClr val="dk1"/>
+            </a:effectRef>
+            <a:fontRef idx="minor">
+              <a:schemeClr val="tx1"/>
+            </a:fontRef>
+          </p:style>
+        </p:cxnSp>
+      </p:grpSp>
+    </p:spTree>
+    <p:extLst>
+      <p:ext uri="{BB962C8B-B14F-4D97-AF65-F5344CB8AC3E}">
+        <p14:creationId xmlns:p14="http://schemas.microsoft.com/office/powerpoint/2010/main" val="1061908321"/>
+      </p:ext>
+    </p:extLst>
+  </p:cSld>
+  <p:clrMapOvr>
+    <a:masterClrMapping/>
+  </p:clrMapOvr>
+</p:sld>
+</file>
+
+<file path=ppt/slides/slide19.xml><?xml version="1.0" encoding="utf-8"?>
+<p:sld xmlns:a="http://schemas.openxmlformats.org/drawingml/2006/main" xmlns:r="http://schemas.openxmlformats.org/officeDocument/2006/relationships" xmlns:p="http://schemas.openxmlformats.org/presentationml/2006/main">
+  <p:cSld>
+    <p:spTree>
+      <p:nvGrpSpPr>
+        <p:cNvPr id="1" name="">
+          <a:extLst>
+            <a:ext uri="{FF2B5EF4-FFF2-40B4-BE49-F238E27FC236}">
+              <a16:creationId xmlns:a16="http://schemas.microsoft.com/office/drawing/2014/main" id="{8866953A-D2D1-4EF7-D52A-CDF845E104BB}"/>
+            </a:ext>
+          </a:extLst>
+        </p:cNvPr>
+        <p:cNvGrpSpPr/>
+        <p:nvPr/>
+      </p:nvGrpSpPr>
+      <p:grpSpPr>
+        <a:xfrm>
+          <a:off x="0" y="0"/>
+          <a:ext cx="0" cy="0"/>
+          <a:chOff x="0" y="0"/>
+          <a:chExt cx="0" cy="0"/>
+        </a:xfrm>
+      </p:grpSpPr>
+      <p:sp>
+        <p:nvSpPr>
+          <p:cNvPr id="2" name="Title 1">
+            <a:extLst>
+              <a:ext uri="{FF2B5EF4-FFF2-40B4-BE49-F238E27FC236}">
+                <a16:creationId xmlns:a16="http://schemas.microsoft.com/office/drawing/2014/main" id="{4C864E97-3D3E-27D8-264D-3263076F0433}"/>
+              </a:ext>
+            </a:extLst>
+          </p:cNvPr>
+          <p:cNvSpPr>
+            <a:spLocks noGrp="1"/>
+          </p:cNvSpPr>
+          <p:nvPr>
+            <p:ph type="title"/>
+          </p:nvPr>
+        </p:nvSpPr>
+        <p:spPr/>
+        <p:txBody>
+          <a:bodyPr>
+            <a:normAutofit fontScale="90000"/>
+          </a:bodyPr>
+          <a:lstStyle/>
+          <a:p>
+            <a:r>
+              <a:rPr lang="en-GB" dirty="0"/>
+              <a:t>CUDA Benchmark Compiling &amp; debugging</a:t>
+            </a:r>
+          </a:p>
+        </p:txBody>
+      </p:sp>
+      <p:sp>
+        <p:nvSpPr>
+          <p:cNvPr id="3" name="Content Placeholder 2">
+            <a:extLst>
+              <a:ext uri="{FF2B5EF4-FFF2-40B4-BE49-F238E27FC236}">
+                <a16:creationId xmlns:a16="http://schemas.microsoft.com/office/drawing/2014/main" id="{CDE5CE40-D281-7429-27F5-D468CD78C4E1}"/>
+              </a:ext>
+            </a:extLst>
+          </p:cNvPr>
+          <p:cNvSpPr>
+            <a:spLocks noGrp="1"/>
+          </p:cNvSpPr>
+          <p:nvPr>
+            <p:ph idx="1"/>
+          </p:nvPr>
+        </p:nvSpPr>
+        <p:spPr>
+          <a:xfrm>
+            <a:off x="529167" y="1484784"/>
+            <a:ext cx="10363200" cy="4325466"/>
+          </a:xfrm>
+        </p:spPr>
+        <p:txBody>
+          <a:bodyPr>
+            <a:noAutofit/>
+          </a:bodyPr>
+          <a:lstStyle/>
+          <a:p>
+            <a:r>
+              <a:rPr lang="en-GB" sz="2400" dirty="0"/>
+              <a:t>Debugging an issue:</a:t>
+            </a:r>
+          </a:p>
+          <a:p>
+            <a:pPr lvl="1"/>
+            <a:r>
+              <a:rPr lang="en-GB" sz="2000" dirty="0"/>
+              <a:t>Examine steps</a:t>
+            </a:r>
+          </a:p>
+          <a:p>
+            <a:pPr lvl="1"/>
+            <a:r>
+              <a:rPr lang="en-GB" sz="2000" dirty="0"/>
+              <a:t>Search the install repository issues</a:t>
+            </a:r>
+          </a:p>
+          <a:p>
+            <a:r>
+              <a:rPr lang="en-GB" sz="2400" dirty="0"/>
+              <a:t>In debugging this issue:</a:t>
+            </a:r>
+          </a:p>
+          <a:p>
+            <a:pPr lvl="1"/>
+            <a:r>
+              <a:rPr lang="en-GB" sz="2000" dirty="0" err="1"/>
+              <a:t>CUDA_Bench</a:t>
+            </a:r>
+            <a:r>
+              <a:rPr lang="en-GB" sz="2000" dirty="0"/>
+              <a:t> -&gt; </a:t>
+            </a:r>
+            <a:r>
+              <a:rPr lang="en-GB" sz="2000" dirty="0" err="1"/>
+              <a:t>NVBench</a:t>
+            </a:r>
+            <a:r>
+              <a:rPr lang="en-GB" sz="2000" dirty="0"/>
+              <a:t> repository - </a:t>
+            </a:r>
+            <a:r>
+              <a:rPr lang="en-GB" sz="2000" dirty="0">
+                <a:hlinkClick r:id="rId2"/>
+              </a:rPr>
+              <a:t>https://github.com/NVIDIA/nvbench/issues</a:t>
+            </a:r>
+            <a:endParaRPr lang="en-GB" sz="2000" dirty="0"/>
+          </a:p>
+          <a:p>
+            <a:r>
+              <a:rPr lang="en-GB" sz="2400" dirty="0"/>
+              <a:t>Issue need to load NVHPC</a:t>
+            </a:r>
+          </a:p>
+          <a:p>
+            <a:r>
+              <a:rPr lang="en-GB" sz="2400" dirty="0"/>
+              <a:t>Rebuild </a:t>
+            </a:r>
+            <a:r>
+              <a:rPr lang="en-GB" sz="2400" dirty="0" err="1"/>
+              <a:t>CUDA_Bench</a:t>
+            </a:r>
+            <a:endParaRPr lang="en-GB" sz="2400" dirty="0"/>
+          </a:p>
+        </p:txBody>
+      </p:sp>
+      <p:grpSp>
+        <p:nvGrpSpPr>
+          <p:cNvPr id="4" name="Group 3">
+            <a:extLst>
+              <a:ext uri="{FF2B5EF4-FFF2-40B4-BE49-F238E27FC236}">
+                <a16:creationId xmlns:a16="http://schemas.microsoft.com/office/drawing/2014/main" id="{D50F8157-268B-D0DE-652C-33C2E6C6F7F9}"/>
+              </a:ext>
+            </a:extLst>
+          </p:cNvPr>
+          <p:cNvGrpSpPr/>
+          <p:nvPr/>
+        </p:nvGrpSpPr>
+        <p:grpSpPr>
+          <a:xfrm>
+            <a:off x="4215988" y="5793696"/>
+            <a:ext cx="960359" cy="877088"/>
+            <a:chOff x="4215988" y="5793696"/>
+            <a:chExt cx="960359" cy="877088"/>
+          </a:xfrm>
+        </p:grpSpPr>
+        <p:pic>
+          <p:nvPicPr>
+            <p:cNvPr id="5" name="Picture 4" descr="A picture containing schematic&#10;&#10;Description automatically generated">
+              <a:extLst>
+                <a:ext uri="{FF2B5EF4-FFF2-40B4-BE49-F238E27FC236}">
+                  <a16:creationId xmlns:a16="http://schemas.microsoft.com/office/drawing/2014/main" id="{29AC8F34-E3E9-E265-3171-231437503C6F}"/>
+                </a:ext>
+              </a:extLst>
+            </p:cNvPr>
+            <p:cNvPicPr>
+              <a:picLocks noChangeAspect="1"/>
+            </p:cNvPicPr>
+            <p:nvPr/>
+          </p:nvPicPr>
+          <p:blipFill>
+            <a:blip r:embed="rId3" cstate="print">
+              <a:extLst>
+                <a:ext uri="{28A0092B-C50C-407E-A947-70E740481C1C}">
+                  <a14:useLocalDpi xmlns:a14="http://schemas.microsoft.com/office/drawing/2010/main" val="0"/>
+                </a:ext>
+              </a:extLst>
+            </a:blip>
+            <a:stretch>
+              <a:fillRect/>
+            </a:stretch>
+          </p:blipFill>
+          <p:spPr>
+            <a:xfrm>
+              <a:off x="4299259" y="5793696"/>
+              <a:ext cx="877088" cy="877088"/>
+            </a:xfrm>
+            <a:prstGeom prst="rect">
+              <a:avLst/>
+            </a:prstGeom>
+          </p:spPr>
+        </p:pic>
+        <p:cxnSp>
+          <p:nvCxnSpPr>
+            <p:cNvPr id="6" name="Straight Connector 5">
+              <a:extLst>
+                <a:ext uri="{FF2B5EF4-FFF2-40B4-BE49-F238E27FC236}">
+                  <a16:creationId xmlns:a16="http://schemas.microsoft.com/office/drawing/2014/main" id="{B4FE3ADB-27AA-EBC4-82DC-93DA4695BDA0}"/>
+                </a:ext>
+              </a:extLst>
+            </p:cNvPr>
+            <p:cNvCxnSpPr/>
+            <p:nvPr/>
+          </p:nvCxnSpPr>
+          <p:spPr>
+            <a:xfrm>
+              <a:off x="4215988" y="6033542"/>
+              <a:ext cx="0" cy="359764"/>
+            </a:xfrm>
+            <a:prstGeom prst="line">
+              <a:avLst/>
+            </a:prstGeom>
+            <a:ln>
+              <a:solidFill>
+                <a:schemeClr val="tx1">
+                  <a:lumMod val="75000"/>
+                  <a:lumOff val="25000"/>
+                </a:schemeClr>
+              </a:solidFill>
+            </a:ln>
+          </p:spPr>
+          <p:style>
+            <a:lnRef idx="2">
+              <a:schemeClr val="dk1"/>
+            </a:lnRef>
+            <a:fillRef idx="0">
+              <a:schemeClr val="dk1"/>
+            </a:fillRef>
+            <a:effectRef idx="1">
+              <a:schemeClr val="dk1"/>
+            </a:effectRef>
+            <a:fontRef idx="minor">
+              <a:schemeClr val="tx1"/>
+            </a:fontRef>
+          </p:style>
+        </p:cxnSp>
+      </p:grpSp>
+    </p:spTree>
+    <p:extLst>
+      <p:ext uri="{BB962C8B-B14F-4D97-AF65-F5344CB8AC3E}">
+        <p14:creationId xmlns:p14="http://schemas.microsoft.com/office/powerpoint/2010/main" val="3843070942"/>
+      </p:ext>
+    </p:extLst>
+  </p:cSld>
+  <p:clrMapOvr>
+    <a:masterClrMapping/>
+  </p:clrMapOvr>
+</p:sld>
+</file>
+
+<file path=ppt/slides/slide2.xml><?xml version="1.0" encoding="utf-8"?>
+<p:sld xmlns:a="http://schemas.openxmlformats.org/drawingml/2006/main" xmlns:r="http://schemas.openxmlformats.org/officeDocument/2006/relationships" xmlns:p="http://schemas.openxmlformats.org/presentationml/2006/main">
+  <p:cSld>
+    <p:spTree>
+      <p:nvGrpSpPr>
+        <p:cNvPr id="1" name=""/>
+        <p:cNvGrpSpPr/>
+        <p:nvPr/>
+      </p:nvGrpSpPr>
+      <p:grpSpPr>
+        <a:xfrm>
+          <a:off x="0" y="0"/>
+          <a:ext cx="0" cy="0"/>
+          <a:chOff x="0" y="0"/>
+          <a:chExt cx="0" cy="0"/>
+        </a:xfrm>
+      </p:grpSpPr>
+      <p:sp>
+        <p:nvSpPr>
+          <p:cNvPr id="4" name="Title 3">
+            <a:extLst>
+              <a:ext uri="{FF2B5EF4-FFF2-40B4-BE49-F238E27FC236}">
+                <a16:creationId xmlns:a16="http://schemas.microsoft.com/office/drawing/2014/main" id="{0FF584FD-23D2-4ADF-8806-EEFA9167CCAE}"/>
+              </a:ext>
+            </a:extLst>
+          </p:cNvPr>
+          <p:cNvSpPr>
+            <a:spLocks noGrp="1"/>
+          </p:cNvSpPr>
+          <p:nvPr>
+            <p:ph type="title"/>
+          </p:nvPr>
+        </p:nvSpPr>
+        <p:spPr/>
+        <p:txBody>
+          <a:bodyPr/>
+          <a:lstStyle/>
+          <a:p>
+            <a:r>
+              <a:rPr lang="en-GB" dirty="0"/>
+              <a:t>Session Objectives</a:t>
+            </a:r>
+          </a:p>
+        </p:txBody>
+      </p:sp>
+      <p:sp>
+        <p:nvSpPr>
+          <p:cNvPr id="5" name="Content Placeholder 4">
+            <a:extLst>
+              <a:ext uri="{FF2B5EF4-FFF2-40B4-BE49-F238E27FC236}">
+                <a16:creationId xmlns:a16="http://schemas.microsoft.com/office/drawing/2014/main" id="{AFCE5681-3872-4A5A-A202-8D0F22BCF5F9}"/>
+              </a:ext>
+            </a:extLst>
+          </p:cNvPr>
+          <p:cNvSpPr>
+            <a:spLocks noGrp="1"/>
+          </p:cNvSpPr>
+          <p:nvPr>
+            <p:ph idx="1"/>
+          </p:nvPr>
+        </p:nvSpPr>
+        <p:spPr/>
+        <p:txBody>
+          <a:bodyPr/>
+          <a:lstStyle/>
+          <a:p>
+            <a:r>
+              <a:rPr lang="en-GB" dirty="0"/>
+              <a:t>Following information and examples found here: </a:t>
+            </a:r>
+            <a:r>
+              <a:rPr lang="en-GB" dirty="0">
+                <a:hlinkClick r:id="rId2"/>
+              </a:rPr>
+              <a:t>https://github.com/baskerville-hpc/2024-02-14-Turing-Training/tree/main/Interactive_jobs</a:t>
+            </a:r>
+            <a:endParaRPr lang="en-GB" dirty="0"/>
+          </a:p>
+          <a:p>
+            <a:r>
+              <a:rPr lang="en-GB" dirty="0"/>
+              <a:t>Gain an understanding of Interactive jobs through:</a:t>
+            </a:r>
+          </a:p>
+          <a:p>
+            <a:pPr lvl="1"/>
+            <a:r>
+              <a:rPr lang="en-GB" dirty="0" err="1"/>
+              <a:t>Tmux</a:t>
+            </a:r>
+            <a:endParaRPr lang="en-GB" dirty="0"/>
+          </a:p>
+          <a:p>
+            <a:pPr lvl="1"/>
+            <a:r>
+              <a:rPr lang="en-GB" dirty="0" err="1"/>
+              <a:t>srun</a:t>
+            </a:r>
+            <a:endParaRPr lang="en-GB" dirty="0"/>
+          </a:p>
+          <a:p>
+            <a:pPr lvl="1"/>
+            <a:r>
+              <a:rPr lang="en-GB" dirty="0" err="1"/>
+              <a:t>nvidia-smi</a:t>
+            </a:r>
+            <a:br>
+              <a:rPr lang="en-GB" dirty="0"/>
+            </a:br>
+            <a:endParaRPr lang="en-GB" dirty="0"/>
+          </a:p>
+        </p:txBody>
+      </p:sp>
+      <p:grpSp>
+        <p:nvGrpSpPr>
+          <p:cNvPr id="6" name="Group 5">
+            <a:extLst>
+              <a:ext uri="{FF2B5EF4-FFF2-40B4-BE49-F238E27FC236}">
+                <a16:creationId xmlns:a16="http://schemas.microsoft.com/office/drawing/2014/main" id="{3C7EABAA-845F-4BE5-B806-9A2656393F25}"/>
+              </a:ext>
+            </a:extLst>
+          </p:cNvPr>
+          <p:cNvGrpSpPr/>
+          <p:nvPr/>
+        </p:nvGrpSpPr>
+        <p:grpSpPr>
+          <a:xfrm>
+            <a:off x="4215988" y="5793696"/>
+            <a:ext cx="960359" cy="877088"/>
+            <a:chOff x="4215988" y="5793696"/>
+            <a:chExt cx="960359" cy="877088"/>
+          </a:xfrm>
+        </p:grpSpPr>
+        <p:pic>
+          <p:nvPicPr>
+            <p:cNvPr id="7" name="Picture 6" descr="A picture containing schematic&#10;&#10;Description automatically generated">
+              <a:extLst>
+                <a:ext uri="{FF2B5EF4-FFF2-40B4-BE49-F238E27FC236}">
+                  <a16:creationId xmlns:a16="http://schemas.microsoft.com/office/drawing/2014/main" id="{5E14EC56-F99D-4625-87B3-D3B7B8ECD201}"/>
+                </a:ext>
+              </a:extLst>
+            </p:cNvPr>
+            <p:cNvPicPr>
+              <a:picLocks noChangeAspect="1"/>
+            </p:cNvPicPr>
+            <p:nvPr/>
+          </p:nvPicPr>
+          <p:blipFill>
+            <a:blip r:embed="rId3" cstate="print">
+              <a:extLst>
+                <a:ext uri="{28A0092B-C50C-407E-A947-70E740481C1C}">
+                  <a14:useLocalDpi xmlns:a14="http://schemas.microsoft.com/office/drawing/2010/main" val="0"/>
+                </a:ext>
+              </a:extLst>
+            </a:blip>
+            <a:stretch>
+              <a:fillRect/>
+            </a:stretch>
+          </p:blipFill>
+          <p:spPr>
+            <a:xfrm>
+              <a:off x="4299259" y="5793696"/>
+              <a:ext cx="877088" cy="877088"/>
+            </a:xfrm>
+            <a:prstGeom prst="rect">
+              <a:avLst/>
+            </a:prstGeom>
+          </p:spPr>
+        </p:pic>
+        <p:cxnSp>
+          <p:nvCxnSpPr>
+            <p:cNvPr id="8" name="Straight Connector 7">
+              <a:extLst>
+                <a:ext uri="{FF2B5EF4-FFF2-40B4-BE49-F238E27FC236}">
+                  <a16:creationId xmlns:a16="http://schemas.microsoft.com/office/drawing/2014/main" id="{CC42A818-C08B-490F-8E58-CE18127D5B39}"/>
+                </a:ext>
+              </a:extLst>
+            </p:cNvPr>
+            <p:cNvCxnSpPr/>
+            <p:nvPr/>
+          </p:nvCxnSpPr>
+          <p:spPr>
+            <a:xfrm>
+              <a:off x="4215988" y="6033542"/>
+              <a:ext cx="0" cy="359764"/>
+            </a:xfrm>
+            <a:prstGeom prst="line">
+              <a:avLst/>
+            </a:prstGeom>
+            <a:ln>
+              <a:solidFill>
+                <a:schemeClr val="tx1">
+                  <a:lumMod val="75000"/>
+                  <a:lumOff val="25000"/>
+                </a:schemeClr>
+              </a:solidFill>
+            </a:ln>
+          </p:spPr>
+          <p:style>
+            <a:lnRef idx="2">
+              <a:schemeClr val="dk1"/>
+            </a:lnRef>
+            <a:fillRef idx="0">
+              <a:schemeClr val="dk1"/>
+            </a:fillRef>
+            <a:effectRef idx="1">
+              <a:schemeClr val="dk1"/>
+            </a:effectRef>
+            <a:fontRef idx="minor">
+              <a:schemeClr val="tx1"/>
+            </a:fontRef>
+          </p:style>
+        </p:cxnSp>
+      </p:grpSp>
+    </p:spTree>
+    <p:extLst>
+      <p:ext uri="{BB962C8B-B14F-4D97-AF65-F5344CB8AC3E}">
+        <p14:creationId xmlns:p14="http://schemas.microsoft.com/office/powerpoint/2010/main" val="1178979472"/>
+      </p:ext>
+    </p:extLst>
+  </p:cSld>
+  <p:clrMapOvr>
+    <a:masterClrMapping/>
+  </p:clrMapOvr>
+</p:sld>
+</file>
+
+<file path=ppt/slides/slide20.xml><?xml version="1.0" encoding="utf-8"?>
+<p:sld xmlns:a="http://schemas.openxmlformats.org/drawingml/2006/main" xmlns:r="http://schemas.openxmlformats.org/officeDocument/2006/relationships" xmlns:p="http://schemas.openxmlformats.org/presentationml/2006/main">
+  <p:cSld>
+    <p:spTree>
+      <p:nvGrpSpPr>
+        <p:cNvPr id="1" name="">
+          <a:extLst>
+            <a:ext uri="{FF2B5EF4-FFF2-40B4-BE49-F238E27FC236}">
+              <a16:creationId xmlns:a16="http://schemas.microsoft.com/office/drawing/2014/main" id="{C30947DA-BC67-F1AE-A742-4B2FC25027DD}"/>
+            </a:ext>
+          </a:extLst>
+        </p:cNvPr>
+        <p:cNvGrpSpPr/>
+        <p:nvPr/>
+      </p:nvGrpSpPr>
+      <p:grpSpPr>
+        <a:xfrm>
+          <a:off x="0" y="0"/>
+          <a:ext cx="0" cy="0"/>
+          <a:chOff x="0" y="0"/>
+          <a:chExt cx="0" cy="0"/>
+        </a:xfrm>
+      </p:grpSpPr>
+      <p:sp>
+        <p:nvSpPr>
+          <p:cNvPr id="2" name="Title 1">
+            <a:extLst>
+              <a:ext uri="{FF2B5EF4-FFF2-40B4-BE49-F238E27FC236}">
+                <a16:creationId xmlns:a16="http://schemas.microsoft.com/office/drawing/2014/main" id="{08732513-F3AD-98BF-6126-EB11F7F6BD33}"/>
+              </a:ext>
+            </a:extLst>
+          </p:cNvPr>
+          <p:cNvSpPr>
+            <a:spLocks noGrp="1"/>
+          </p:cNvSpPr>
+          <p:nvPr>
+            <p:ph type="title"/>
+          </p:nvPr>
+        </p:nvSpPr>
+        <p:spPr/>
+        <p:txBody>
+          <a:bodyPr>
+            <a:noAutofit/>
+          </a:bodyPr>
+          <a:lstStyle/>
+          <a:p>
+            <a:r>
+              <a:rPr lang="en-GB" sz="3600" dirty="0"/>
+              <a:t>Running </a:t>
+            </a:r>
+            <a:r>
+              <a:rPr lang="en-GB" sz="3600" dirty="0" err="1"/>
+              <a:t>CUDA_Bench</a:t>
+            </a:r>
+            <a:r>
+              <a:rPr lang="en-GB" sz="3600" dirty="0"/>
+              <a:t> – </a:t>
+            </a:r>
+            <a:r>
+              <a:rPr lang="en-GB" sz="3600" dirty="0" err="1"/>
+              <a:t>gemm_cuda_bench</a:t>
+            </a:r>
+            <a:endParaRPr lang="en-GB" sz="3600" dirty="0"/>
+          </a:p>
+        </p:txBody>
+      </p:sp>
+      <p:sp>
+        <p:nvSpPr>
+          <p:cNvPr id="3" name="Content Placeholder 2">
+            <a:extLst>
+              <a:ext uri="{FF2B5EF4-FFF2-40B4-BE49-F238E27FC236}">
+                <a16:creationId xmlns:a16="http://schemas.microsoft.com/office/drawing/2014/main" id="{F95B0CAD-B597-0193-623B-86F394A94E12}"/>
+              </a:ext>
+            </a:extLst>
+          </p:cNvPr>
+          <p:cNvSpPr>
+            <a:spLocks noGrp="1"/>
+          </p:cNvSpPr>
+          <p:nvPr>
+            <p:ph idx="1"/>
+          </p:nvPr>
+        </p:nvSpPr>
+        <p:spPr>
+          <a:xfrm>
+            <a:off x="529167" y="1484784"/>
+            <a:ext cx="10363200" cy="4325466"/>
+          </a:xfrm>
+        </p:spPr>
+        <p:txBody>
+          <a:bodyPr>
+            <a:noAutofit/>
+          </a:bodyPr>
+          <a:lstStyle/>
+          <a:p>
+            <a:r>
+              <a:rPr lang="en-GB" sz="2400" dirty="0"/>
+              <a:t>General Matrix-Matrix Multiplication</a:t>
+            </a:r>
+          </a:p>
+          <a:p>
+            <a:pPr lvl="1"/>
+            <a:r>
+              <a:rPr lang="en-GB" sz="2000" dirty="0" err="1"/>
+              <a:t>gemm_cuda_bench</a:t>
+            </a:r>
+            <a:r>
+              <a:rPr lang="en-GB" sz="2000" dirty="0"/>
+              <a:t> –h to see all the potential options</a:t>
+            </a:r>
+          </a:p>
+          <a:p>
+            <a:pPr lvl="1"/>
+            <a:r>
+              <a:rPr lang="en-GB" sz="2000" dirty="0"/>
+              <a:t>Need to supply number of iterations and </a:t>
+            </a:r>
+            <a:r>
+              <a:rPr lang="en-GB" sz="2000" dirty="0" err="1"/>
+              <a:t>dim_K</a:t>
+            </a:r>
+            <a:r>
+              <a:rPr lang="en-GB" sz="2000" dirty="0"/>
+              <a:t> and </a:t>
+            </a:r>
+            <a:r>
+              <a:rPr lang="en-GB" sz="2000" dirty="0" err="1"/>
+              <a:t>dim_M</a:t>
+            </a:r>
+            <a:endParaRPr lang="en-GB" sz="2000" dirty="0"/>
+          </a:p>
+          <a:p>
+            <a:pPr lvl="1"/>
+            <a:r>
+              <a:rPr lang="en-GB" sz="2000" dirty="0" err="1"/>
+              <a:t>dim_M</a:t>
+            </a:r>
+            <a:r>
+              <a:rPr lang="en-GB" sz="2000" dirty="0"/>
+              <a:t> = Positive integer that describes M dimension of the matrices A(</a:t>
+            </a:r>
+            <a:r>
+              <a:rPr lang="en-GB" sz="2000" dirty="0" err="1"/>
+              <a:t>MxK</a:t>
+            </a:r>
+            <a:r>
+              <a:rPr lang="en-GB" sz="2000" dirty="0"/>
+              <a:t>) and C(</a:t>
+            </a:r>
+            <a:r>
+              <a:rPr lang="en-GB" sz="2000" dirty="0" err="1"/>
+              <a:t>MxN</a:t>
+            </a:r>
+            <a:r>
+              <a:rPr lang="en-GB" sz="2000" dirty="0"/>
+              <a:t>)</a:t>
+            </a:r>
+          </a:p>
+          <a:p>
+            <a:pPr lvl="1"/>
+            <a:r>
+              <a:rPr lang="en-GB" sz="2000" dirty="0" err="1"/>
+              <a:t>dim_N</a:t>
+            </a:r>
+            <a:r>
+              <a:rPr lang="en-GB" sz="2000" dirty="0"/>
+              <a:t> = Positive integer that describes N dimension of the matrices B(</a:t>
+            </a:r>
+            <a:r>
+              <a:rPr lang="en-GB" sz="2000" dirty="0" err="1"/>
+              <a:t>KxN</a:t>
+            </a:r>
+            <a:r>
+              <a:rPr lang="en-GB" sz="2000" dirty="0"/>
+              <a:t>) and C(</a:t>
+            </a:r>
+            <a:r>
+              <a:rPr lang="en-GB" sz="2000" dirty="0" err="1"/>
+              <a:t>MxN</a:t>
+            </a:r>
+            <a:r>
+              <a:rPr lang="en-GB" sz="2000" dirty="0"/>
+              <a:t>)</a:t>
+            </a:r>
+          </a:p>
+          <a:p>
+            <a:pPr lvl="1"/>
+            <a:r>
+              <a:rPr lang="en-GB" sz="2000" dirty="0" err="1"/>
+              <a:t>dim_K</a:t>
+            </a:r>
+            <a:r>
+              <a:rPr lang="en-GB" sz="2000" dirty="0"/>
+              <a:t> = Positive integer that describes K dimension of the matrices A(</a:t>
+            </a:r>
+            <a:r>
+              <a:rPr lang="en-GB" sz="2000" dirty="0" err="1"/>
+              <a:t>MxK</a:t>
+            </a:r>
+            <a:r>
+              <a:rPr lang="en-GB" sz="2000" dirty="0"/>
+              <a:t>) and B(</a:t>
+            </a:r>
+            <a:r>
+              <a:rPr lang="en-GB" sz="2000" dirty="0" err="1"/>
+              <a:t>KxN</a:t>
+            </a:r>
+            <a:r>
+              <a:rPr lang="en-GB" sz="2000" dirty="0"/>
+              <a:t>)</a:t>
+            </a:r>
+          </a:p>
+          <a:p>
+            <a:r>
+              <a:rPr lang="en-GB" sz="2400" dirty="0"/>
+              <a:t>Run</a:t>
+            </a:r>
+          </a:p>
+          <a:p>
+            <a:pPr lvl="1"/>
+            <a:r>
+              <a:rPr lang="en-GB" sz="2000" dirty="0"/>
+              <a:t>`</a:t>
+            </a:r>
+            <a:r>
+              <a:rPr lang="en-GB" sz="2000" dirty="0" err="1"/>
+              <a:t>gemm_cuda_bench</a:t>
+            </a:r>
+            <a:r>
+              <a:rPr lang="en-GB" sz="2000" dirty="0"/>
+              <a:t> -I 1000 10000 10000 10000`</a:t>
+            </a:r>
+          </a:p>
+          <a:p>
+            <a:pPr lvl="1"/>
+            <a:r>
+              <a:rPr lang="en-GB" sz="2000" dirty="0"/>
+              <a:t>Look at the other pane running </a:t>
+            </a:r>
+            <a:r>
+              <a:rPr lang="en-GB" sz="2000" dirty="0" err="1"/>
+              <a:t>nvidai-smi</a:t>
+            </a:r>
+            <a:endParaRPr lang="en-GB" sz="2000" dirty="0"/>
+          </a:p>
+          <a:p>
+            <a:pPr lvl="1"/>
+            <a:r>
+              <a:rPr lang="en-GB" sz="2000" dirty="0"/>
+              <a:t>`</a:t>
+            </a:r>
+            <a:r>
+              <a:rPr lang="sv-SE" sz="2000" dirty="0"/>
+              <a:t>gemm_cuda_bench -C -I 1000 10000 10000 10000</a:t>
+            </a:r>
+            <a:r>
+              <a:rPr lang="en-GB" sz="2000" dirty="0"/>
+              <a:t>`</a:t>
+            </a:r>
+          </a:p>
+          <a:p>
+            <a:pPr lvl="1"/>
+            <a:r>
+              <a:rPr lang="en-GB" sz="2000" dirty="0"/>
+              <a:t>`./</a:t>
+            </a:r>
+            <a:r>
+              <a:rPr lang="en-GB" sz="2000" dirty="0" err="1"/>
+              <a:t>gemm_cuda_bench</a:t>
+            </a:r>
+            <a:r>
+              <a:rPr lang="en-GB" sz="2000" dirty="0"/>
+              <a:t> -C -M fp32 -A fp32 -I </a:t>
+            </a:r>
+            <a:r>
+              <a:rPr lang="sv-SE" sz="2000" dirty="0"/>
+              <a:t>1000</a:t>
+            </a:r>
+            <a:r>
+              <a:rPr lang="en-GB" sz="2000" dirty="0"/>
+              <a:t> 100000 100000`</a:t>
+            </a:r>
+          </a:p>
+          <a:p>
+            <a:pPr lvl="1"/>
+            <a:r>
+              <a:rPr lang="en-GB" sz="2000" dirty="0"/>
+              <a:t>`./</a:t>
+            </a:r>
+            <a:r>
+              <a:rPr lang="en-GB" sz="2000" dirty="0" err="1"/>
+              <a:t>gemm_cuda_bench</a:t>
+            </a:r>
+            <a:r>
+              <a:rPr lang="en-GB" sz="2000" dirty="0"/>
+              <a:t> -C -M fp64 -A fp64 -I </a:t>
+            </a:r>
+            <a:r>
+              <a:rPr lang="sv-SE" sz="2000" dirty="0"/>
+              <a:t>1000</a:t>
+            </a:r>
+            <a:r>
+              <a:rPr lang="en-GB" sz="2000" dirty="0"/>
+              <a:t> 100000 100000`</a:t>
+            </a:r>
+          </a:p>
+        </p:txBody>
+      </p:sp>
+      <p:grpSp>
+        <p:nvGrpSpPr>
+          <p:cNvPr id="4" name="Group 3">
+            <a:extLst>
+              <a:ext uri="{FF2B5EF4-FFF2-40B4-BE49-F238E27FC236}">
+                <a16:creationId xmlns:a16="http://schemas.microsoft.com/office/drawing/2014/main" id="{B63514C4-696E-7C90-517D-9A2F790CA7C0}"/>
+              </a:ext>
+            </a:extLst>
+          </p:cNvPr>
+          <p:cNvGrpSpPr/>
+          <p:nvPr/>
+        </p:nvGrpSpPr>
+        <p:grpSpPr>
+          <a:xfrm>
+            <a:off x="4215988" y="5793696"/>
+            <a:ext cx="960359" cy="877088"/>
+            <a:chOff x="4215988" y="5793696"/>
+            <a:chExt cx="960359" cy="877088"/>
+          </a:xfrm>
+        </p:grpSpPr>
+        <p:pic>
+          <p:nvPicPr>
+            <p:cNvPr id="5" name="Picture 4" descr="A picture containing schematic&#10;&#10;Description automatically generated">
+              <a:extLst>
+                <a:ext uri="{FF2B5EF4-FFF2-40B4-BE49-F238E27FC236}">
+                  <a16:creationId xmlns:a16="http://schemas.microsoft.com/office/drawing/2014/main" id="{00BAFB7D-8F5F-5770-EA3B-75F976647914}"/>
+                </a:ext>
+              </a:extLst>
+            </p:cNvPr>
+            <p:cNvPicPr>
+              <a:picLocks noChangeAspect="1"/>
+            </p:cNvPicPr>
+            <p:nvPr/>
+          </p:nvPicPr>
+          <p:blipFill>
+            <a:blip r:embed="rId2" cstate="print">
+              <a:extLst>
+                <a:ext uri="{28A0092B-C50C-407E-A947-70E740481C1C}">
+                  <a14:useLocalDpi xmlns:a14="http://schemas.microsoft.com/office/drawing/2010/main" val="0"/>
+                </a:ext>
+              </a:extLst>
+            </a:blip>
+            <a:stretch>
+              <a:fillRect/>
+            </a:stretch>
+          </p:blipFill>
+          <p:spPr>
+            <a:xfrm>
+              <a:off x="4299259" y="5793696"/>
+              <a:ext cx="877088" cy="877088"/>
+            </a:xfrm>
+            <a:prstGeom prst="rect">
+              <a:avLst/>
+            </a:prstGeom>
+          </p:spPr>
+        </p:pic>
+        <p:cxnSp>
+          <p:nvCxnSpPr>
+            <p:cNvPr id="6" name="Straight Connector 5">
+              <a:extLst>
+                <a:ext uri="{FF2B5EF4-FFF2-40B4-BE49-F238E27FC236}">
+                  <a16:creationId xmlns:a16="http://schemas.microsoft.com/office/drawing/2014/main" id="{8F3FC389-7651-725F-8C7C-15AA403E0F81}"/>
+                </a:ext>
+              </a:extLst>
+            </p:cNvPr>
+            <p:cNvCxnSpPr/>
+            <p:nvPr/>
+          </p:nvCxnSpPr>
+          <p:spPr>
+            <a:xfrm>
+              <a:off x="4215988" y="6033542"/>
+              <a:ext cx="0" cy="359764"/>
+            </a:xfrm>
+            <a:prstGeom prst="line">
+              <a:avLst/>
+            </a:prstGeom>
+            <a:ln>
+              <a:solidFill>
+                <a:schemeClr val="tx1">
+                  <a:lumMod val="75000"/>
+                  <a:lumOff val="25000"/>
+                </a:schemeClr>
+              </a:solidFill>
+            </a:ln>
+          </p:spPr>
+          <p:style>
+            <a:lnRef idx="2">
+              <a:schemeClr val="dk1"/>
+            </a:lnRef>
+            <a:fillRef idx="0">
+              <a:schemeClr val="dk1"/>
+            </a:fillRef>
+            <a:effectRef idx="1">
+              <a:schemeClr val="dk1"/>
+            </a:effectRef>
+            <a:fontRef idx="minor">
+              <a:schemeClr val="tx1"/>
+            </a:fontRef>
+          </p:style>
+        </p:cxnSp>
+      </p:grpSp>
+    </p:spTree>
+    <p:extLst>
+      <p:ext uri="{BB962C8B-B14F-4D97-AF65-F5344CB8AC3E}">
+        <p14:creationId xmlns:p14="http://schemas.microsoft.com/office/powerpoint/2010/main" val="2964472917"/>
+      </p:ext>
+    </p:extLst>
+  </p:cSld>
+  <p:clrMapOvr>
+    <a:masterClrMapping/>
+  </p:clrMapOvr>
+</p:sld>
+</file>
+
+<file path=ppt/slides/slide21.xml><?xml version="1.0" encoding="utf-8"?>
+<p:sld xmlns:a="http://schemas.openxmlformats.org/drawingml/2006/main" xmlns:r="http://schemas.openxmlformats.org/officeDocument/2006/relationships" xmlns:p="http://schemas.openxmlformats.org/presentationml/2006/main">
+  <p:cSld>
+    <p:spTree>
+      <p:nvGrpSpPr>
+        <p:cNvPr id="1" name="">
+          <a:extLst>
+            <a:ext uri="{FF2B5EF4-FFF2-40B4-BE49-F238E27FC236}">
+              <a16:creationId xmlns:a16="http://schemas.microsoft.com/office/drawing/2014/main" id="{F85BB860-C779-61D5-6FFF-F524A387B22E}"/>
+            </a:ext>
+          </a:extLst>
+        </p:cNvPr>
+        <p:cNvGrpSpPr/>
+        <p:nvPr/>
+      </p:nvGrpSpPr>
+      <p:grpSpPr>
+        <a:xfrm>
+          <a:off x="0" y="0"/>
+          <a:ext cx="0" cy="0"/>
+          <a:chOff x="0" y="0"/>
+          <a:chExt cx="0" cy="0"/>
+        </a:xfrm>
+      </p:grpSpPr>
+      <p:sp>
+        <p:nvSpPr>
+          <p:cNvPr id="2" name="Title 1">
+            <a:extLst>
+              <a:ext uri="{FF2B5EF4-FFF2-40B4-BE49-F238E27FC236}">
+                <a16:creationId xmlns:a16="http://schemas.microsoft.com/office/drawing/2014/main" id="{E14333A3-E153-AA86-BD98-F0F174B12A6E}"/>
+              </a:ext>
+            </a:extLst>
+          </p:cNvPr>
+          <p:cNvSpPr>
+            <a:spLocks noGrp="1"/>
+          </p:cNvSpPr>
+          <p:nvPr>
+            <p:ph type="title"/>
+          </p:nvPr>
+        </p:nvSpPr>
+        <p:spPr/>
+        <p:txBody>
+          <a:bodyPr>
+            <a:noAutofit/>
+          </a:bodyPr>
+          <a:lstStyle/>
+          <a:p>
+            <a:r>
+              <a:rPr lang="en-GB" sz="3600" dirty="0"/>
+              <a:t>Advanced </a:t>
+            </a:r>
+            <a:r>
+              <a:rPr lang="en-GB" sz="3600" dirty="0" err="1"/>
+              <a:t>nvidia-smi</a:t>
+            </a:r>
+            <a:endParaRPr lang="en-GB" sz="3600" dirty="0"/>
+          </a:p>
+        </p:txBody>
+      </p:sp>
+      <p:sp>
+        <p:nvSpPr>
+          <p:cNvPr id="3" name="Content Placeholder 2">
+            <a:extLst>
+              <a:ext uri="{FF2B5EF4-FFF2-40B4-BE49-F238E27FC236}">
+                <a16:creationId xmlns:a16="http://schemas.microsoft.com/office/drawing/2014/main" id="{0450B493-4257-A272-1750-219ED117F375}"/>
+              </a:ext>
+            </a:extLst>
+          </p:cNvPr>
+          <p:cNvSpPr>
+            <a:spLocks noGrp="1"/>
+          </p:cNvSpPr>
+          <p:nvPr>
+            <p:ph idx="1"/>
+          </p:nvPr>
+        </p:nvSpPr>
+        <p:spPr>
+          <a:xfrm>
+            <a:off x="529167" y="1484784"/>
+            <a:ext cx="10363200" cy="4325466"/>
+          </a:xfrm>
+        </p:spPr>
+        <p:txBody>
+          <a:bodyPr>
+            <a:noAutofit/>
+          </a:bodyPr>
+          <a:lstStyle/>
+          <a:p>
+            <a:r>
+              <a:rPr lang="en-GB" sz="2400" dirty="0"/>
+              <a:t>If you were to do man </a:t>
+            </a:r>
+            <a:r>
+              <a:rPr lang="en-GB" sz="2400" dirty="0" err="1"/>
+              <a:t>nvidia-smi</a:t>
+            </a:r>
+            <a:r>
+              <a:rPr lang="en-GB" sz="2400" dirty="0"/>
+              <a:t> you would see a lot of options</a:t>
+            </a:r>
+          </a:p>
+          <a:p>
+            <a:r>
+              <a:rPr lang="en-GB" sz="2400" dirty="0"/>
+              <a:t>Executable </a:t>
+            </a:r>
+            <a:r>
+              <a:rPr lang="en-GB" sz="2400" dirty="0" err="1"/>
+              <a:t>gpu_query</a:t>
+            </a:r>
+            <a:r>
+              <a:rPr lang="en-GB" sz="2400" dirty="0"/>
+              <a:t> contains additional options</a:t>
+            </a:r>
+          </a:p>
+          <a:p>
+            <a:r>
+              <a:rPr lang="en-GB" sz="2400" dirty="0"/>
+              <a:t>Look at this file</a:t>
+            </a:r>
+            <a:endParaRPr lang="en-GB" sz="2000" dirty="0"/>
+          </a:p>
+          <a:p>
+            <a:r>
+              <a:rPr lang="en-GB" sz="2400" dirty="0"/>
+              <a:t>In </a:t>
+            </a:r>
+            <a:r>
+              <a:rPr lang="en-GB" sz="2400" dirty="0" err="1"/>
+              <a:t>nvidia-smi</a:t>
+            </a:r>
+            <a:r>
+              <a:rPr lang="en-GB" sz="2400" dirty="0"/>
+              <a:t> pane cancel this and run `./</a:t>
+            </a:r>
+            <a:r>
+              <a:rPr lang="en-GB" sz="2400" dirty="0" err="1"/>
+              <a:t>gpu_query</a:t>
+            </a:r>
+            <a:r>
+              <a:rPr lang="en-GB" sz="2400" dirty="0"/>
+              <a:t>`</a:t>
+            </a:r>
+          </a:p>
+        </p:txBody>
+      </p:sp>
+      <p:grpSp>
+        <p:nvGrpSpPr>
+          <p:cNvPr id="4" name="Group 3">
+            <a:extLst>
+              <a:ext uri="{FF2B5EF4-FFF2-40B4-BE49-F238E27FC236}">
+                <a16:creationId xmlns:a16="http://schemas.microsoft.com/office/drawing/2014/main" id="{2CAEFE3F-9419-97BC-081E-C2B2838BF2A2}"/>
+              </a:ext>
+            </a:extLst>
+          </p:cNvPr>
+          <p:cNvGrpSpPr/>
+          <p:nvPr/>
+        </p:nvGrpSpPr>
+        <p:grpSpPr>
+          <a:xfrm>
+            <a:off x="4215988" y="5793696"/>
+            <a:ext cx="960359" cy="877088"/>
+            <a:chOff x="4215988" y="5793696"/>
+            <a:chExt cx="960359" cy="877088"/>
+          </a:xfrm>
+        </p:grpSpPr>
+        <p:pic>
+          <p:nvPicPr>
+            <p:cNvPr id="5" name="Picture 4" descr="A picture containing schematic&#10;&#10;Description automatically generated">
+              <a:extLst>
+                <a:ext uri="{FF2B5EF4-FFF2-40B4-BE49-F238E27FC236}">
+                  <a16:creationId xmlns:a16="http://schemas.microsoft.com/office/drawing/2014/main" id="{6848CF00-98F0-996C-982D-463EF2D064BB}"/>
+                </a:ext>
+              </a:extLst>
+            </p:cNvPr>
+            <p:cNvPicPr>
+              <a:picLocks noChangeAspect="1"/>
+            </p:cNvPicPr>
+            <p:nvPr/>
+          </p:nvPicPr>
+          <p:blipFill>
+            <a:blip r:embed="rId2" cstate="print">
+              <a:extLst>
+                <a:ext uri="{28A0092B-C50C-407E-A947-70E740481C1C}">
+                  <a14:useLocalDpi xmlns:a14="http://schemas.microsoft.com/office/drawing/2010/main" val="0"/>
+                </a:ext>
+              </a:extLst>
+            </a:blip>
+            <a:stretch>
+              <a:fillRect/>
+            </a:stretch>
+          </p:blipFill>
+          <p:spPr>
+            <a:xfrm>
+              <a:off x="4299259" y="5793696"/>
+              <a:ext cx="877088" cy="877088"/>
+            </a:xfrm>
+            <a:prstGeom prst="rect">
+              <a:avLst/>
+            </a:prstGeom>
+          </p:spPr>
+        </p:pic>
+        <p:cxnSp>
+          <p:nvCxnSpPr>
+            <p:cNvPr id="6" name="Straight Connector 5">
+              <a:extLst>
+                <a:ext uri="{FF2B5EF4-FFF2-40B4-BE49-F238E27FC236}">
+                  <a16:creationId xmlns:a16="http://schemas.microsoft.com/office/drawing/2014/main" id="{DD550CC0-6BBF-52D9-DABA-B3637D75D4E7}"/>
+                </a:ext>
+              </a:extLst>
+            </p:cNvPr>
+            <p:cNvCxnSpPr/>
+            <p:nvPr/>
+          </p:nvCxnSpPr>
+          <p:spPr>
+            <a:xfrm>
+              <a:off x="4215988" y="6033542"/>
+              <a:ext cx="0" cy="359764"/>
+            </a:xfrm>
+            <a:prstGeom prst="line">
+              <a:avLst/>
+            </a:prstGeom>
+            <a:ln>
+              <a:solidFill>
+                <a:schemeClr val="tx1">
+                  <a:lumMod val="75000"/>
+                  <a:lumOff val="25000"/>
+                </a:schemeClr>
+              </a:solidFill>
+            </a:ln>
+          </p:spPr>
+          <p:style>
+            <a:lnRef idx="2">
+              <a:schemeClr val="dk1"/>
+            </a:lnRef>
+            <a:fillRef idx="0">
+              <a:schemeClr val="dk1"/>
+            </a:fillRef>
+            <a:effectRef idx="1">
+              <a:schemeClr val="dk1"/>
+            </a:effectRef>
+            <a:fontRef idx="minor">
+              <a:schemeClr val="tx1"/>
+            </a:fontRef>
+          </p:style>
+        </p:cxnSp>
+      </p:grpSp>
+    </p:spTree>
+    <p:extLst>
+      <p:ext uri="{BB962C8B-B14F-4D97-AF65-F5344CB8AC3E}">
+        <p14:creationId xmlns:p14="http://schemas.microsoft.com/office/powerpoint/2010/main" val="1677834692"/>
+      </p:ext>
+    </p:extLst>
+  </p:cSld>
+  <p:clrMapOvr>
+    <a:masterClrMapping/>
+  </p:clrMapOvr>
+</p:sld>
+</file>
+
+<file path=ppt/slides/slide22.xml><?xml version="1.0" encoding="utf-8"?>
+<p:sld xmlns:a="http://schemas.openxmlformats.org/drawingml/2006/main" xmlns:r="http://schemas.openxmlformats.org/officeDocument/2006/relationships" xmlns:p="http://schemas.openxmlformats.org/presentationml/2006/main">
+  <p:cSld>
+    <p:spTree>
+      <p:nvGrpSpPr>
+        <p:cNvPr id="1" name="">
+          <a:extLst>
+            <a:ext uri="{FF2B5EF4-FFF2-40B4-BE49-F238E27FC236}">
+              <a16:creationId xmlns:a16="http://schemas.microsoft.com/office/drawing/2014/main" id="{E938039D-AF2E-4C41-7AFA-D2564A19E8BC}"/>
+            </a:ext>
+          </a:extLst>
+        </p:cNvPr>
+        <p:cNvGrpSpPr/>
+        <p:nvPr/>
+      </p:nvGrpSpPr>
+      <p:grpSpPr>
+        <a:xfrm>
+          <a:off x="0" y="0"/>
+          <a:ext cx="0" cy="0"/>
+          <a:chOff x="0" y="0"/>
+          <a:chExt cx="0" cy="0"/>
+        </a:xfrm>
+      </p:grpSpPr>
+      <p:sp>
+        <p:nvSpPr>
+          <p:cNvPr id="2" name="Title 1">
+            <a:extLst>
+              <a:ext uri="{FF2B5EF4-FFF2-40B4-BE49-F238E27FC236}">
+                <a16:creationId xmlns:a16="http://schemas.microsoft.com/office/drawing/2014/main" id="{346887BF-C0F2-28E9-4002-F6BEFCAD4AF0}"/>
+              </a:ext>
+            </a:extLst>
+          </p:cNvPr>
+          <p:cNvSpPr>
+            <a:spLocks noGrp="1"/>
+          </p:cNvSpPr>
+          <p:nvPr>
+            <p:ph type="title"/>
+          </p:nvPr>
+        </p:nvSpPr>
+        <p:spPr/>
+        <p:txBody>
+          <a:bodyPr>
+            <a:normAutofit fontScale="90000"/>
+          </a:bodyPr>
+          <a:lstStyle/>
+          <a:p>
+            <a:r>
+              <a:rPr lang="en-GB" dirty="0"/>
+              <a:t>Running </a:t>
+            </a:r>
+            <a:r>
+              <a:rPr lang="en-GB" dirty="0" err="1"/>
+              <a:t>CUDA_Bench</a:t>
+            </a:r>
+            <a:r>
+              <a:rPr lang="en-GB" dirty="0"/>
+              <a:t> – </a:t>
+            </a:r>
+            <a:r>
+              <a:rPr lang="en-GB" dirty="0" err="1"/>
+              <a:t>gemv_cuda_bench</a:t>
+            </a:r>
+            <a:endParaRPr lang="en-GB" dirty="0"/>
+          </a:p>
+        </p:txBody>
+      </p:sp>
+      <p:sp>
+        <p:nvSpPr>
+          <p:cNvPr id="3" name="Content Placeholder 2">
+            <a:extLst>
+              <a:ext uri="{FF2B5EF4-FFF2-40B4-BE49-F238E27FC236}">
+                <a16:creationId xmlns:a16="http://schemas.microsoft.com/office/drawing/2014/main" id="{F80042AC-2E11-0ACC-A463-D725FBE0CBA5}"/>
+              </a:ext>
+            </a:extLst>
+          </p:cNvPr>
+          <p:cNvSpPr>
+            <a:spLocks noGrp="1"/>
+          </p:cNvSpPr>
+          <p:nvPr>
+            <p:ph idx="1"/>
+          </p:nvPr>
+        </p:nvSpPr>
+        <p:spPr>
+          <a:xfrm>
+            <a:off x="529167" y="1484784"/>
+            <a:ext cx="10363200" cy="4325466"/>
+          </a:xfrm>
+        </p:spPr>
+        <p:txBody>
+          <a:bodyPr>
+            <a:noAutofit/>
+          </a:bodyPr>
+          <a:lstStyle/>
+          <a:p>
+            <a:r>
+              <a:rPr lang="en-GB" sz="2400" dirty="0"/>
+              <a:t>General Matrix-Vector Multiplication</a:t>
+            </a:r>
+          </a:p>
+          <a:p>
+            <a:pPr lvl="1"/>
+            <a:r>
+              <a:rPr lang="en-GB" sz="2000" dirty="0" err="1"/>
+              <a:t>gemv_cuda_bench</a:t>
+            </a:r>
+            <a:r>
+              <a:rPr lang="en-GB" sz="2000" dirty="0"/>
+              <a:t> –h to see all the potential options</a:t>
+            </a:r>
+          </a:p>
+          <a:p>
+            <a:pPr lvl="1"/>
+            <a:r>
+              <a:rPr lang="en-GB" sz="2000" dirty="0"/>
+              <a:t>Need to supply number of iterations and </a:t>
+            </a:r>
+            <a:r>
+              <a:rPr lang="en-GB" sz="2000" dirty="0" err="1"/>
+              <a:t>dim_K</a:t>
+            </a:r>
+            <a:r>
+              <a:rPr lang="en-GB" sz="2000" dirty="0"/>
+              <a:t> and </a:t>
+            </a:r>
+            <a:r>
+              <a:rPr lang="en-GB" sz="2000" dirty="0" err="1"/>
+              <a:t>dim_M</a:t>
+            </a:r>
+            <a:endParaRPr lang="en-GB" sz="2000" dirty="0"/>
+          </a:p>
+          <a:p>
+            <a:pPr lvl="1"/>
+            <a:r>
+              <a:rPr lang="en-GB" sz="2000" dirty="0" err="1"/>
+              <a:t>dim_M</a:t>
+            </a:r>
+            <a:r>
+              <a:rPr lang="en-GB" sz="2000" dirty="0"/>
+              <a:t> = Positive integer that describes M dimension of the matrix A(</a:t>
+            </a:r>
+            <a:r>
+              <a:rPr lang="en-GB" sz="2000" dirty="0" err="1"/>
+              <a:t>MxK</a:t>
+            </a:r>
+            <a:r>
+              <a:rPr lang="en-GB" sz="2000" dirty="0"/>
+              <a:t>) and vector C(M)</a:t>
+            </a:r>
+          </a:p>
+          <a:p>
+            <a:pPr lvl="1"/>
+            <a:r>
+              <a:rPr lang="en-GB" sz="2000" dirty="0" err="1"/>
+              <a:t>dim_K</a:t>
+            </a:r>
+            <a:r>
+              <a:rPr lang="en-GB" sz="2000" dirty="0"/>
+              <a:t> = Positive integer that describes K dimension of the matrix A(</a:t>
+            </a:r>
+            <a:r>
+              <a:rPr lang="en-GB" sz="2000" dirty="0" err="1"/>
+              <a:t>MxK</a:t>
+            </a:r>
+            <a:r>
+              <a:rPr lang="en-GB" sz="2000" dirty="0"/>
+              <a:t>) and vector B(K)</a:t>
+            </a:r>
+          </a:p>
+          <a:p>
+            <a:r>
+              <a:rPr lang="en-GB" sz="2400" dirty="0"/>
+              <a:t>Run</a:t>
+            </a:r>
+          </a:p>
+          <a:p>
+            <a:pPr lvl="1"/>
+            <a:r>
+              <a:rPr lang="en-GB" sz="2000" dirty="0"/>
+              <a:t>`</a:t>
+            </a:r>
+            <a:r>
+              <a:rPr lang="en-GB" sz="2000" dirty="0" err="1"/>
+              <a:t>gemv_cuda_bench</a:t>
+            </a:r>
+            <a:r>
+              <a:rPr lang="en-GB" sz="2000" dirty="0"/>
+              <a:t> --iterations 1000 100000 100000`</a:t>
+            </a:r>
+          </a:p>
+          <a:p>
+            <a:pPr lvl="1"/>
+            <a:r>
+              <a:rPr lang="en-GB" sz="2000" dirty="0"/>
+              <a:t>Look at the other pane running </a:t>
+            </a:r>
+            <a:r>
+              <a:rPr lang="en-GB" sz="2000" dirty="0" err="1"/>
+              <a:t>nvidai-smi</a:t>
+            </a:r>
+            <a:endParaRPr lang="en-GB" sz="2000" dirty="0"/>
+          </a:p>
+          <a:p>
+            <a:pPr lvl="1"/>
+            <a:r>
+              <a:rPr lang="en-GB" sz="2000" dirty="0"/>
+              <a:t>`</a:t>
+            </a:r>
+            <a:r>
+              <a:rPr lang="sv-SE" sz="2000" dirty="0"/>
+              <a:t>gemv_cuda_bench -C --iterations 1000 100000 100000</a:t>
+            </a:r>
+            <a:r>
+              <a:rPr lang="en-GB" sz="2000" dirty="0"/>
+              <a:t>`</a:t>
+            </a:r>
+          </a:p>
+          <a:p>
+            <a:pPr lvl="1"/>
+            <a:r>
+              <a:rPr lang="en-GB" sz="2000" dirty="0"/>
+              <a:t>`./</a:t>
+            </a:r>
+            <a:r>
+              <a:rPr lang="en-GB" sz="2000" dirty="0" err="1"/>
+              <a:t>gemv_cuda_bench</a:t>
+            </a:r>
+            <a:r>
+              <a:rPr lang="en-GB" sz="2000" dirty="0"/>
+              <a:t> -C -M fp32 -A fp32 --iterations 200 100000 100000`</a:t>
+            </a:r>
+          </a:p>
+          <a:p>
+            <a:pPr lvl="1"/>
+            <a:r>
+              <a:rPr lang="en-GB" sz="2000" dirty="0"/>
+              <a:t>`./</a:t>
+            </a:r>
+            <a:r>
+              <a:rPr lang="en-GB" sz="2000" dirty="0" err="1"/>
+              <a:t>gemv_cuda_bench</a:t>
+            </a:r>
+            <a:r>
+              <a:rPr lang="en-GB" sz="2000" dirty="0"/>
+              <a:t> -C -M fp64 -A fp64 --iterations 100 100000 100000`</a:t>
+            </a:r>
+          </a:p>
+          <a:p>
+            <a:pPr lvl="1"/>
+            <a:r>
+              <a:rPr lang="en-GB" sz="2000" dirty="0">
+                <a:solidFill>
+                  <a:srgbClr val="FF0000"/>
+                </a:solidFill>
+              </a:rPr>
+              <a:t>[ERR!]: out of memory</a:t>
+            </a:r>
+          </a:p>
+        </p:txBody>
+      </p:sp>
+      <p:grpSp>
+        <p:nvGrpSpPr>
+          <p:cNvPr id="4" name="Group 3">
+            <a:extLst>
+              <a:ext uri="{FF2B5EF4-FFF2-40B4-BE49-F238E27FC236}">
+                <a16:creationId xmlns:a16="http://schemas.microsoft.com/office/drawing/2014/main" id="{DA41B883-1D9C-112E-5A26-D2425EDBE6D7}"/>
+              </a:ext>
+            </a:extLst>
+          </p:cNvPr>
+          <p:cNvGrpSpPr/>
+          <p:nvPr/>
+        </p:nvGrpSpPr>
+        <p:grpSpPr>
+          <a:xfrm>
+            <a:off x="4215988" y="5793696"/>
+            <a:ext cx="960359" cy="877088"/>
+            <a:chOff x="4215988" y="5793696"/>
+            <a:chExt cx="960359" cy="877088"/>
+          </a:xfrm>
+        </p:grpSpPr>
+        <p:pic>
+          <p:nvPicPr>
+            <p:cNvPr id="5" name="Picture 4" descr="A picture containing schematic&#10;&#10;Description automatically generated">
+              <a:extLst>
+                <a:ext uri="{FF2B5EF4-FFF2-40B4-BE49-F238E27FC236}">
+                  <a16:creationId xmlns:a16="http://schemas.microsoft.com/office/drawing/2014/main" id="{E06A14A8-1EB3-2D20-F81B-8D04F8401DC2}"/>
+                </a:ext>
+              </a:extLst>
+            </p:cNvPr>
+            <p:cNvPicPr>
+              <a:picLocks noChangeAspect="1"/>
+            </p:cNvPicPr>
+            <p:nvPr/>
+          </p:nvPicPr>
+          <p:blipFill>
+            <a:blip r:embed="rId2" cstate="print">
+              <a:extLst>
+                <a:ext uri="{28A0092B-C50C-407E-A947-70E740481C1C}">
+                  <a14:useLocalDpi xmlns:a14="http://schemas.microsoft.com/office/drawing/2010/main" val="0"/>
+                </a:ext>
+              </a:extLst>
+            </a:blip>
+            <a:stretch>
+              <a:fillRect/>
+            </a:stretch>
+          </p:blipFill>
+          <p:spPr>
+            <a:xfrm>
+              <a:off x="4299259" y="5793696"/>
+              <a:ext cx="877088" cy="877088"/>
+            </a:xfrm>
+            <a:prstGeom prst="rect">
+              <a:avLst/>
+            </a:prstGeom>
+          </p:spPr>
+        </p:pic>
+        <p:cxnSp>
+          <p:nvCxnSpPr>
+            <p:cNvPr id="6" name="Straight Connector 5">
+              <a:extLst>
+                <a:ext uri="{FF2B5EF4-FFF2-40B4-BE49-F238E27FC236}">
+                  <a16:creationId xmlns:a16="http://schemas.microsoft.com/office/drawing/2014/main" id="{48B8E67F-0532-734C-276E-34C86F284243}"/>
+                </a:ext>
+              </a:extLst>
+            </p:cNvPr>
+            <p:cNvCxnSpPr/>
+            <p:nvPr/>
+          </p:nvCxnSpPr>
+          <p:spPr>
+            <a:xfrm>
+              <a:off x="4215988" y="6033542"/>
+              <a:ext cx="0" cy="359764"/>
+            </a:xfrm>
+            <a:prstGeom prst="line">
+              <a:avLst/>
+            </a:prstGeom>
+            <a:ln>
+              <a:solidFill>
+                <a:schemeClr val="tx1">
+                  <a:lumMod val="75000"/>
+                  <a:lumOff val="25000"/>
+                </a:schemeClr>
+              </a:solidFill>
+            </a:ln>
+          </p:spPr>
+          <p:style>
+            <a:lnRef idx="2">
+              <a:schemeClr val="dk1"/>
+            </a:lnRef>
+            <a:fillRef idx="0">
+              <a:schemeClr val="dk1"/>
+            </a:fillRef>
+            <a:effectRef idx="1">
+              <a:schemeClr val="dk1"/>
+            </a:effectRef>
+            <a:fontRef idx="minor">
+              <a:schemeClr val="tx1"/>
+            </a:fontRef>
+          </p:style>
+        </p:cxnSp>
+      </p:grpSp>
+    </p:spTree>
+    <p:extLst>
+      <p:ext uri="{BB962C8B-B14F-4D97-AF65-F5344CB8AC3E}">
+        <p14:creationId xmlns:p14="http://schemas.microsoft.com/office/powerpoint/2010/main" val="3800251029"/>
+      </p:ext>
+    </p:extLst>
+  </p:cSld>
+  <p:clrMapOvr>
+    <a:masterClrMapping/>
+  </p:clrMapOvr>
+  <p:timing>
+    <p:tnLst>
+      <p:par>
+        <p:cTn id="1" dur="indefinite" restart="never" nodeType="tmRoot">
+          <p:childTnLst>
+            <p:seq concurrent="1" nextAc="seek">
+              <p:cTn id="2" dur="indefinite" nodeType="mainSeq">
+                <p:childTnLst>
+                  <p:par>
+                    <p:cTn id="3" fill="hold">
+                      <p:stCondLst>
+                        <p:cond delay="indefinite"/>
+                      </p:stCondLst>
+                      <p:childTnLst>
+                        <p:par>
+                          <p:cTn id="4" fill="hold">
+                            <p:stCondLst>
+                              <p:cond delay="0"/>
+                            </p:stCondLst>
+                            <p:childTnLst>
+                              <p:par>
+                                <p:cTn id="5" presetID="16" presetClass="entr" presetSubtype="21" fill="hold" nodeType="clickEffect">
+                                  <p:stCondLst>
+                                    <p:cond delay="0"/>
+                                  </p:stCondLst>
+                                  <p:childTnLst>
+                                    <p:set>
+                                      <p:cBhvr>
+                                        <p:cTn id="6" dur="1" fill="hold">
+                                          <p:stCondLst>
+                                            <p:cond delay="0"/>
+                                          </p:stCondLst>
+                                        </p:cTn>
+                                        <p:tgtEl>
+                                          <p:spTgt spid="3">
+                                            <p:txEl>
+                                              <p:pRg st="11" end="11"/>
+                                            </p:txEl>
+                                          </p:spTgt>
+                                        </p:tgtEl>
+                                        <p:attrNameLst>
+                                          <p:attrName>style.visibility</p:attrName>
+                                        </p:attrNameLst>
+                                      </p:cBhvr>
+                                      <p:to>
+                                        <p:strVal val="visible"/>
+                                      </p:to>
+                                    </p:set>
+                                    <p:animEffect transition="in" filter="barn(inVertical)">
+                                      <p:cBhvr>
+                                        <p:cTn id="7" dur="500"/>
+                                        <p:tgtEl>
+                                          <p:spTgt spid="3">
+                                            <p:txEl>
+                                              <p:pRg st="11" end="11"/>
+                                            </p:txEl>
+                                          </p:spTgt>
+                                        </p:tgtEl>
+                                      </p:cBhvr>
+                                    </p:animEffect>
+                                  </p:childTnLst>
+                                </p:cTn>
+                              </p:par>
+                            </p:childTnLst>
+                          </p:cTn>
+                        </p:par>
+                      </p:childTnLst>
+                    </p:cTn>
+                  </p:par>
+                </p:childTnLst>
+              </p:cTn>
+              <p:prevCondLst>
+                <p:cond evt="onPrev" delay="0">
+                  <p:tgtEl>
+                    <p:sldTgt/>
+                  </p:tgtEl>
+                </p:cond>
+              </p:prevCondLst>
+              <p:nextCondLst>
+                <p:cond evt="onNext" delay="0">
+                  <p:tgtEl>
+                    <p:sldTgt/>
+                  </p:tgtEl>
+                </p:cond>
+              </p:nextCondLst>
+            </p:seq>
+          </p:childTnLst>
+        </p:cTn>
+      </p:par>
+    </p:tnLst>
+  </p:timing>
+</p:sld>
+</file>
+
+<file path=ppt/slides/slide23.xml><?xml version="1.0" encoding="utf-8"?>
+<p:sld xmlns:a="http://schemas.openxmlformats.org/drawingml/2006/main" xmlns:r="http://schemas.openxmlformats.org/officeDocument/2006/relationships" xmlns:p="http://schemas.openxmlformats.org/presentationml/2006/main">
+  <p:cSld>
+    <p:spTree>
+      <p:nvGrpSpPr>
+        <p:cNvPr id="1" name="">
+          <a:extLst>
+            <a:ext uri="{FF2B5EF4-FFF2-40B4-BE49-F238E27FC236}">
+              <a16:creationId xmlns:a16="http://schemas.microsoft.com/office/drawing/2014/main" id="{F77E7010-B3CF-BAD4-7210-459DBD86B336}"/>
+            </a:ext>
+          </a:extLst>
+        </p:cNvPr>
+        <p:cNvGrpSpPr/>
+        <p:nvPr/>
+      </p:nvGrpSpPr>
+      <p:grpSpPr>
+        <a:xfrm>
+          <a:off x="0" y="0"/>
+          <a:ext cx="0" cy="0"/>
+          <a:chOff x="0" y="0"/>
+          <a:chExt cx="0" cy="0"/>
+        </a:xfrm>
+      </p:grpSpPr>
+      <p:sp>
+        <p:nvSpPr>
+          <p:cNvPr id="2" name="Title 1">
+            <a:extLst>
+              <a:ext uri="{FF2B5EF4-FFF2-40B4-BE49-F238E27FC236}">
+                <a16:creationId xmlns:a16="http://schemas.microsoft.com/office/drawing/2014/main" id="{3B12CCFC-A2F7-64E4-8526-365C724A4D04}"/>
+              </a:ext>
+            </a:extLst>
+          </p:cNvPr>
+          <p:cNvSpPr>
+            <a:spLocks noGrp="1"/>
+          </p:cNvSpPr>
+          <p:nvPr>
+            <p:ph type="title"/>
+          </p:nvPr>
+        </p:nvSpPr>
+        <p:spPr>
+          <a:xfrm>
+            <a:off x="638224" y="2857500"/>
+            <a:ext cx="10363200" cy="1143000"/>
+          </a:xfrm>
+        </p:spPr>
+        <p:txBody>
+          <a:bodyPr/>
+          <a:lstStyle/>
+          <a:p>
+            <a:pPr algn="ctr"/>
+            <a:r>
+              <a:rPr lang="en-GB" dirty="0"/>
+              <a:t>X11 forwarding</a:t>
+            </a:r>
+          </a:p>
+        </p:txBody>
+      </p:sp>
+      <p:grpSp>
+        <p:nvGrpSpPr>
+          <p:cNvPr id="4" name="Group 3">
+            <a:extLst>
+              <a:ext uri="{FF2B5EF4-FFF2-40B4-BE49-F238E27FC236}">
+                <a16:creationId xmlns:a16="http://schemas.microsoft.com/office/drawing/2014/main" id="{B1BBA581-376D-AAEF-5BA7-F82EADB3229D}"/>
+              </a:ext>
+            </a:extLst>
+          </p:cNvPr>
+          <p:cNvGrpSpPr/>
+          <p:nvPr/>
+        </p:nvGrpSpPr>
+        <p:grpSpPr>
+          <a:xfrm>
+            <a:off x="4215988" y="5793696"/>
+            <a:ext cx="960359" cy="877088"/>
+            <a:chOff x="4215988" y="5793696"/>
+            <a:chExt cx="960359" cy="877088"/>
+          </a:xfrm>
+        </p:grpSpPr>
+        <p:pic>
+          <p:nvPicPr>
+            <p:cNvPr id="5" name="Picture 4" descr="A picture containing schematic&#10;&#10;Description automatically generated">
+              <a:extLst>
+                <a:ext uri="{FF2B5EF4-FFF2-40B4-BE49-F238E27FC236}">
+                  <a16:creationId xmlns:a16="http://schemas.microsoft.com/office/drawing/2014/main" id="{5CA3667F-8C0A-6F87-7E45-D44DE7544651}"/>
+                </a:ext>
+              </a:extLst>
+            </p:cNvPr>
+            <p:cNvPicPr>
+              <a:picLocks noChangeAspect="1"/>
+            </p:cNvPicPr>
+            <p:nvPr/>
+          </p:nvPicPr>
+          <p:blipFill>
+            <a:blip r:embed="rId2" cstate="print">
+              <a:extLst>
+                <a:ext uri="{28A0092B-C50C-407E-A947-70E740481C1C}">
+                  <a14:useLocalDpi xmlns:a14="http://schemas.microsoft.com/office/drawing/2010/main" val="0"/>
+                </a:ext>
+              </a:extLst>
+            </a:blip>
+            <a:stretch>
+              <a:fillRect/>
+            </a:stretch>
+          </p:blipFill>
+          <p:spPr>
+            <a:xfrm>
+              <a:off x="4299259" y="5793696"/>
+              <a:ext cx="877088" cy="877088"/>
+            </a:xfrm>
+            <a:prstGeom prst="rect">
+              <a:avLst/>
+            </a:prstGeom>
+          </p:spPr>
+        </p:pic>
+        <p:cxnSp>
+          <p:nvCxnSpPr>
+            <p:cNvPr id="6" name="Straight Connector 5">
+              <a:extLst>
+                <a:ext uri="{FF2B5EF4-FFF2-40B4-BE49-F238E27FC236}">
+                  <a16:creationId xmlns:a16="http://schemas.microsoft.com/office/drawing/2014/main" id="{6D13615B-A1E1-B256-ACB7-995915839BFE}"/>
+                </a:ext>
+              </a:extLst>
+            </p:cNvPr>
+            <p:cNvCxnSpPr/>
+            <p:nvPr/>
+          </p:nvCxnSpPr>
+          <p:spPr>
+            <a:xfrm>
+              <a:off x="4215988" y="6033542"/>
+              <a:ext cx="0" cy="359764"/>
+            </a:xfrm>
+            <a:prstGeom prst="line">
+              <a:avLst/>
+            </a:prstGeom>
+            <a:ln>
+              <a:solidFill>
+                <a:schemeClr val="tx1">
+                  <a:lumMod val="75000"/>
+                  <a:lumOff val="25000"/>
+                </a:schemeClr>
+              </a:solidFill>
+            </a:ln>
+          </p:spPr>
+          <p:style>
+            <a:lnRef idx="2">
+              <a:schemeClr val="dk1"/>
+            </a:lnRef>
+            <a:fillRef idx="0">
+              <a:schemeClr val="dk1"/>
+            </a:fillRef>
+            <a:effectRef idx="1">
+              <a:schemeClr val="dk1"/>
+            </a:effectRef>
+            <a:fontRef idx="minor">
+              <a:schemeClr val="tx1"/>
+            </a:fontRef>
+          </p:style>
+        </p:cxnSp>
+      </p:grpSp>
+    </p:spTree>
+    <p:extLst>
+      <p:ext uri="{BB962C8B-B14F-4D97-AF65-F5344CB8AC3E}">
+        <p14:creationId xmlns:p14="http://schemas.microsoft.com/office/powerpoint/2010/main" val="243533630"/>
+      </p:ext>
+    </p:extLst>
+  </p:cSld>
+  <p:clrMapOvr>
+    <a:masterClrMapping/>
+  </p:clrMapOvr>
+</p:sld>
+</file>
+
+<file path=ppt/slides/slide24.xml><?xml version="1.0" encoding="utf-8"?>
+<p:sld xmlns:a="http://schemas.openxmlformats.org/drawingml/2006/main" xmlns:r="http://schemas.openxmlformats.org/officeDocument/2006/relationships" xmlns:p="http://schemas.openxmlformats.org/presentationml/2006/main">
+  <p:cSld>
+    <p:spTree>
+      <p:nvGrpSpPr>
+        <p:cNvPr id="1" name="">
+          <a:extLst>
+            <a:ext uri="{FF2B5EF4-FFF2-40B4-BE49-F238E27FC236}">
+              <a16:creationId xmlns:a16="http://schemas.microsoft.com/office/drawing/2014/main" id="{A1648B2E-E8D4-B227-A53F-02255EAC7BE8}"/>
+            </a:ext>
+          </a:extLst>
+        </p:cNvPr>
+        <p:cNvGrpSpPr/>
+        <p:nvPr/>
+      </p:nvGrpSpPr>
+      <p:grpSpPr>
+        <a:xfrm>
+          <a:off x="0" y="0"/>
+          <a:ext cx="0" cy="0"/>
+          <a:chOff x="0" y="0"/>
+          <a:chExt cx="0" cy="0"/>
+        </a:xfrm>
+      </p:grpSpPr>
+      <p:sp>
+        <p:nvSpPr>
+          <p:cNvPr id="2" name="Title 1">
+            <a:extLst>
+              <a:ext uri="{FF2B5EF4-FFF2-40B4-BE49-F238E27FC236}">
+                <a16:creationId xmlns:a16="http://schemas.microsoft.com/office/drawing/2014/main" id="{05C28C2B-CB04-C0AA-9615-26782137710C}"/>
+              </a:ext>
+            </a:extLst>
+          </p:cNvPr>
+          <p:cNvSpPr>
+            <a:spLocks noGrp="1"/>
+          </p:cNvSpPr>
+          <p:nvPr>
+            <p:ph type="title"/>
+          </p:nvPr>
+        </p:nvSpPr>
+        <p:spPr/>
+        <p:txBody>
+          <a:bodyPr/>
+          <a:lstStyle/>
+          <a:p>
+            <a:r>
+              <a:rPr lang="en-GB" dirty="0"/>
+              <a:t>X11 forwarding</a:t>
+            </a:r>
+          </a:p>
+        </p:txBody>
+      </p:sp>
+      <p:sp>
+        <p:nvSpPr>
+          <p:cNvPr id="3" name="Content Placeholder 2">
+            <a:extLst>
+              <a:ext uri="{FF2B5EF4-FFF2-40B4-BE49-F238E27FC236}">
+                <a16:creationId xmlns:a16="http://schemas.microsoft.com/office/drawing/2014/main" id="{EB3DC56A-B1BD-BBD1-35EE-9733B1F8E1D9}"/>
+              </a:ext>
+            </a:extLst>
+          </p:cNvPr>
+          <p:cNvSpPr>
+            <a:spLocks noGrp="1"/>
+          </p:cNvSpPr>
+          <p:nvPr>
+            <p:ph idx="1"/>
+          </p:nvPr>
+        </p:nvSpPr>
+        <p:spPr>
+          <a:xfrm>
+            <a:off x="529167" y="1484784"/>
+            <a:ext cx="10363200" cy="4325466"/>
+          </a:xfrm>
+        </p:spPr>
+        <p:txBody>
+          <a:bodyPr>
+            <a:noAutofit/>
+          </a:bodyPr>
+          <a:lstStyle/>
+          <a:p>
+            <a:r>
+              <a:rPr lang="en-GB" sz="2400" dirty="0"/>
+              <a:t>You can use X11 forwarding to view applications that produce a GUI (Graphical User Interface)</a:t>
+            </a:r>
+          </a:p>
+          <a:p>
+            <a:r>
+              <a:rPr lang="en-GB" sz="2400" dirty="0"/>
+              <a:t>This is done with the `-X` or `--x11` flags </a:t>
+            </a:r>
+          </a:p>
+          <a:p>
+            <a:r>
+              <a:rPr lang="en-GB" sz="2400" dirty="0"/>
+              <a:t>These flags are needed with both `</a:t>
+            </a:r>
+            <a:r>
+              <a:rPr lang="en-GB" sz="2400" dirty="0" err="1"/>
+              <a:t>srun</a:t>
+            </a:r>
+            <a:r>
+              <a:rPr lang="en-GB" sz="2400" dirty="0"/>
+              <a:t>` and `ssh` commands (will not work in the portal)</a:t>
+            </a:r>
+          </a:p>
+          <a:p>
+            <a:r>
+              <a:rPr lang="en-GB" sz="2400" dirty="0"/>
+              <a:t>RELION - example</a:t>
+            </a:r>
+          </a:p>
+        </p:txBody>
+      </p:sp>
+      <p:grpSp>
+        <p:nvGrpSpPr>
+          <p:cNvPr id="4" name="Group 3">
+            <a:extLst>
+              <a:ext uri="{FF2B5EF4-FFF2-40B4-BE49-F238E27FC236}">
+                <a16:creationId xmlns:a16="http://schemas.microsoft.com/office/drawing/2014/main" id="{F55D6377-3D01-71B5-6ABA-5369F8872B28}"/>
+              </a:ext>
+            </a:extLst>
+          </p:cNvPr>
+          <p:cNvGrpSpPr/>
+          <p:nvPr/>
+        </p:nvGrpSpPr>
+        <p:grpSpPr>
+          <a:xfrm>
+            <a:off x="4215988" y="5793696"/>
+            <a:ext cx="960359" cy="877088"/>
+            <a:chOff x="4215988" y="5793696"/>
+            <a:chExt cx="960359" cy="877088"/>
+          </a:xfrm>
+        </p:grpSpPr>
+        <p:pic>
+          <p:nvPicPr>
+            <p:cNvPr id="5" name="Picture 4" descr="A picture containing schematic&#10;&#10;Description automatically generated">
+              <a:extLst>
+                <a:ext uri="{FF2B5EF4-FFF2-40B4-BE49-F238E27FC236}">
+                  <a16:creationId xmlns:a16="http://schemas.microsoft.com/office/drawing/2014/main" id="{390B20B3-A75E-93D9-8DAD-7A2643F1BC57}"/>
+                </a:ext>
+              </a:extLst>
+            </p:cNvPr>
+            <p:cNvPicPr>
+              <a:picLocks noChangeAspect="1"/>
+            </p:cNvPicPr>
+            <p:nvPr/>
+          </p:nvPicPr>
+          <p:blipFill>
+            <a:blip r:embed="rId2" cstate="print">
+              <a:extLst>
+                <a:ext uri="{28A0092B-C50C-407E-A947-70E740481C1C}">
+                  <a14:useLocalDpi xmlns:a14="http://schemas.microsoft.com/office/drawing/2010/main" val="0"/>
+                </a:ext>
+              </a:extLst>
+            </a:blip>
+            <a:stretch>
+              <a:fillRect/>
+            </a:stretch>
+          </p:blipFill>
+          <p:spPr>
+            <a:xfrm>
+              <a:off x="4299259" y="5793696"/>
+              <a:ext cx="877088" cy="877088"/>
+            </a:xfrm>
+            <a:prstGeom prst="rect">
+              <a:avLst/>
+            </a:prstGeom>
+          </p:spPr>
+        </p:pic>
+        <p:cxnSp>
+          <p:nvCxnSpPr>
+            <p:cNvPr id="6" name="Straight Connector 5">
+              <a:extLst>
+                <a:ext uri="{FF2B5EF4-FFF2-40B4-BE49-F238E27FC236}">
+                  <a16:creationId xmlns:a16="http://schemas.microsoft.com/office/drawing/2014/main" id="{20ECAF2F-115D-5277-CFFF-F9A9A72AD279}"/>
+                </a:ext>
+              </a:extLst>
+            </p:cNvPr>
+            <p:cNvCxnSpPr/>
+            <p:nvPr/>
+          </p:nvCxnSpPr>
+          <p:spPr>
+            <a:xfrm>
+              <a:off x="4215988" y="6033542"/>
+              <a:ext cx="0" cy="359764"/>
+            </a:xfrm>
+            <a:prstGeom prst="line">
+              <a:avLst/>
+            </a:prstGeom>
+            <a:ln>
+              <a:solidFill>
+                <a:schemeClr val="tx1">
+                  <a:lumMod val="75000"/>
+                  <a:lumOff val="25000"/>
+                </a:schemeClr>
+              </a:solidFill>
+            </a:ln>
+          </p:spPr>
+          <p:style>
+            <a:lnRef idx="2">
+              <a:schemeClr val="dk1"/>
+            </a:lnRef>
+            <a:fillRef idx="0">
+              <a:schemeClr val="dk1"/>
+            </a:fillRef>
+            <a:effectRef idx="1">
+              <a:schemeClr val="dk1"/>
+            </a:effectRef>
+            <a:fontRef idx="minor">
+              <a:schemeClr val="tx1"/>
+            </a:fontRef>
+          </p:style>
+        </p:cxnSp>
+      </p:grpSp>
+    </p:spTree>
+    <p:extLst>
+      <p:ext uri="{BB962C8B-B14F-4D97-AF65-F5344CB8AC3E}">
+        <p14:creationId xmlns:p14="http://schemas.microsoft.com/office/powerpoint/2010/main" val="1876321634"/>
+      </p:ext>
+    </p:extLst>
+  </p:cSld>
+  <p:clrMapOvr>
+    <a:masterClrMapping/>
+  </p:clrMapOvr>
+</p:sld>
+</file>
+
+<file path=ppt/slides/slide25.xml><?xml version="1.0" encoding="utf-8"?>
+<p:sld xmlns:a="http://schemas.openxmlformats.org/drawingml/2006/main" xmlns:r="http://schemas.openxmlformats.org/officeDocument/2006/relationships" xmlns:p="http://schemas.openxmlformats.org/presentationml/2006/main" show="0">
   <p:cSld>
     <p:spTree>
       <p:nvGrpSpPr>
@@ -6939,6 +8614,3603 @@
     <p:extLst>
       <p:ext uri="{BB962C8B-B14F-4D97-AF65-F5344CB8AC3E}">
         <p14:creationId xmlns:p14="http://schemas.microsoft.com/office/powerpoint/2010/main" val="3949664652"/>
+      </p:ext>
+    </p:extLst>
+  </p:cSld>
+  <p:clrMapOvr>
+    <a:masterClrMapping/>
+  </p:clrMapOvr>
+</p:sld>
+</file>
+
+<file path=ppt/slides/slide26.xml><?xml version="1.0" encoding="utf-8"?>
+<p:sld xmlns:a="http://schemas.openxmlformats.org/drawingml/2006/main" xmlns:r="http://schemas.openxmlformats.org/officeDocument/2006/relationships" xmlns:p="http://schemas.openxmlformats.org/presentationml/2006/main" show="0">
+  <p:cSld>
+    <p:spTree>
+      <p:nvGrpSpPr>
+        <p:cNvPr id="1" name="">
+          <a:extLst>
+            <a:ext uri="{FF2B5EF4-FFF2-40B4-BE49-F238E27FC236}">
+              <a16:creationId xmlns:a16="http://schemas.microsoft.com/office/drawing/2014/main" id="{0C9F1F5F-1D9E-AA86-4099-F6CDD67F3CDC}"/>
+            </a:ext>
+          </a:extLst>
+        </p:cNvPr>
+        <p:cNvGrpSpPr/>
+        <p:nvPr/>
+      </p:nvGrpSpPr>
+      <p:grpSpPr>
+        <a:xfrm>
+          <a:off x="0" y="0"/>
+          <a:ext cx="0" cy="0"/>
+          <a:chOff x="0" y="0"/>
+          <a:chExt cx="0" cy="0"/>
+        </a:xfrm>
+      </p:grpSpPr>
+      <p:sp>
+        <p:nvSpPr>
+          <p:cNvPr id="2" name="Title 1">
+            <a:extLst>
+              <a:ext uri="{FF2B5EF4-FFF2-40B4-BE49-F238E27FC236}">
+                <a16:creationId xmlns:a16="http://schemas.microsoft.com/office/drawing/2014/main" id="{E18C411B-E14E-A21C-0C62-7BE65C415CF2}"/>
+              </a:ext>
+            </a:extLst>
+          </p:cNvPr>
+          <p:cNvSpPr>
+            <a:spLocks noGrp="1"/>
+          </p:cNvSpPr>
+          <p:nvPr>
+            <p:ph type="title"/>
+          </p:nvPr>
+        </p:nvSpPr>
+        <p:spPr/>
+        <p:txBody>
+          <a:bodyPr/>
+          <a:lstStyle/>
+          <a:p>
+            <a:r>
+              <a:rPr lang="en-GB" dirty="0"/>
+              <a:t>CUDA task – Loading and Compiling</a:t>
+            </a:r>
+          </a:p>
+        </p:txBody>
+      </p:sp>
+      <p:sp>
+        <p:nvSpPr>
+          <p:cNvPr id="3" name="Content Placeholder 2">
+            <a:extLst>
+              <a:ext uri="{FF2B5EF4-FFF2-40B4-BE49-F238E27FC236}">
+                <a16:creationId xmlns:a16="http://schemas.microsoft.com/office/drawing/2014/main" id="{1990250A-9D5E-2BA4-DD5D-D84896876BFB}"/>
+              </a:ext>
+            </a:extLst>
+          </p:cNvPr>
+          <p:cNvSpPr>
+            <a:spLocks noGrp="1"/>
+          </p:cNvSpPr>
+          <p:nvPr>
+            <p:ph idx="1"/>
+          </p:nvPr>
+        </p:nvSpPr>
+        <p:spPr>
+          <a:xfrm>
+            <a:off x="529167" y="1484784"/>
+            <a:ext cx="10363200" cy="4325466"/>
+          </a:xfrm>
+        </p:spPr>
+        <p:txBody>
+          <a:bodyPr>
+            <a:noAutofit/>
+          </a:bodyPr>
+          <a:lstStyle/>
+          <a:p>
+            <a:r>
+              <a:rPr lang="en-GB" sz="2400" dirty="0"/>
+              <a:t>Use module spider CUDA to see all the CUDA versions</a:t>
+            </a:r>
+          </a:p>
+          <a:p>
+            <a:r>
+              <a:rPr lang="en-GB" sz="2400" dirty="0"/>
+              <a:t>We want to load CUDA version …</a:t>
+            </a:r>
+          </a:p>
+          <a:p>
+            <a:r>
+              <a:rPr lang="en-GB" sz="2400" dirty="0"/>
+              <a:t>Navigate cuda-samples-11.6 directory to the transpose directory</a:t>
+            </a:r>
+          </a:p>
+          <a:p>
+            <a:pPr lvl="1"/>
+            <a:r>
+              <a:rPr lang="en-GB" sz="2000" dirty="0"/>
+              <a:t>`cd cuda-samples-11.6/Samples/6_performance/transpose`</a:t>
+            </a:r>
+          </a:p>
+          <a:p>
+            <a:pPr lvl="1"/>
+            <a:r>
+              <a:rPr lang="en-GB" sz="2000" dirty="0"/>
+              <a:t>`</a:t>
+            </a:r>
+            <a:r>
+              <a:rPr lang="en-GB" sz="2000" dirty="0" err="1"/>
+              <a:t>ls`</a:t>
+            </a:r>
+            <a:r>
+              <a:rPr lang="en-GB" sz="2000" dirty="0"/>
+              <a:t> to view contents</a:t>
+            </a:r>
+          </a:p>
+          <a:p>
+            <a:r>
+              <a:rPr lang="en-GB" sz="2400" dirty="0"/>
+              <a:t>Compile with `make` command</a:t>
+            </a:r>
+          </a:p>
+          <a:p>
+            <a:r>
+              <a:rPr lang="en-GB" sz="2400" dirty="0"/>
+              <a:t>Addition of new executable transpose</a:t>
+            </a:r>
+          </a:p>
+          <a:p>
+            <a:endParaRPr lang="en-GB" sz="2400" dirty="0"/>
+          </a:p>
+          <a:p>
+            <a:endParaRPr lang="en-GB" sz="2400" dirty="0"/>
+          </a:p>
+        </p:txBody>
+      </p:sp>
+      <p:grpSp>
+        <p:nvGrpSpPr>
+          <p:cNvPr id="4" name="Group 3">
+            <a:extLst>
+              <a:ext uri="{FF2B5EF4-FFF2-40B4-BE49-F238E27FC236}">
+                <a16:creationId xmlns:a16="http://schemas.microsoft.com/office/drawing/2014/main" id="{38F1B348-D6F2-0727-42BE-28BF6A987F52}"/>
+              </a:ext>
+            </a:extLst>
+          </p:cNvPr>
+          <p:cNvGrpSpPr/>
+          <p:nvPr/>
+        </p:nvGrpSpPr>
+        <p:grpSpPr>
+          <a:xfrm>
+            <a:off x="4215988" y="5793696"/>
+            <a:ext cx="960359" cy="877088"/>
+            <a:chOff x="4215988" y="5793696"/>
+            <a:chExt cx="960359" cy="877088"/>
+          </a:xfrm>
+        </p:grpSpPr>
+        <p:pic>
+          <p:nvPicPr>
+            <p:cNvPr id="5" name="Picture 4" descr="A picture containing schematic&#10;&#10;Description automatically generated">
+              <a:extLst>
+                <a:ext uri="{FF2B5EF4-FFF2-40B4-BE49-F238E27FC236}">
+                  <a16:creationId xmlns:a16="http://schemas.microsoft.com/office/drawing/2014/main" id="{CCBCA1B7-524F-AB92-3B02-1F63E5D2160A}"/>
+                </a:ext>
+              </a:extLst>
+            </p:cNvPr>
+            <p:cNvPicPr>
+              <a:picLocks noChangeAspect="1"/>
+            </p:cNvPicPr>
+            <p:nvPr/>
+          </p:nvPicPr>
+          <p:blipFill>
+            <a:blip r:embed="rId2" cstate="print">
+              <a:extLst>
+                <a:ext uri="{28A0092B-C50C-407E-A947-70E740481C1C}">
+                  <a14:useLocalDpi xmlns:a14="http://schemas.microsoft.com/office/drawing/2010/main" val="0"/>
+                </a:ext>
+              </a:extLst>
+            </a:blip>
+            <a:stretch>
+              <a:fillRect/>
+            </a:stretch>
+          </p:blipFill>
+          <p:spPr>
+            <a:xfrm>
+              <a:off x="4299259" y="5793696"/>
+              <a:ext cx="877088" cy="877088"/>
+            </a:xfrm>
+            <a:prstGeom prst="rect">
+              <a:avLst/>
+            </a:prstGeom>
+          </p:spPr>
+        </p:pic>
+        <p:cxnSp>
+          <p:nvCxnSpPr>
+            <p:cNvPr id="6" name="Straight Connector 5">
+              <a:extLst>
+                <a:ext uri="{FF2B5EF4-FFF2-40B4-BE49-F238E27FC236}">
+                  <a16:creationId xmlns:a16="http://schemas.microsoft.com/office/drawing/2014/main" id="{6ECC87BC-D4A7-859E-CBDF-FE810BF3E4A4}"/>
+                </a:ext>
+              </a:extLst>
+            </p:cNvPr>
+            <p:cNvCxnSpPr/>
+            <p:nvPr/>
+          </p:nvCxnSpPr>
+          <p:spPr>
+            <a:xfrm>
+              <a:off x="4215988" y="6033542"/>
+              <a:ext cx="0" cy="359764"/>
+            </a:xfrm>
+            <a:prstGeom prst="line">
+              <a:avLst/>
+            </a:prstGeom>
+            <a:ln>
+              <a:solidFill>
+                <a:schemeClr val="tx1">
+                  <a:lumMod val="75000"/>
+                  <a:lumOff val="25000"/>
+                </a:schemeClr>
+              </a:solidFill>
+            </a:ln>
+          </p:spPr>
+          <p:style>
+            <a:lnRef idx="2">
+              <a:schemeClr val="dk1"/>
+            </a:lnRef>
+            <a:fillRef idx="0">
+              <a:schemeClr val="dk1"/>
+            </a:fillRef>
+            <a:effectRef idx="1">
+              <a:schemeClr val="dk1"/>
+            </a:effectRef>
+            <a:fontRef idx="minor">
+              <a:schemeClr val="tx1"/>
+            </a:fontRef>
+          </p:style>
+        </p:cxnSp>
+      </p:grpSp>
+    </p:spTree>
+    <p:extLst>
+      <p:ext uri="{BB962C8B-B14F-4D97-AF65-F5344CB8AC3E}">
+        <p14:creationId xmlns:p14="http://schemas.microsoft.com/office/powerpoint/2010/main" val="63526508"/>
+      </p:ext>
+    </p:extLst>
+  </p:cSld>
+  <p:clrMapOvr>
+    <a:masterClrMapping/>
+  </p:clrMapOvr>
+</p:sld>
+</file>
+
+<file path=ppt/slides/slide27.xml><?xml version="1.0" encoding="utf-8"?>
+<p:sld xmlns:a="http://schemas.openxmlformats.org/drawingml/2006/main" xmlns:r="http://schemas.openxmlformats.org/officeDocument/2006/relationships" xmlns:p="http://schemas.openxmlformats.org/presentationml/2006/main" show="0">
+  <p:cSld>
+    <p:spTree>
+      <p:nvGrpSpPr>
+        <p:cNvPr id="1" name="">
+          <a:extLst>
+            <a:ext uri="{FF2B5EF4-FFF2-40B4-BE49-F238E27FC236}">
+              <a16:creationId xmlns:a16="http://schemas.microsoft.com/office/drawing/2014/main" id="{110D0766-A100-3944-F9EF-6543FED45FB8}"/>
+            </a:ext>
+          </a:extLst>
+        </p:cNvPr>
+        <p:cNvGrpSpPr/>
+        <p:nvPr/>
+      </p:nvGrpSpPr>
+      <p:grpSpPr>
+        <a:xfrm>
+          <a:off x="0" y="0"/>
+          <a:ext cx="0" cy="0"/>
+          <a:chOff x="0" y="0"/>
+          <a:chExt cx="0" cy="0"/>
+        </a:xfrm>
+      </p:grpSpPr>
+      <p:sp>
+        <p:nvSpPr>
+          <p:cNvPr id="2" name="Title 1">
+            <a:extLst>
+              <a:ext uri="{FF2B5EF4-FFF2-40B4-BE49-F238E27FC236}">
+                <a16:creationId xmlns:a16="http://schemas.microsoft.com/office/drawing/2014/main" id="{1683E7E4-3596-0582-45B5-EE7119909608}"/>
+              </a:ext>
+            </a:extLst>
+          </p:cNvPr>
+          <p:cNvSpPr>
+            <a:spLocks noGrp="1"/>
+          </p:cNvSpPr>
+          <p:nvPr>
+            <p:ph type="title"/>
+          </p:nvPr>
+        </p:nvSpPr>
+        <p:spPr/>
+        <p:txBody>
+          <a:bodyPr/>
+          <a:lstStyle/>
+          <a:p>
+            <a:r>
+              <a:rPr lang="en-GB" dirty="0"/>
+              <a:t>CUDA task – Obtaining CUDA samples</a:t>
+            </a:r>
+          </a:p>
+        </p:txBody>
+      </p:sp>
+      <p:sp>
+        <p:nvSpPr>
+          <p:cNvPr id="3" name="Content Placeholder 2">
+            <a:extLst>
+              <a:ext uri="{FF2B5EF4-FFF2-40B4-BE49-F238E27FC236}">
+                <a16:creationId xmlns:a16="http://schemas.microsoft.com/office/drawing/2014/main" id="{1C085BCC-D795-0DCD-A1DE-A090A0022FAC}"/>
+              </a:ext>
+            </a:extLst>
+          </p:cNvPr>
+          <p:cNvSpPr>
+            <a:spLocks noGrp="1"/>
+          </p:cNvSpPr>
+          <p:nvPr>
+            <p:ph idx="1"/>
+          </p:nvPr>
+        </p:nvSpPr>
+        <p:spPr>
+          <a:xfrm>
+            <a:off x="529167" y="1484784"/>
+            <a:ext cx="10363200" cy="4325466"/>
+          </a:xfrm>
+        </p:spPr>
+        <p:txBody>
+          <a:bodyPr>
+            <a:noAutofit/>
+          </a:bodyPr>
+          <a:lstStyle/>
+          <a:p>
+            <a:r>
+              <a:rPr lang="en-GB" sz="2400" dirty="0"/>
+              <a:t>CUDA provides a series of examples that cover a wide range of topics</a:t>
+            </a:r>
+          </a:p>
+          <a:p>
+            <a:r>
+              <a:rPr lang="en-GB" sz="2400" dirty="0"/>
+              <a:t>One way to get resources onto Baskerville is via the </a:t>
+            </a:r>
+            <a:r>
+              <a:rPr lang="en-GB" sz="2400" dirty="0" err="1"/>
+              <a:t>wget</a:t>
+            </a:r>
+            <a:r>
+              <a:rPr lang="en-GB" sz="2400" dirty="0"/>
+              <a:t> command</a:t>
+            </a:r>
+          </a:p>
+          <a:p>
+            <a:r>
+              <a:rPr lang="en-GB" sz="2400" dirty="0"/>
+              <a:t>The location of the CUDA samples is: </a:t>
+            </a:r>
+            <a:r>
+              <a:rPr lang="en-GB" sz="2400" dirty="0">
+                <a:hlinkClick r:id="rId2"/>
+              </a:rPr>
+              <a:t>https://github.com/NVIDIA/cuda-samples/archive/refs/tags/v11.6.tar.gz</a:t>
+            </a:r>
+            <a:endParaRPr lang="en-GB" sz="2400" dirty="0"/>
+          </a:p>
+          <a:p>
+            <a:r>
+              <a:rPr lang="en-GB" sz="2400" dirty="0"/>
+              <a:t>Creates a zipped directory in your current directory</a:t>
+            </a:r>
+          </a:p>
+          <a:p>
+            <a:r>
+              <a:rPr lang="en-GB" sz="2400" dirty="0"/>
+              <a:t>Unzip using the tar and </a:t>
+            </a:r>
+            <a:r>
+              <a:rPr lang="en-GB" sz="2400" dirty="0" err="1"/>
+              <a:t>xvf</a:t>
+            </a:r>
+            <a:r>
+              <a:rPr lang="en-GB" sz="2400" dirty="0"/>
+              <a:t> command `tar </a:t>
+            </a:r>
+            <a:r>
+              <a:rPr lang="en-GB" sz="2400" dirty="0" err="1"/>
+              <a:t>xvf</a:t>
+            </a:r>
+            <a:r>
+              <a:rPr lang="en-GB" sz="2400" dirty="0"/>
+              <a:t> v11.6.tar.gz` creates directory cuda-samples-11.6</a:t>
+            </a:r>
+          </a:p>
+          <a:p>
+            <a:pPr lvl="1"/>
+            <a:r>
+              <a:rPr lang="en-GB" sz="2000" dirty="0"/>
+              <a:t>x is extract</a:t>
+            </a:r>
+          </a:p>
+          <a:p>
+            <a:pPr lvl="1"/>
+            <a:r>
+              <a:rPr lang="en-GB" sz="2000" dirty="0"/>
+              <a:t>v  is verbose and will show all the extracted files</a:t>
+            </a:r>
+          </a:p>
+          <a:p>
+            <a:pPr lvl="1"/>
+            <a:r>
+              <a:rPr lang="en-GB" sz="2000" dirty="0"/>
+              <a:t>f is regular file extraction</a:t>
+            </a:r>
+          </a:p>
+          <a:p>
+            <a:r>
+              <a:rPr lang="en-GB" sz="2400" dirty="0"/>
+              <a:t>I have an executable called wget_cuda.sh </a:t>
+            </a:r>
+          </a:p>
+          <a:p>
+            <a:endParaRPr lang="en-GB" sz="2400" dirty="0"/>
+          </a:p>
+        </p:txBody>
+      </p:sp>
+      <p:grpSp>
+        <p:nvGrpSpPr>
+          <p:cNvPr id="4" name="Group 3">
+            <a:extLst>
+              <a:ext uri="{FF2B5EF4-FFF2-40B4-BE49-F238E27FC236}">
+                <a16:creationId xmlns:a16="http://schemas.microsoft.com/office/drawing/2014/main" id="{CE6FAE7E-41D8-04DC-3D04-4F1E60D9286C}"/>
+              </a:ext>
+            </a:extLst>
+          </p:cNvPr>
+          <p:cNvGrpSpPr/>
+          <p:nvPr/>
+        </p:nvGrpSpPr>
+        <p:grpSpPr>
+          <a:xfrm>
+            <a:off x="4215988" y="5793696"/>
+            <a:ext cx="960359" cy="877088"/>
+            <a:chOff x="4215988" y="5793696"/>
+            <a:chExt cx="960359" cy="877088"/>
+          </a:xfrm>
+        </p:grpSpPr>
+        <p:pic>
+          <p:nvPicPr>
+            <p:cNvPr id="5" name="Picture 4" descr="A picture containing schematic&#10;&#10;Description automatically generated">
+              <a:extLst>
+                <a:ext uri="{FF2B5EF4-FFF2-40B4-BE49-F238E27FC236}">
+                  <a16:creationId xmlns:a16="http://schemas.microsoft.com/office/drawing/2014/main" id="{6DA95779-2755-87B7-F69F-B90CECBF2D56}"/>
+                </a:ext>
+              </a:extLst>
+            </p:cNvPr>
+            <p:cNvPicPr>
+              <a:picLocks noChangeAspect="1"/>
+            </p:cNvPicPr>
+            <p:nvPr/>
+          </p:nvPicPr>
+          <p:blipFill>
+            <a:blip r:embed="rId3" cstate="print">
+              <a:extLst>
+                <a:ext uri="{28A0092B-C50C-407E-A947-70E740481C1C}">
+                  <a14:useLocalDpi xmlns:a14="http://schemas.microsoft.com/office/drawing/2010/main" val="0"/>
+                </a:ext>
+              </a:extLst>
+            </a:blip>
+            <a:stretch>
+              <a:fillRect/>
+            </a:stretch>
+          </p:blipFill>
+          <p:spPr>
+            <a:xfrm>
+              <a:off x="4299259" y="5793696"/>
+              <a:ext cx="877088" cy="877088"/>
+            </a:xfrm>
+            <a:prstGeom prst="rect">
+              <a:avLst/>
+            </a:prstGeom>
+          </p:spPr>
+        </p:pic>
+        <p:cxnSp>
+          <p:nvCxnSpPr>
+            <p:cNvPr id="6" name="Straight Connector 5">
+              <a:extLst>
+                <a:ext uri="{FF2B5EF4-FFF2-40B4-BE49-F238E27FC236}">
+                  <a16:creationId xmlns:a16="http://schemas.microsoft.com/office/drawing/2014/main" id="{876376BB-8EE0-D886-7F4E-5BA87AE1F588}"/>
+                </a:ext>
+              </a:extLst>
+            </p:cNvPr>
+            <p:cNvCxnSpPr/>
+            <p:nvPr/>
+          </p:nvCxnSpPr>
+          <p:spPr>
+            <a:xfrm>
+              <a:off x="4215988" y="6033542"/>
+              <a:ext cx="0" cy="359764"/>
+            </a:xfrm>
+            <a:prstGeom prst="line">
+              <a:avLst/>
+            </a:prstGeom>
+            <a:ln>
+              <a:solidFill>
+                <a:schemeClr val="tx1">
+                  <a:lumMod val="75000"/>
+                  <a:lumOff val="25000"/>
+                </a:schemeClr>
+              </a:solidFill>
+            </a:ln>
+          </p:spPr>
+          <p:style>
+            <a:lnRef idx="2">
+              <a:schemeClr val="dk1"/>
+            </a:lnRef>
+            <a:fillRef idx="0">
+              <a:schemeClr val="dk1"/>
+            </a:fillRef>
+            <a:effectRef idx="1">
+              <a:schemeClr val="dk1"/>
+            </a:effectRef>
+            <a:fontRef idx="minor">
+              <a:schemeClr val="tx1"/>
+            </a:fontRef>
+          </p:style>
+        </p:cxnSp>
+      </p:grpSp>
+    </p:spTree>
+    <p:extLst>
+      <p:ext uri="{BB962C8B-B14F-4D97-AF65-F5344CB8AC3E}">
+        <p14:creationId xmlns:p14="http://schemas.microsoft.com/office/powerpoint/2010/main" val="2249396103"/>
+      </p:ext>
+    </p:extLst>
+  </p:cSld>
+  <p:clrMapOvr>
+    <a:masterClrMapping/>
+  </p:clrMapOvr>
+</p:sld>
+</file>
+
+<file path=ppt/slides/slide28.xml><?xml version="1.0" encoding="utf-8"?>
+<p:sld xmlns:a="http://schemas.openxmlformats.org/drawingml/2006/main" xmlns:r="http://schemas.openxmlformats.org/officeDocument/2006/relationships" xmlns:p="http://schemas.openxmlformats.org/presentationml/2006/main" show="0">
+  <p:cSld>
+    <p:spTree>
+      <p:nvGrpSpPr>
+        <p:cNvPr id="1" name="">
+          <a:extLst>
+            <a:ext uri="{FF2B5EF4-FFF2-40B4-BE49-F238E27FC236}">
+              <a16:creationId xmlns:a16="http://schemas.microsoft.com/office/drawing/2014/main" id="{4BB561C9-18F1-EE2A-47E6-E4FFA6C93AE7}"/>
+            </a:ext>
+          </a:extLst>
+        </p:cNvPr>
+        <p:cNvGrpSpPr/>
+        <p:nvPr/>
+      </p:nvGrpSpPr>
+      <p:grpSpPr>
+        <a:xfrm>
+          <a:off x="0" y="0"/>
+          <a:ext cx="0" cy="0"/>
+          <a:chOff x="0" y="0"/>
+          <a:chExt cx="0" cy="0"/>
+        </a:xfrm>
+      </p:grpSpPr>
+      <p:sp>
+        <p:nvSpPr>
+          <p:cNvPr id="2" name="Title 1">
+            <a:extLst>
+              <a:ext uri="{FF2B5EF4-FFF2-40B4-BE49-F238E27FC236}">
+                <a16:creationId xmlns:a16="http://schemas.microsoft.com/office/drawing/2014/main" id="{4BE9DCB7-B8E6-0C40-4264-3E0DFE1D79C2}"/>
+              </a:ext>
+            </a:extLst>
+          </p:cNvPr>
+          <p:cNvSpPr>
+            <a:spLocks noGrp="1"/>
+          </p:cNvSpPr>
+          <p:nvPr>
+            <p:ph type="title"/>
+          </p:nvPr>
+        </p:nvSpPr>
+        <p:spPr/>
+        <p:txBody>
+          <a:bodyPr/>
+          <a:lstStyle/>
+          <a:p>
+            <a:r>
+              <a:rPr lang="en-GB" dirty="0"/>
+              <a:t>CUDA task – </a:t>
+            </a:r>
+            <a:r>
+              <a:rPr lang="en-GB" dirty="0" err="1"/>
+              <a:t>nvidia-smi</a:t>
+            </a:r>
+            <a:endParaRPr lang="en-GB" dirty="0"/>
+          </a:p>
+        </p:txBody>
+      </p:sp>
+      <p:sp>
+        <p:nvSpPr>
+          <p:cNvPr id="3" name="Content Placeholder 2">
+            <a:extLst>
+              <a:ext uri="{FF2B5EF4-FFF2-40B4-BE49-F238E27FC236}">
+                <a16:creationId xmlns:a16="http://schemas.microsoft.com/office/drawing/2014/main" id="{A91DEBD9-59B0-E42A-7484-3DD253248377}"/>
+              </a:ext>
+            </a:extLst>
+          </p:cNvPr>
+          <p:cNvSpPr>
+            <a:spLocks noGrp="1"/>
+          </p:cNvSpPr>
+          <p:nvPr>
+            <p:ph idx="1"/>
+          </p:nvPr>
+        </p:nvSpPr>
+        <p:spPr>
+          <a:xfrm>
+            <a:off x="529167" y="1484784"/>
+            <a:ext cx="10363200" cy="4325466"/>
+          </a:xfrm>
+        </p:spPr>
+        <p:txBody>
+          <a:bodyPr>
+            <a:noAutofit/>
+          </a:bodyPr>
+          <a:lstStyle/>
+          <a:p>
+            <a:r>
+              <a:rPr lang="en-GB" sz="2400" dirty="0"/>
+              <a:t>One pane has the interactive job and the </a:t>
+            </a:r>
+            <a:r>
+              <a:rPr lang="en-GB" sz="2400" dirty="0" err="1"/>
+              <a:t>cuda</a:t>
+            </a:r>
+            <a:r>
+              <a:rPr lang="en-GB" sz="2400" dirty="0"/>
+              <a:t> samples we will navigate to the other pane</a:t>
+            </a:r>
+          </a:p>
+          <a:p>
+            <a:r>
+              <a:rPr lang="en-GB" sz="2400" dirty="0"/>
+              <a:t>We should be on a login node </a:t>
+            </a:r>
+          </a:p>
+          <a:p>
+            <a:pPr lvl="1"/>
+            <a:r>
+              <a:rPr lang="en-GB" sz="2000" dirty="0"/>
+              <a:t>From this pane we will ssh onto the compute node</a:t>
+            </a:r>
+          </a:p>
+          <a:p>
+            <a:pPr lvl="2"/>
+            <a:r>
+              <a:rPr lang="en-GB" sz="1600" dirty="0"/>
+              <a:t>Details should be in the other pane ore we can use the </a:t>
+            </a:r>
+            <a:r>
+              <a:rPr lang="en-GB" sz="1600" dirty="0" err="1"/>
+              <a:t>squeue</a:t>
+            </a:r>
+            <a:r>
+              <a:rPr lang="en-GB" sz="1600" dirty="0"/>
+              <a:t> command to see the compute node</a:t>
+            </a:r>
+          </a:p>
+          <a:p>
+            <a:pPr lvl="1"/>
+            <a:r>
+              <a:rPr lang="en-GB" sz="2000" dirty="0"/>
+              <a:t>`ssh bask-pg030…`</a:t>
+            </a:r>
+          </a:p>
+          <a:p>
+            <a:pPr lvl="1"/>
+            <a:r>
+              <a:rPr lang="en-GB" sz="2000" dirty="0"/>
+              <a:t>We are going to run </a:t>
+            </a:r>
+            <a:r>
+              <a:rPr lang="en-GB" sz="2000" dirty="0" err="1"/>
+              <a:t>nvidia-smi</a:t>
+            </a:r>
+            <a:r>
+              <a:rPr lang="en-GB" sz="2000" dirty="0"/>
+              <a:t> (this will only work on the compute nodes)</a:t>
+            </a:r>
+          </a:p>
+          <a:p>
+            <a:r>
+              <a:rPr lang="en-GB" sz="2400" dirty="0"/>
+              <a:t>Can run `watch -n 1 </a:t>
+            </a:r>
+            <a:r>
+              <a:rPr lang="en-GB" sz="2400" dirty="0" err="1"/>
+              <a:t>nvidia-smi</a:t>
+            </a:r>
+            <a:r>
+              <a:rPr lang="en-GB" sz="2400" dirty="0"/>
+              <a:t>` to keep a continuous 1 second update</a:t>
+            </a:r>
+          </a:p>
+        </p:txBody>
+      </p:sp>
+      <p:grpSp>
+        <p:nvGrpSpPr>
+          <p:cNvPr id="4" name="Group 3">
+            <a:extLst>
+              <a:ext uri="{FF2B5EF4-FFF2-40B4-BE49-F238E27FC236}">
+                <a16:creationId xmlns:a16="http://schemas.microsoft.com/office/drawing/2014/main" id="{5536B2B5-9384-2B3A-15EB-739B10CE2CC8}"/>
+              </a:ext>
+            </a:extLst>
+          </p:cNvPr>
+          <p:cNvGrpSpPr/>
+          <p:nvPr/>
+        </p:nvGrpSpPr>
+        <p:grpSpPr>
+          <a:xfrm>
+            <a:off x="4215988" y="5793696"/>
+            <a:ext cx="960359" cy="877088"/>
+            <a:chOff x="4215988" y="5793696"/>
+            <a:chExt cx="960359" cy="877088"/>
+          </a:xfrm>
+        </p:grpSpPr>
+        <p:pic>
+          <p:nvPicPr>
+            <p:cNvPr id="5" name="Picture 4" descr="A picture containing schematic&#10;&#10;Description automatically generated">
+              <a:extLst>
+                <a:ext uri="{FF2B5EF4-FFF2-40B4-BE49-F238E27FC236}">
+                  <a16:creationId xmlns:a16="http://schemas.microsoft.com/office/drawing/2014/main" id="{1B7363FB-5114-BB8A-98CB-DBAAF89FFF7A}"/>
+                </a:ext>
+              </a:extLst>
+            </p:cNvPr>
+            <p:cNvPicPr>
+              <a:picLocks noChangeAspect="1"/>
+            </p:cNvPicPr>
+            <p:nvPr/>
+          </p:nvPicPr>
+          <p:blipFill>
+            <a:blip r:embed="rId2" cstate="print">
+              <a:extLst>
+                <a:ext uri="{28A0092B-C50C-407E-A947-70E740481C1C}">
+                  <a14:useLocalDpi xmlns:a14="http://schemas.microsoft.com/office/drawing/2010/main" val="0"/>
+                </a:ext>
+              </a:extLst>
+            </a:blip>
+            <a:stretch>
+              <a:fillRect/>
+            </a:stretch>
+          </p:blipFill>
+          <p:spPr>
+            <a:xfrm>
+              <a:off x="4299259" y="5793696"/>
+              <a:ext cx="877088" cy="877088"/>
+            </a:xfrm>
+            <a:prstGeom prst="rect">
+              <a:avLst/>
+            </a:prstGeom>
+          </p:spPr>
+        </p:pic>
+        <p:cxnSp>
+          <p:nvCxnSpPr>
+            <p:cNvPr id="6" name="Straight Connector 5">
+              <a:extLst>
+                <a:ext uri="{FF2B5EF4-FFF2-40B4-BE49-F238E27FC236}">
+                  <a16:creationId xmlns:a16="http://schemas.microsoft.com/office/drawing/2014/main" id="{AF204598-EDCD-BC93-FB7D-F7BA0334D6DC}"/>
+                </a:ext>
+              </a:extLst>
+            </p:cNvPr>
+            <p:cNvCxnSpPr/>
+            <p:nvPr/>
+          </p:nvCxnSpPr>
+          <p:spPr>
+            <a:xfrm>
+              <a:off x="4215988" y="6033542"/>
+              <a:ext cx="0" cy="359764"/>
+            </a:xfrm>
+            <a:prstGeom prst="line">
+              <a:avLst/>
+            </a:prstGeom>
+            <a:ln>
+              <a:solidFill>
+                <a:schemeClr val="tx1">
+                  <a:lumMod val="75000"/>
+                  <a:lumOff val="25000"/>
+                </a:schemeClr>
+              </a:solidFill>
+            </a:ln>
+          </p:spPr>
+          <p:style>
+            <a:lnRef idx="2">
+              <a:schemeClr val="dk1"/>
+            </a:lnRef>
+            <a:fillRef idx="0">
+              <a:schemeClr val="dk1"/>
+            </a:fillRef>
+            <a:effectRef idx="1">
+              <a:schemeClr val="dk1"/>
+            </a:effectRef>
+            <a:fontRef idx="minor">
+              <a:schemeClr val="tx1"/>
+            </a:fontRef>
+          </p:style>
+        </p:cxnSp>
+      </p:grpSp>
+    </p:spTree>
+    <p:extLst>
+      <p:ext uri="{BB962C8B-B14F-4D97-AF65-F5344CB8AC3E}">
+        <p14:creationId xmlns:p14="http://schemas.microsoft.com/office/powerpoint/2010/main" val="1300473661"/>
+      </p:ext>
+    </p:extLst>
+  </p:cSld>
+  <p:clrMapOvr>
+    <a:masterClrMapping/>
+  </p:clrMapOvr>
+</p:sld>
+</file>
+
+<file path=ppt/slides/slide29.xml><?xml version="1.0" encoding="utf-8"?>
+<p:sld xmlns:a="http://schemas.openxmlformats.org/drawingml/2006/main" xmlns:r="http://schemas.openxmlformats.org/officeDocument/2006/relationships" xmlns:p="http://schemas.openxmlformats.org/presentationml/2006/main" show="0">
+  <p:cSld>
+    <p:spTree>
+      <p:nvGrpSpPr>
+        <p:cNvPr id="1" name="">
+          <a:extLst>
+            <a:ext uri="{FF2B5EF4-FFF2-40B4-BE49-F238E27FC236}">
+              <a16:creationId xmlns:a16="http://schemas.microsoft.com/office/drawing/2014/main" id="{6995AAB0-8FF3-8D96-DB7C-D3F69A07D66B}"/>
+            </a:ext>
+          </a:extLst>
+        </p:cNvPr>
+        <p:cNvGrpSpPr/>
+        <p:nvPr/>
+      </p:nvGrpSpPr>
+      <p:grpSpPr>
+        <a:xfrm>
+          <a:off x="0" y="0"/>
+          <a:ext cx="0" cy="0"/>
+          <a:chOff x="0" y="0"/>
+          <a:chExt cx="0" cy="0"/>
+        </a:xfrm>
+      </p:grpSpPr>
+      <p:sp>
+        <p:nvSpPr>
+          <p:cNvPr id="2" name="Title 1">
+            <a:extLst>
+              <a:ext uri="{FF2B5EF4-FFF2-40B4-BE49-F238E27FC236}">
+                <a16:creationId xmlns:a16="http://schemas.microsoft.com/office/drawing/2014/main" id="{66A02C31-BE8D-A9F2-7BA0-D69F6908728B}"/>
+              </a:ext>
+            </a:extLst>
+          </p:cNvPr>
+          <p:cNvSpPr>
+            <a:spLocks noGrp="1"/>
+          </p:cNvSpPr>
+          <p:nvPr>
+            <p:ph type="title"/>
+          </p:nvPr>
+        </p:nvSpPr>
+        <p:spPr>
+          <a:xfrm>
+            <a:off x="914400" y="2857500"/>
+            <a:ext cx="10363200" cy="1143000"/>
+          </a:xfrm>
+        </p:spPr>
+        <p:txBody>
+          <a:bodyPr/>
+          <a:lstStyle/>
+          <a:p>
+            <a:pPr algn="ctr"/>
+            <a:r>
+              <a:rPr lang="en-GB" dirty="0" err="1"/>
+              <a:t>Srun</a:t>
+            </a:r>
+            <a:r>
+              <a:rPr lang="en-GB" dirty="0"/>
+              <a:t> </a:t>
+            </a:r>
+            <a:r>
+              <a:rPr lang="en-GB" dirty="0" err="1"/>
+              <a:t>PyTorch</a:t>
+            </a:r>
+            <a:r>
+              <a:rPr lang="en-GB" dirty="0"/>
+              <a:t> Task</a:t>
+            </a:r>
+          </a:p>
+        </p:txBody>
+      </p:sp>
+      <p:grpSp>
+        <p:nvGrpSpPr>
+          <p:cNvPr id="4" name="Group 3">
+            <a:extLst>
+              <a:ext uri="{FF2B5EF4-FFF2-40B4-BE49-F238E27FC236}">
+                <a16:creationId xmlns:a16="http://schemas.microsoft.com/office/drawing/2014/main" id="{7B714711-3BF9-C61B-BD8D-D8D79B559E26}"/>
+              </a:ext>
+            </a:extLst>
+          </p:cNvPr>
+          <p:cNvGrpSpPr/>
+          <p:nvPr/>
+        </p:nvGrpSpPr>
+        <p:grpSpPr>
+          <a:xfrm>
+            <a:off x="4215988" y="5793696"/>
+            <a:ext cx="960359" cy="877088"/>
+            <a:chOff x="4215988" y="5793696"/>
+            <a:chExt cx="960359" cy="877088"/>
+          </a:xfrm>
+        </p:grpSpPr>
+        <p:pic>
+          <p:nvPicPr>
+            <p:cNvPr id="5" name="Picture 4" descr="A picture containing schematic&#10;&#10;Description automatically generated">
+              <a:extLst>
+                <a:ext uri="{FF2B5EF4-FFF2-40B4-BE49-F238E27FC236}">
+                  <a16:creationId xmlns:a16="http://schemas.microsoft.com/office/drawing/2014/main" id="{6BB3C2C4-A0AA-AF78-56B7-CDCD618B3211}"/>
+                </a:ext>
+              </a:extLst>
+            </p:cNvPr>
+            <p:cNvPicPr>
+              <a:picLocks noChangeAspect="1"/>
+            </p:cNvPicPr>
+            <p:nvPr/>
+          </p:nvPicPr>
+          <p:blipFill>
+            <a:blip r:embed="rId2" cstate="print">
+              <a:extLst>
+                <a:ext uri="{28A0092B-C50C-407E-A947-70E740481C1C}">
+                  <a14:useLocalDpi xmlns:a14="http://schemas.microsoft.com/office/drawing/2010/main" val="0"/>
+                </a:ext>
+              </a:extLst>
+            </a:blip>
+            <a:stretch>
+              <a:fillRect/>
+            </a:stretch>
+          </p:blipFill>
+          <p:spPr>
+            <a:xfrm>
+              <a:off x="4299259" y="5793696"/>
+              <a:ext cx="877088" cy="877088"/>
+            </a:xfrm>
+            <a:prstGeom prst="rect">
+              <a:avLst/>
+            </a:prstGeom>
+          </p:spPr>
+        </p:pic>
+        <p:cxnSp>
+          <p:nvCxnSpPr>
+            <p:cNvPr id="6" name="Straight Connector 5">
+              <a:extLst>
+                <a:ext uri="{FF2B5EF4-FFF2-40B4-BE49-F238E27FC236}">
+                  <a16:creationId xmlns:a16="http://schemas.microsoft.com/office/drawing/2014/main" id="{4F25A5D3-874F-3D69-60D5-CAF9AA9587F5}"/>
+                </a:ext>
+              </a:extLst>
+            </p:cNvPr>
+            <p:cNvCxnSpPr/>
+            <p:nvPr/>
+          </p:nvCxnSpPr>
+          <p:spPr>
+            <a:xfrm>
+              <a:off x="4215988" y="6033542"/>
+              <a:ext cx="0" cy="359764"/>
+            </a:xfrm>
+            <a:prstGeom prst="line">
+              <a:avLst/>
+            </a:prstGeom>
+            <a:ln>
+              <a:solidFill>
+                <a:schemeClr val="tx1">
+                  <a:lumMod val="75000"/>
+                  <a:lumOff val="25000"/>
+                </a:schemeClr>
+              </a:solidFill>
+            </a:ln>
+          </p:spPr>
+          <p:style>
+            <a:lnRef idx="2">
+              <a:schemeClr val="dk1"/>
+            </a:lnRef>
+            <a:fillRef idx="0">
+              <a:schemeClr val="dk1"/>
+            </a:fillRef>
+            <a:effectRef idx="1">
+              <a:schemeClr val="dk1"/>
+            </a:effectRef>
+            <a:fontRef idx="minor">
+              <a:schemeClr val="tx1"/>
+            </a:fontRef>
+          </p:style>
+        </p:cxnSp>
+      </p:grpSp>
+    </p:spTree>
+    <p:extLst>
+      <p:ext uri="{BB962C8B-B14F-4D97-AF65-F5344CB8AC3E}">
+        <p14:creationId xmlns:p14="http://schemas.microsoft.com/office/powerpoint/2010/main" val="4209593350"/>
+      </p:ext>
+    </p:extLst>
+  </p:cSld>
+  <p:clrMapOvr>
+    <a:masterClrMapping/>
+  </p:clrMapOvr>
+</p:sld>
+</file>
+
+<file path=ppt/slides/slide3.xml><?xml version="1.0" encoding="utf-8"?>
+<p:sld xmlns:a="http://schemas.openxmlformats.org/drawingml/2006/main" xmlns:r="http://schemas.openxmlformats.org/officeDocument/2006/relationships" xmlns:p="http://schemas.openxmlformats.org/presentationml/2006/main">
+  <p:cSld>
+    <p:spTree>
+      <p:nvGrpSpPr>
+        <p:cNvPr id="1" name="">
+          <a:extLst>
+            <a:ext uri="{FF2B5EF4-FFF2-40B4-BE49-F238E27FC236}">
+              <a16:creationId xmlns:a16="http://schemas.microsoft.com/office/drawing/2014/main" id="{3723E40E-1226-FDD5-85DE-C3C0A30A65D6}"/>
+            </a:ext>
+          </a:extLst>
+        </p:cNvPr>
+        <p:cNvGrpSpPr/>
+        <p:nvPr/>
+      </p:nvGrpSpPr>
+      <p:grpSpPr>
+        <a:xfrm>
+          <a:off x="0" y="0"/>
+          <a:ext cx="0" cy="0"/>
+          <a:chOff x="0" y="0"/>
+          <a:chExt cx="0" cy="0"/>
+        </a:xfrm>
+      </p:grpSpPr>
+      <p:sp>
+        <p:nvSpPr>
+          <p:cNvPr id="2" name="Title 1">
+            <a:extLst>
+              <a:ext uri="{FF2B5EF4-FFF2-40B4-BE49-F238E27FC236}">
+                <a16:creationId xmlns:a16="http://schemas.microsoft.com/office/drawing/2014/main" id="{C5FD7492-E833-02A4-EBB6-777DE14E4F92}"/>
+              </a:ext>
+            </a:extLst>
+          </p:cNvPr>
+          <p:cNvSpPr>
+            <a:spLocks noGrp="1"/>
+          </p:cNvSpPr>
+          <p:nvPr>
+            <p:ph type="title"/>
+          </p:nvPr>
+        </p:nvSpPr>
+        <p:spPr>
+          <a:xfrm>
+            <a:off x="529167" y="457622"/>
+            <a:ext cx="10363200" cy="1143000"/>
+          </a:xfrm>
+        </p:spPr>
+        <p:txBody>
+          <a:bodyPr/>
+          <a:lstStyle/>
+          <a:p>
+            <a:r>
+              <a:rPr lang="en-GB" dirty="0"/>
+              <a:t>Why Interactive jobs</a:t>
+            </a:r>
+          </a:p>
+        </p:txBody>
+      </p:sp>
+      <p:sp>
+        <p:nvSpPr>
+          <p:cNvPr id="3" name="Content Placeholder 2">
+            <a:extLst>
+              <a:ext uri="{FF2B5EF4-FFF2-40B4-BE49-F238E27FC236}">
+                <a16:creationId xmlns:a16="http://schemas.microsoft.com/office/drawing/2014/main" id="{4AF82E55-508E-CFCC-A0C9-77818B8E2B45}"/>
+              </a:ext>
+            </a:extLst>
+          </p:cNvPr>
+          <p:cNvSpPr>
+            <a:spLocks noGrp="1"/>
+          </p:cNvSpPr>
+          <p:nvPr>
+            <p:ph idx="1"/>
+          </p:nvPr>
+        </p:nvSpPr>
+        <p:spPr>
+          <a:xfrm>
+            <a:off x="529167" y="1484784"/>
+            <a:ext cx="10363200" cy="4325466"/>
+          </a:xfrm>
+        </p:spPr>
+        <p:txBody>
+          <a:bodyPr>
+            <a:noAutofit/>
+          </a:bodyPr>
+          <a:lstStyle/>
+          <a:p>
+            <a:r>
+              <a:rPr lang="en-GB" dirty="0"/>
+              <a:t>Batch jobs submit and leave interactive are attend and act</a:t>
+            </a:r>
+          </a:p>
+          <a:p>
+            <a:r>
+              <a:rPr lang="en-GB" dirty="0"/>
+              <a:t>Interactive jobs allow you to work on a compute node great for:</a:t>
+            </a:r>
+          </a:p>
+          <a:p>
+            <a:pPr lvl="1"/>
+            <a:r>
+              <a:rPr lang="en-GB" dirty="0"/>
+              <a:t>Monitoring running jobs</a:t>
+            </a:r>
+          </a:p>
+          <a:p>
+            <a:pPr lvl="1"/>
+            <a:r>
+              <a:rPr lang="en-GB" dirty="0"/>
+              <a:t>GUI applications</a:t>
+            </a:r>
+          </a:p>
+          <a:p>
+            <a:pPr lvl="1"/>
+            <a:r>
+              <a:rPr lang="en-GB" dirty="0"/>
+              <a:t>Building software</a:t>
+            </a:r>
+          </a:p>
+          <a:p>
+            <a:pPr lvl="1"/>
+            <a:r>
+              <a:rPr lang="en-GB" dirty="0"/>
+              <a:t>Debugging:</a:t>
+            </a:r>
+          </a:p>
+          <a:p>
+            <a:pPr lvl="2"/>
+            <a:r>
+              <a:rPr lang="en-GB" dirty="0"/>
+              <a:t>Power usage</a:t>
+            </a:r>
+          </a:p>
+          <a:p>
+            <a:pPr lvl="2"/>
+            <a:r>
+              <a:rPr lang="en-GB" dirty="0"/>
+              <a:t>Memory usage</a:t>
+            </a:r>
+          </a:p>
+          <a:p>
+            <a:pPr lvl="2"/>
+            <a:r>
+              <a:rPr lang="en-GB" dirty="0"/>
+              <a:t>General code testing and analysis</a:t>
+            </a:r>
+          </a:p>
+        </p:txBody>
+      </p:sp>
+      <p:grpSp>
+        <p:nvGrpSpPr>
+          <p:cNvPr id="4" name="Group 3">
+            <a:extLst>
+              <a:ext uri="{FF2B5EF4-FFF2-40B4-BE49-F238E27FC236}">
+                <a16:creationId xmlns:a16="http://schemas.microsoft.com/office/drawing/2014/main" id="{487B0D9E-3E95-BC09-160B-F4722D5D759D}"/>
+              </a:ext>
+            </a:extLst>
+          </p:cNvPr>
+          <p:cNvGrpSpPr/>
+          <p:nvPr/>
+        </p:nvGrpSpPr>
+        <p:grpSpPr>
+          <a:xfrm>
+            <a:off x="4215988" y="5793696"/>
+            <a:ext cx="960359" cy="877088"/>
+            <a:chOff x="4215988" y="5793696"/>
+            <a:chExt cx="960359" cy="877088"/>
+          </a:xfrm>
+        </p:grpSpPr>
+        <p:pic>
+          <p:nvPicPr>
+            <p:cNvPr id="5" name="Picture 4" descr="A picture containing schematic&#10;&#10;Description automatically generated">
+              <a:extLst>
+                <a:ext uri="{FF2B5EF4-FFF2-40B4-BE49-F238E27FC236}">
+                  <a16:creationId xmlns:a16="http://schemas.microsoft.com/office/drawing/2014/main" id="{BF7FE65B-6CA1-CEE6-5AF5-78389F976C6B}"/>
+                </a:ext>
+              </a:extLst>
+            </p:cNvPr>
+            <p:cNvPicPr>
+              <a:picLocks noChangeAspect="1"/>
+            </p:cNvPicPr>
+            <p:nvPr/>
+          </p:nvPicPr>
+          <p:blipFill>
+            <a:blip r:embed="rId2" cstate="print">
+              <a:extLst>
+                <a:ext uri="{28A0092B-C50C-407E-A947-70E740481C1C}">
+                  <a14:useLocalDpi xmlns:a14="http://schemas.microsoft.com/office/drawing/2010/main" val="0"/>
+                </a:ext>
+              </a:extLst>
+            </a:blip>
+            <a:stretch>
+              <a:fillRect/>
+            </a:stretch>
+          </p:blipFill>
+          <p:spPr>
+            <a:xfrm>
+              <a:off x="4299259" y="5793696"/>
+              <a:ext cx="877088" cy="877088"/>
+            </a:xfrm>
+            <a:prstGeom prst="rect">
+              <a:avLst/>
+            </a:prstGeom>
+          </p:spPr>
+        </p:pic>
+        <p:cxnSp>
+          <p:nvCxnSpPr>
+            <p:cNvPr id="6" name="Straight Connector 5">
+              <a:extLst>
+                <a:ext uri="{FF2B5EF4-FFF2-40B4-BE49-F238E27FC236}">
+                  <a16:creationId xmlns:a16="http://schemas.microsoft.com/office/drawing/2014/main" id="{587C17DA-D90E-CC7F-D5A9-5F0EC032EC15}"/>
+                </a:ext>
+              </a:extLst>
+            </p:cNvPr>
+            <p:cNvCxnSpPr/>
+            <p:nvPr/>
+          </p:nvCxnSpPr>
+          <p:spPr>
+            <a:xfrm>
+              <a:off x="4215988" y="6033542"/>
+              <a:ext cx="0" cy="359764"/>
+            </a:xfrm>
+            <a:prstGeom prst="line">
+              <a:avLst/>
+            </a:prstGeom>
+            <a:ln>
+              <a:solidFill>
+                <a:schemeClr val="tx1">
+                  <a:lumMod val="75000"/>
+                  <a:lumOff val="25000"/>
+                </a:schemeClr>
+              </a:solidFill>
+            </a:ln>
+          </p:spPr>
+          <p:style>
+            <a:lnRef idx="2">
+              <a:schemeClr val="dk1"/>
+            </a:lnRef>
+            <a:fillRef idx="0">
+              <a:schemeClr val="dk1"/>
+            </a:fillRef>
+            <a:effectRef idx="1">
+              <a:schemeClr val="dk1"/>
+            </a:effectRef>
+            <a:fontRef idx="minor">
+              <a:schemeClr val="tx1"/>
+            </a:fontRef>
+          </p:style>
+        </p:cxnSp>
+      </p:grpSp>
+    </p:spTree>
+    <p:extLst>
+      <p:ext uri="{BB962C8B-B14F-4D97-AF65-F5344CB8AC3E}">
+        <p14:creationId xmlns:p14="http://schemas.microsoft.com/office/powerpoint/2010/main" val="2275715592"/>
+      </p:ext>
+    </p:extLst>
+  </p:cSld>
+  <p:clrMapOvr>
+    <a:masterClrMapping/>
+  </p:clrMapOvr>
+</p:sld>
+</file>
+
+<file path=ppt/slides/slide30.xml><?xml version="1.0" encoding="utf-8"?>
+<p:sld xmlns:a="http://schemas.openxmlformats.org/drawingml/2006/main" xmlns:r="http://schemas.openxmlformats.org/officeDocument/2006/relationships" xmlns:p="http://schemas.openxmlformats.org/presentationml/2006/main" show="0">
+  <p:cSld>
+    <p:spTree>
+      <p:nvGrpSpPr>
+        <p:cNvPr id="1" name="">
+          <a:extLst>
+            <a:ext uri="{FF2B5EF4-FFF2-40B4-BE49-F238E27FC236}">
+              <a16:creationId xmlns:a16="http://schemas.microsoft.com/office/drawing/2014/main" id="{40D3BC5C-BF2B-D262-2218-60EAF7F8B2DD}"/>
+            </a:ext>
+          </a:extLst>
+        </p:cNvPr>
+        <p:cNvGrpSpPr/>
+        <p:nvPr/>
+      </p:nvGrpSpPr>
+      <p:grpSpPr>
+        <a:xfrm>
+          <a:off x="0" y="0"/>
+          <a:ext cx="0" cy="0"/>
+          <a:chOff x="0" y="0"/>
+          <a:chExt cx="0" cy="0"/>
+        </a:xfrm>
+      </p:grpSpPr>
+      <p:sp>
+        <p:nvSpPr>
+          <p:cNvPr id="2" name="Title 1">
+            <a:extLst>
+              <a:ext uri="{FF2B5EF4-FFF2-40B4-BE49-F238E27FC236}">
+                <a16:creationId xmlns:a16="http://schemas.microsoft.com/office/drawing/2014/main" id="{86E784E6-D66A-273F-C3B6-930D65A54C10}"/>
+              </a:ext>
+            </a:extLst>
+          </p:cNvPr>
+          <p:cNvSpPr>
+            <a:spLocks noGrp="1"/>
+          </p:cNvSpPr>
+          <p:nvPr>
+            <p:ph type="title"/>
+          </p:nvPr>
+        </p:nvSpPr>
+        <p:spPr/>
+        <p:txBody>
+          <a:bodyPr/>
+          <a:lstStyle/>
+          <a:p>
+            <a:r>
+              <a:rPr lang="en-GB" dirty="0" err="1"/>
+              <a:t>Srun</a:t>
+            </a:r>
+            <a:r>
+              <a:rPr lang="en-GB" dirty="0"/>
+              <a:t> </a:t>
+            </a:r>
+            <a:r>
+              <a:rPr lang="en-GB" dirty="0" err="1"/>
+              <a:t>PyTorch</a:t>
+            </a:r>
+            <a:r>
+              <a:rPr lang="en-GB" dirty="0"/>
+              <a:t> Task</a:t>
+            </a:r>
+          </a:p>
+        </p:txBody>
+      </p:sp>
+      <p:sp>
+        <p:nvSpPr>
+          <p:cNvPr id="3" name="Content Placeholder 2">
+            <a:extLst>
+              <a:ext uri="{FF2B5EF4-FFF2-40B4-BE49-F238E27FC236}">
+                <a16:creationId xmlns:a16="http://schemas.microsoft.com/office/drawing/2014/main" id="{AC61E237-5AE4-1BD5-7524-01FE83AD3B9E}"/>
+              </a:ext>
+            </a:extLst>
+          </p:cNvPr>
+          <p:cNvSpPr>
+            <a:spLocks noGrp="1"/>
+          </p:cNvSpPr>
+          <p:nvPr>
+            <p:ph idx="1"/>
+          </p:nvPr>
+        </p:nvSpPr>
+        <p:spPr>
+          <a:xfrm>
+            <a:off x="529167" y="1484784"/>
+            <a:ext cx="10363200" cy="4325466"/>
+          </a:xfrm>
+        </p:spPr>
+        <p:txBody>
+          <a:bodyPr>
+            <a:noAutofit/>
+          </a:bodyPr>
+          <a:lstStyle/>
+          <a:p>
+            <a:r>
+              <a:rPr lang="en-GB" sz="2400" dirty="0"/>
+              <a:t>Examine and run script to install via pip test-</a:t>
+            </a:r>
+            <a:r>
+              <a:rPr lang="en-GB" sz="2400" dirty="0" err="1"/>
+              <a:t>pytorch</a:t>
+            </a:r>
+            <a:r>
+              <a:rPr lang="en-GB" sz="2400" dirty="0"/>
+              <a:t>-</a:t>
+            </a:r>
+            <a:r>
+              <a:rPr lang="en-GB" sz="2400" dirty="0" err="1"/>
+              <a:t>gpu</a:t>
+            </a:r>
+            <a:r>
+              <a:rPr lang="en-GB" sz="2400" dirty="0"/>
+              <a:t> </a:t>
+            </a:r>
+            <a:r>
+              <a:rPr lang="en-GB" sz="2400" dirty="0">
+                <a:hlinkClick r:id="rId2"/>
+              </a:rPr>
+              <a:t>https://pypi.org/project/test-pytorch-gpu/</a:t>
+            </a:r>
+            <a:r>
+              <a:rPr lang="en-GB" sz="2400" dirty="0"/>
+              <a:t> via a python virtual environment</a:t>
+            </a:r>
+          </a:p>
+          <a:p>
+            <a:r>
+              <a:rPr lang="en-GB" sz="2400" dirty="0"/>
+              <a:t>This can be used to test user installed versions of </a:t>
+            </a:r>
+            <a:r>
+              <a:rPr lang="en-GB" sz="2400" dirty="0" err="1"/>
+              <a:t>PyTorch</a:t>
+            </a:r>
+            <a:r>
+              <a:rPr lang="en-GB" sz="2400" dirty="0"/>
+              <a:t>, we will be checking our modules</a:t>
+            </a:r>
+          </a:p>
+          <a:p>
+            <a:r>
+              <a:rPr lang="en-GB" sz="2400" dirty="0"/>
+              <a:t>Runs against the </a:t>
+            </a:r>
+            <a:r>
+              <a:rPr lang="en-GB" sz="2400" dirty="0" err="1"/>
+              <a:t>cifar</a:t>
+            </a:r>
+            <a:r>
+              <a:rPr lang="en-GB" sz="2400" dirty="0"/>
+              <a:t> dataset for 10 epochs, we will modify this code to run longer so we can examine the effects with </a:t>
+            </a:r>
+            <a:r>
+              <a:rPr lang="en-GB" sz="1800" dirty="0" err="1">
+                <a:latin typeface="Courier New" panose="02070309020205020404" pitchFamily="49" charset="0"/>
+                <a:cs typeface="Courier New" panose="02070309020205020404" pitchFamily="49" charset="0"/>
+              </a:rPr>
+              <a:t>nvidia-smi</a:t>
+            </a:r>
+            <a:endParaRPr lang="en-GB" sz="2400" dirty="0">
+              <a:latin typeface="Courier New" panose="02070309020205020404" pitchFamily="49" charset="0"/>
+              <a:cs typeface="Courier New" panose="02070309020205020404" pitchFamily="49" charset="0"/>
+            </a:endParaRPr>
+          </a:p>
+        </p:txBody>
+      </p:sp>
+      <p:grpSp>
+        <p:nvGrpSpPr>
+          <p:cNvPr id="4" name="Group 3">
+            <a:extLst>
+              <a:ext uri="{FF2B5EF4-FFF2-40B4-BE49-F238E27FC236}">
+                <a16:creationId xmlns:a16="http://schemas.microsoft.com/office/drawing/2014/main" id="{586919D8-ED76-1AAA-E9DE-6D340321BDB3}"/>
+              </a:ext>
+            </a:extLst>
+          </p:cNvPr>
+          <p:cNvGrpSpPr/>
+          <p:nvPr/>
+        </p:nvGrpSpPr>
+        <p:grpSpPr>
+          <a:xfrm>
+            <a:off x="4215988" y="5793696"/>
+            <a:ext cx="960359" cy="877088"/>
+            <a:chOff x="4215988" y="5793696"/>
+            <a:chExt cx="960359" cy="877088"/>
+          </a:xfrm>
+        </p:grpSpPr>
+        <p:pic>
+          <p:nvPicPr>
+            <p:cNvPr id="5" name="Picture 4" descr="A picture containing schematic&#10;&#10;Description automatically generated">
+              <a:extLst>
+                <a:ext uri="{FF2B5EF4-FFF2-40B4-BE49-F238E27FC236}">
+                  <a16:creationId xmlns:a16="http://schemas.microsoft.com/office/drawing/2014/main" id="{637CBBCA-7146-9E6D-991B-C5EB7C4C2E0C}"/>
+                </a:ext>
+              </a:extLst>
+            </p:cNvPr>
+            <p:cNvPicPr>
+              <a:picLocks noChangeAspect="1"/>
+            </p:cNvPicPr>
+            <p:nvPr/>
+          </p:nvPicPr>
+          <p:blipFill>
+            <a:blip r:embed="rId3" cstate="print">
+              <a:extLst>
+                <a:ext uri="{28A0092B-C50C-407E-A947-70E740481C1C}">
+                  <a14:useLocalDpi xmlns:a14="http://schemas.microsoft.com/office/drawing/2010/main" val="0"/>
+                </a:ext>
+              </a:extLst>
+            </a:blip>
+            <a:stretch>
+              <a:fillRect/>
+            </a:stretch>
+          </p:blipFill>
+          <p:spPr>
+            <a:xfrm>
+              <a:off x="4299259" y="5793696"/>
+              <a:ext cx="877088" cy="877088"/>
+            </a:xfrm>
+            <a:prstGeom prst="rect">
+              <a:avLst/>
+            </a:prstGeom>
+          </p:spPr>
+        </p:pic>
+        <p:cxnSp>
+          <p:nvCxnSpPr>
+            <p:cNvPr id="6" name="Straight Connector 5">
+              <a:extLst>
+                <a:ext uri="{FF2B5EF4-FFF2-40B4-BE49-F238E27FC236}">
+                  <a16:creationId xmlns:a16="http://schemas.microsoft.com/office/drawing/2014/main" id="{AADB14E2-6776-CFE5-9102-EEBCF2FC941C}"/>
+                </a:ext>
+              </a:extLst>
+            </p:cNvPr>
+            <p:cNvCxnSpPr/>
+            <p:nvPr/>
+          </p:nvCxnSpPr>
+          <p:spPr>
+            <a:xfrm>
+              <a:off x="4215988" y="6033542"/>
+              <a:ext cx="0" cy="359764"/>
+            </a:xfrm>
+            <a:prstGeom prst="line">
+              <a:avLst/>
+            </a:prstGeom>
+            <a:ln>
+              <a:solidFill>
+                <a:schemeClr val="tx1">
+                  <a:lumMod val="75000"/>
+                  <a:lumOff val="25000"/>
+                </a:schemeClr>
+              </a:solidFill>
+            </a:ln>
+          </p:spPr>
+          <p:style>
+            <a:lnRef idx="2">
+              <a:schemeClr val="dk1"/>
+            </a:lnRef>
+            <a:fillRef idx="0">
+              <a:schemeClr val="dk1"/>
+            </a:fillRef>
+            <a:effectRef idx="1">
+              <a:schemeClr val="dk1"/>
+            </a:effectRef>
+            <a:fontRef idx="minor">
+              <a:schemeClr val="tx1"/>
+            </a:fontRef>
+          </p:style>
+        </p:cxnSp>
+      </p:grpSp>
+    </p:spTree>
+    <p:extLst>
+      <p:ext uri="{BB962C8B-B14F-4D97-AF65-F5344CB8AC3E}">
+        <p14:creationId xmlns:p14="http://schemas.microsoft.com/office/powerpoint/2010/main" val="2159222013"/>
+      </p:ext>
+    </p:extLst>
+  </p:cSld>
+  <p:clrMapOvr>
+    <a:masterClrMapping/>
+  </p:clrMapOvr>
+</p:sld>
+</file>
+
+<file path=ppt/slides/slide31.xml><?xml version="1.0" encoding="utf-8"?>
+<p:sld xmlns:a="http://schemas.openxmlformats.org/drawingml/2006/main" xmlns:r="http://schemas.openxmlformats.org/officeDocument/2006/relationships" xmlns:p="http://schemas.openxmlformats.org/presentationml/2006/main" show="0">
+  <p:cSld>
+    <p:spTree>
+      <p:nvGrpSpPr>
+        <p:cNvPr id="1" name="">
+          <a:extLst>
+            <a:ext uri="{FF2B5EF4-FFF2-40B4-BE49-F238E27FC236}">
+              <a16:creationId xmlns:a16="http://schemas.microsoft.com/office/drawing/2014/main" id="{30540CFF-EDEF-6A91-6B92-5AFA9955C6C8}"/>
+            </a:ext>
+          </a:extLst>
+        </p:cNvPr>
+        <p:cNvGrpSpPr/>
+        <p:nvPr/>
+      </p:nvGrpSpPr>
+      <p:grpSpPr>
+        <a:xfrm>
+          <a:off x="0" y="0"/>
+          <a:ext cx="0" cy="0"/>
+          <a:chOff x="0" y="0"/>
+          <a:chExt cx="0" cy="0"/>
+        </a:xfrm>
+      </p:grpSpPr>
+      <p:sp>
+        <p:nvSpPr>
+          <p:cNvPr id="2" name="Title 1">
+            <a:extLst>
+              <a:ext uri="{FF2B5EF4-FFF2-40B4-BE49-F238E27FC236}">
+                <a16:creationId xmlns:a16="http://schemas.microsoft.com/office/drawing/2014/main" id="{632893CF-5D60-2A0E-FF94-A3653B938B7D}"/>
+              </a:ext>
+            </a:extLst>
+          </p:cNvPr>
+          <p:cNvSpPr>
+            <a:spLocks noGrp="1"/>
+          </p:cNvSpPr>
+          <p:nvPr>
+            <p:ph type="title"/>
+          </p:nvPr>
+        </p:nvSpPr>
+        <p:spPr>
+          <a:xfrm>
+            <a:off x="914400" y="2857500"/>
+            <a:ext cx="10363200" cy="1143000"/>
+          </a:xfrm>
+        </p:spPr>
+        <p:txBody>
+          <a:bodyPr/>
+          <a:lstStyle/>
+          <a:p>
+            <a:pPr algn="ctr"/>
+            <a:r>
+              <a:rPr lang="en-GB" dirty="0"/>
+              <a:t>X11 forwarding</a:t>
+            </a:r>
+          </a:p>
+        </p:txBody>
+      </p:sp>
+      <p:grpSp>
+        <p:nvGrpSpPr>
+          <p:cNvPr id="4" name="Group 3">
+            <a:extLst>
+              <a:ext uri="{FF2B5EF4-FFF2-40B4-BE49-F238E27FC236}">
+                <a16:creationId xmlns:a16="http://schemas.microsoft.com/office/drawing/2014/main" id="{D2076C62-75C1-137C-4272-B1BDAD441140}"/>
+              </a:ext>
+            </a:extLst>
+          </p:cNvPr>
+          <p:cNvGrpSpPr/>
+          <p:nvPr/>
+        </p:nvGrpSpPr>
+        <p:grpSpPr>
+          <a:xfrm>
+            <a:off x="4215988" y="5793696"/>
+            <a:ext cx="960359" cy="877088"/>
+            <a:chOff x="4215988" y="5793696"/>
+            <a:chExt cx="960359" cy="877088"/>
+          </a:xfrm>
+        </p:grpSpPr>
+        <p:pic>
+          <p:nvPicPr>
+            <p:cNvPr id="5" name="Picture 4" descr="A picture containing schematic&#10;&#10;Description automatically generated">
+              <a:extLst>
+                <a:ext uri="{FF2B5EF4-FFF2-40B4-BE49-F238E27FC236}">
+                  <a16:creationId xmlns:a16="http://schemas.microsoft.com/office/drawing/2014/main" id="{FE3F0B51-F594-3604-8553-BC0D72D64D02}"/>
+                </a:ext>
+              </a:extLst>
+            </p:cNvPr>
+            <p:cNvPicPr>
+              <a:picLocks noChangeAspect="1"/>
+            </p:cNvPicPr>
+            <p:nvPr/>
+          </p:nvPicPr>
+          <p:blipFill>
+            <a:blip r:embed="rId2" cstate="print">
+              <a:extLst>
+                <a:ext uri="{28A0092B-C50C-407E-A947-70E740481C1C}">
+                  <a14:useLocalDpi xmlns:a14="http://schemas.microsoft.com/office/drawing/2010/main" val="0"/>
+                </a:ext>
+              </a:extLst>
+            </a:blip>
+            <a:stretch>
+              <a:fillRect/>
+            </a:stretch>
+          </p:blipFill>
+          <p:spPr>
+            <a:xfrm>
+              <a:off x="4299259" y="5793696"/>
+              <a:ext cx="877088" cy="877088"/>
+            </a:xfrm>
+            <a:prstGeom prst="rect">
+              <a:avLst/>
+            </a:prstGeom>
+          </p:spPr>
+        </p:pic>
+        <p:cxnSp>
+          <p:nvCxnSpPr>
+            <p:cNvPr id="6" name="Straight Connector 5">
+              <a:extLst>
+                <a:ext uri="{FF2B5EF4-FFF2-40B4-BE49-F238E27FC236}">
+                  <a16:creationId xmlns:a16="http://schemas.microsoft.com/office/drawing/2014/main" id="{CC25A998-E77E-CD3B-1129-085371F2AA27}"/>
+                </a:ext>
+              </a:extLst>
+            </p:cNvPr>
+            <p:cNvCxnSpPr/>
+            <p:nvPr/>
+          </p:nvCxnSpPr>
+          <p:spPr>
+            <a:xfrm>
+              <a:off x="4215988" y="6033542"/>
+              <a:ext cx="0" cy="359764"/>
+            </a:xfrm>
+            <a:prstGeom prst="line">
+              <a:avLst/>
+            </a:prstGeom>
+            <a:ln>
+              <a:solidFill>
+                <a:schemeClr val="tx1">
+                  <a:lumMod val="75000"/>
+                  <a:lumOff val="25000"/>
+                </a:schemeClr>
+              </a:solidFill>
+            </a:ln>
+          </p:spPr>
+          <p:style>
+            <a:lnRef idx="2">
+              <a:schemeClr val="dk1"/>
+            </a:lnRef>
+            <a:fillRef idx="0">
+              <a:schemeClr val="dk1"/>
+            </a:fillRef>
+            <a:effectRef idx="1">
+              <a:schemeClr val="dk1"/>
+            </a:effectRef>
+            <a:fontRef idx="minor">
+              <a:schemeClr val="tx1"/>
+            </a:fontRef>
+          </p:style>
+        </p:cxnSp>
+      </p:grpSp>
+    </p:spTree>
+    <p:extLst>
+      <p:ext uri="{BB962C8B-B14F-4D97-AF65-F5344CB8AC3E}">
+        <p14:creationId xmlns:p14="http://schemas.microsoft.com/office/powerpoint/2010/main" val="1517809135"/>
+      </p:ext>
+    </p:extLst>
+  </p:cSld>
+  <p:clrMapOvr>
+    <a:masterClrMapping/>
+  </p:clrMapOvr>
+</p:sld>
+</file>
+
+<file path=ppt/slides/slide32.xml><?xml version="1.0" encoding="utf-8"?>
+<p:sld xmlns:a="http://schemas.openxmlformats.org/drawingml/2006/main" xmlns:r="http://schemas.openxmlformats.org/officeDocument/2006/relationships" xmlns:p="http://schemas.openxmlformats.org/presentationml/2006/main">
+  <p:cSld>
+    <p:bg>
+      <p:bgPr>
+        <a:blipFill dpi="0" rotWithShape="1">
+          <a:blip r:embed="rId2">
+            <a:lum/>
+            <a:extLst>
+              <a:ext uri="{BEBA8EAE-BF5A-486C-A8C5-ECC9F3942E4B}">
+                <a14:imgProps xmlns:a14="http://schemas.microsoft.com/office/drawing/2010/main">
+                  <a14:imgLayer r:embed="rId3">
+                    <a14:imgEffect>
+                      <a14:saturation sat="0"/>
+                    </a14:imgEffect>
+                  </a14:imgLayer>
+                </a14:imgProps>
+              </a:ext>
+            </a:extLst>
+          </a:blip>
+          <a:srcRect/>
+          <a:stretch>
+            <a:fillRect/>
+          </a:stretch>
+        </a:blipFill>
+        <a:effectLst/>
+      </p:bgPr>
+    </p:bg>
+    <p:spTree>
+      <p:nvGrpSpPr>
+        <p:cNvPr id="1" name=""/>
+        <p:cNvGrpSpPr/>
+        <p:nvPr/>
+      </p:nvGrpSpPr>
+      <p:grpSpPr>
+        <a:xfrm>
+          <a:off x="0" y="0"/>
+          <a:ext cx="0" cy="0"/>
+          <a:chOff x="0" y="0"/>
+          <a:chExt cx="0" cy="0"/>
+        </a:xfrm>
+      </p:grpSpPr>
+      <p:sp>
+        <p:nvSpPr>
+          <p:cNvPr id="4" name="Title 3"/>
+          <p:cNvSpPr>
+            <a:spLocks noGrp="1"/>
+          </p:cNvSpPr>
+          <p:nvPr>
+            <p:ph type="title"/>
+          </p:nvPr>
+        </p:nvSpPr>
+        <p:spPr/>
+        <p:txBody>
+          <a:bodyPr>
+            <a:normAutofit/>
+          </a:bodyPr>
+          <a:lstStyle/>
+          <a:p>
+            <a:r>
+              <a:rPr lang="en-GB" sz="9600" dirty="0">
+                <a:solidFill>
+                  <a:schemeClr val="tx1">
+                    <a:lumMod val="75000"/>
+                    <a:lumOff val="25000"/>
+                  </a:schemeClr>
+                </a:solidFill>
+              </a:rPr>
+              <a:t>Thank You</a:t>
+            </a:r>
+            <a:endParaRPr lang="en-GB" sz="7200" dirty="0">
+              <a:solidFill>
+                <a:schemeClr val="tx1">
+                  <a:lumMod val="75000"/>
+                  <a:lumOff val="25000"/>
+                </a:schemeClr>
+              </a:solidFill>
+            </a:endParaRPr>
+          </a:p>
+        </p:txBody>
+      </p:sp>
+      <p:grpSp>
+        <p:nvGrpSpPr>
+          <p:cNvPr id="9" name="Group 8">
+            <a:extLst>
+              <a:ext uri="{FF2B5EF4-FFF2-40B4-BE49-F238E27FC236}">
+                <a16:creationId xmlns:a16="http://schemas.microsoft.com/office/drawing/2014/main" id="{709BB63F-6C97-4891-B576-20CDD464FFEE}"/>
+              </a:ext>
+            </a:extLst>
+          </p:cNvPr>
+          <p:cNvGrpSpPr/>
+          <p:nvPr/>
+        </p:nvGrpSpPr>
+        <p:grpSpPr>
+          <a:xfrm>
+            <a:off x="4367555" y="261114"/>
+            <a:ext cx="960359" cy="877088"/>
+            <a:chOff x="4215988" y="5793696"/>
+            <a:chExt cx="960359" cy="877088"/>
+          </a:xfrm>
+        </p:grpSpPr>
+        <p:pic>
+          <p:nvPicPr>
+            <p:cNvPr id="10" name="Picture 9" descr="A picture containing schematic&#10;&#10;Description automatically generated">
+              <a:extLst>
+                <a:ext uri="{FF2B5EF4-FFF2-40B4-BE49-F238E27FC236}">
+                  <a16:creationId xmlns:a16="http://schemas.microsoft.com/office/drawing/2014/main" id="{C15B4298-3C10-4812-8865-6EC37F1A7F47}"/>
+                </a:ext>
+              </a:extLst>
+            </p:cNvPr>
+            <p:cNvPicPr>
+              <a:picLocks noChangeAspect="1"/>
+            </p:cNvPicPr>
+            <p:nvPr/>
+          </p:nvPicPr>
+          <p:blipFill>
+            <a:blip r:embed="rId4" cstate="print">
+              <a:extLst>
+                <a:ext uri="{28A0092B-C50C-407E-A947-70E740481C1C}">
+                  <a14:useLocalDpi xmlns:a14="http://schemas.microsoft.com/office/drawing/2010/main" val="0"/>
+                </a:ext>
+              </a:extLst>
+            </a:blip>
+            <a:stretch>
+              <a:fillRect/>
+            </a:stretch>
+          </p:blipFill>
+          <p:spPr>
+            <a:xfrm>
+              <a:off x="4299259" y="5793696"/>
+              <a:ext cx="877088" cy="877088"/>
+            </a:xfrm>
+            <a:prstGeom prst="rect">
+              <a:avLst/>
+            </a:prstGeom>
+          </p:spPr>
+        </p:pic>
+        <p:cxnSp>
+          <p:nvCxnSpPr>
+            <p:cNvPr id="11" name="Straight Connector 10">
+              <a:extLst>
+                <a:ext uri="{FF2B5EF4-FFF2-40B4-BE49-F238E27FC236}">
+                  <a16:creationId xmlns:a16="http://schemas.microsoft.com/office/drawing/2014/main" id="{0D91748F-BD58-42C1-80A6-566F2E3DE477}"/>
+                </a:ext>
+              </a:extLst>
+            </p:cNvPr>
+            <p:cNvCxnSpPr/>
+            <p:nvPr/>
+          </p:nvCxnSpPr>
+          <p:spPr>
+            <a:xfrm>
+              <a:off x="4215988" y="6033542"/>
+              <a:ext cx="0" cy="359764"/>
+            </a:xfrm>
+            <a:prstGeom prst="line">
+              <a:avLst/>
+            </a:prstGeom>
+            <a:ln>
+              <a:solidFill>
+                <a:schemeClr val="tx1">
+                  <a:lumMod val="75000"/>
+                  <a:lumOff val="25000"/>
+                </a:schemeClr>
+              </a:solidFill>
+            </a:ln>
+          </p:spPr>
+          <p:style>
+            <a:lnRef idx="2">
+              <a:schemeClr val="dk1"/>
+            </a:lnRef>
+            <a:fillRef idx="0">
+              <a:schemeClr val="dk1"/>
+            </a:fillRef>
+            <a:effectRef idx="1">
+              <a:schemeClr val="dk1"/>
+            </a:effectRef>
+            <a:fontRef idx="minor">
+              <a:schemeClr val="tx1"/>
+            </a:fontRef>
+          </p:style>
+        </p:cxnSp>
+      </p:grpSp>
+      <p:sp>
+        <p:nvSpPr>
+          <p:cNvPr id="2" name="TextBox 1">
+            <a:extLst>
+              <a:ext uri="{FF2B5EF4-FFF2-40B4-BE49-F238E27FC236}">
+                <a16:creationId xmlns:a16="http://schemas.microsoft.com/office/drawing/2014/main" id="{C3572A95-B672-4810-3B7E-D4AE72927C4F}"/>
+              </a:ext>
+            </a:extLst>
+          </p:cNvPr>
+          <p:cNvSpPr txBox="1"/>
+          <p:nvPr/>
+        </p:nvSpPr>
+        <p:spPr>
+          <a:xfrm>
+            <a:off x="527381" y="3532367"/>
+            <a:ext cx="9128347" cy="646331"/>
+          </a:xfrm>
+          <a:prstGeom prst="rect">
+            <a:avLst/>
+          </a:prstGeom>
+          <a:noFill/>
+        </p:spPr>
+        <p:txBody>
+          <a:bodyPr wrap="square" rtlCol="0">
+            <a:spAutoFit/>
+          </a:bodyPr>
+          <a:lstStyle/>
+          <a:p>
+            <a:r>
+              <a:rPr lang="en-GB" sz="3600" dirty="0">
+                <a:latin typeface="Georgia" panose="02040502050405020303" pitchFamily="18" charset="0"/>
+              </a:rPr>
+              <a:t>Any Questions</a:t>
+            </a:r>
+          </a:p>
+        </p:txBody>
+      </p:sp>
+    </p:spTree>
+    <p:extLst>
+      <p:ext uri="{BB962C8B-B14F-4D97-AF65-F5344CB8AC3E}">
+        <p14:creationId xmlns:p14="http://schemas.microsoft.com/office/powerpoint/2010/main" val="1538466059"/>
+      </p:ext>
+    </p:extLst>
+  </p:cSld>
+  <p:clrMapOvr>
+    <a:masterClrMapping/>
+  </p:clrMapOvr>
+</p:sld>
+</file>
+
+<file path=ppt/slides/slide4.xml><?xml version="1.0" encoding="utf-8"?>
+<p:sld xmlns:a="http://schemas.openxmlformats.org/drawingml/2006/main" xmlns:r="http://schemas.openxmlformats.org/officeDocument/2006/relationships" xmlns:p="http://schemas.openxmlformats.org/presentationml/2006/main">
+  <p:cSld>
+    <p:spTree>
+      <p:nvGrpSpPr>
+        <p:cNvPr id="1" name=""/>
+        <p:cNvGrpSpPr/>
+        <p:nvPr/>
+      </p:nvGrpSpPr>
+      <p:grpSpPr>
+        <a:xfrm>
+          <a:off x="0" y="0"/>
+          <a:ext cx="0" cy="0"/>
+          <a:chOff x="0" y="0"/>
+          <a:chExt cx="0" cy="0"/>
+        </a:xfrm>
+      </p:grpSpPr>
+      <p:sp>
+        <p:nvSpPr>
+          <p:cNvPr id="2" name="Title 1">
+            <a:extLst>
+              <a:ext uri="{FF2B5EF4-FFF2-40B4-BE49-F238E27FC236}">
+                <a16:creationId xmlns:a16="http://schemas.microsoft.com/office/drawing/2014/main" id="{FB808456-2A42-436C-8EB1-BBF67A67BD6C}"/>
+              </a:ext>
+            </a:extLst>
+          </p:cNvPr>
+          <p:cNvSpPr>
+            <a:spLocks noGrp="1"/>
+          </p:cNvSpPr>
+          <p:nvPr>
+            <p:ph type="title"/>
+          </p:nvPr>
+        </p:nvSpPr>
+        <p:spPr>
+          <a:xfrm>
+            <a:off x="914400" y="2520892"/>
+            <a:ext cx="10363200" cy="1143000"/>
+          </a:xfrm>
+        </p:spPr>
+        <p:txBody>
+          <a:bodyPr/>
+          <a:lstStyle/>
+          <a:p>
+            <a:pPr algn="ctr"/>
+            <a:r>
+              <a:rPr lang="en-GB" dirty="0" err="1"/>
+              <a:t>Tmux</a:t>
+            </a:r>
+            <a:r>
+              <a:rPr lang="en-GB" dirty="0"/>
+              <a:t> sessions</a:t>
+            </a:r>
+          </a:p>
+        </p:txBody>
+      </p:sp>
+      <p:grpSp>
+        <p:nvGrpSpPr>
+          <p:cNvPr id="4" name="Group 3">
+            <a:extLst>
+              <a:ext uri="{FF2B5EF4-FFF2-40B4-BE49-F238E27FC236}">
+                <a16:creationId xmlns:a16="http://schemas.microsoft.com/office/drawing/2014/main" id="{AE13BE7C-7EA9-4AC2-99C9-8B8D12FE9044}"/>
+              </a:ext>
+            </a:extLst>
+          </p:cNvPr>
+          <p:cNvGrpSpPr/>
+          <p:nvPr/>
+        </p:nvGrpSpPr>
+        <p:grpSpPr>
+          <a:xfrm>
+            <a:off x="4215988" y="5793696"/>
+            <a:ext cx="960359" cy="877088"/>
+            <a:chOff x="4215988" y="5793696"/>
+            <a:chExt cx="960359" cy="877088"/>
+          </a:xfrm>
+        </p:grpSpPr>
+        <p:pic>
+          <p:nvPicPr>
+            <p:cNvPr id="5" name="Picture 4" descr="A picture containing schematic&#10;&#10;Description automatically generated">
+              <a:extLst>
+                <a:ext uri="{FF2B5EF4-FFF2-40B4-BE49-F238E27FC236}">
+                  <a16:creationId xmlns:a16="http://schemas.microsoft.com/office/drawing/2014/main" id="{57455160-C041-447F-AB31-D2EB76715588}"/>
+                </a:ext>
+              </a:extLst>
+            </p:cNvPr>
+            <p:cNvPicPr>
+              <a:picLocks noChangeAspect="1"/>
+            </p:cNvPicPr>
+            <p:nvPr/>
+          </p:nvPicPr>
+          <p:blipFill>
+            <a:blip r:embed="rId2" cstate="print">
+              <a:extLst>
+                <a:ext uri="{28A0092B-C50C-407E-A947-70E740481C1C}">
+                  <a14:useLocalDpi xmlns:a14="http://schemas.microsoft.com/office/drawing/2010/main" val="0"/>
+                </a:ext>
+              </a:extLst>
+            </a:blip>
+            <a:stretch>
+              <a:fillRect/>
+            </a:stretch>
+          </p:blipFill>
+          <p:spPr>
+            <a:xfrm>
+              <a:off x="4299259" y="5793696"/>
+              <a:ext cx="877088" cy="877088"/>
+            </a:xfrm>
+            <a:prstGeom prst="rect">
+              <a:avLst/>
+            </a:prstGeom>
+          </p:spPr>
+        </p:pic>
+        <p:cxnSp>
+          <p:nvCxnSpPr>
+            <p:cNvPr id="6" name="Straight Connector 5">
+              <a:extLst>
+                <a:ext uri="{FF2B5EF4-FFF2-40B4-BE49-F238E27FC236}">
+                  <a16:creationId xmlns:a16="http://schemas.microsoft.com/office/drawing/2014/main" id="{653F5121-C929-4834-A9D0-BCD96B0B65F2}"/>
+                </a:ext>
+              </a:extLst>
+            </p:cNvPr>
+            <p:cNvCxnSpPr/>
+            <p:nvPr/>
+          </p:nvCxnSpPr>
+          <p:spPr>
+            <a:xfrm>
+              <a:off x="4215988" y="6033542"/>
+              <a:ext cx="0" cy="359764"/>
+            </a:xfrm>
+            <a:prstGeom prst="line">
+              <a:avLst/>
+            </a:prstGeom>
+            <a:ln>
+              <a:solidFill>
+                <a:schemeClr val="tx1">
+                  <a:lumMod val="75000"/>
+                  <a:lumOff val="25000"/>
+                </a:schemeClr>
+              </a:solidFill>
+            </a:ln>
+          </p:spPr>
+          <p:style>
+            <a:lnRef idx="2">
+              <a:schemeClr val="dk1"/>
+            </a:lnRef>
+            <a:fillRef idx="0">
+              <a:schemeClr val="dk1"/>
+            </a:fillRef>
+            <a:effectRef idx="1">
+              <a:schemeClr val="dk1"/>
+            </a:effectRef>
+            <a:fontRef idx="minor">
+              <a:schemeClr val="tx1"/>
+            </a:fontRef>
+          </p:style>
+        </p:cxnSp>
+      </p:grpSp>
+    </p:spTree>
+    <p:extLst>
+      <p:ext uri="{BB962C8B-B14F-4D97-AF65-F5344CB8AC3E}">
+        <p14:creationId xmlns:p14="http://schemas.microsoft.com/office/powerpoint/2010/main" val="4039202894"/>
+      </p:ext>
+    </p:extLst>
+  </p:cSld>
+  <p:clrMapOvr>
+    <a:masterClrMapping/>
+  </p:clrMapOvr>
+</p:sld>
+</file>
+
+<file path=ppt/slides/slide5.xml><?xml version="1.0" encoding="utf-8"?>
+<p:sld xmlns:a="http://schemas.openxmlformats.org/drawingml/2006/main" xmlns:r="http://schemas.openxmlformats.org/officeDocument/2006/relationships" xmlns:p="http://schemas.openxmlformats.org/presentationml/2006/main">
+  <p:cSld>
+    <p:spTree>
+      <p:nvGrpSpPr>
+        <p:cNvPr id="1" name=""/>
+        <p:cNvGrpSpPr/>
+        <p:nvPr/>
+      </p:nvGrpSpPr>
+      <p:grpSpPr>
+        <a:xfrm>
+          <a:off x="0" y="0"/>
+          <a:ext cx="0" cy="0"/>
+          <a:chOff x="0" y="0"/>
+          <a:chExt cx="0" cy="0"/>
+        </a:xfrm>
+      </p:grpSpPr>
+      <p:sp>
+        <p:nvSpPr>
+          <p:cNvPr id="2" name="Title 1">
+            <a:extLst>
+              <a:ext uri="{FF2B5EF4-FFF2-40B4-BE49-F238E27FC236}">
+                <a16:creationId xmlns:a16="http://schemas.microsoft.com/office/drawing/2014/main" id="{FB808456-2A42-436C-8EB1-BBF67A67BD6C}"/>
+              </a:ext>
+            </a:extLst>
+          </p:cNvPr>
+          <p:cNvSpPr>
+            <a:spLocks noGrp="1"/>
+          </p:cNvSpPr>
+          <p:nvPr>
+            <p:ph type="title"/>
+          </p:nvPr>
+        </p:nvSpPr>
+        <p:spPr>
+          <a:xfrm>
+            <a:off x="529167" y="457622"/>
+            <a:ext cx="10363200" cy="1143000"/>
+          </a:xfrm>
+        </p:spPr>
+        <p:txBody>
+          <a:bodyPr/>
+          <a:lstStyle/>
+          <a:p>
+            <a:r>
+              <a:rPr lang="en-GB" dirty="0" err="1"/>
+              <a:t>Tmux</a:t>
+            </a:r>
+            <a:endParaRPr lang="en-GB" dirty="0"/>
+          </a:p>
+        </p:txBody>
+      </p:sp>
+      <p:sp>
+        <p:nvSpPr>
+          <p:cNvPr id="3" name="Content Placeholder 2">
+            <a:extLst>
+              <a:ext uri="{FF2B5EF4-FFF2-40B4-BE49-F238E27FC236}">
+                <a16:creationId xmlns:a16="http://schemas.microsoft.com/office/drawing/2014/main" id="{02335E25-E500-40AC-8D30-798D84817589}"/>
+              </a:ext>
+            </a:extLst>
+          </p:cNvPr>
+          <p:cNvSpPr>
+            <a:spLocks noGrp="1"/>
+          </p:cNvSpPr>
+          <p:nvPr>
+            <p:ph idx="1"/>
+          </p:nvPr>
+        </p:nvSpPr>
+        <p:spPr>
+          <a:xfrm>
+            <a:off x="529167" y="1484784"/>
+            <a:ext cx="5653519" cy="4325466"/>
+          </a:xfrm>
+        </p:spPr>
+        <p:txBody>
+          <a:bodyPr>
+            <a:noAutofit/>
+          </a:bodyPr>
+          <a:lstStyle/>
+          <a:p>
+            <a:r>
+              <a:rPr lang="en-GB" sz="2400" dirty="0" err="1"/>
+              <a:t>Tmux</a:t>
+            </a:r>
+            <a:r>
+              <a:rPr lang="en-GB" sz="2400" dirty="0"/>
+              <a:t> = terminal multiplexer</a:t>
+            </a:r>
+          </a:p>
+          <a:p>
+            <a:r>
+              <a:rPr lang="en-GB" sz="2400" dirty="0"/>
+              <a:t>Can create and resume </a:t>
+            </a:r>
+            <a:r>
+              <a:rPr lang="en-GB" sz="2400" dirty="0" err="1"/>
+              <a:t>tmux</a:t>
+            </a:r>
+            <a:r>
+              <a:rPr lang="en-GB" sz="2400" dirty="0"/>
+              <a:t> sessions</a:t>
+            </a:r>
+          </a:p>
+          <a:p>
+            <a:r>
+              <a:rPr lang="en-GB" sz="2400" dirty="0"/>
+              <a:t>Ideal to be used with an interactive session</a:t>
+            </a:r>
+          </a:p>
+          <a:p>
+            <a:r>
+              <a:rPr lang="en-GB" sz="2400" dirty="0"/>
+              <a:t>List of useful commands found </a:t>
+            </a:r>
+            <a:r>
+              <a:rPr lang="en-GB" sz="2400" dirty="0">
+                <a:hlinkClick r:id="rId2"/>
+              </a:rPr>
+              <a:t>https://tmuxcheatsheet.com/</a:t>
+            </a:r>
+            <a:endParaRPr lang="en-GB" sz="2400" dirty="0"/>
+          </a:p>
+          <a:p>
+            <a:r>
+              <a:rPr lang="en-GB" sz="2400" dirty="0"/>
+              <a:t>There are other options like GNU screen</a:t>
+            </a:r>
+          </a:p>
+          <a:p>
+            <a:endParaRPr lang="en-GB" dirty="0"/>
+          </a:p>
+        </p:txBody>
+      </p:sp>
+      <p:grpSp>
+        <p:nvGrpSpPr>
+          <p:cNvPr id="4" name="Group 3">
+            <a:extLst>
+              <a:ext uri="{FF2B5EF4-FFF2-40B4-BE49-F238E27FC236}">
+                <a16:creationId xmlns:a16="http://schemas.microsoft.com/office/drawing/2014/main" id="{AE13BE7C-7EA9-4AC2-99C9-8B8D12FE9044}"/>
+              </a:ext>
+            </a:extLst>
+          </p:cNvPr>
+          <p:cNvGrpSpPr/>
+          <p:nvPr/>
+        </p:nvGrpSpPr>
+        <p:grpSpPr>
+          <a:xfrm>
+            <a:off x="4215988" y="5793696"/>
+            <a:ext cx="960359" cy="877088"/>
+            <a:chOff x="4215988" y="5793696"/>
+            <a:chExt cx="960359" cy="877088"/>
+          </a:xfrm>
+        </p:grpSpPr>
+        <p:pic>
+          <p:nvPicPr>
+            <p:cNvPr id="5" name="Picture 4" descr="A picture containing schematic&#10;&#10;Description automatically generated">
+              <a:extLst>
+                <a:ext uri="{FF2B5EF4-FFF2-40B4-BE49-F238E27FC236}">
+                  <a16:creationId xmlns:a16="http://schemas.microsoft.com/office/drawing/2014/main" id="{57455160-C041-447F-AB31-D2EB76715588}"/>
+                </a:ext>
+              </a:extLst>
+            </p:cNvPr>
+            <p:cNvPicPr>
+              <a:picLocks noChangeAspect="1"/>
+            </p:cNvPicPr>
+            <p:nvPr/>
+          </p:nvPicPr>
+          <p:blipFill>
+            <a:blip r:embed="rId3" cstate="print">
+              <a:extLst>
+                <a:ext uri="{28A0092B-C50C-407E-A947-70E740481C1C}">
+                  <a14:useLocalDpi xmlns:a14="http://schemas.microsoft.com/office/drawing/2010/main" val="0"/>
+                </a:ext>
+              </a:extLst>
+            </a:blip>
+            <a:stretch>
+              <a:fillRect/>
+            </a:stretch>
+          </p:blipFill>
+          <p:spPr>
+            <a:xfrm>
+              <a:off x="4299259" y="5793696"/>
+              <a:ext cx="877088" cy="877088"/>
+            </a:xfrm>
+            <a:prstGeom prst="rect">
+              <a:avLst/>
+            </a:prstGeom>
+          </p:spPr>
+        </p:pic>
+        <p:cxnSp>
+          <p:nvCxnSpPr>
+            <p:cNvPr id="6" name="Straight Connector 5">
+              <a:extLst>
+                <a:ext uri="{FF2B5EF4-FFF2-40B4-BE49-F238E27FC236}">
+                  <a16:creationId xmlns:a16="http://schemas.microsoft.com/office/drawing/2014/main" id="{653F5121-C929-4834-A9D0-BCD96B0B65F2}"/>
+                </a:ext>
+              </a:extLst>
+            </p:cNvPr>
+            <p:cNvCxnSpPr/>
+            <p:nvPr/>
+          </p:nvCxnSpPr>
+          <p:spPr>
+            <a:xfrm>
+              <a:off x="4215988" y="6033542"/>
+              <a:ext cx="0" cy="359764"/>
+            </a:xfrm>
+            <a:prstGeom prst="line">
+              <a:avLst/>
+            </a:prstGeom>
+            <a:ln>
+              <a:solidFill>
+                <a:schemeClr val="tx1">
+                  <a:lumMod val="75000"/>
+                  <a:lumOff val="25000"/>
+                </a:schemeClr>
+              </a:solidFill>
+            </a:ln>
+          </p:spPr>
+          <p:style>
+            <a:lnRef idx="2">
+              <a:schemeClr val="dk1"/>
+            </a:lnRef>
+            <a:fillRef idx="0">
+              <a:schemeClr val="dk1"/>
+            </a:fillRef>
+            <a:effectRef idx="1">
+              <a:schemeClr val="dk1"/>
+            </a:effectRef>
+            <a:fontRef idx="minor">
+              <a:schemeClr val="tx1"/>
+            </a:fontRef>
+          </p:style>
+        </p:cxnSp>
+      </p:grpSp>
+      <p:pic>
+        <p:nvPicPr>
+          <p:cNvPr id="8" name="Picture 7">
+            <a:extLst>
+              <a:ext uri="{FF2B5EF4-FFF2-40B4-BE49-F238E27FC236}">
+                <a16:creationId xmlns:a16="http://schemas.microsoft.com/office/drawing/2014/main" id="{818212AC-1E73-2A64-0BCA-83DC53A8CC37}"/>
+              </a:ext>
+            </a:extLst>
+          </p:cNvPr>
+          <p:cNvPicPr>
+            <a:picLocks noChangeAspect="1"/>
+          </p:cNvPicPr>
+          <p:nvPr/>
+        </p:nvPicPr>
+        <p:blipFill rotWithShape="1">
+          <a:blip r:embed="rId4"/>
+          <a:srcRect l="11973" t="16972" r="61261" b="8822"/>
+          <a:stretch/>
+        </p:blipFill>
+        <p:spPr>
+          <a:xfrm>
+            <a:off x="6350465" y="1600621"/>
+            <a:ext cx="5116448" cy="4011613"/>
+          </a:xfrm>
+          <a:prstGeom prst="rect">
+            <a:avLst/>
+          </a:prstGeom>
+        </p:spPr>
+      </p:pic>
+    </p:spTree>
+    <p:extLst>
+      <p:ext uri="{BB962C8B-B14F-4D97-AF65-F5344CB8AC3E}">
+        <p14:creationId xmlns:p14="http://schemas.microsoft.com/office/powerpoint/2010/main" val="1566735778"/>
+      </p:ext>
+    </p:extLst>
+  </p:cSld>
+  <p:clrMapOvr>
+    <a:masterClrMapping/>
+  </p:clrMapOvr>
+</p:sld>
+</file>
+
+<file path=ppt/slides/slide6.xml><?xml version="1.0" encoding="utf-8"?>
+<p:sld xmlns:a="http://schemas.openxmlformats.org/drawingml/2006/main" xmlns:r="http://schemas.openxmlformats.org/officeDocument/2006/relationships" xmlns:p="http://schemas.openxmlformats.org/presentationml/2006/main">
+  <p:cSld>
+    <p:spTree>
+      <p:nvGrpSpPr>
+        <p:cNvPr id="1" name="">
+          <a:extLst>
+            <a:ext uri="{FF2B5EF4-FFF2-40B4-BE49-F238E27FC236}">
+              <a16:creationId xmlns:a16="http://schemas.microsoft.com/office/drawing/2014/main" id="{98142CD9-D1F4-868E-5E15-665E7520CA55}"/>
+            </a:ext>
+          </a:extLst>
+        </p:cNvPr>
+        <p:cNvGrpSpPr/>
+        <p:nvPr/>
+      </p:nvGrpSpPr>
+      <p:grpSpPr>
+        <a:xfrm>
+          <a:off x="0" y="0"/>
+          <a:ext cx="0" cy="0"/>
+          <a:chOff x="0" y="0"/>
+          <a:chExt cx="0" cy="0"/>
+        </a:xfrm>
+      </p:grpSpPr>
+      <p:sp>
+        <p:nvSpPr>
+          <p:cNvPr id="2" name="Title 1">
+            <a:extLst>
+              <a:ext uri="{FF2B5EF4-FFF2-40B4-BE49-F238E27FC236}">
+                <a16:creationId xmlns:a16="http://schemas.microsoft.com/office/drawing/2014/main" id="{408078DF-3766-4842-121B-BDEE0F947622}"/>
+              </a:ext>
+            </a:extLst>
+          </p:cNvPr>
+          <p:cNvSpPr>
+            <a:spLocks noGrp="1"/>
+          </p:cNvSpPr>
+          <p:nvPr>
+            <p:ph type="title"/>
+          </p:nvPr>
+        </p:nvSpPr>
+        <p:spPr>
+          <a:xfrm>
+            <a:off x="529167" y="457622"/>
+            <a:ext cx="10363200" cy="1143000"/>
+          </a:xfrm>
+        </p:spPr>
+        <p:txBody>
+          <a:bodyPr/>
+          <a:lstStyle/>
+          <a:p>
+            <a:r>
+              <a:rPr lang="en-GB" dirty="0" err="1"/>
+              <a:t>Tmux</a:t>
+            </a:r>
+            <a:r>
+              <a:rPr lang="en-GB" dirty="0"/>
+              <a:t> and login nodes</a:t>
+            </a:r>
+          </a:p>
+        </p:txBody>
+      </p:sp>
+      <p:sp>
+        <p:nvSpPr>
+          <p:cNvPr id="3" name="Content Placeholder 2">
+            <a:extLst>
+              <a:ext uri="{FF2B5EF4-FFF2-40B4-BE49-F238E27FC236}">
+                <a16:creationId xmlns:a16="http://schemas.microsoft.com/office/drawing/2014/main" id="{DABCA904-7F1C-A2B6-2A71-55BECB6BEB7D}"/>
+              </a:ext>
+            </a:extLst>
+          </p:cNvPr>
+          <p:cNvSpPr>
+            <a:spLocks noGrp="1"/>
+          </p:cNvSpPr>
+          <p:nvPr>
+            <p:ph idx="1"/>
+          </p:nvPr>
+        </p:nvSpPr>
+        <p:spPr>
+          <a:xfrm>
+            <a:off x="529167" y="1484784"/>
+            <a:ext cx="10363200" cy="4325466"/>
+          </a:xfrm>
+        </p:spPr>
+        <p:txBody>
+          <a:bodyPr>
+            <a:noAutofit/>
+          </a:bodyPr>
+          <a:lstStyle/>
+          <a:p>
+            <a:r>
+              <a:rPr lang="en-GB" sz="2400" dirty="0" err="1"/>
+              <a:t>Tmux</a:t>
+            </a:r>
+            <a:r>
+              <a:rPr lang="en-GB" sz="2400" dirty="0"/>
+              <a:t> session will be recorded on a particular login node: </a:t>
+            </a:r>
+            <a:r>
+              <a:rPr lang="en-GB" sz="2000" dirty="0">
+                <a:latin typeface="Courier New" panose="02070309020205020404" pitchFamily="49" charset="0"/>
+                <a:cs typeface="Courier New" panose="02070309020205020404" pitchFamily="49" charset="0"/>
+              </a:rPr>
+              <a:t>bask-pg-login01</a:t>
+            </a:r>
+            <a:r>
+              <a:rPr lang="en-GB" sz="2400" dirty="0"/>
+              <a:t>, </a:t>
+            </a:r>
+            <a:r>
+              <a:rPr lang="en-GB" sz="2000" dirty="0">
+                <a:latin typeface="Courier New" panose="02070309020205020404" pitchFamily="49" charset="0"/>
+                <a:cs typeface="Courier New" panose="02070309020205020404" pitchFamily="49" charset="0"/>
+              </a:rPr>
+              <a:t>bask-pg-login02</a:t>
+            </a:r>
+            <a:r>
+              <a:rPr lang="en-GB" sz="2400" dirty="0"/>
+              <a:t> and </a:t>
+            </a:r>
+            <a:r>
+              <a:rPr lang="en-GB" sz="2000" dirty="0">
+                <a:latin typeface="Courier New" panose="02070309020205020404" pitchFamily="49" charset="0"/>
+                <a:cs typeface="Courier New" panose="02070309020205020404" pitchFamily="49" charset="0"/>
+              </a:rPr>
+              <a:t>bask-pg-login03</a:t>
+            </a:r>
+            <a:r>
+              <a:rPr kumimoji="0" lang="en-GB" sz="2400" b="0" i="0" u="none" strike="noStrike" kern="1200" cap="none" spc="0" normalizeH="0" baseline="0" noProof="0" dirty="0">
+                <a:ln>
+                  <a:noFill/>
+                </a:ln>
+                <a:solidFill>
+                  <a:prstClr val="black"/>
+                </a:solidFill>
+                <a:effectLst/>
+                <a:uLnTx/>
+                <a:uFillTx/>
+                <a:latin typeface="Calibri" panose="020F0502020204030204"/>
+                <a:ea typeface="+mn-ea"/>
+                <a:cs typeface="+mn-cs"/>
+              </a:rPr>
+              <a:t> </a:t>
+            </a:r>
+          </a:p>
+          <a:p>
+            <a:r>
+              <a:rPr lang="en-GB" sz="2400" dirty="0"/>
+              <a:t>Must therefore keep a record of which login node the </a:t>
+            </a:r>
+            <a:r>
+              <a:rPr lang="en-GB" sz="2400" dirty="0" err="1"/>
+              <a:t>tmux</a:t>
+            </a:r>
+            <a:r>
+              <a:rPr lang="en-GB" sz="2400" dirty="0"/>
+              <a:t> session is on</a:t>
+            </a:r>
+          </a:p>
+          <a:p>
+            <a:r>
+              <a:rPr lang="en-GB" sz="2400" dirty="0"/>
+              <a:t>Methods:</a:t>
+            </a:r>
+          </a:p>
+          <a:p>
+            <a:pPr lvl="1"/>
+            <a:r>
+              <a:rPr lang="en-GB" sz="2000" dirty="0"/>
+              <a:t>Do not recommend editing your </a:t>
+            </a:r>
+            <a:r>
+              <a:rPr lang="en-GB" sz="1600" dirty="0">
+                <a:latin typeface="Courier New" panose="02070309020205020404" pitchFamily="49" charset="0"/>
+                <a:cs typeface="Courier New" panose="02070309020205020404" pitchFamily="49" charset="0"/>
+              </a:rPr>
+              <a:t>.</a:t>
+            </a:r>
+            <a:r>
+              <a:rPr lang="en-GB" sz="1600" dirty="0" err="1">
+                <a:latin typeface="Courier New" panose="02070309020205020404" pitchFamily="49" charset="0"/>
+                <a:cs typeface="Courier New" panose="02070309020205020404" pitchFamily="49" charset="0"/>
+              </a:rPr>
+              <a:t>bashrc</a:t>
+            </a:r>
+            <a:endParaRPr lang="en-GB" sz="1600" dirty="0">
+              <a:latin typeface="Courier New" panose="02070309020205020404" pitchFamily="49" charset="0"/>
+              <a:cs typeface="Courier New" panose="02070309020205020404" pitchFamily="49" charset="0"/>
+            </a:endParaRPr>
+          </a:p>
+          <a:p>
+            <a:pPr lvl="1"/>
+            <a:r>
+              <a:rPr lang="en-GB" sz="2000" dirty="0"/>
+              <a:t>Can use a script</a:t>
+            </a:r>
+          </a:p>
+        </p:txBody>
+      </p:sp>
+      <p:grpSp>
+        <p:nvGrpSpPr>
+          <p:cNvPr id="4" name="Group 3">
+            <a:extLst>
+              <a:ext uri="{FF2B5EF4-FFF2-40B4-BE49-F238E27FC236}">
+                <a16:creationId xmlns:a16="http://schemas.microsoft.com/office/drawing/2014/main" id="{F6ABFEAE-7C59-80E4-DDE9-2EB4E99BCAAE}"/>
+              </a:ext>
+            </a:extLst>
+          </p:cNvPr>
+          <p:cNvGrpSpPr/>
+          <p:nvPr/>
+        </p:nvGrpSpPr>
+        <p:grpSpPr>
+          <a:xfrm>
+            <a:off x="4215988" y="5793696"/>
+            <a:ext cx="960359" cy="877088"/>
+            <a:chOff x="4215988" y="5793696"/>
+            <a:chExt cx="960359" cy="877088"/>
+          </a:xfrm>
+        </p:grpSpPr>
+        <p:pic>
+          <p:nvPicPr>
+            <p:cNvPr id="5" name="Picture 4" descr="A picture containing schematic&#10;&#10;Description automatically generated">
+              <a:extLst>
+                <a:ext uri="{FF2B5EF4-FFF2-40B4-BE49-F238E27FC236}">
+                  <a16:creationId xmlns:a16="http://schemas.microsoft.com/office/drawing/2014/main" id="{7E427B7F-2553-AE1D-10A8-CAAE6D46484E}"/>
+                </a:ext>
+              </a:extLst>
+            </p:cNvPr>
+            <p:cNvPicPr>
+              <a:picLocks noChangeAspect="1"/>
+            </p:cNvPicPr>
+            <p:nvPr/>
+          </p:nvPicPr>
+          <p:blipFill>
+            <a:blip r:embed="rId2" cstate="print">
+              <a:extLst>
+                <a:ext uri="{28A0092B-C50C-407E-A947-70E740481C1C}">
+                  <a14:useLocalDpi xmlns:a14="http://schemas.microsoft.com/office/drawing/2010/main" val="0"/>
+                </a:ext>
+              </a:extLst>
+            </a:blip>
+            <a:stretch>
+              <a:fillRect/>
+            </a:stretch>
+          </p:blipFill>
+          <p:spPr>
+            <a:xfrm>
+              <a:off x="4299259" y="5793696"/>
+              <a:ext cx="877088" cy="877088"/>
+            </a:xfrm>
+            <a:prstGeom prst="rect">
+              <a:avLst/>
+            </a:prstGeom>
+          </p:spPr>
+        </p:pic>
+        <p:cxnSp>
+          <p:nvCxnSpPr>
+            <p:cNvPr id="6" name="Straight Connector 5">
+              <a:extLst>
+                <a:ext uri="{FF2B5EF4-FFF2-40B4-BE49-F238E27FC236}">
+                  <a16:creationId xmlns:a16="http://schemas.microsoft.com/office/drawing/2014/main" id="{4A60E3F9-ED2F-02FF-2A3F-A7B87DE7EF57}"/>
+                </a:ext>
+              </a:extLst>
+            </p:cNvPr>
+            <p:cNvCxnSpPr/>
+            <p:nvPr/>
+          </p:nvCxnSpPr>
+          <p:spPr>
+            <a:xfrm>
+              <a:off x="4215988" y="6033542"/>
+              <a:ext cx="0" cy="359764"/>
+            </a:xfrm>
+            <a:prstGeom prst="line">
+              <a:avLst/>
+            </a:prstGeom>
+            <a:ln>
+              <a:solidFill>
+                <a:schemeClr val="tx1">
+                  <a:lumMod val="75000"/>
+                  <a:lumOff val="25000"/>
+                </a:schemeClr>
+              </a:solidFill>
+            </a:ln>
+          </p:spPr>
+          <p:style>
+            <a:lnRef idx="2">
+              <a:schemeClr val="dk1"/>
+            </a:lnRef>
+            <a:fillRef idx="0">
+              <a:schemeClr val="dk1"/>
+            </a:fillRef>
+            <a:effectRef idx="1">
+              <a:schemeClr val="dk1"/>
+            </a:effectRef>
+            <a:fontRef idx="minor">
+              <a:schemeClr val="tx1"/>
+            </a:fontRef>
+          </p:style>
+        </p:cxnSp>
+      </p:grpSp>
+    </p:spTree>
+    <p:extLst>
+      <p:ext uri="{BB962C8B-B14F-4D97-AF65-F5344CB8AC3E}">
+        <p14:creationId xmlns:p14="http://schemas.microsoft.com/office/powerpoint/2010/main" val="1224481996"/>
+      </p:ext>
+    </p:extLst>
+  </p:cSld>
+  <p:clrMapOvr>
+    <a:masterClrMapping/>
+  </p:clrMapOvr>
+</p:sld>
+</file>
+
+<file path=ppt/slides/slide7.xml><?xml version="1.0" encoding="utf-8"?>
+<p:sld xmlns:a="http://schemas.openxmlformats.org/drawingml/2006/main" xmlns:r="http://schemas.openxmlformats.org/officeDocument/2006/relationships" xmlns:p="http://schemas.openxmlformats.org/presentationml/2006/main">
+  <p:cSld>
+    <p:spTree>
+      <p:nvGrpSpPr>
+        <p:cNvPr id="1" name="">
+          <a:extLst>
+            <a:ext uri="{FF2B5EF4-FFF2-40B4-BE49-F238E27FC236}">
+              <a16:creationId xmlns:a16="http://schemas.microsoft.com/office/drawing/2014/main" id="{5ACF9A53-4020-9D16-DD6B-F4D3162450D5}"/>
+            </a:ext>
+          </a:extLst>
+        </p:cNvPr>
+        <p:cNvGrpSpPr/>
+        <p:nvPr/>
+      </p:nvGrpSpPr>
+      <p:grpSpPr>
+        <a:xfrm>
+          <a:off x="0" y="0"/>
+          <a:ext cx="0" cy="0"/>
+          <a:chOff x="0" y="0"/>
+          <a:chExt cx="0" cy="0"/>
+        </a:xfrm>
+      </p:grpSpPr>
+      <p:sp>
+        <p:nvSpPr>
+          <p:cNvPr id="2" name="Title 1">
+            <a:extLst>
+              <a:ext uri="{FF2B5EF4-FFF2-40B4-BE49-F238E27FC236}">
+                <a16:creationId xmlns:a16="http://schemas.microsoft.com/office/drawing/2014/main" id="{37DBED2F-0EB2-95C7-99BD-1B190BB7FE2D}"/>
+              </a:ext>
+            </a:extLst>
+          </p:cNvPr>
+          <p:cNvSpPr>
+            <a:spLocks noGrp="1"/>
+          </p:cNvSpPr>
+          <p:nvPr>
+            <p:ph type="title"/>
+          </p:nvPr>
+        </p:nvSpPr>
+        <p:spPr>
+          <a:xfrm>
+            <a:off x="529167" y="457622"/>
+            <a:ext cx="10363200" cy="1143000"/>
+          </a:xfrm>
+        </p:spPr>
+        <p:txBody>
+          <a:bodyPr/>
+          <a:lstStyle/>
+          <a:p>
+            <a:r>
+              <a:rPr lang="en-GB" dirty="0" err="1"/>
+              <a:t>Tmux</a:t>
+            </a:r>
+            <a:r>
+              <a:rPr lang="en-GB" dirty="0"/>
+              <a:t> panes and windows</a:t>
+            </a:r>
+          </a:p>
+        </p:txBody>
+      </p:sp>
+      <p:sp>
+        <p:nvSpPr>
+          <p:cNvPr id="3" name="Content Placeholder 2">
+            <a:extLst>
+              <a:ext uri="{FF2B5EF4-FFF2-40B4-BE49-F238E27FC236}">
+                <a16:creationId xmlns:a16="http://schemas.microsoft.com/office/drawing/2014/main" id="{9946E8F9-29FC-899A-08EC-69C81CFAE475}"/>
+              </a:ext>
+            </a:extLst>
+          </p:cNvPr>
+          <p:cNvSpPr>
+            <a:spLocks noGrp="1"/>
+          </p:cNvSpPr>
+          <p:nvPr>
+            <p:ph idx="1"/>
+          </p:nvPr>
+        </p:nvSpPr>
+        <p:spPr>
+          <a:xfrm>
+            <a:off x="529167" y="1484784"/>
+            <a:ext cx="10363200" cy="4325466"/>
+          </a:xfrm>
+        </p:spPr>
+        <p:txBody>
+          <a:bodyPr>
+            <a:noAutofit/>
+          </a:bodyPr>
+          <a:lstStyle/>
+          <a:p>
+            <a:r>
+              <a:rPr lang="en-GB" sz="2400" dirty="0"/>
+              <a:t>A window is a new terminal screens that you can tab through</a:t>
+            </a:r>
+          </a:p>
+          <a:p>
+            <a:r>
+              <a:rPr lang="en-GB" sz="2400" dirty="0"/>
+              <a:t>A pane is a division on a window – 1 window can contain multiple panes</a:t>
+            </a:r>
+          </a:p>
+          <a:p>
+            <a:r>
+              <a:rPr lang="en-GB" sz="2400" dirty="0"/>
+              <a:t>You start a </a:t>
+            </a:r>
+            <a:r>
+              <a:rPr lang="en-GB" sz="2400" dirty="0" err="1"/>
+              <a:t>tmux</a:t>
+            </a:r>
+            <a:r>
+              <a:rPr lang="en-GB" sz="2400" dirty="0"/>
+              <a:t> session with one window</a:t>
+            </a:r>
+          </a:p>
+          <a:p>
+            <a:pPr lvl="1"/>
+            <a:r>
+              <a:rPr lang="en-GB" sz="1600" dirty="0"/>
+              <a:t>Ctrl + b, c – to create a new window</a:t>
+            </a:r>
+          </a:p>
+          <a:p>
+            <a:pPr lvl="1"/>
+            <a:r>
+              <a:rPr lang="en-GB" sz="1600" dirty="0"/>
+              <a:t>Ctrl + b,  n – to move to the ‘next’ window</a:t>
+            </a:r>
+          </a:p>
+          <a:p>
+            <a:pPr lvl="1"/>
+            <a:r>
+              <a:rPr lang="en-GB" sz="1600" dirty="0"/>
+              <a:t>exit or Ctrl + b, x – to kill a </a:t>
+            </a:r>
+            <a:r>
+              <a:rPr lang="en-GB" sz="1600" dirty="0" err="1"/>
+              <a:t>tmux</a:t>
+            </a:r>
+            <a:r>
+              <a:rPr lang="en-GB" sz="1600" dirty="0"/>
+              <a:t> window </a:t>
+            </a:r>
+            <a:r>
+              <a:rPr lang="en-GB" sz="1600" b="1" dirty="0"/>
+              <a:t>Note</a:t>
+            </a:r>
+            <a:r>
+              <a:rPr lang="en-GB" sz="1600" dirty="0"/>
+              <a:t> if you only have one window this will kill you </a:t>
+            </a:r>
+            <a:r>
+              <a:rPr lang="en-GB" sz="1600" dirty="0" err="1"/>
+              <a:t>tmux</a:t>
+            </a:r>
+            <a:r>
+              <a:rPr lang="en-GB" sz="1600" dirty="0"/>
+              <a:t> session</a:t>
+            </a:r>
+          </a:p>
+          <a:p>
+            <a:r>
+              <a:rPr lang="en-GB" sz="2000" dirty="0"/>
+              <a:t>For </a:t>
+            </a:r>
+            <a:r>
+              <a:rPr lang="en-GB" sz="2000" dirty="0" err="1"/>
+              <a:t>Tmux</a:t>
+            </a:r>
+            <a:r>
+              <a:rPr lang="en-GB" sz="2000" dirty="0"/>
+              <a:t> panes</a:t>
+            </a:r>
+          </a:p>
+          <a:p>
+            <a:pPr lvl="1"/>
+            <a:r>
+              <a:rPr lang="en-GB" sz="1600" dirty="0"/>
+              <a:t>Ctrl + b, % - to create a vertical pane</a:t>
+            </a:r>
+          </a:p>
+          <a:p>
+            <a:pPr lvl="1"/>
+            <a:r>
+              <a:rPr lang="en-GB" sz="1600" dirty="0"/>
+              <a:t>Ctrl + b, “ – to create a horizontal pane</a:t>
+            </a:r>
+          </a:p>
+          <a:p>
+            <a:pPr lvl="1"/>
+            <a:r>
+              <a:rPr lang="en-GB" sz="1600" dirty="0"/>
+              <a:t>Ctrl + b, &lt;- &amp; -&gt; - to move between panes</a:t>
+            </a:r>
+          </a:p>
+        </p:txBody>
+      </p:sp>
+      <p:grpSp>
+        <p:nvGrpSpPr>
+          <p:cNvPr id="4" name="Group 3">
+            <a:extLst>
+              <a:ext uri="{FF2B5EF4-FFF2-40B4-BE49-F238E27FC236}">
+                <a16:creationId xmlns:a16="http://schemas.microsoft.com/office/drawing/2014/main" id="{55BA607C-818E-5B03-D563-07C1034BD321}"/>
+              </a:ext>
+            </a:extLst>
+          </p:cNvPr>
+          <p:cNvGrpSpPr/>
+          <p:nvPr/>
+        </p:nvGrpSpPr>
+        <p:grpSpPr>
+          <a:xfrm>
+            <a:off x="4215988" y="5793696"/>
+            <a:ext cx="960359" cy="877088"/>
+            <a:chOff x="4215988" y="5793696"/>
+            <a:chExt cx="960359" cy="877088"/>
+          </a:xfrm>
+        </p:grpSpPr>
+        <p:pic>
+          <p:nvPicPr>
+            <p:cNvPr id="5" name="Picture 4" descr="A picture containing schematic&#10;&#10;Description automatically generated">
+              <a:extLst>
+                <a:ext uri="{FF2B5EF4-FFF2-40B4-BE49-F238E27FC236}">
+                  <a16:creationId xmlns:a16="http://schemas.microsoft.com/office/drawing/2014/main" id="{85B873B0-6502-29C0-502C-BC7E8B93194C}"/>
+                </a:ext>
+              </a:extLst>
+            </p:cNvPr>
+            <p:cNvPicPr>
+              <a:picLocks noChangeAspect="1"/>
+            </p:cNvPicPr>
+            <p:nvPr/>
+          </p:nvPicPr>
+          <p:blipFill>
+            <a:blip r:embed="rId2" cstate="print">
+              <a:extLst>
+                <a:ext uri="{28A0092B-C50C-407E-A947-70E740481C1C}">
+                  <a14:useLocalDpi xmlns:a14="http://schemas.microsoft.com/office/drawing/2010/main" val="0"/>
+                </a:ext>
+              </a:extLst>
+            </a:blip>
+            <a:stretch>
+              <a:fillRect/>
+            </a:stretch>
+          </p:blipFill>
+          <p:spPr>
+            <a:xfrm>
+              <a:off x="4299259" y="5793696"/>
+              <a:ext cx="877088" cy="877088"/>
+            </a:xfrm>
+            <a:prstGeom prst="rect">
+              <a:avLst/>
+            </a:prstGeom>
+          </p:spPr>
+        </p:pic>
+        <p:cxnSp>
+          <p:nvCxnSpPr>
+            <p:cNvPr id="6" name="Straight Connector 5">
+              <a:extLst>
+                <a:ext uri="{FF2B5EF4-FFF2-40B4-BE49-F238E27FC236}">
+                  <a16:creationId xmlns:a16="http://schemas.microsoft.com/office/drawing/2014/main" id="{C137D327-C75F-F6A7-B687-0CD6A6DE94F5}"/>
+                </a:ext>
+              </a:extLst>
+            </p:cNvPr>
+            <p:cNvCxnSpPr/>
+            <p:nvPr/>
+          </p:nvCxnSpPr>
+          <p:spPr>
+            <a:xfrm>
+              <a:off x="4215988" y="6033542"/>
+              <a:ext cx="0" cy="359764"/>
+            </a:xfrm>
+            <a:prstGeom prst="line">
+              <a:avLst/>
+            </a:prstGeom>
+            <a:ln>
+              <a:solidFill>
+                <a:schemeClr val="tx1">
+                  <a:lumMod val="75000"/>
+                  <a:lumOff val="25000"/>
+                </a:schemeClr>
+              </a:solidFill>
+            </a:ln>
+          </p:spPr>
+          <p:style>
+            <a:lnRef idx="2">
+              <a:schemeClr val="dk1"/>
+            </a:lnRef>
+            <a:fillRef idx="0">
+              <a:schemeClr val="dk1"/>
+            </a:fillRef>
+            <a:effectRef idx="1">
+              <a:schemeClr val="dk1"/>
+            </a:effectRef>
+            <a:fontRef idx="minor">
+              <a:schemeClr val="tx1"/>
+            </a:fontRef>
+          </p:style>
+        </p:cxnSp>
+      </p:grpSp>
+    </p:spTree>
+    <p:extLst>
+      <p:ext uri="{BB962C8B-B14F-4D97-AF65-F5344CB8AC3E}">
+        <p14:creationId xmlns:p14="http://schemas.microsoft.com/office/powerpoint/2010/main" val="3467460383"/>
+      </p:ext>
+    </p:extLst>
+  </p:cSld>
+  <p:clrMapOvr>
+    <a:masterClrMapping/>
+  </p:clrMapOvr>
+</p:sld>
+</file>
+
+<file path=ppt/slides/slide8.xml><?xml version="1.0" encoding="utf-8"?>
+<p:sld xmlns:a="http://schemas.openxmlformats.org/drawingml/2006/main" xmlns:r="http://schemas.openxmlformats.org/officeDocument/2006/relationships" xmlns:p="http://schemas.openxmlformats.org/presentationml/2006/main">
+  <p:cSld>
+    <p:spTree>
+      <p:nvGrpSpPr>
+        <p:cNvPr id="1" name="">
+          <a:extLst>
+            <a:ext uri="{FF2B5EF4-FFF2-40B4-BE49-F238E27FC236}">
+              <a16:creationId xmlns:a16="http://schemas.microsoft.com/office/drawing/2014/main" id="{18763E59-2E14-93DD-1EA6-F3666AAE046B}"/>
+            </a:ext>
+          </a:extLst>
+        </p:cNvPr>
+        <p:cNvGrpSpPr/>
+        <p:nvPr/>
+      </p:nvGrpSpPr>
+      <p:grpSpPr>
+        <a:xfrm>
+          <a:off x="0" y="0"/>
+          <a:ext cx="0" cy="0"/>
+          <a:chOff x="0" y="0"/>
+          <a:chExt cx="0" cy="0"/>
+        </a:xfrm>
+      </p:grpSpPr>
+      <p:sp>
+        <p:nvSpPr>
+          <p:cNvPr id="2" name="Title 1">
+            <a:extLst>
+              <a:ext uri="{FF2B5EF4-FFF2-40B4-BE49-F238E27FC236}">
+                <a16:creationId xmlns:a16="http://schemas.microsoft.com/office/drawing/2014/main" id="{03D32B99-4FFF-81D9-A350-496D99A32CA4}"/>
+              </a:ext>
+            </a:extLst>
+          </p:cNvPr>
+          <p:cNvSpPr>
+            <a:spLocks noGrp="1"/>
+          </p:cNvSpPr>
+          <p:nvPr>
+            <p:ph type="title"/>
+          </p:nvPr>
+        </p:nvSpPr>
+        <p:spPr>
+          <a:xfrm>
+            <a:off x="529167" y="457622"/>
+            <a:ext cx="10363200" cy="1143000"/>
+          </a:xfrm>
+        </p:spPr>
+        <p:txBody>
+          <a:bodyPr/>
+          <a:lstStyle/>
+          <a:p>
+            <a:r>
+              <a:rPr lang="en-GB" dirty="0" err="1"/>
+              <a:t>Tmux</a:t>
+            </a:r>
+            <a:r>
+              <a:rPr lang="en-GB" dirty="0"/>
+              <a:t> sessions &amp; navigation</a:t>
+            </a:r>
+          </a:p>
+        </p:txBody>
+      </p:sp>
+      <p:sp>
+        <p:nvSpPr>
+          <p:cNvPr id="3" name="Content Placeholder 2">
+            <a:extLst>
+              <a:ext uri="{FF2B5EF4-FFF2-40B4-BE49-F238E27FC236}">
+                <a16:creationId xmlns:a16="http://schemas.microsoft.com/office/drawing/2014/main" id="{5CA82FC9-9456-DA4E-8EF5-01BF5033D114}"/>
+              </a:ext>
+            </a:extLst>
+          </p:cNvPr>
+          <p:cNvSpPr>
+            <a:spLocks noGrp="1"/>
+          </p:cNvSpPr>
+          <p:nvPr>
+            <p:ph idx="1"/>
+          </p:nvPr>
+        </p:nvSpPr>
+        <p:spPr>
+          <a:xfrm>
+            <a:off x="529167" y="1484784"/>
+            <a:ext cx="10363200" cy="4325466"/>
+          </a:xfrm>
+        </p:spPr>
+        <p:txBody>
+          <a:bodyPr>
+            <a:noAutofit/>
+          </a:bodyPr>
+          <a:lstStyle/>
+          <a:p>
+            <a:r>
+              <a:rPr lang="en-GB" sz="2400" dirty="0"/>
+              <a:t>To start a </a:t>
+            </a:r>
+            <a:r>
+              <a:rPr lang="en-GB" sz="2400" dirty="0" err="1"/>
+              <a:t>tmux</a:t>
+            </a:r>
+            <a:r>
+              <a:rPr lang="en-GB" sz="2400" dirty="0"/>
+              <a:t> session</a:t>
+            </a:r>
+          </a:p>
+          <a:p>
+            <a:pPr lvl="1"/>
+            <a:r>
+              <a:rPr lang="en-GB" sz="2000" dirty="0" err="1">
+                <a:latin typeface="Courier New" panose="02070309020205020404" pitchFamily="49" charset="0"/>
+                <a:cs typeface="Courier New" panose="02070309020205020404" pitchFamily="49" charset="0"/>
+              </a:rPr>
+              <a:t>tmux</a:t>
+            </a:r>
+            <a:r>
+              <a:rPr lang="en-GB" sz="2000" dirty="0"/>
+              <a:t> – to start a session called 0</a:t>
+            </a:r>
+          </a:p>
+          <a:p>
+            <a:pPr lvl="1"/>
+            <a:r>
+              <a:rPr lang="en-GB" sz="2000" dirty="0" err="1">
+                <a:latin typeface="Courier New" panose="02070309020205020404" pitchFamily="49" charset="0"/>
+                <a:cs typeface="Courier New" panose="02070309020205020404" pitchFamily="49" charset="0"/>
+              </a:rPr>
+              <a:t>tmux</a:t>
+            </a:r>
+            <a:r>
+              <a:rPr lang="en-GB" sz="2000" dirty="0">
+                <a:latin typeface="Courier New" panose="02070309020205020404" pitchFamily="49" charset="0"/>
+                <a:cs typeface="Courier New" panose="02070309020205020404" pitchFamily="49" charset="0"/>
+              </a:rPr>
+              <a:t> new-session –s &lt;name&gt; </a:t>
+            </a:r>
+            <a:r>
+              <a:rPr lang="en-GB" sz="2000" dirty="0"/>
+              <a:t>- to start a new session with your given name</a:t>
+            </a:r>
+          </a:p>
+          <a:p>
+            <a:r>
+              <a:rPr lang="en-GB" sz="2400" dirty="0">
+                <a:latin typeface="Courier New" panose="02070309020205020404" pitchFamily="49" charset="0"/>
+                <a:cs typeface="Courier New" panose="02070309020205020404" pitchFamily="49" charset="0"/>
+              </a:rPr>
+              <a:t>Ctrl + b, d </a:t>
+            </a:r>
+            <a:r>
+              <a:rPr lang="en-GB" sz="2400" dirty="0"/>
+              <a:t>to detach your </a:t>
+            </a:r>
+            <a:r>
+              <a:rPr lang="en-GB" sz="2400" dirty="0" err="1"/>
+              <a:t>tmux</a:t>
+            </a:r>
+            <a:r>
+              <a:rPr lang="en-GB" sz="2400" dirty="0"/>
+              <a:t> session</a:t>
+            </a:r>
+          </a:p>
+          <a:p>
+            <a:r>
+              <a:rPr lang="en-GB" sz="2400" dirty="0" err="1">
+                <a:latin typeface="Courier New" panose="02070309020205020404" pitchFamily="49" charset="0"/>
+                <a:cs typeface="Courier New" panose="02070309020205020404" pitchFamily="49" charset="0"/>
+              </a:rPr>
+              <a:t>tmux</a:t>
+            </a:r>
+            <a:r>
+              <a:rPr lang="en-GB" sz="2400" dirty="0">
+                <a:latin typeface="Courier New" panose="02070309020205020404" pitchFamily="49" charset="0"/>
+                <a:cs typeface="Courier New" panose="02070309020205020404" pitchFamily="49" charset="0"/>
+              </a:rPr>
+              <a:t> attach -t &lt;name&gt;</a:t>
+            </a:r>
+          </a:p>
+          <a:p>
+            <a:r>
+              <a:rPr lang="en-GB" sz="2400" dirty="0">
+                <a:latin typeface="Courier New" panose="02070309020205020404" pitchFamily="49" charset="0"/>
+                <a:cs typeface="Courier New" panose="02070309020205020404" pitchFamily="49" charset="0"/>
+              </a:rPr>
+              <a:t>Ctrl + b, q </a:t>
+            </a:r>
+            <a:r>
+              <a:rPr lang="en-GB" sz="2400" dirty="0"/>
+              <a:t>to show each pane number</a:t>
+            </a:r>
+          </a:p>
+          <a:p>
+            <a:r>
+              <a:rPr lang="en-GB" sz="2400" dirty="0">
+                <a:latin typeface="Courier New" panose="02070309020205020404" pitchFamily="49" charset="0"/>
+                <a:cs typeface="Courier New" panose="02070309020205020404" pitchFamily="49" charset="0"/>
+              </a:rPr>
+              <a:t>Ctrl + b, w </a:t>
+            </a:r>
+            <a:r>
+              <a:rPr lang="en-GB" sz="2400" dirty="0"/>
+              <a:t>To show collection of panes and windows to move between them</a:t>
+            </a:r>
+          </a:p>
+          <a:p>
+            <a:pPr lvl="1"/>
+            <a:r>
+              <a:rPr lang="en-GB" sz="2000" dirty="0"/>
+              <a:t>Use -&gt; to expand a window and move between panes</a:t>
+            </a:r>
+          </a:p>
+          <a:p>
+            <a:r>
+              <a:rPr lang="en-GB" sz="2400" dirty="0" err="1">
+                <a:latin typeface="Courier New" panose="02070309020205020404" pitchFamily="49" charset="0"/>
+                <a:cs typeface="Courier New" panose="02070309020205020404" pitchFamily="49" charset="0"/>
+              </a:rPr>
+              <a:t>tmux</a:t>
+            </a:r>
+            <a:r>
+              <a:rPr lang="en-GB" sz="2400" dirty="0">
+                <a:latin typeface="Courier New" panose="02070309020205020404" pitchFamily="49" charset="0"/>
+                <a:cs typeface="Courier New" panose="02070309020205020404" pitchFamily="49" charset="0"/>
+              </a:rPr>
+              <a:t> kill-session –t &lt;name&gt; </a:t>
+            </a:r>
+          </a:p>
+          <a:p>
+            <a:endParaRPr lang="en-GB" sz="1600" dirty="0"/>
+          </a:p>
+        </p:txBody>
+      </p:sp>
+      <p:grpSp>
+        <p:nvGrpSpPr>
+          <p:cNvPr id="4" name="Group 3">
+            <a:extLst>
+              <a:ext uri="{FF2B5EF4-FFF2-40B4-BE49-F238E27FC236}">
+                <a16:creationId xmlns:a16="http://schemas.microsoft.com/office/drawing/2014/main" id="{391FBD95-BED2-E7CC-4410-5564267960C8}"/>
+              </a:ext>
+            </a:extLst>
+          </p:cNvPr>
+          <p:cNvGrpSpPr/>
+          <p:nvPr/>
+        </p:nvGrpSpPr>
+        <p:grpSpPr>
+          <a:xfrm>
+            <a:off x="4215988" y="5793696"/>
+            <a:ext cx="960359" cy="877088"/>
+            <a:chOff x="4215988" y="5793696"/>
+            <a:chExt cx="960359" cy="877088"/>
+          </a:xfrm>
+        </p:grpSpPr>
+        <p:pic>
+          <p:nvPicPr>
+            <p:cNvPr id="5" name="Picture 4" descr="A picture containing schematic&#10;&#10;Description automatically generated">
+              <a:extLst>
+                <a:ext uri="{FF2B5EF4-FFF2-40B4-BE49-F238E27FC236}">
+                  <a16:creationId xmlns:a16="http://schemas.microsoft.com/office/drawing/2014/main" id="{8190A348-C417-210E-2FE1-19A8375D8B40}"/>
+                </a:ext>
+              </a:extLst>
+            </p:cNvPr>
+            <p:cNvPicPr>
+              <a:picLocks noChangeAspect="1"/>
+            </p:cNvPicPr>
+            <p:nvPr/>
+          </p:nvPicPr>
+          <p:blipFill>
+            <a:blip r:embed="rId2" cstate="print">
+              <a:extLst>
+                <a:ext uri="{28A0092B-C50C-407E-A947-70E740481C1C}">
+                  <a14:useLocalDpi xmlns:a14="http://schemas.microsoft.com/office/drawing/2010/main" val="0"/>
+                </a:ext>
+              </a:extLst>
+            </a:blip>
+            <a:stretch>
+              <a:fillRect/>
+            </a:stretch>
+          </p:blipFill>
+          <p:spPr>
+            <a:xfrm>
+              <a:off x="4299259" y="5793696"/>
+              <a:ext cx="877088" cy="877088"/>
+            </a:xfrm>
+            <a:prstGeom prst="rect">
+              <a:avLst/>
+            </a:prstGeom>
+          </p:spPr>
+        </p:pic>
+        <p:cxnSp>
+          <p:nvCxnSpPr>
+            <p:cNvPr id="6" name="Straight Connector 5">
+              <a:extLst>
+                <a:ext uri="{FF2B5EF4-FFF2-40B4-BE49-F238E27FC236}">
+                  <a16:creationId xmlns:a16="http://schemas.microsoft.com/office/drawing/2014/main" id="{5EEC49E6-24BD-F209-FB69-C8BA09991168}"/>
+                </a:ext>
+              </a:extLst>
+            </p:cNvPr>
+            <p:cNvCxnSpPr/>
+            <p:nvPr/>
+          </p:nvCxnSpPr>
+          <p:spPr>
+            <a:xfrm>
+              <a:off x="4215988" y="6033542"/>
+              <a:ext cx="0" cy="359764"/>
+            </a:xfrm>
+            <a:prstGeom prst="line">
+              <a:avLst/>
+            </a:prstGeom>
+            <a:ln>
+              <a:solidFill>
+                <a:schemeClr val="tx1">
+                  <a:lumMod val="75000"/>
+                  <a:lumOff val="25000"/>
+                </a:schemeClr>
+              </a:solidFill>
+            </a:ln>
+          </p:spPr>
+          <p:style>
+            <a:lnRef idx="2">
+              <a:schemeClr val="dk1"/>
+            </a:lnRef>
+            <a:fillRef idx="0">
+              <a:schemeClr val="dk1"/>
+            </a:fillRef>
+            <a:effectRef idx="1">
+              <a:schemeClr val="dk1"/>
+            </a:effectRef>
+            <a:fontRef idx="minor">
+              <a:schemeClr val="tx1"/>
+            </a:fontRef>
+          </p:style>
+        </p:cxnSp>
+      </p:grpSp>
+    </p:spTree>
+    <p:extLst>
+      <p:ext uri="{BB962C8B-B14F-4D97-AF65-F5344CB8AC3E}">
+        <p14:creationId xmlns:p14="http://schemas.microsoft.com/office/powerpoint/2010/main" val="735582819"/>
+      </p:ext>
+    </p:extLst>
+  </p:cSld>
+  <p:clrMapOvr>
+    <a:masterClrMapping/>
+  </p:clrMapOvr>
+</p:sld>
+</file>
+
+<file path=ppt/slides/slide9.xml><?xml version="1.0" encoding="utf-8"?>
+<p:sld xmlns:a="http://schemas.openxmlformats.org/drawingml/2006/main" xmlns:r="http://schemas.openxmlformats.org/officeDocument/2006/relationships" xmlns:p="http://schemas.openxmlformats.org/presentationml/2006/main">
+  <p:cSld>
+    <p:spTree>
+      <p:nvGrpSpPr>
+        <p:cNvPr id="1" name="">
+          <a:extLst>
+            <a:ext uri="{FF2B5EF4-FFF2-40B4-BE49-F238E27FC236}">
+              <a16:creationId xmlns:a16="http://schemas.microsoft.com/office/drawing/2014/main" id="{2541BB96-750C-A4A4-333D-8A1FAD7F03A1}"/>
+            </a:ext>
+          </a:extLst>
+        </p:cNvPr>
+        <p:cNvGrpSpPr/>
+        <p:nvPr/>
+      </p:nvGrpSpPr>
+      <p:grpSpPr>
+        <a:xfrm>
+          <a:off x="0" y="0"/>
+          <a:ext cx="0" cy="0"/>
+          <a:chOff x="0" y="0"/>
+          <a:chExt cx="0" cy="0"/>
+        </a:xfrm>
+      </p:grpSpPr>
+      <p:sp>
+        <p:nvSpPr>
+          <p:cNvPr id="2" name="Title 1">
+            <a:extLst>
+              <a:ext uri="{FF2B5EF4-FFF2-40B4-BE49-F238E27FC236}">
+                <a16:creationId xmlns:a16="http://schemas.microsoft.com/office/drawing/2014/main" id="{021BBFDF-719C-5CCE-1E03-89DFF3B8A18C}"/>
+              </a:ext>
+            </a:extLst>
+          </p:cNvPr>
+          <p:cNvSpPr>
+            <a:spLocks noGrp="1"/>
+          </p:cNvSpPr>
+          <p:nvPr>
+            <p:ph type="title"/>
+          </p:nvPr>
+        </p:nvSpPr>
+        <p:spPr>
+          <a:xfrm>
+            <a:off x="529167" y="457622"/>
+            <a:ext cx="10363200" cy="1143000"/>
+          </a:xfrm>
+        </p:spPr>
+        <p:txBody>
+          <a:bodyPr/>
+          <a:lstStyle/>
+          <a:p>
+            <a:r>
+              <a:rPr lang="en-GB" dirty="0" err="1"/>
+              <a:t>Tmux</a:t>
+            </a:r>
+            <a:r>
+              <a:rPr lang="en-GB" dirty="0"/>
+              <a:t> Task</a:t>
+            </a:r>
+          </a:p>
+        </p:txBody>
+      </p:sp>
+      <p:sp>
+        <p:nvSpPr>
+          <p:cNvPr id="3" name="Content Placeholder 2">
+            <a:extLst>
+              <a:ext uri="{FF2B5EF4-FFF2-40B4-BE49-F238E27FC236}">
+                <a16:creationId xmlns:a16="http://schemas.microsoft.com/office/drawing/2014/main" id="{01001319-5F74-98ED-5B48-02C0E139FEE8}"/>
+              </a:ext>
+            </a:extLst>
+          </p:cNvPr>
+          <p:cNvSpPr>
+            <a:spLocks noGrp="1"/>
+          </p:cNvSpPr>
+          <p:nvPr>
+            <p:ph idx="1"/>
+          </p:nvPr>
+        </p:nvSpPr>
+        <p:spPr>
+          <a:xfrm>
+            <a:off x="529167" y="1484784"/>
+            <a:ext cx="10363200" cy="4325466"/>
+          </a:xfrm>
+        </p:spPr>
+        <p:txBody>
+          <a:bodyPr>
+            <a:noAutofit/>
+          </a:bodyPr>
+          <a:lstStyle/>
+          <a:p>
+            <a:r>
+              <a:rPr lang="en-GB" sz="2400" dirty="0"/>
+              <a:t>Start a </a:t>
+            </a:r>
+            <a:r>
+              <a:rPr lang="en-GB" sz="2400" dirty="0" err="1"/>
+              <a:t>tmux</a:t>
+            </a:r>
+            <a:r>
+              <a:rPr lang="en-GB" sz="2400" dirty="0"/>
+              <a:t> session called training</a:t>
+            </a:r>
+          </a:p>
+          <a:p>
+            <a:r>
+              <a:rPr lang="en-GB" sz="2400" dirty="0"/>
+              <a:t>Create 2 windows</a:t>
+            </a:r>
+          </a:p>
+          <a:p>
+            <a:pPr lvl="1"/>
+            <a:r>
+              <a:rPr lang="en-GB" sz="2000" dirty="0"/>
+              <a:t>Window 1 will have 2 vertical panes</a:t>
+            </a:r>
+          </a:p>
+          <a:p>
+            <a:pPr lvl="1"/>
+            <a:r>
+              <a:rPr lang="en-GB" sz="2000" dirty="0"/>
+              <a:t>Window 2 will have 2 horizontal panes</a:t>
+            </a:r>
+          </a:p>
+          <a:p>
+            <a:r>
+              <a:rPr lang="en-GB" sz="2400" dirty="0"/>
+              <a:t>Navigate between all the windows and panes</a:t>
+            </a:r>
+          </a:p>
+          <a:p>
+            <a:r>
+              <a:rPr lang="en-GB" sz="2400" dirty="0"/>
+              <a:t>Kill the session</a:t>
+            </a:r>
+          </a:p>
+          <a:p>
+            <a:endParaRPr lang="en-GB" sz="2400" dirty="0"/>
+          </a:p>
+          <a:p>
+            <a:endParaRPr lang="en-GB" sz="1600" dirty="0"/>
+          </a:p>
+        </p:txBody>
+      </p:sp>
+      <p:grpSp>
+        <p:nvGrpSpPr>
+          <p:cNvPr id="4" name="Group 3">
+            <a:extLst>
+              <a:ext uri="{FF2B5EF4-FFF2-40B4-BE49-F238E27FC236}">
+                <a16:creationId xmlns:a16="http://schemas.microsoft.com/office/drawing/2014/main" id="{59AB4EA9-1F7A-A02E-6E6D-A03F542AA8CE}"/>
+              </a:ext>
+            </a:extLst>
+          </p:cNvPr>
+          <p:cNvGrpSpPr/>
+          <p:nvPr/>
+        </p:nvGrpSpPr>
+        <p:grpSpPr>
+          <a:xfrm>
+            <a:off x="4215988" y="5793696"/>
+            <a:ext cx="960359" cy="877088"/>
+            <a:chOff x="4215988" y="5793696"/>
+            <a:chExt cx="960359" cy="877088"/>
+          </a:xfrm>
+        </p:grpSpPr>
+        <p:pic>
+          <p:nvPicPr>
+            <p:cNvPr id="5" name="Picture 4" descr="A picture containing schematic&#10;&#10;Description automatically generated">
+              <a:extLst>
+                <a:ext uri="{FF2B5EF4-FFF2-40B4-BE49-F238E27FC236}">
+                  <a16:creationId xmlns:a16="http://schemas.microsoft.com/office/drawing/2014/main" id="{0D92B170-B44E-3D06-11E4-920D4AB7A084}"/>
+                </a:ext>
+              </a:extLst>
+            </p:cNvPr>
+            <p:cNvPicPr>
+              <a:picLocks noChangeAspect="1"/>
+            </p:cNvPicPr>
+            <p:nvPr/>
+          </p:nvPicPr>
+          <p:blipFill>
+            <a:blip r:embed="rId2" cstate="print">
+              <a:extLst>
+                <a:ext uri="{28A0092B-C50C-407E-A947-70E740481C1C}">
+                  <a14:useLocalDpi xmlns:a14="http://schemas.microsoft.com/office/drawing/2010/main" val="0"/>
+                </a:ext>
+              </a:extLst>
+            </a:blip>
+            <a:stretch>
+              <a:fillRect/>
+            </a:stretch>
+          </p:blipFill>
+          <p:spPr>
+            <a:xfrm>
+              <a:off x="4299259" y="5793696"/>
+              <a:ext cx="877088" cy="877088"/>
+            </a:xfrm>
+            <a:prstGeom prst="rect">
+              <a:avLst/>
+            </a:prstGeom>
+          </p:spPr>
+        </p:pic>
+        <p:cxnSp>
+          <p:nvCxnSpPr>
+            <p:cNvPr id="6" name="Straight Connector 5">
+              <a:extLst>
+                <a:ext uri="{FF2B5EF4-FFF2-40B4-BE49-F238E27FC236}">
+                  <a16:creationId xmlns:a16="http://schemas.microsoft.com/office/drawing/2014/main" id="{9079239D-5FD9-9517-229E-3C281F5FF171}"/>
+                </a:ext>
+              </a:extLst>
+            </p:cNvPr>
+            <p:cNvCxnSpPr/>
+            <p:nvPr/>
+          </p:nvCxnSpPr>
+          <p:spPr>
+            <a:xfrm>
+              <a:off x="4215988" y="6033542"/>
+              <a:ext cx="0" cy="359764"/>
+            </a:xfrm>
+            <a:prstGeom prst="line">
+              <a:avLst/>
+            </a:prstGeom>
+            <a:ln>
+              <a:solidFill>
+                <a:schemeClr val="tx1">
+                  <a:lumMod val="75000"/>
+                  <a:lumOff val="25000"/>
+                </a:schemeClr>
+              </a:solidFill>
+            </a:ln>
+          </p:spPr>
+          <p:style>
+            <a:lnRef idx="2">
+              <a:schemeClr val="dk1"/>
+            </a:lnRef>
+            <a:fillRef idx="0">
+              <a:schemeClr val="dk1"/>
+            </a:fillRef>
+            <a:effectRef idx="1">
+              <a:schemeClr val="dk1"/>
+            </a:effectRef>
+            <a:fontRef idx="minor">
+              <a:schemeClr val="tx1"/>
+            </a:fontRef>
+          </p:style>
+        </p:cxnSp>
+      </p:grpSp>
+    </p:spTree>
+    <p:extLst>
+      <p:ext uri="{BB962C8B-B14F-4D97-AF65-F5344CB8AC3E}">
+        <p14:creationId xmlns:p14="http://schemas.microsoft.com/office/powerpoint/2010/main" val="3484290327"/>
       </p:ext>
     </p:extLst>
   </p:cSld>

--- a/Interactive_jobs/Baskerville-Interactive-jobs.pptx
+++ b/Interactive_jobs/Baskerville-Interactive-jobs.pptx
@@ -21,9 +21,9 @@
     <p:sldId id="288" r:id="rId18"/>
     <p:sldId id="277" r:id="rId19"/>
     <p:sldId id="291" r:id="rId20"/>
-    <p:sldId id="293" r:id="rId21"/>
-    <p:sldId id="292" r:id="rId22"/>
-    <p:sldId id="294" r:id="rId23"/>
+    <p:sldId id="292" r:id="rId21"/>
+    <p:sldId id="294" r:id="rId22"/>
+    <p:sldId id="293" r:id="rId23"/>
     <p:sldId id="296" r:id="rId24"/>
     <p:sldId id="297" r:id="rId25"/>
     <p:sldId id="295" r:id="rId26"/>
@@ -338,7 +338,7 @@
           <a:p>
             <a:fld id="{073F35EF-A6EE-47AC-A495-9B6E931EEBD2}" type="datetimeFigureOut">
               <a:rPr lang="en-GB" smtClean="0"/>
-              <a:t>15/01/2025</a:t>
+              <a:t>17/01/2025</a:t>
             </a:fld>
             <a:endParaRPr lang="en-GB"/>
           </a:p>
@@ -615,7 +615,7 @@
           <a:p>
             <a:fld id="{073F35EF-A6EE-47AC-A495-9B6E931EEBD2}" type="datetimeFigureOut">
               <a:rPr lang="en-GB" smtClean="0"/>
-              <a:t>15/01/2025</a:t>
+              <a:t>17/01/2025</a:t>
             </a:fld>
             <a:endParaRPr lang="en-GB"/>
           </a:p>
@@ -872,7 +872,7 @@
           <a:p>
             <a:fld id="{073F35EF-A6EE-47AC-A495-9B6E931EEBD2}" type="datetimeFigureOut">
               <a:rPr lang="en-GB" smtClean="0"/>
-              <a:t>15/01/2025</a:t>
+              <a:t>17/01/2025</a:t>
             </a:fld>
             <a:endParaRPr lang="en-GB"/>
           </a:p>
@@ -1042,7 +1042,7 @@
           <a:p>
             <a:fld id="{073F35EF-A6EE-47AC-A495-9B6E931EEBD2}" type="datetimeFigureOut">
               <a:rPr lang="en-GB" smtClean="0"/>
-              <a:t>15/01/2025</a:t>
+              <a:t>17/01/2025</a:t>
             </a:fld>
             <a:endParaRPr lang="en-GB"/>
           </a:p>
@@ -1222,7 +1222,7 @@
           <a:p>
             <a:fld id="{073F35EF-A6EE-47AC-A495-9B6E931EEBD2}" type="datetimeFigureOut">
               <a:rPr lang="en-GB" smtClean="0"/>
-              <a:t>15/01/2025</a:t>
+              <a:t>17/01/2025</a:t>
             </a:fld>
             <a:endParaRPr lang="en-GB"/>
           </a:p>
@@ -1740,7 +1740,7 @@
           <a:p>
             <a:fld id="{073F35EF-A6EE-47AC-A495-9B6E931EEBD2}" type="datetimeFigureOut">
               <a:rPr lang="en-GB" smtClean="0"/>
-              <a:t>15/01/2025</a:t>
+              <a:t>17/01/2025</a:t>
             </a:fld>
             <a:endParaRPr lang="en-GB"/>
           </a:p>
@@ -1910,7 +1910,7 @@
           <a:p>
             <a:fld id="{073F35EF-A6EE-47AC-A495-9B6E931EEBD2}" type="datetimeFigureOut">
               <a:rPr lang="en-GB" smtClean="0"/>
-              <a:t>15/01/2025</a:t>
+              <a:t>17/01/2025</a:t>
             </a:fld>
             <a:endParaRPr lang="en-GB"/>
           </a:p>
@@ -2156,7 +2156,7 @@
           <a:p>
             <a:fld id="{073F35EF-A6EE-47AC-A495-9B6E931EEBD2}" type="datetimeFigureOut">
               <a:rPr lang="en-GB" smtClean="0"/>
-              <a:t>15/01/2025</a:t>
+              <a:t>17/01/2025</a:t>
             </a:fld>
             <a:endParaRPr lang="en-GB"/>
           </a:p>
@@ -2388,7 +2388,7 @@
           <a:p>
             <a:fld id="{073F35EF-A6EE-47AC-A495-9B6E931EEBD2}" type="datetimeFigureOut">
               <a:rPr lang="en-GB" smtClean="0"/>
-              <a:t>15/01/2025</a:t>
+              <a:t>17/01/2025</a:t>
             </a:fld>
             <a:endParaRPr lang="en-GB"/>
           </a:p>
@@ -2755,7 +2755,7 @@
           <a:p>
             <a:fld id="{073F35EF-A6EE-47AC-A495-9B6E931EEBD2}" type="datetimeFigureOut">
               <a:rPr lang="en-GB" smtClean="0"/>
-              <a:t>15/01/2025</a:t>
+              <a:t>17/01/2025</a:t>
             </a:fld>
             <a:endParaRPr lang="en-GB"/>
           </a:p>
@@ -2873,7 +2873,7 @@
           <a:p>
             <a:fld id="{073F35EF-A6EE-47AC-A495-9B6E931EEBD2}" type="datetimeFigureOut">
               <a:rPr lang="en-GB" smtClean="0"/>
-              <a:t>15/01/2025</a:t>
+              <a:t>17/01/2025</a:t>
             </a:fld>
             <a:endParaRPr lang="en-GB"/>
           </a:p>
@@ -3086,7 +3086,7 @@
           <a:p>
             <a:fld id="{073F35EF-A6EE-47AC-A495-9B6E931EEBD2}" type="datetimeFigureOut">
               <a:rPr lang="en-GB" smtClean="0"/>
-              <a:t>15/01/2025</a:t>
+              <a:t>17/01/2025</a:t>
             </a:fld>
             <a:endParaRPr lang="en-GB"/>
           </a:p>
@@ -4591,46 +4591,46 @@
           <a:lstStyle/>
           <a:p>
             <a:r>
+              <a:rPr lang="en-GB" dirty="0"/>
+              <a:t>Try not to leave interactive jobs idle</a:t>
+            </a:r>
+          </a:p>
+          <a:p>
+            <a:pPr lvl="1"/>
+            <a:r>
+              <a:rPr lang="en-GB" sz="1800" dirty="0"/>
+              <a:t>If job will take a long time detach </a:t>
+            </a:r>
+            <a:r>
+              <a:rPr lang="en-GB" sz="1800" dirty="0" err="1"/>
+              <a:t>tmux</a:t>
+            </a:r>
+            <a:r>
+              <a:rPr lang="en-GB" sz="1800" dirty="0"/>
+              <a:t> session and resume later</a:t>
+            </a:r>
+          </a:p>
+          <a:p>
+            <a:r>
               <a:rPr lang="en-GB" sz="2400" dirty="0"/>
-              <a:t>Try not to leave interactive jobs idle</a:t>
-            </a:r>
-          </a:p>
-          <a:p>
-            <a:pPr lvl="1"/>
-            <a:r>
-              <a:rPr lang="en-GB" sz="1600" dirty="0"/>
-              <a:t>If job will take a long time detach </a:t>
-            </a:r>
-            <a:r>
-              <a:rPr lang="en-GB" sz="1600" dirty="0" err="1"/>
+              <a:t>Try to keep </a:t>
+            </a:r>
+            <a:r>
+              <a:rPr lang="en-GB" sz="2400" dirty="0" err="1"/>
               <a:t>tmux</a:t>
             </a:r>
             <a:r>
-              <a:rPr lang="en-GB" sz="1600" dirty="0"/>
-              <a:t> session and resume later</a:t>
-            </a:r>
-          </a:p>
-          <a:p>
-            <a:r>
-              <a:rPr lang="en-GB" sz="2000" dirty="0"/>
-              <a:t>Try to keep </a:t>
-            </a:r>
-            <a:r>
-              <a:rPr lang="en-GB" sz="2000" dirty="0" err="1"/>
-              <a:t>tmux</a:t>
-            </a:r>
-            <a:r>
-              <a:rPr lang="en-GB" sz="2000" dirty="0"/>
+              <a:rPr lang="en-GB" sz="2400" dirty="0"/>
               <a:t> sessions, session specific close and start a new one for a new session</a:t>
             </a:r>
           </a:p>
           <a:p>
             <a:r>
-              <a:rPr lang="en-GB" sz="2000" dirty="0" err="1"/>
+              <a:rPr lang="en-GB" sz="2400" dirty="0" err="1"/>
               <a:t>Tmux</a:t>
             </a:r>
             <a:r>
-              <a:rPr lang="en-GB" sz="2000" dirty="0"/>
+              <a:rPr lang="en-GB" sz="2400" dirty="0"/>
               <a:t> is not infallible, and sessions can end unexpectedly especially if there is a problem with a login node</a:t>
             </a:r>
           </a:p>
@@ -4835,105 +4835,105 @@
           <a:lstStyle/>
           <a:p>
             <a:r>
-              <a:rPr lang="en-GB" sz="2000" dirty="0"/>
+              <a:rPr lang="en-GB" sz="2400" dirty="0"/>
               <a:t>Start a </a:t>
             </a:r>
             <a:r>
-              <a:rPr lang="en-GB" sz="2000" dirty="0" err="1"/>
+              <a:rPr lang="en-GB" sz="2400" dirty="0" err="1"/>
               <a:t>tmux</a:t>
             </a:r>
             <a:r>
-              <a:rPr lang="en-GB" sz="2000" dirty="0"/>
+              <a:rPr lang="en-GB" sz="2400" dirty="0"/>
               <a:t> session</a:t>
             </a:r>
           </a:p>
           <a:p>
             <a:r>
-              <a:rPr lang="en-GB" sz="2000" dirty="0"/>
+              <a:rPr lang="en-GB" sz="2400" dirty="0"/>
               <a:t>Split to 2 panes</a:t>
             </a:r>
           </a:p>
           <a:p>
             <a:r>
-              <a:rPr lang="en-GB" sz="2000" dirty="0"/>
+              <a:rPr lang="en-GB" sz="2400" dirty="0"/>
               <a:t>Start an interactive session in one of the panes:</a:t>
             </a:r>
           </a:p>
           <a:p>
             <a:pPr lvl="1"/>
             <a:r>
-              <a:rPr lang="en-GB" sz="1600" dirty="0"/>
+              <a:rPr lang="en-GB" sz="1800" dirty="0"/>
               <a:t>Interactive execution files:</a:t>
             </a:r>
           </a:p>
           <a:p>
             <a:pPr lvl="2"/>
             <a:r>
-              <a:rPr lang="en-GB" sz="1200" dirty="0"/>
+              <a:rPr lang="en-GB" sz="1400" dirty="0"/>
               <a:t>srun_rfi.sh and srun_diamond.sh</a:t>
             </a:r>
           </a:p>
           <a:p>
             <a:pPr lvl="2"/>
             <a:r>
-              <a:rPr lang="en-GB" sz="1200" dirty="0"/>
+              <a:rPr lang="en-GB" sz="1400" dirty="0"/>
               <a:t>Job is requesting 1 GPU and </a:t>
             </a:r>
             <a:r>
-              <a:rPr lang="en-GB" sz="1200" dirty="0" err="1"/>
+              <a:rPr lang="en-GB" sz="1400" dirty="0" err="1"/>
               <a:t>ntasks</a:t>
             </a:r>
             <a:r>
-              <a:rPr lang="en-GB" sz="1200" dirty="0"/>
+              <a:rPr lang="en-GB" sz="1400" dirty="0"/>
               <a:t>=36 over 1 node for 2 hours</a:t>
             </a:r>
           </a:p>
           <a:p>
             <a:pPr lvl="1"/>
             <a:r>
-              <a:rPr lang="en-GB" sz="1600" dirty="0"/>
+              <a:rPr lang="en-GB" sz="1800" dirty="0"/>
               <a:t>Can use commands found </a:t>
             </a:r>
             <a:r>
-              <a:rPr lang="en-GB" sz="1800" dirty="0">
+              <a:rPr lang="en-GB" sz="2000" dirty="0">
                 <a:hlinkClick r:id="rId2"/>
               </a:rPr>
               <a:t>https://docs.baskerville.ac.uk/interactive-jobs/</a:t>
             </a:r>
             <a:r>
-              <a:rPr lang="en-GB" sz="1800" dirty="0"/>
+              <a:rPr lang="en-GB" sz="2000" dirty="0"/>
               <a:t> - with reservation flag</a:t>
             </a:r>
           </a:p>
           <a:p>
             <a:pPr lvl="1"/>
             <a:r>
-              <a:rPr lang="en-GB" sz="1800" dirty="0"/>
+              <a:rPr lang="en-GB" sz="2000" dirty="0"/>
               <a:t>In the other pane ssh to the compute node and run:</a:t>
             </a:r>
           </a:p>
           <a:p>
             <a:pPr lvl="2"/>
             <a:r>
-              <a:rPr lang="en-GB" sz="1400" dirty="0"/>
+              <a:rPr lang="en-GB" sz="1600" dirty="0"/>
               <a:t>`</a:t>
             </a:r>
             <a:r>
-              <a:rPr lang="en-GB" sz="1400" dirty="0">
+              <a:rPr lang="en-GB" sz="1600" dirty="0">
                 <a:latin typeface="Courier New" panose="02070309020205020404" pitchFamily="49" charset="0"/>
                 <a:cs typeface="Courier New" panose="02070309020205020404" pitchFamily="49" charset="0"/>
               </a:rPr>
               <a:t>watch -n 1 </a:t>
             </a:r>
             <a:r>
-              <a:rPr lang="en-GB" sz="1400" dirty="0" err="1">
+              <a:rPr lang="en-GB" sz="1600" dirty="0" err="1">
                 <a:latin typeface="Courier New" panose="02070309020205020404" pitchFamily="49" charset="0"/>
                 <a:cs typeface="Courier New" panose="02070309020205020404" pitchFamily="49" charset="0"/>
               </a:rPr>
               <a:t>nvidia-smi</a:t>
             </a:r>
             <a:r>
-              <a:rPr lang="en-GB" sz="1400" dirty="0">
+              <a:rPr lang="en-GB" sz="1600" dirty="0">
                 <a:latin typeface="Courier New" panose="02070309020205020404" pitchFamily="49" charset="0"/>
                 <a:cs typeface="Courier New" panose="02070309020205020404" pitchFamily="49" charset="0"/>
               </a:rPr>
@@ -4942,7 +4942,7 @@
           </a:p>
           <a:p>
             <a:r>
-              <a:rPr lang="en-GB" sz="2200" dirty="0"/>
+              <a:rPr lang="en-GB" sz="2400" dirty="0"/>
               <a:t>Now on a compute node you can do the following tasks</a:t>
             </a:r>
           </a:p>
@@ -5806,250 +5806,6 @@
         <p:cNvPr id="1" name="">
           <a:extLst>
             <a:ext uri="{FF2B5EF4-FFF2-40B4-BE49-F238E27FC236}">
-              <a16:creationId xmlns:a16="http://schemas.microsoft.com/office/drawing/2014/main" id="{4C769C9F-890C-FDD8-DC17-413DBDF735A0}"/>
-            </a:ext>
-          </a:extLst>
-        </p:cNvPr>
-        <p:cNvGrpSpPr/>
-        <p:nvPr/>
-      </p:nvGrpSpPr>
-      <p:grpSpPr>
-        <a:xfrm>
-          <a:off x="0" y="0"/>
-          <a:ext cx="0" cy="0"/>
-          <a:chOff x="0" y="0"/>
-          <a:chExt cx="0" cy="0"/>
-        </a:xfrm>
-      </p:grpSpPr>
-      <p:sp>
-        <p:nvSpPr>
-          <p:cNvPr id="2" name="Title 1">
-            <a:extLst>
-              <a:ext uri="{FF2B5EF4-FFF2-40B4-BE49-F238E27FC236}">
-                <a16:creationId xmlns:a16="http://schemas.microsoft.com/office/drawing/2014/main" id="{F04C1407-5444-EB39-0322-1616A62EDB45}"/>
-              </a:ext>
-            </a:extLst>
-          </p:cNvPr>
-          <p:cNvSpPr>
-            <a:spLocks noGrp="1"/>
-          </p:cNvSpPr>
-          <p:nvPr>
-            <p:ph type="title"/>
-          </p:nvPr>
-        </p:nvSpPr>
-        <p:spPr/>
-        <p:txBody>
-          <a:bodyPr>
-            <a:normAutofit/>
-          </a:bodyPr>
-          <a:lstStyle/>
-          <a:p>
-            <a:r>
-              <a:rPr lang="en-GB" dirty="0"/>
-              <a:t>CUDA task – Compiling CUDA Bench</a:t>
-            </a:r>
-          </a:p>
-        </p:txBody>
-      </p:sp>
-      <p:sp>
-        <p:nvSpPr>
-          <p:cNvPr id="3" name="Content Placeholder 2">
-            <a:extLst>
-              <a:ext uri="{FF2B5EF4-FFF2-40B4-BE49-F238E27FC236}">
-                <a16:creationId xmlns:a16="http://schemas.microsoft.com/office/drawing/2014/main" id="{CA1F009A-51A4-8A17-0A37-4405B2F174D9}"/>
-              </a:ext>
-            </a:extLst>
-          </p:cNvPr>
-          <p:cNvSpPr>
-            <a:spLocks noGrp="1"/>
-          </p:cNvSpPr>
-          <p:nvPr>
-            <p:ph idx="1"/>
-          </p:nvPr>
-        </p:nvSpPr>
-        <p:spPr>
-          <a:xfrm>
-            <a:off x="529167" y="1484784"/>
-            <a:ext cx="10363200" cy="4325466"/>
-          </a:xfrm>
-        </p:spPr>
-        <p:txBody>
-          <a:bodyPr>
-            <a:noAutofit/>
-          </a:bodyPr>
-          <a:lstStyle/>
-          <a:p>
-            <a:r>
-              <a:rPr lang="en-GB" sz="2400" dirty="0"/>
-              <a:t>Module to load:</a:t>
-            </a:r>
-          </a:p>
-          <a:p>
-            <a:pPr lvl="1"/>
-            <a:r>
-              <a:rPr lang="en-GB" sz="2000" dirty="0"/>
-              <a:t>CUDA 12.1.1</a:t>
-            </a:r>
-          </a:p>
-          <a:p>
-            <a:pPr lvl="1"/>
-            <a:r>
-              <a:rPr lang="en-GB" sz="2000" dirty="0"/>
-              <a:t>NVHPC 23.7</a:t>
-            </a:r>
-          </a:p>
-          <a:p>
-            <a:pPr lvl="1"/>
-            <a:r>
-              <a:rPr lang="en-GB" sz="2000" dirty="0" err="1"/>
-              <a:t>CMake</a:t>
-            </a:r>
-            <a:r>
-              <a:rPr lang="en-GB" sz="2000" dirty="0"/>
-              <a:t> 3.26.3</a:t>
-            </a:r>
-          </a:p>
-          <a:p>
-            <a:r>
-              <a:rPr lang="en-GB" sz="2400" dirty="0"/>
-              <a:t>Build command - </a:t>
-            </a:r>
-            <a:r>
-              <a:rPr lang="en-GB" sz="2400" dirty="0" err="1"/>
-              <a:t>cmake</a:t>
-            </a:r>
-            <a:r>
-              <a:rPr lang="en-GB" sz="2400" dirty="0"/>
-              <a:t> -DBUILD_MODE=Release -DCMAKE_CUDA_ARCHITECTURES=80  ..</a:t>
-            </a:r>
-          </a:p>
-          <a:p>
-            <a:endParaRPr lang="en-GB" sz="2400" dirty="0"/>
-          </a:p>
-        </p:txBody>
-      </p:sp>
-      <p:grpSp>
-        <p:nvGrpSpPr>
-          <p:cNvPr id="4" name="Group 3">
-            <a:extLst>
-              <a:ext uri="{FF2B5EF4-FFF2-40B4-BE49-F238E27FC236}">
-                <a16:creationId xmlns:a16="http://schemas.microsoft.com/office/drawing/2014/main" id="{AC3D2D36-FDD1-9A47-42E9-623D3700C909}"/>
-              </a:ext>
-            </a:extLst>
-          </p:cNvPr>
-          <p:cNvGrpSpPr/>
-          <p:nvPr/>
-        </p:nvGrpSpPr>
-        <p:grpSpPr>
-          <a:xfrm>
-            <a:off x="4215988" y="5793696"/>
-            <a:ext cx="960359" cy="877088"/>
-            <a:chOff x="4215988" y="5793696"/>
-            <a:chExt cx="960359" cy="877088"/>
-          </a:xfrm>
-        </p:grpSpPr>
-        <p:pic>
-          <p:nvPicPr>
-            <p:cNvPr id="5" name="Picture 4" descr="A picture containing schematic&#10;&#10;Description automatically generated">
-              <a:extLst>
-                <a:ext uri="{FF2B5EF4-FFF2-40B4-BE49-F238E27FC236}">
-                  <a16:creationId xmlns:a16="http://schemas.microsoft.com/office/drawing/2014/main" id="{831EF874-55C3-2FA6-DDAD-6E61FB0AD971}"/>
-                </a:ext>
-              </a:extLst>
-            </p:cNvPr>
-            <p:cNvPicPr>
-              <a:picLocks noChangeAspect="1"/>
-            </p:cNvPicPr>
-            <p:nvPr/>
-          </p:nvPicPr>
-          <p:blipFill>
-            <a:blip r:embed="rId2" cstate="print">
-              <a:extLst>
-                <a:ext uri="{28A0092B-C50C-407E-A947-70E740481C1C}">
-                  <a14:useLocalDpi xmlns:a14="http://schemas.microsoft.com/office/drawing/2010/main" val="0"/>
-                </a:ext>
-              </a:extLst>
-            </a:blip>
-            <a:stretch>
-              <a:fillRect/>
-            </a:stretch>
-          </p:blipFill>
-          <p:spPr>
-            <a:xfrm>
-              <a:off x="4299259" y="5793696"/>
-              <a:ext cx="877088" cy="877088"/>
-            </a:xfrm>
-            <a:prstGeom prst="rect">
-              <a:avLst/>
-            </a:prstGeom>
-          </p:spPr>
-        </p:pic>
-        <p:cxnSp>
-          <p:nvCxnSpPr>
-            <p:cNvPr id="6" name="Straight Connector 5">
-              <a:extLst>
-                <a:ext uri="{FF2B5EF4-FFF2-40B4-BE49-F238E27FC236}">
-                  <a16:creationId xmlns:a16="http://schemas.microsoft.com/office/drawing/2014/main" id="{40A509E1-3BC4-6966-2CC6-FED5A378BE23}"/>
-                </a:ext>
-              </a:extLst>
-            </p:cNvPr>
-            <p:cNvCxnSpPr/>
-            <p:nvPr/>
-          </p:nvCxnSpPr>
-          <p:spPr>
-            <a:xfrm>
-              <a:off x="4215988" y="6033542"/>
-              <a:ext cx="0" cy="359764"/>
-            </a:xfrm>
-            <a:prstGeom prst="line">
-              <a:avLst/>
-            </a:prstGeom>
-            <a:ln>
-              <a:solidFill>
-                <a:schemeClr val="tx1">
-                  <a:lumMod val="75000"/>
-                  <a:lumOff val="25000"/>
-                </a:schemeClr>
-              </a:solidFill>
-            </a:ln>
-          </p:spPr>
-          <p:style>
-            <a:lnRef idx="2">
-              <a:schemeClr val="dk1"/>
-            </a:lnRef>
-            <a:fillRef idx="0">
-              <a:schemeClr val="dk1"/>
-            </a:fillRef>
-            <a:effectRef idx="1">
-              <a:schemeClr val="dk1"/>
-            </a:effectRef>
-            <a:fontRef idx="minor">
-              <a:schemeClr val="tx1"/>
-            </a:fontRef>
-          </p:style>
-        </p:cxnSp>
-      </p:grpSp>
-    </p:spTree>
-    <p:extLst>
-      <p:ext uri="{BB962C8B-B14F-4D97-AF65-F5344CB8AC3E}">
-        <p14:creationId xmlns:p14="http://schemas.microsoft.com/office/powerpoint/2010/main" val="50004006"/>
-      </p:ext>
-    </p:extLst>
-  </p:cSld>
-  <p:clrMapOvr>
-    <a:masterClrMapping/>
-  </p:clrMapOvr>
-</p:sld>
-</file>
-
-<file path=ppt/slides/slide18.xml><?xml version="1.0" encoding="utf-8"?>
-<p:sld xmlns:a="http://schemas.openxmlformats.org/drawingml/2006/main" xmlns:r="http://schemas.openxmlformats.org/officeDocument/2006/relationships" xmlns:p="http://schemas.openxmlformats.org/presentationml/2006/main">
-  <p:cSld>
-    <p:spTree>
-      <p:nvGrpSpPr>
-        <p:cNvPr id="1" name="">
-          <a:extLst>
-            <a:ext uri="{FF2B5EF4-FFF2-40B4-BE49-F238E27FC236}">
               <a16:creationId xmlns:a16="http://schemas.microsoft.com/office/drawing/2014/main" id="{D9CBDE76-AB6E-0BC0-FDC8-743CA6D17ED3}"/>
             </a:ext>
           </a:extLst>
@@ -6312,7 +6068,7 @@
 </p:sld>
 </file>
 
-<file path=ppt/slides/slide19.xml><?xml version="1.0" encoding="utf-8"?>
+<file path=ppt/slides/slide18.xml><?xml version="1.0" encoding="utf-8"?>
 <p:sld xmlns:a="http://schemas.openxmlformats.org/drawingml/2006/main" xmlns:r="http://schemas.openxmlformats.org/officeDocument/2006/relationships" xmlns:p="http://schemas.openxmlformats.org/presentationml/2006/main">
   <p:cSld>
     <p:spTree>
@@ -6568,6 +6324,247 @@
     <p:extLst>
       <p:ext uri="{BB962C8B-B14F-4D97-AF65-F5344CB8AC3E}">
         <p14:creationId xmlns:p14="http://schemas.microsoft.com/office/powerpoint/2010/main" val="3843070942"/>
+      </p:ext>
+    </p:extLst>
+  </p:cSld>
+  <p:clrMapOvr>
+    <a:masterClrMapping/>
+  </p:clrMapOvr>
+</p:sld>
+</file>
+
+<file path=ppt/slides/slide19.xml><?xml version="1.0" encoding="utf-8"?>
+<p:sld xmlns:a="http://schemas.openxmlformats.org/drawingml/2006/main" xmlns:r="http://schemas.openxmlformats.org/officeDocument/2006/relationships" xmlns:p="http://schemas.openxmlformats.org/presentationml/2006/main">
+  <p:cSld>
+    <p:spTree>
+      <p:nvGrpSpPr>
+        <p:cNvPr id="1" name="">
+          <a:extLst>
+            <a:ext uri="{FF2B5EF4-FFF2-40B4-BE49-F238E27FC236}">
+              <a16:creationId xmlns:a16="http://schemas.microsoft.com/office/drawing/2014/main" id="{4C769C9F-890C-FDD8-DC17-413DBDF735A0}"/>
+            </a:ext>
+          </a:extLst>
+        </p:cNvPr>
+        <p:cNvGrpSpPr/>
+        <p:nvPr/>
+      </p:nvGrpSpPr>
+      <p:grpSpPr>
+        <a:xfrm>
+          <a:off x="0" y="0"/>
+          <a:ext cx="0" cy="0"/>
+          <a:chOff x="0" y="0"/>
+          <a:chExt cx="0" cy="0"/>
+        </a:xfrm>
+      </p:grpSpPr>
+      <p:sp>
+        <p:nvSpPr>
+          <p:cNvPr id="2" name="Title 1">
+            <a:extLst>
+              <a:ext uri="{FF2B5EF4-FFF2-40B4-BE49-F238E27FC236}">
+                <a16:creationId xmlns:a16="http://schemas.microsoft.com/office/drawing/2014/main" id="{F04C1407-5444-EB39-0322-1616A62EDB45}"/>
+              </a:ext>
+            </a:extLst>
+          </p:cNvPr>
+          <p:cNvSpPr>
+            <a:spLocks noGrp="1"/>
+          </p:cNvSpPr>
+          <p:nvPr>
+            <p:ph type="title"/>
+          </p:nvPr>
+        </p:nvSpPr>
+        <p:spPr/>
+        <p:txBody>
+          <a:bodyPr>
+            <a:normAutofit/>
+          </a:bodyPr>
+          <a:lstStyle/>
+          <a:p>
+            <a:r>
+              <a:rPr lang="en-GB" dirty="0"/>
+              <a:t>CUDA task – Compiling CUDA Bench</a:t>
+            </a:r>
+          </a:p>
+        </p:txBody>
+      </p:sp>
+      <p:sp>
+        <p:nvSpPr>
+          <p:cNvPr id="3" name="Content Placeholder 2">
+            <a:extLst>
+              <a:ext uri="{FF2B5EF4-FFF2-40B4-BE49-F238E27FC236}">
+                <a16:creationId xmlns:a16="http://schemas.microsoft.com/office/drawing/2014/main" id="{CA1F009A-51A4-8A17-0A37-4405B2F174D9}"/>
+              </a:ext>
+            </a:extLst>
+          </p:cNvPr>
+          <p:cNvSpPr>
+            <a:spLocks noGrp="1"/>
+          </p:cNvSpPr>
+          <p:nvPr>
+            <p:ph idx="1"/>
+          </p:nvPr>
+        </p:nvSpPr>
+        <p:spPr>
+          <a:xfrm>
+            <a:off x="529167" y="1484784"/>
+            <a:ext cx="10363200" cy="4325466"/>
+          </a:xfrm>
+        </p:spPr>
+        <p:txBody>
+          <a:bodyPr>
+            <a:noAutofit/>
+          </a:bodyPr>
+          <a:lstStyle/>
+          <a:p>
+            <a:r>
+              <a:rPr lang="en-GB" sz="2400" dirty="0"/>
+              <a:t>Module to load:</a:t>
+            </a:r>
+          </a:p>
+          <a:p>
+            <a:pPr lvl="1"/>
+            <a:r>
+              <a:rPr lang="en-GB" sz="2000" dirty="0"/>
+              <a:t>CUDA 12.1.1</a:t>
+            </a:r>
+          </a:p>
+          <a:p>
+            <a:pPr lvl="1"/>
+            <a:r>
+              <a:rPr lang="en-GB" sz="2000" dirty="0"/>
+              <a:t>NVHPC 23.7</a:t>
+            </a:r>
+          </a:p>
+          <a:p>
+            <a:pPr lvl="1"/>
+            <a:r>
+              <a:rPr lang="en-GB" sz="2000" dirty="0" err="1"/>
+              <a:t>CMake</a:t>
+            </a:r>
+            <a:r>
+              <a:rPr lang="en-GB" sz="2000" dirty="0"/>
+              <a:t> 3.26.3</a:t>
+            </a:r>
+          </a:p>
+          <a:p>
+            <a:r>
+              <a:rPr lang="en-GB" sz="2400" dirty="0"/>
+              <a:t>Build command - </a:t>
+            </a:r>
+            <a:r>
+              <a:rPr lang="en-GB" sz="2400" dirty="0" err="1"/>
+              <a:t>cmake</a:t>
+            </a:r>
+            <a:r>
+              <a:rPr lang="en-GB" sz="2400" dirty="0"/>
+              <a:t> -DBUILD_MODE=Release</a:t>
+            </a:r>
+          </a:p>
+        </p:txBody>
+      </p:sp>
+      <p:grpSp>
+        <p:nvGrpSpPr>
+          <p:cNvPr id="4" name="Group 3">
+            <a:extLst>
+              <a:ext uri="{FF2B5EF4-FFF2-40B4-BE49-F238E27FC236}">
+                <a16:creationId xmlns:a16="http://schemas.microsoft.com/office/drawing/2014/main" id="{AC3D2D36-FDD1-9A47-42E9-623D3700C909}"/>
+              </a:ext>
+            </a:extLst>
+          </p:cNvPr>
+          <p:cNvGrpSpPr/>
+          <p:nvPr/>
+        </p:nvGrpSpPr>
+        <p:grpSpPr>
+          <a:xfrm>
+            <a:off x="4215988" y="5793696"/>
+            <a:ext cx="960359" cy="877088"/>
+            <a:chOff x="4215988" y="5793696"/>
+            <a:chExt cx="960359" cy="877088"/>
+          </a:xfrm>
+        </p:grpSpPr>
+        <p:pic>
+          <p:nvPicPr>
+            <p:cNvPr id="5" name="Picture 4" descr="A picture containing schematic&#10;&#10;Description automatically generated">
+              <a:extLst>
+                <a:ext uri="{FF2B5EF4-FFF2-40B4-BE49-F238E27FC236}">
+                  <a16:creationId xmlns:a16="http://schemas.microsoft.com/office/drawing/2014/main" id="{831EF874-55C3-2FA6-DDAD-6E61FB0AD971}"/>
+                </a:ext>
+              </a:extLst>
+            </p:cNvPr>
+            <p:cNvPicPr>
+              <a:picLocks noChangeAspect="1"/>
+            </p:cNvPicPr>
+            <p:nvPr/>
+          </p:nvPicPr>
+          <p:blipFill>
+            <a:blip r:embed="rId2" cstate="print">
+              <a:extLst>
+                <a:ext uri="{28A0092B-C50C-407E-A947-70E740481C1C}">
+                  <a14:useLocalDpi xmlns:a14="http://schemas.microsoft.com/office/drawing/2010/main" val="0"/>
+                </a:ext>
+              </a:extLst>
+            </a:blip>
+            <a:stretch>
+              <a:fillRect/>
+            </a:stretch>
+          </p:blipFill>
+          <p:spPr>
+            <a:xfrm>
+              <a:off x="4299259" y="5793696"/>
+              <a:ext cx="877088" cy="877088"/>
+            </a:xfrm>
+            <a:prstGeom prst="rect">
+              <a:avLst/>
+            </a:prstGeom>
+          </p:spPr>
+        </p:pic>
+        <p:cxnSp>
+          <p:nvCxnSpPr>
+            <p:cNvPr id="6" name="Straight Connector 5">
+              <a:extLst>
+                <a:ext uri="{FF2B5EF4-FFF2-40B4-BE49-F238E27FC236}">
+                  <a16:creationId xmlns:a16="http://schemas.microsoft.com/office/drawing/2014/main" id="{40A509E1-3BC4-6966-2CC6-FED5A378BE23}"/>
+                </a:ext>
+              </a:extLst>
+            </p:cNvPr>
+            <p:cNvCxnSpPr/>
+            <p:nvPr/>
+          </p:nvCxnSpPr>
+          <p:spPr>
+            <a:xfrm>
+              <a:off x="4215988" y="6033542"/>
+              <a:ext cx="0" cy="359764"/>
+            </a:xfrm>
+            <a:prstGeom prst="line">
+              <a:avLst/>
+            </a:prstGeom>
+            <a:ln>
+              <a:solidFill>
+                <a:schemeClr val="tx1">
+                  <a:lumMod val="75000"/>
+                  <a:lumOff val="25000"/>
+                </a:schemeClr>
+              </a:solidFill>
+            </a:ln>
+          </p:spPr>
+          <p:style>
+            <a:lnRef idx="2">
+              <a:schemeClr val="dk1"/>
+            </a:lnRef>
+            <a:fillRef idx="0">
+              <a:schemeClr val="dk1"/>
+            </a:fillRef>
+            <a:effectRef idx="1">
+              <a:schemeClr val="dk1"/>
+            </a:effectRef>
+            <a:fontRef idx="minor">
+              <a:schemeClr val="tx1"/>
+            </a:fontRef>
+          </p:style>
+        </p:cxnSp>
+      </p:grpSp>
+    </p:spTree>
+    <p:extLst>
+      <p:ext uri="{BB962C8B-B14F-4D97-AF65-F5344CB8AC3E}">
+        <p14:creationId xmlns:p14="http://schemas.microsoft.com/office/powerpoint/2010/main" val="50004006"/>
       </p:ext>
     </p:extLst>
   </p:cSld>
@@ -12705,18 +12702,18 @@
 </file>
 
 <file path=customXml/item2.xml><?xml version="1.0" encoding="utf-8"?>
+<p:properties xmlns:p="http://schemas.microsoft.com/office/2006/metadata/properties" xmlns:xsi="http://www.w3.org/2001/XMLSchema-instance" xmlns:pc="http://schemas.microsoft.com/office/infopath/2007/PartnerControls">
+  <documentManagement/>
+</p:properties>
+</file>
+
+<file path=customXml/item3.xml><?xml version="1.0" encoding="utf-8"?>
 <?mso-contentType ?>
 <FormTemplates xmlns="http://schemas.microsoft.com/sharepoint/v3/contenttype/forms">
   <Display>DocumentLibraryForm</Display>
   <Edit>DocumentLibraryForm</Edit>
   <New>DocumentLibraryForm</New>
 </FormTemplates>
-</file>
-
-<file path=customXml/item3.xml><?xml version="1.0" encoding="utf-8"?>
-<p:properties xmlns:p="http://schemas.microsoft.com/office/2006/metadata/properties" xmlns:xsi="http://www.w3.org/2001/XMLSchema-instance" xmlns:pc="http://schemas.microsoft.com/office/infopath/2007/PartnerControls">
-  <documentManagement/>
-</p:properties>
 </file>
 
 <file path=customXml/itemProps1.xml><?xml version="1.0" encoding="utf-8"?>
@@ -12739,14 +12736,6 @@
 </file>
 
 <file path=customXml/itemProps2.xml><?xml version="1.0" encoding="utf-8"?>
-<ds:datastoreItem xmlns:ds="http://schemas.openxmlformats.org/officeDocument/2006/customXml" ds:itemID="{01C33FEC-652C-4516-A579-CBB40620CA04}">
-  <ds:schemaRefs>
-    <ds:schemaRef ds:uri="http://schemas.microsoft.com/sharepoint/v3/contenttype/forms"/>
-  </ds:schemaRefs>
-</ds:datastoreItem>
-</file>
-
-<file path=customXml/itemProps3.xml><?xml version="1.0" encoding="utf-8"?>
 <ds:datastoreItem xmlns:ds="http://schemas.openxmlformats.org/officeDocument/2006/customXml" ds:itemID="{0A3731A9-97AF-4DDB-A94A-9053EAA7AAD3}">
   <ds:schemaRefs>
     <ds:schemaRef ds:uri="http://purl.org/dc/terms/"/>
@@ -12760,4 +12749,12 @@
     <ds:schemaRef ds:uri="http://purl.org/dc/elements/1.1/"/>
   </ds:schemaRefs>
 </ds:datastoreItem>
+</file>
+
+<file path=customXml/itemProps3.xml><?xml version="1.0" encoding="utf-8"?>
+<ds:datastoreItem xmlns:ds="http://schemas.openxmlformats.org/officeDocument/2006/customXml" ds:itemID="{01C33FEC-652C-4516-A579-CBB40620CA04}">
+  <ds:schemaRefs>
+    <ds:schemaRef ds:uri="http://schemas.microsoft.com/sharepoint/v3/contenttype/forms"/>
+  </ds:schemaRefs>
+</ds:datastoreItem>
 </file>